--- a/iotcentral-iiot-hol.pptx
+++ b/iotcentral-iiot-hol.pptx
@@ -268,7 +268,7 @@
           <a:p>
             <a:fld id="{C4D5657C-1F5A-4382-9D2F-DB501CEBDF66}" type="datetimeFigureOut">
               <a:rPr lang="en-US" smtClean="0"/>
-              <a:t>5/9/2022</a:t>
+              <a:t>5/11/2022</a:t>
             </a:fld>
             <a:endParaRPr lang="en-US"/>
           </a:p>
@@ -466,7 +466,7 @@
           <a:p>
             <a:fld id="{C4D5657C-1F5A-4382-9D2F-DB501CEBDF66}" type="datetimeFigureOut">
               <a:rPr lang="en-US" smtClean="0"/>
-              <a:t>5/9/2022</a:t>
+              <a:t>5/11/2022</a:t>
             </a:fld>
             <a:endParaRPr lang="en-US"/>
           </a:p>
@@ -674,7 +674,7 @@
           <a:p>
             <a:fld id="{C4D5657C-1F5A-4382-9D2F-DB501CEBDF66}" type="datetimeFigureOut">
               <a:rPr lang="en-US" smtClean="0"/>
-              <a:t>5/9/2022</a:t>
+              <a:t>5/11/2022</a:t>
             </a:fld>
             <a:endParaRPr lang="en-US"/>
           </a:p>
@@ -872,7 +872,7 @@
           <a:p>
             <a:fld id="{C4D5657C-1F5A-4382-9D2F-DB501CEBDF66}" type="datetimeFigureOut">
               <a:rPr lang="en-US" smtClean="0"/>
-              <a:t>5/9/2022</a:t>
+              <a:t>5/11/2022</a:t>
             </a:fld>
             <a:endParaRPr lang="en-US"/>
           </a:p>
@@ -1147,7 +1147,7 @@
           <a:p>
             <a:fld id="{C4D5657C-1F5A-4382-9D2F-DB501CEBDF66}" type="datetimeFigureOut">
               <a:rPr lang="en-US" smtClean="0"/>
-              <a:t>5/9/2022</a:t>
+              <a:t>5/11/2022</a:t>
             </a:fld>
             <a:endParaRPr lang="en-US"/>
           </a:p>
@@ -1412,7 +1412,7 @@
           <a:p>
             <a:fld id="{C4D5657C-1F5A-4382-9D2F-DB501CEBDF66}" type="datetimeFigureOut">
               <a:rPr lang="en-US" smtClean="0"/>
-              <a:t>5/9/2022</a:t>
+              <a:t>5/11/2022</a:t>
             </a:fld>
             <a:endParaRPr lang="en-US"/>
           </a:p>
@@ -1824,7 +1824,7 @@
           <a:p>
             <a:fld id="{C4D5657C-1F5A-4382-9D2F-DB501CEBDF66}" type="datetimeFigureOut">
               <a:rPr lang="en-US" smtClean="0"/>
-              <a:t>5/9/2022</a:t>
+              <a:t>5/11/2022</a:t>
             </a:fld>
             <a:endParaRPr lang="en-US"/>
           </a:p>
@@ -1965,7 +1965,7 @@
           <a:p>
             <a:fld id="{C4D5657C-1F5A-4382-9D2F-DB501CEBDF66}" type="datetimeFigureOut">
               <a:rPr lang="en-US" smtClean="0"/>
-              <a:t>5/9/2022</a:t>
+              <a:t>5/11/2022</a:t>
             </a:fld>
             <a:endParaRPr lang="en-US"/>
           </a:p>
@@ -2078,7 +2078,7 @@
           <a:p>
             <a:fld id="{C4D5657C-1F5A-4382-9D2F-DB501CEBDF66}" type="datetimeFigureOut">
               <a:rPr lang="en-US" smtClean="0"/>
-              <a:t>5/9/2022</a:t>
+              <a:t>5/11/2022</a:t>
             </a:fld>
             <a:endParaRPr lang="en-US"/>
           </a:p>
@@ -2389,7 +2389,7 @@
           <a:p>
             <a:fld id="{C4D5657C-1F5A-4382-9D2F-DB501CEBDF66}" type="datetimeFigureOut">
               <a:rPr lang="en-US" smtClean="0"/>
-              <a:t>5/9/2022</a:t>
+              <a:t>5/11/2022</a:t>
             </a:fld>
             <a:endParaRPr lang="en-US"/>
           </a:p>
@@ -2677,7 +2677,7 @@
           <a:p>
             <a:fld id="{C4D5657C-1F5A-4382-9D2F-DB501CEBDF66}" type="datetimeFigureOut">
               <a:rPr lang="en-US" smtClean="0"/>
-              <a:t>5/9/2022</a:t>
+              <a:t>5/11/2022</a:t>
             </a:fld>
             <a:endParaRPr lang="en-US"/>
           </a:p>
@@ -2918,7 +2918,7 @@
           <a:p>
             <a:fld id="{C4D5657C-1F5A-4382-9D2F-DB501CEBDF66}" type="datetimeFigureOut">
               <a:rPr lang="en-US" smtClean="0"/>
-              <a:t>5/9/2022</a:t>
+              <a:t>5/11/2022</a:t>
             </a:fld>
             <a:endParaRPr lang="en-US"/>
           </a:p>
@@ -5613,7 +5613,7 @@
         </p:nvSpPr>
         <p:spPr>
           <a:xfrm>
-            <a:off x="838199" y="1430767"/>
+            <a:off x="838200" y="1252632"/>
             <a:ext cx="10844605" cy="5249732"/>
           </a:xfrm>
         </p:spPr>
@@ -5631,6 +5631,124 @@
                 <a:latin typeface="Courier New" panose="02070309020205020404" pitchFamily="49" charset="0"/>
                 <a:cs typeface="Courier New" panose="02070309020205020404" pitchFamily="49" charset="0"/>
               </a:rPr>
+              <a:t>instanceid</a:t>
+            </a:r>
+            <a:r>
+              <a:rPr lang="en-US" sz="900" dirty="0">
+                <a:latin typeface="Courier New" panose="02070309020205020404" pitchFamily="49" charset="0"/>
+                <a:cs typeface="Courier New" panose="02070309020205020404" pitchFamily="49" charset="0"/>
+              </a:rPr>
+              <a:t>="111111"</a:t>
+            </a:r>
+          </a:p>
+          <a:p>
+            <a:pPr marL="0" indent="0">
+              <a:buNone/>
+            </a:pPr>
+            <a:r>
+              <a:rPr lang="en-US" sz="900" dirty="0" err="1">
+                <a:latin typeface="Courier New" panose="02070309020205020404" pitchFamily="49" charset="0"/>
+                <a:cs typeface="Courier New" panose="02070309020205020404" pitchFamily="49" charset="0"/>
+              </a:rPr>
+              <a:t>rgname</a:t>
+            </a:r>
+            <a:r>
+              <a:rPr lang="en-US" sz="900" dirty="0">
+                <a:latin typeface="Courier New" panose="02070309020205020404" pitchFamily="49" charset="0"/>
+                <a:cs typeface="Courier New" panose="02070309020205020404" pitchFamily="49" charset="0"/>
+              </a:rPr>
+              <a:t>="</a:t>
+            </a:r>
+            <a:r>
+              <a:rPr lang="en-US" sz="900" dirty="0" err="1">
+                <a:latin typeface="Courier New" panose="02070309020205020404" pitchFamily="49" charset="0"/>
+                <a:cs typeface="Courier New" panose="02070309020205020404" pitchFamily="49" charset="0"/>
+              </a:rPr>
+              <a:t>iotcoeehol</a:t>
+            </a:r>
+            <a:r>
+              <a:rPr lang="en-US" sz="900" dirty="0">
+                <a:latin typeface="Courier New" panose="02070309020205020404" pitchFamily="49" charset="0"/>
+                <a:cs typeface="Courier New" panose="02070309020205020404" pitchFamily="49" charset="0"/>
+              </a:rPr>
+              <a:t>"</a:t>
+            </a:r>
+          </a:p>
+          <a:p>
+            <a:pPr marL="0" indent="0">
+              <a:buNone/>
+            </a:pPr>
+            <a:r>
+              <a:rPr lang="en-US" sz="900" dirty="0" err="1">
+                <a:latin typeface="Courier New" panose="02070309020205020404" pitchFamily="49" charset="0"/>
+                <a:cs typeface="Courier New" panose="02070309020205020404" pitchFamily="49" charset="0"/>
+              </a:rPr>
+              <a:t>regionname</a:t>
+            </a:r>
+            <a:r>
+              <a:rPr lang="en-US" sz="900" dirty="0">
+                <a:latin typeface="Courier New" panose="02070309020205020404" pitchFamily="49" charset="0"/>
+                <a:cs typeface="Courier New" panose="02070309020205020404" pitchFamily="49" charset="0"/>
+              </a:rPr>
+              <a:t>="eastus2"</a:t>
+            </a:r>
+          </a:p>
+          <a:p>
+            <a:pPr marL="0" indent="0">
+              <a:buNone/>
+            </a:pPr>
+            <a:r>
+              <a:rPr lang="en-US" sz="900" dirty="0" err="1">
+                <a:latin typeface="Courier New" panose="02070309020205020404" pitchFamily="49" charset="0"/>
+                <a:cs typeface="Courier New" panose="02070309020205020404" pitchFamily="49" charset="0"/>
+              </a:rPr>
+              <a:t>appname</a:t>
+            </a:r>
+            <a:r>
+              <a:rPr lang="en-US" sz="900" dirty="0">
+                <a:latin typeface="Courier New" panose="02070309020205020404" pitchFamily="49" charset="0"/>
+                <a:cs typeface="Courier New" panose="02070309020205020404" pitchFamily="49" charset="0"/>
+              </a:rPr>
+              <a:t>="</a:t>
+            </a:r>
+            <a:r>
+              <a:rPr lang="en-US" sz="900" dirty="0" err="1">
+                <a:latin typeface="Courier New" panose="02070309020205020404" pitchFamily="49" charset="0"/>
+                <a:cs typeface="Courier New" panose="02070309020205020404" pitchFamily="49" charset="0"/>
+              </a:rPr>
+              <a:t>iotcoeehol</a:t>
+            </a:r>
+            <a:r>
+              <a:rPr lang="en-US" sz="900" dirty="0">
+                <a:latin typeface="Courier New" panose="02070309020205020404" pitchFamily="49" charset="0"/>
+                <a:cs typeface="Courier New" panose="02070309020205020404" pitchFamily="49" charset="0"/>
+              </a:rPr>
+              <a:t>-$</a:t>
+            </a:r>
+            <a:r>
+              <a:rPr lang="en-US" sz="900" dirty="0" err="1">
+                <a:latin typeface="Courier New" panose="02070309020205020404" pitchFamily="49" charset="0"/>
+                <a:cs typeface="Courier New" panose="02070309020205020404" pitchFamily="49" charset="0"/>
+              </a:rPr>
+              <a:t>instanceid</a:t>
+            </a:r>
+            <a:r>
+              <a:rPr lang="en-US" sz="900" dirty="0">
+                <a:latin typeface="Courier New" panose="02070309020205020404" pitchFamily="49" charset="0"/>
+                <a:cs typeface="Courier New" panose="02070309020205020404" pitchFamily="49" charset="0"/>
+              </a:rPr>
+              <a:t>"</a:t>
+            </a:r>
+          </a:p>
+          <a:p>
+            <a:pPr marL="0" indent="0">
+              <a:buNone/>
+            </a:pPr>
+            <a:r>
+              <a:rPr lang="en-US" sz="900" dirty="0" err="1">
+                <a:latin typeface="Courier New" panose="02070309020205020404" pitchFamily="49" charset="0"/>
+                <a:cs typeface="Courier New" panose="02070309020205020404" pitchFamily="49" charset="0"/>
+              </a:rPr>
               <a:t>appid</a:t>
             </a:r>
             <a:r>
@@ -5646,7 +5764,35 @@
               <a:buNone/>
             </a:pPr>
             <a:r>
-              <a:rPr lang="en-US" sz="900">
+              <a:rPr lang="en-US" sz="900" dirty="0" err="1">
+                <a:latin typeface="Courier New" panose="02070309020205020404" pitchFamily="49" charset="0"/>
+                <a:cs typeface="Courier New" panose="02070309020205020404" pitchFamily="49" charset="0"/>
+              </a:rPr>
+              <a:t>networkName</a:t>
+            </a:r>
+            <a:r>
+              <a:rPr lang="en-US" sz="900" dirty="0">
+                <a:latin typeface="Courier New" panose="02070309020205020404" pitchFamily="49" charset="0"/>
+                <a:cs typeface="Courier New" panose="02070309020205020404" pitchFamily="49" charset="0"/>
+              </a:rPr>
+              <a:t>="</a:t>
+            </a:r>
+            <a:r>
+              <a:rPr lang="en-US" sz="900" dirty="0" err="1">
+                <a:latin typeface="Courier New" panose="02070309020205020404" pitchFamily="49" charset="0"/>
+                <a:cs typeface="Courier New" panose="02070309020205020404" pitchFamily="49" charset="0"/>
+              </a:rPr>
+              <a:t>iiothol</a:t>
+            </a:r>
+            <a:r>
+              <a:rPr lang="en-US" sz="900" dirty="0">
+                <a:latin typeface="Courier New" panose="02070309020205020404" pitchFamily="49" charset="0"/>
+                <a:cs typeface="Courier New" panose="02070309020205020404" pitchFamily="49" charset="0"/>
+              </a:rPr>
+              <a:t>-network-$</a:t>
+            </a:r>
+            <a:r>
+              <a:rPr lang="en-US" sz="900" dirty="0" err="1">
                 <a:latin typeface="Courier New" panose="02070309020205020404" pitchFamily="49" charset="0"/>
                 <a:cs typeface="Courier New" panose="02070309020205020404" pitchFamily="49" charset="0"/>
               </a:rPr>
@@ -5657,7 +5803,7 @@
                 <a:latin typeface="Courier New" panose="02070309020205020404" pitchFamily="49" charset="0"/>
                 <a:cs typeface="Courier New" panose="02070309020205020404" pitchFamily="49" charset="0"/>
               </a:rPr>
-              <a:t>="111111"</a:t>
+              <a:t>"</a:t>
             </a:r>
           </a:p>
           <a:p>
@@ -5673,6 +5819,15 @@
             <a:pPr marL="0" indent="0">
               <a:buNone/>
             </a:pPr>
+            <a:endParaRPr lang="en-US" sz="900" dirty="0">
+              <a:latin typeface="Courier New" panose="02070309020205020404" pitchFamily="49" charset="0"/>
+              <a:cs typeface="Courier New" panose="02070309020205020404" pitchFamily="49" charset="0"/>
+            </a:endParaRPr>
+          </a:p>
+          <a:p>
+            <a:pPr marL="0" indent="0">
+              <a:buNone/>
+            </a:pPr>
             <a:r>
               <a:rPr lang="en-US" sz="900" dirty="0" err="1">
                 <a:latin typeface="Courier New" panose="02070309020205020404" pitchFamily="49" charset="0"/>
@@ -5793,6 +5948,15 @@
             <a:pPr marL="0" indent="0">
               <a:buNone/>
             </a:pPr>
+            <a:endParaRPr lang="en-US" sz="900" dirty="0">
+              <a:latin typeface="Courier New" panose="02070309020205020404" pitchFamily="49" charset="0"/>
+              <a:cs typeface="Courier New" panose="02070309020205020404" pitchFamily="49" charset="0"/>
+            </a:endParaRPr>
+          </a:p>
+          <a:p>
+            <a:pPr marL="0" indent="0">
+              <a:buNone/>
+            </a:pPr>
             <a:r>
               <a:rPr lang="en-US" sz="900" dirty="0" err="1">
                 <a:latin typeface="Courier New" panose="02070309020205020404" pitchFamily="49" charset="0"/>
@@ -5847,35 +6011,21 @@
                 <a:latin typeface="Courier New" panose="02070309020205020404" pitchFamily="49" charset="0"/>
                 <a:cs typeface="Courier New" panose="02070309020205020404" pitchFamily="49" charset="0"/>
               </a:rPr>
-              <a:t>" --template-file “./</a:t>
-            </a:r>
-            <a:r>
-              <a:rPr lang="en-US" sz="900" dirty="0" err="1">
-                <a:latin typeface="Courier New" panose="02070309020205020404" pitchFamily="49" charset="0"/>
-                <a:cs typeface="Courier New" panose="02070309020205020404" pitchFamily="49" charset="0"/>
-              </a:rPr>
-              <a:t>vmDeploy.json</a:t>
-            </a:r>
-            <a:r>
-              <a:rPr lang="en-US" sz="900" dirty="0">
-                <a:latin typeface="Courier New" panose="02070309020205020404" pitchFamily="49" charset="0"/>
-                <a:cs typeface="Courier New" panose="02070309020205020404" pitchFamily="49" charset="0"/>
-              </a:rPr>
-              <a:t>" --parameters  </a:t>
-            </a:r>
-            <a:r>
-              <a:rPr lang="en-US" sz="900" dirty="0" err="1">
-                <a:latin typeface="Courier New" panose="02070309020205020404" pitchFamily="49" charset="0"/>
-                <a:cs typeface="Courier New" panose="02070309020205020404" pitchFamily="49" charset="0"/>
-              </a:rPr>
-              <a:t>vmType</a:t>
-            </a:r>
-            <a:r>
-              <a:rPr lang="en-US" sz="900" dirty="0">
-                <a:latin typeface="Courier New" panose="02070309020205020404" pitchFamily="49" charset="0"/>
-                <a:cs typeface="Courier New" panose="02070309020205020404" pitchFamily="49" charset="0"/>
-              </a:rPr>
-              <a:t>="simulator" </a:t>
+              <a:t>" --template-file "</a:t>
+            </a:r>
+            <a:r>
+              <a:rPr lang="en-US" sz="900" dirty="0" err="1">
+                <a:latin typeface="Courier New" panose="02070309020205020404" pitchFamily="49" charset="0"/>
+                <a:cs typeface="Courier New" panose="02070309020205020404" pitchFamily="49" charset="0"/>
+              </a:rPr>
+              <a:t>simVMTemplate.json</a:t>
+            </a:r>
+            <a:r>
+              <a:rPr lang="en-US" sz="900" dirty="0">
+                <a:latin typeface="Courier New" panose="02070309020205020404" pitchFamily="49" charset="0"/>
+                <a:cs typeface="Courier New" panose="02070309020205020404" pitchFamily="49" charset="0"/>
+              </a:rPr>
+              <a:t>" --parameters </a:t>
             </a:r>
             <a:r>
               <a:rPr lang="en-US" sz="900" dirty="0" err="1">
@@ -6067,7 +6217,7 @@
               <a:t>tsv</a:t>
             </a:r>
             <a:r>
-              <a:rPr lang="en-US" sz="900" dirty="0">
+              <a:rPr lang="en-US" sz="900">
                 <a:latin typeface="Courier New" panose="02070309020205020404" pitchFamily="49" charset="0"/>
                 <a:cs typeface="Courier New" panose="02070309020205020404" pitchFamily="49" charset="0"/>
               </a:rPr>
@@ -6554,212 +6704,6 @@
             <a:pPr marL="0" indent="0">
               <a:buNone/>
             </a:pPr>
-            <a:r>
-              <a:rPr lang="en-US" sz="900" dirty="0" err="1">
-                <a:latin typeface="Courier New" panose="02070309020205020404" pitchFamily="49" charset="0"/>
-                <a:cs typeface="Courier New" panose="02070309020205020404" pitchFamily="49" charset="0"/>
-              </a:rPr>
-              <a:t>scopeid</a:t>
-            </a:r>
-            <a:r>
-              <a:rPr lang="en-US" sz="900" dirty="0">
-                <a:latin typeface="Courier New" panose="02070309020205020404" pitchFamily="49" charset="0"/>
-                <a:cs typeface="Courier New" panose="02070309020205020404" pitchFamily="49" charset="0"/>
-              </a:rPr>
-              <a:t>=($(</a:t>
-            </a:r>
-            <a:r>
-              <a:rPr lang="en-US" sz="900" dirty="0" err="1">
-                <a:latin typeface="Courier New" panose="02070309020205020404" pitchFamily="49" charset="0"/>
-                <a:cs typeface="Courier New" panose="02070309020205020404" pitchFamily="49" charset="0"/>
-              </a:rPr>
-              <a:t>az</a:t>
-            </a:r>
-            <a:r>
-              <a:rPr lang="en-US" sz="900" dirty="0">
-                <a:latin typeface="Courier New" panose="02070309020205020404" pitchFamily="49" charset="0"/>
-                <a:cs typeface="Courier New" panose="02070309020205020404" pitchFamily="49" charset="0"/>
-              </a:rPr>
-              <a:t> </a:t>
-            </a:r>
-            <a:r>
-              <a:rPr lang="en-US" sz="900" dirty="0" err="1">
-                <a:latin typeface="Courier New" panose="02070309020205020404" pitchFamily="49" charset="0"/>
-                <a:cs typeface="Courier New" panose="02070309020205020404" pitchFamily="49" charset="0"/>
-              </a:rPr>
-              <a:t>iot</a:t>
-            </a:r>
-            <a:r>
-              <a:rPr lang="en-US" sz="900" dirty="0">
-                <a:latin typeface="Courier New" panose="02070309020205020404" pitchFamily="49" charset="0"/>
-                <a:cs typeface="Courier New" panose="02070309020205020404" pitchFamily="49" charset="0"/>
-              </a:rPr>
-              <a:t> central device show-credentials --app-id $</a:t>
-            </a:r>
-            <a:r>
-              <a:rPr lang="en-US" sz="900" dirty="0" err="1">
-                <a:latin typeface="Courier New" panose="02070309020205020404" pitchFamily="49" charset="0"/>
-                <a:cs typeface="Courier New" panose="02070309020205020404" pitchFamily="49" charset="0"/>
-              </a:rPr>
-              <a:t>appid</a:t>
-            </a:r>
-            <a:r>
-              <a:rPr lang="en-US" sz="900" dirty="0">
-                <a:latin typeface="Courier New" panose="02070309020205020404" pitchFamily="49" charset="0"/>
-                <a:cs typeface="Courier New" panose="02070309020205020404" pitchFamily="49" charset="0"/>
-              </a:rPr>
-              <a:t> --device-id $</a:t>
-            </a:r>
-            <a:r>
-              <a:rPr lang="en-US" sz="900" dirty="0" err="1">
-                <a:latin typeface="Courier New" panose="02070309020205020404" pitchFamily="49" charset="0"/>
-                <a:cs typeface="Courier New" panose="02070309020205020404" pitchFamily="49" charset="0"/>
-              </a:rPr>
-              <a:t>deviceid</a:t>
-            </a:r>
-            <a:r>
-              <a:rPr lang="en-US" sz="900" dirty="0">
-                <a:latin typeface="Courier New" panose="02070309020205020404" pitchFamily="49" charset="0"/>
-                <a:cs typeface="Courier New" panose="02070309020205020404" pitchFamily="49" charset="0"/>
-              </a:rPr>
-              <a:t> --query "</a:t>
-            </a:r>
-            <a:r>
-              <a:rPr lang="en-US" sz="900" dirty="0" err="1">
-                <a:latin typeface="Courier New" panose="02070309020205020404" pitchFamily="49" charset="0"/>
-                <a:cs typeface="Courier New" panose="02070309020205020404" pitchFamily="49" charset="0"/>
-              </a:rPr>
-              <a:t>idScope</a:t>
-            </a:r>
-            <a:r>
-              <a:rPr lang="en-US" sz="900" dirty="0">
-                <a:latin typeface="Courier New" panose="02070309020205020404" pitchFamily="49" charset="0"/>
-                <a:cs typeface="Courier New" panose="02070309020205020404" pitchFamily="49" charset="0"/>
-              </a:rPr>
-              <a:t>" -o </a:t>
-            </a:r>
-            <a:r>
-              <a:rPr lang="en-US" sz="900" dirty="0" err="1">
-                <a:latin typeface="Courier New" panose="02070309020205020404" pitchFamily="49" charset="0"/>
-                <a:cs typeface="Courier New" panose="02070309020205020404" pitchFamily="49" charset="0"/>
-              </a:rPr>
-              <a:t>tsv</a:t>
-            </a:r>
-            <a:r>
-              <a:rPr lang="en-US" sz="900" dirty="0">
-                <a:latin typeface="Courier New" panose="02070309020205020404" pitchFamily="49" charset="0"/>
-                <a:cs typeface="Courier New" panose="02070309020205020404" pitchFamily="49" charset="0"/>
-              </a:rPr>
-              <a:t>))</a:t>
-            </a:r>
-          </a:p>
-          <a:p>
-            <a:pPr marL="0" indent="0">
-              <a:buNone/>
-            </a:pPr>
-            <a:r>
-              <a:rPr lang="en-US" sz="900" dirty="0" err="1">
-                <a:latin typeface="Courier New" panose="02070309020205020404" pitchFamily="49" charset="0"/>
-                <a:cs typeface="Courier New" panose="02070309020205020404" pitchFamily="49" charset="0"/>
-              </a:rPr>
-              <a:t>devicekey</a:t>
-            </a:r>
-            <a:r>
-              <a:rPr lang="en-US" sz="900" dirty="0">
-                <a:latin typeface="Courier New" panose="02070309020205020404" pitchFamily="49" charset="0"/>
-                <a:cs typeface="Courier New" panose="02070309020205020404" pitchFamily="49" charset="0"/>
-              </a:rPr>
-              <a:t>=($(</a:t>
-            </a:r>
-            <a:r>
-              <a:rPr lang="en-US" sz="900" dirty="0" err="1">
-                <a:latin typeface="Courier New" panose="02070309020205020404" pitchFamily="49" charset="0"/>
-                <a:cs typeface="Courier New" panose="02070309020205020404" pitchFamily="49" charset="0"/>
-              </a:rPr>
-              <a:t>az</a:t>
-            </a:r>
-            <a:r>
-              <a:rPr lang="en-US" sz="900" dirty="0">
-                <a:latin typeface="Courier New" panose="02070309020205020404" pitchFamily="49" charset="0"/>
-                <a:cs typeface="Courier New" panose="02070309020205020404" pitchFamily="49" charset="0"/>
-              </a:rPr>
-              <a:t> </a:t>
-            </a:r>
-            <a:r>
-              <a:rPr lang="en-US" sz="900" dirty="0" err="1">
-                <a:latin typeface="Courier New" panose="02070309020205020404" pitchFamily="49" charset="0"/>
-                <a:cs typeface="Courier New" panose="02070309020205020404" pitchFamily="49" charset="0"/>
-              </a:rPr>
-              <a:t>iot</a:t>
-            </a:r>
-            <a:r>
-              <a:rPr lang="en-US" sz="900" dirty="0">
-                <a:latin typeface="Courier New" panose="02070309020205020404" pitchFamily="49" charset="0"/>
-                <a:cs typeface="Courier New" panose="02070309020205020404" pitchFamily="49" charset="0"/>
-              </a:rPr>
-              <a:t> central device show-credentials --app-id $</a:t>
-            </a:r>
-            <a:r>
-              <a:rPr lang="en-US" sz="900" dirty="0" err="1">
-                <a:latin typeface="Courier New" panose="02070309020205020404" pitchFamily="49" charset="0"/>
-                <a:cs typeface="Courier New" panose="02070309020205020404" pitchFamily="49" charset="0"/>
-              </a:rPr>
-              <a:t>appid</a:t>
-            </a:r>
-            <a:r>
-              <a:rPr lang="en-US" sz="900" dirty="0">
-                <a:latin typeface="Courier New" panose="02070309020205020404" pitchFamily="49" charset="0"/>
-                <a:cs typeface="Courier New" panose="02070309020205020404" pitchFamily="49" charset="0"/>
-              </a:rPr>
-              <a:t> --device-id $</a:t>
-            </a:r>
-            <a:r>
-              <a:rPr lang="en-US" sz="900" dirty="0" err="1">
-                <a:latin typeface="Courier New" panose="02070309020205020404" pitchFamily="49" charset="0"/>
-                <a:cs typeface="Courier New" panose="02070309020205020404" pitchFamily="49" charset="0"/>
-              </a:rPr>
-              <a:t>deviceid</a:t>
-            </a:r>
-            <a:r>
-              <a:rPr lang="en-US" sz="900" dirty="0">
-                <a:latin typeface="Courier New" panose="02070309020205020404" pitchFamily="49" charset="0"/>
-                <a:cs typeface="Courier New" panose="02070309020205020404" pitchFamily="49" charset="0"/>
-              </a:rPr>
-              <a:t> --query "</a:t>
-            </a:r>
-            <a:r>
-              <a:rPr lang="en-US" sz="900" dirty="0" err="1">
-                <a:latin typeface="Courier New" panose="02070309020205020404" pitchFamily="49" charset="0"/>
-                <a:cs typeface="Courier New" panose="02070309020205020404" pitchFamily="49" charset="0"/>
-              </a:rPr>
-              <a:t>symmetricKey.primaryKey</a:t>
-            </a:r>
-            <a:r>
-              <a:rPr lang="en-US" sz="900" dirty="0">
-                <a:latin typeface="Courier New" panose="02070309020205020404" pitchFamily="49" charset="0"/>
-                <a:cs typeface="Courier New" panose="02070309020205020404" pitchFamily="49" charset="0"/>
-              </a:rPr>
-              <a:t>" -o </a:t>
-            </a:r>
-            <a:r>
-              <a:rPr lang="en-US" sz="900" dirty="0" err="1">
-                <a:latin typeface="Courier New" panose="02070309020205020404" pitchFamily="49" charset="0"/>
-                <a:cs typeface="Courier New" panose="02070309020205020404" pitchFamily="49" charset="0"/>
-              </a:rPr>
-              <a:t>tsv</a:t>
-            </a:r>
-            <a:r>
-              <a:rPr lang="en-US" sz="900" dirty="0">
-                <a:latin typeface="Courier New" panose="02070309020205020404" pitchFamily="49" charset="0"/>
-                <a:cs typeface="Courier New" panose="02070309020205020404" pitchFamily="49" charset="0"/>
-              </a:rPr>
-              <a:t>))</a:t>
-            </a:r>
-          </a:p>
-          <a:p>
-            <a:pPr marL="0" indent="0">
-              <a:buNone/>
-            </a:pPr>
             <a:endParaRPr lang="en-US" sz="900" dirty="0">
               <a:latin typeface="Courier New" panose="02070309020205020404" pitchFamily="49" charset="0"/>
               <a:cs typeface="Courier New" panose="02070309020205020404" pitchFamily="49" charset="0"/>
@@ -6774,6 +6718,221 @@
                 <a:latin typeface="Courier New" panose="02070309020205020404" pitchFamily="49" charset="0"/>
                 <a:cs typeface="Courier New" panose="02070309020205020404" pitchFamily="49" charset="0"/>
               </a:rPr>
+              <a:t>scopeid</a:t>
+            </a:r>
+            <a:r>
+              <a:rPr lang="en-US" sz="900" dirty="0">
+                <a:latin typeface="Courier New" panose="02070309020205020404" pitchFamily="49" charset="0"/>
+                <a:cs typeface="Courier New" panose="02070309020205020404" pitchFamily="49" charset="0"/>
+              </a:rPr>
+              <a:t>=($(</a:t>
+            </a:r>
+            <a:r>
+              <a:rPr lang="en-US" sz="900" dirty="0" err="1">
+                <a:latin typeface="Courier New" panose="02070309020205020404" pitchFamily="49" charset="0"/>
+                <a:cs typeface="Courier New" panose="02070309020205020404" pitchFamily="49" charset="0"/>
+              </a:rPr>
+              <a:t>az</a:t>
+            </a:r>
+            <a:r>
+              <a:rPr lang="en-US" sz="900" dirty="0">
+                <a:latin typeface="Courier New" panose="02070309020205020404" pitchFamily="49" charset="0"/>
+                <a:cs typeface="Courier New" panose="02070309020205020404" pitchFamily="49" charset="0"/>
+              </a:rPr>
+              <a:t> </a:t>
+            </a:r>
+            <a:r>
+              <a:rPr lang="en-US" sz="900" dirty="0" err="1">
+                <a:latin typeface="Courier New" panose="02070309020205020404" pitchFamily="49" charset="0"/>
+                <a:cs typeface="Courier New" panose="02070309020205020404" pitchFamily="49" charset="0"/>
+              </a:rPr>
+              <a:t>iot</a:t>
+            </a:r>
+            <a:r>
+              <a:rPr lang="en-US" sz="900" dirty="0">
+                <a:latin typeface="Courier New" panose="02070309020205020404" pitchFamily="49" charset="0"/>
+                <a:cs typeface="Courier New" panose="02070309020205020404" pitchFamily="49" charset="0"/>
+              </a:rPr>
+              <a:t> central device show-credentials --app-id $</a:t>
+            </a:r>
+            <a:r>
+              <a:rPr lang="en-US" sz="900" dirty="0" err="1">
+                <a:latin typeface="Courier New" panose="02070309020205020404" pitchFamily="49" charset="0"/>
+                <a:cs typeface="Courier New" panose="02070309020205020404" pitchFamily="49" charset="0"/>
+              </a:rPr>
+              <a:t>appid</a:t>
+            </a:r>
+            <a:r>
+              <a:rPr lang="en-US" sz="900" dirty="0">
+                <a:latin typeface="Courier New" panose="02070309020205020404" pitchFamily="49" charset="0"/>
+                <a:cs typeface="Courier New" panose="02070309020205020404" pitchFamily="49" charset="0"/>
+              </a:rPr>
+              <a:t> --device-id $</a:t>
+            </a:r>
+            <a:r>
+              <a:rPr lang="en-US" sz="900" dirty="0" err="1">
+                <a:latin typeface="Courier New" panose="02070309020205020404" pitchFamily="49" charset="0"/>
+                <a:cs typeface="Courier New" panose="02070309020205020404" pitchFamily="49" charset="0"/>
+              </a:rPr>
+              <a:t>deviceid</a:t>
+            </a:r>
+            <a:r>
+              <a:rPr lang="en-US" sz="900" dirty="0">
+                <a:latin typeface="Courier New" panose="02070309020205020404" pitchFamily="49" charset="0"/>
+                <a:cs typeface="Courier New" panose="02070309020205020404" pitchFamily="49" charset="0"/>
+              </a:rPr>
+              <a:t> --query "</a:t>
+            </a:r>
+            <a:r>
+              <a:rPr lang="en-US" sz="900" dirty="0" err="1">
+                <a:latin typeface="Courier New" panose="02070309020205020404" pitchFamily="49" charset="0"/>
+                <a:cs typeface="Courier New" panose="02070309020205020404" pitchFamily="49" charset="0"/>
+              </a:rPr>
+              <a:t>idScope</a:t>
+            </a:r>
+            <a:r>
+              <a:rPr lang="en-US" sz="900" dirty="0">
+                <a:latin typeface="Courier New" panose="02070309020205020404" pitchFamily="49" charset="0"/>
+                <a:cs typeface="Courier New" panose="02070309020205020404" pitchFamily="49" charset="0"/>
+              </a:rPr>
+              <a:t>" -o </a:t>
+            </a:r>
+            <a:r>
+              <a:rPr lang="en-US" sz="900" dirty="0" err="1">
+                <a:latin typeface="Courier New" panose="02070309020205020404" pitchFamily="49" charset="0"/>
+                <a:cs typeface="Courier New" panose="02070309020205020404" pitchFamily="49" charset="0"/>
+              </a:rPr>
+              <a:t>tsv</a:t>
+            </a:r>
+            <a:r>
+              <a:rPr lang="en-US" sz="900" dirty="0">
+                <a:latin typeface="Courier New" panose="02070309020205020404" pitchFamily="49" charset="0"/>
+                <a:cs typeface="Courier New" panose="02070309020205020404" pitchFamily="49" charset="0"/>
+              </a:rPr>
+              <a:t>))</a:t>
+            </a:r>
+          </a:p>
+          <a:p>
+            <a:pPr marL="0" indent="0">
+              <a:buNone/>
+            </a:pPr>
+            <a:r>
+              <a:rPr lang="en-US" sz="900" dirty="0" err="1">
+                <a:latin typeface="Courier New" panose="02070309020205020404" pitchFamily="49" charset="0"/>
+                <a:cs typeface="Courier New" panose="02070309020205020404" pitchFamily="49" charset="0"/>
+              </a:rPr>
+              <a:t>devicekey</a:t>
+            </a:r>
+            <a:r>
+              <a:rPr lang="en-US" sz="900" dirty="0">
+                <a:latin typeface="Courier New" panose="02070309020205020404" pitchFamily="49" charset="0"/>
+                <a:cs typeface="Courier New" panose="02070309020205020404" pitchFamily="49" charset="0"/>
+              </a:rPr>
+              <a:t>=($(</a:t>
+            </a:r>
+            <a:r>
+              <a:rPr lang="en-US" sz="900" dirty="0" err="1">
+                <a:latin typeface="Courier New" panose="02070309020205020404" pitchFamily="49" charset="0"/>
+                <a:cs typeface="Courier New" panose="02070309020205020404" pitchFamily="49" charset="0"/>
+              </a:rPr>
+              <a:t>az</a:t>
+            </a:r>
+            <a:r>
+              <a:rPr lang="en-US" sz="900" dirty="0">
+                <a:latin typeface="Courier New" panose="02070309020205020404" pitchFamily="49" charset="0"/>
+                <a:cs typeface="Courier New" panose="02070309020205020404" pitchFamily="49" charset="0"/>
+              </a:rPr>
+              <a:t> </a:t>
+            </a:r>
+            <a:r>
+              <a:rPr lang="en-US" sz="900" dirty="0" err="1">
+                <a:latin typeface="Courier New" panose="02070309020205020404" pitchFamily="49" charset="0"/>
+                <a:cs typeface="Courier New" panose="02070309020205020404" pitchFamily="49" charset="0"/>
+              </a:rPr>
+              <a:t>iot</a:t>
+            </a:r>
+            <a:r>
+              <a:rPr lang="en-US" sz="900" dirty="0">
+                <a:latin typeface="Courier New" panose="02070309020205020404" pitchFamily="49" charset="0"/>
+                <a:cs typeface="Courier New" panose="02070309020205020404" pitchFamily="49" charset="0"/>
+              </a:rPr>
+              <a:t> central device show-credentials --app-id $</a:t>
+            </a:r>
+            <a:r>
+              <a:rPr lang="en-US" sz="900" dirty="0" err="1">
+                <a:latin typeface="Courier New" panose="02070309020205020404" pitchFamily="49" charset="0"/>
+                <a:cs typeface="Courier New" panose="02070309020205020404" pitchFamily="49" charset="0"/>
+              </a:rPr>
+              <a:t>appid</a:t>
+            </a:r>
+            <a:r>
+              <a:rPr lang="en-US" sz="900" dirty="0">
+                <a:latin typeface="Courier New" panose="02070309020205020404" pitchFamily="49" charset="0"/>
+                <a:cs typeface="Courier New" panose="02070309020205020404" pitchFamily="49" charset="0"/>
+              </a:rPr>
+              <a:t> --device-id $</a:t>
+            </a:r>
+            <a:r>
+              <a:rPr lang="en-US" sz="900" dirty="0" err="1">
+                <a:latin typeface="Courier New" panose="02070309020205020404" pitchFamily="49" charset="0"/>
+                <a:cs typeface="Courier New" panose="02070309020205020404" pitchFamily="49" charset="0"/>
+              </a:rPr>
+              <a:t>deviceid</a:t>
+            </a:r>
+            <a:r>
+              <a:rPr lang="en-US" sz="900" dirty="0">
+                <a:latin typeface="Courier New" panose="02070309020205020404" pitchFamily="49" charset="0"/>
+                <a:cs typeface="Courier New" panose="02070309020205020404" pitchFamily="49" charset="0"/>
+              </a:rPr>
+              <a:t> --query "</a:t>
+            </a:r>
+            <a:r>
+              <a:rPr lang="en-US" sz="900" dirty="0" err="1">
+                <a:latin typeface="Courier New" panose="02070309020205020404" pitchFamily="49" charset="0"/>
+                <a:cs typeface="Courier New" panose="02070309020205020404" pitchFamily="49" charset="0"/>
+              </a:rPr>
+              <a:t>symmetricKey.primaryKey</a:t>
+            </a:r>
+            <a:r>
+              <a:rPr lang="en-US" sz="900" dirty="0">
+                <a:latin typeface="Courier New" panose="02070309020205020404" pitchFamily="49" charset="0"/>
+                <a:cs typeface="Courier New" panose="02070309020205020404" pitchFamily="49" charset="0"/>
+              </a:rPr>
+              <a:t>" -o </a:t>
+            </a:r>
+            <a:r>
+              <a:rPr lang="en-US" sz="900" dirty="0" err="1">
+                <a:latin typeface="Courier New" panose="02070309020205020404" pitchFamily="49" charset="0"/>
+                <a:cs typeface="Courier New" panose="02070309020205020404" pitchFamily="49" charset="0"/>
+              </a:rPr>
+              <a:t>tsv</a:t>
+            </a:r>
+            <a:r>
+              <a:rPr lang="en-US" sz="900" dirty="0">
+                <a:latin typeface="Courier New" panose="02070309020205020404" pitchFamily="49" charset="0"/>
+                <a:cs typeface="Courier New" panose="02070309020205020404" pitchFamily="49" charset="0"/>
+              </a:rPr>
+              <a:t>))</a:t>
+            </a:r>
+          </a:p>
+          <a:p>
+            <a:pPr marL="0" indent="0">
+              <a:buNone/>
+            </a:pPr>
+            <a:endParaRPr lang="en-US" sz="900" dirty="0">
+              <a:latin typeface="Courier New" panose="02070309020205020404" pitchFamily="49" charset="0"/>
+              <a:cs typeface="Courier New" panose="02070309020205020404" pitchFamily="49" charset="0"/>
+            </a:endParaRPr>
+          </a:p>
+          <a:p>
+            <a:pPr marL="0" indent="0">
+              <a:buNone/>
+            </a:pPr>
+            <a:r>
+              <a:rPr lang="en-US" sz="900" dirty="0" err="1">
+                <a:latin typeface="Courier New" panose="02070309020205020404" pitchFamily="49" charset="0"/>
+                <a:cs typeface="Courier New" panose="02070309020205020404" pitchFamily="49" charset="0"/>
+              </a:rPr>
               <a:t>edgeVMMachineName</a:t>
             </a:r>
             <a:r>
@@ -6809,6 +6968,79 @@
                 <a:latin typeface="Courier New" panose="02070309020205020404" pitchFamily="49" charset="0"/>
                 <a:cs typeface="Courier New" panose="02070309020205020404" pitchFamily="49" charset="0"/>
               </a:rPr>
+              <a:t>“</a:t>
+            </a:r>
+          </a:p>
+          <a:p>
+            <a:pPr marL="0" indent="0">
+              <a:buNone/>
+            </a:pPr>
+            <a:r>
+              <a:rPr lang="en-US" sz="900" dirty="0" err="1">
+                <a:latin typeface="Courier New" panose="02070309020205020404" pitchFamily="49" charset="0"/>
+                <a:cs typeface="Courier New" panose="02070309020205020404" pitchFamily="49" charset="0"/>
+              </a:rPr>
+              <a:t>adminUserSshPublicKey</a:t>
+            </a:r>
+            <a:r>
+              <a:rPr lang="en-US" sz="900" dirty="0">
+                <a:latin typeface="Courier New" panose="02070309020205020404" pitchFamily="49" charset="0"/>
+                <a:cs typeface="Courier New" panose="02070309020205020404" pitchFamily="49" charset="0"/>
+              </a:rPr>
+              <a:t>=$(cat $(</a:t>
+            </a:r>
+            <a:r>
+              <a:rPr lang="en-US" sz="900" dirty="0" err="1">
+                <a:latin typeface="Courier New" panose="02070309020205020404" pitchFamily="49" charset="0"/>
+                <a:cs typeface="Courier New" panose="02070309020205020404" pitchFamily="49" charset="0"/>
+              </a:rPr>
+              <a:t>readlink</a:t>
+            </a:r>
+            <a:r>
+              <a:rPr lang="en-US" sz="900" dirty="0">
+                <a:latin typeface="Courier New" panose="02070309020205020404" pitchFamily="49" charset="0"/>
+                <a:cs typeface="Courier New" panose="02070309020205020404" pitchFamily="49" charset="0"/>
+              </a:rPr>
+              <a:t> -f ~/.</a:t>
+            </a:r>
+            <a:r>
+              <a:rPr lang="en-US" sz="900" dirty="0" err="1">
+                <a:latin typeface="Courier New" panose="02070309020205020404" pitchFamily="49" charset="0"/>
+                <a:cs typeface="Courier New" panose="02070309020205020404" pitchFamily="49" charset="0"/>
+              </a:rPr>
+              <a:t>ssh</a:t>
+            </a:r>
+            <a:r>
+              <a:rPr lang="en-US" sz="900" dirty="0">
+                <a:latin typeface="Courier New" panose="02070309020205020404" pitchFamily="49" charset="0"/>
+                <a:cs typeface="Courier New" panose="02070309020205020404" pitchFamily="49" charset="0"/>
+              </a:rPr>
+              <a:t>/id_rsa.pub))</a:t>
+            </a:r>
+          </a:p>
+          <a:p>
+            <a:pPr marL="0" indent="0">
+              <a:buNone/>
+            </a:pPr>
+            <a:r>
+              <a:rPr lang="en-US" sz="900" dirty="0">
+                <a:latin typeface="Courier New" panose="02070309020205020404" pitchFamily="49" charset="0"/>
+                <a:cs typeface="Courier New" panose="02070309020205020404" pitchFamily="49" charset="0"/>
+              </a:rPr>
+              <a:t>echo "Creating virtual machine $</a:t>
+            </a:r>
+            <a:r>
+              <a:rPr lang="en-US" sz="900" dirty="0" err="1">
+                <a:latin typeface="Courier New" panose="02070309020205020404" pitchFamily="49" charset="0"/>
+                <a:cs typeface="Courier New" panose="02070309020205020404" pitchFamily="49" charset="0"/>
+              </a:rPr>
+              <a:t>edgeVMMachineName</a:t>
+            </a:r>
+            <a:r>
+              <a:rPr lang="en-US" sz="900" dirty="0">
+                <a:latin typeface="Courier New" panose="02070309020205020404" pitchFamily="49" charset="0"/>
+                <a:cs typeface="Courier New" panose="02070309020205020404" pitchFamily="49" charset="0"/>
+              </a:rPr>
               <a:t>"</a:t>
             </a:r>
           </a:p>
@@ -6817,11 +7049,88 @@
               <a:buNone/>
             </a:pPr>
             <a:r>
-              <a:rPr lang="en-US" sz="900" dirty="0">
-                <a:latin typeface="Courier New" panose="02070309020205020404" pitchFamily="49" charset="0"/>
-                <a:cs typeface="Courier New" panose="02070309020205020404" pitchFamily="49" charset="0"/>
-              </a:rPr>
-              <a:t>echo "Creating virtual machine $</a:t>
+              <a:rPr lang="en-US" sz="900" dirty="0" err="1">
+                <a:latin typeface="Courier New" panose="02070309020205020404" pitchFamily="49" charset="0"/>
+                <a:cs typeface="Courier New" panose="02070309020205020404" pitchFamily="49" charset="0"/>
+              </a:rPr>
+              <a:t>edgeVMDeploymentOutput</a:t>
+            </a:r>
+            <a:r>
+              <a:rPr lang="en-US" sz="900" dirty="0">
+                <a:latin typeface="Courier New" panose="02070309020205020404" pitchFamily="49" charset="0"/>
+                <a:cs typeface="Courier New" panose="02070309020205020404" pitchFamily="49" charset="0"/>
+              </a:rPr>
+              <a:t>=($(</a:t>
+            </a:r>
+            <a:r>
+              <a:rPr lang="en-US" sz="900" dirty="0" err="1">
+                <a:latin typeface="Courier New" panose="02070309020205020404" pitchFamily="49" charset="0"/>
+                <a:cs typeface="Courier New" panose="02070309020205020404" pitchFamily="49" charset="0"/>
+              </a:rPr>
+              <a:t>az</a:t>
+            </a:r>
+            <a:r>
+              <a:rPr lang="en-US" sz="900" dirty="0">
+                <a:latin typeface="Courier New" panose="02070309020205020404" pitchFamily="49" charset="0"/>
+                <a:cs typeface="Courier New" panose="02070309020205020404" pitchFamily="49" charset="0"/>
+              </a:rPr>
+              <a:t> deployment group create --name </a:t>
+            </a:r>
+            <a:r>
+              <a:rPr lang="en-US" sz="900" dirty="0" err="1">
+                <a:latin typeface="Courier New" panose="02070309020205020404" pitchFamily="49" charset="0"/>
+                <a:cs typeface="Courier New" panose="02070309020205020404" pitchFamily="49" charset="0"/>
+              </a:rPr>
+              <a:t>EdgeVMDeployment</a:t>
+            </a:r>
+            <a:r>
+              <a:rPr lang="en-US" sz="900" dirty="0">
+                <a:latin typeface="Courier New" panose="02070309020205020404" pitchFamily="49" charset="0"/>
+                <a:cs typeface="Courier New" panose="02070309020205020404" pitchFamily="49" charset="0"/>
+              </a:rPr>
+              <a:t> --resource-group "$</a:t>
+            </a:r>
+            <a:r>
+              <a:rPr lang="en-US" sz="900" dirty="0" err="1">
+                <a:latin typeface="Courier New" panose="02070309020205020404" pitchFamily="49" charset="0"/>
+                <a:cs typeface="Courier New" panose="02070309020205020404" pitchFamily="49" charset="0"/>
+              </a:rPr>
+              <a:t>rgname</a:t>
+            </a:r>
+            <a:r>
+              <a:rPr lang="en-US" sz="900" dirty="0">
+                <a:latin typeface="Courier New" panose="02070309020205020404" pitchFamily="49" charset="0"/>
+                <a:cs typeface="Courier New" panose="02070309020205020404" pitchFamily="49" charset="0"/>
+              </a:rPr>
+              <a:t>" --template-file "</a:t>
+            </a:r>
+            <a:r>
+              <a:rPr lang="en-US" sz="900" dirty="0" err="1">
+                <a:latin typeface="Courier New" panose="02070309020205020404" pitchFamily="49" charset="0"/>
+                <a:cs typeface="Courier New" panose="02070309020205020404" pitchFamily="49" charset="0"/>
+              </a:rPr>
+              <a:t>edgeVMTemplate.json</a:t>
+            </a:r>
+            <a:r>
+              <a:rPr lang="en-US" sz="900" dirty="0">
+                <a:latin typeface="Courier New" panose="02070309020205020404" pitchFamily="49" charset="0"/>
+                <a:cs typeface="Courier New" panose="02070309020205020404" pitchFamily="49" charset="0"/>
+              </a:rPr>
+              <a:t>" --parameters </a:t>
+            </a:r>
+            <a:r>
+              <a:rPr lang="en-US" sz="900" dirty="0" err="1">
+                <a:latin typeface="Courier New" panose="02070309020205020404" pitchFamily="49" charset="0"/>
+                <a:cs typeface="Courier New" panose="02070309020205020404" pitchFamily="49" charset="0"/>
+              </a:rPr>
+              <a:t>vmMachineName</a:t>
+            </a:r>
+            <a:r>
+              <a:rPr lang="en-US" sz="900" dirty="0">
+                <a:latin typeface="Courier New" panose="02070309020205020404" pitchFamily="49" charset="0"/>
+                <a:cs typeface="Courier New" panose="02070309020205020404" pitchFamily="49" charset="0"/>
+              </a:rPr>
+              <a:t>="$</a:t>
             </a:r>
             <a:r>
               <a:rPr lang="en-US" sz="900" dirty="0" err="1">
@@ -6835,103 +7144,14 @@
                 <a:latin typeface="Courier New" panose="02070309020205020404" pitchFamily="49" charset="0"/>
                 <a:cs typeface="Courier New" panose="02070309020205020404" pitchFamily="49" charset="0"/>
               </a:rPr>
-              <a:t>"</a:t>
-            </a:r>
-          </a:p>
-          <a:p>
-            <a:pPr marL="0" indent="0">
-              <a:buNone/>
-            </a:pPr>
-            <a:r>
-              <a:rPr lang="en-US" sz="900" dirty="0" err="1">
-                <a:latin typeface="Courier New" panose="02070309020205020404" pitchFamily="49" charset="0"/>
-                <a:cs typeface="Courier New" panose="02070309020205020404" pitchFamily="49" charset="0"/>
-              </a:rPr>
-              <a:t>edgeVMDeploymentOutput</a:t>
-            </a:r>
-            <a:r>
-              <a:rPr lang="en-US" sz="900" dirty="0">
-                <a:latin typeface="Courier New" panose="02070309020205020404" pitchFamily="49" charset="0"/>
-                <a:cs typeface="Courier New" panose="02070309020205020404" pitchFamily="49" charset="0"/>
-              </a:rPr>
-              <a:t>=($(</a:t>
-            </a:r>
-            <a:r>
-              <a:rPr lang="en-US" sz="900" dirty="0" err="1">
-                <a:latin typeface="Courier New" panose="02070309020205020404" pitchFamily="49" charset="0"/>
-                <a:cs typeface="Courier New" panose="02070309020205020404" pitchFamily="49" charset="0"/>
-              </a:rPr>
-              <a:t>az</a:t>
-            </a:r>
-            <a:r>
-              <a:rPr lang="en-US" sz="900" dirty="0">
-                <a:latin typeface="Courier New" panose="02070309020205020404" pitchFamily="49" charset="0"/>
-                <a:cs typeface="Courier New" panose="02070309020205020404" pitchFamily="49" charset="0"/>
-              </a:rPr>
-              <a:t> deployment group create --name </a:t>
-            </a:r>
-            <a:r>
-              <a:rPr lang="en-US" sz="900" dirty="0" err="1">
-                <a:latin typeface="Courier New" panose="02070309020205020404" pitchFamily="49" charset="0"/>
-                <a:cs typeface="Courier New" panose="02070309020205020404" pitchFamily="49" charset="0"/>
-              </a:rPr>
-              <a:t>EdgeVMDeployment</a:t>
-            </a:r>
-            <a:r>
-              <a:rPr lang="en-US" sz="900" dirty="0">
-                <a:latin typeface="Courier New" panose="02070309020205020404" pitchFamily="49" charset="0"/>
-                <a:cs typeface="Courier New" panose="02070309020205020404" pitchFamily="49" charset="0"/>
-              </a:rPr>
-              <a:t> --resource-group "$</a:t>
-            </a:r>
-            <a:r>
-              <a:rPr lang="en-US" sz="900" dirty="0" err="1">
-                <a:latin typeface="Courier New" panose="02070309020205020404" pitchFamily="49" charset="0"/>
-                <a:cs typeface="Courier New" panose="02070309020205020404" pitchFamily="49" charset="0"/>
-              </a:rPr>
-              <a:t>rgname</a:t>
-            </a:r>
-            <a:r>
-              <a:rPr lang="en-US" sz="900" dirty="0">
-                <a:latin typeface="Courier New" panose="02070309020205020404" pitchFamily="49" charset="0"/>
-                <a:cs typeface="Courier New" panose="02070309020205020404" pitchFamily="49" charset="0"/>
-              </a:rPr>
-              <a:t>" --template-file “./</a:t>
-            </a:r>
-            <a:r>
-              <a:rPr lang="en-US" sz="900" dirty="0" err="1">
-                <a:latin typeface="Courier New" panose="02070309020205020404" pitchFamily="49" charset="0"/>
-                <a:cs typeface="Courier New" panose="02070309020205020404" pitchFamily="49" charset="0"/>
-              </a:rPr>
-              <a:t>vmDeploy.json</a:t>
-            </a:r>
-            <a:r>
-              <a:rPr lang="en-US" sz="900" dirty="0">
-                <a:latin typeface="Courier New" panose="02070309020205020404" pitchFamily="49" charset="0"/>
-                <a:cs typeface="Courier New" panose="02070309020205020404" pitchFamily="49" charset="0"/>
-              </a:rPr>
-              <a:t>" --parameters  </a:t>
-            </a:r>
-            <a:r>
-              <a:rPr lang="en-US" sz="900" dirty="0" err="1">
-                <a:latin typeface="Courier New" panose="02070309020205020404" pitchFamily="49" charset="0"/>
-                <a:cs typeface="Courier New" panose="02070309020205020404" pitchFamily="49" charset="0"/>
-              </a:rPr>
-              <a:t>vmType</a:t>
-            </a:r>
-            <a:r>
-              <a:rPr lang="en-US" sz="900" dirty="0">
-                <a:latin typeface="Courier New" panose="02070309020205020404" pitchFamily="49" charset="0"/>
-                <a:cs typeface="Courier New" panose="02070309020205020404" pitchFamily="49" charset="0"/>
-              </a:rPr>
-              <a:t>=“edge" </a:t>
-            </a:r>
-            <a:r>
-              <a:rPr lang="en-US" sz="900" dirty="0" err="1">
-                <a:latin typeface="Courier New" panose="02070309020205020404" pitchFamily="49" charset="0"/>
-                <a:cs typeface="Courier New" panose="02070309020205020404" pitchFamily="49" charset="0"/>
-              </a:rPr>
-              <a:t>vmMachineName</a:t>
+              <a:t>" </a:t>
+            </a:r>
+            <a:r>
+              <a:rPr lang="en-US" sz="900" dirty="0" err="1">
+                <a:latin typeface="Courier New" panose="02070309020205020404" pitchFamily="49" charset="0"/>
+                <a:cs typeface="Courier New" panose="02070309020205020404" pitchFamily="49" charset="0"/>
+              </a:rPr>
+              <a:t>networkName</a:t>
             </a:r>
             <a:r>
               <a:rPr lang="en-US" sz="900" dirty="0">
@@ -6945,7 +7165,7 @@
                 <a:latin typeface="Courier New" panose="02070309020205020404" pitchFamily="49" charset="0"/>
                 <a:cs typeface="Courier New" panose="02070309020205020404" pitchFamily="49" charset="0"/>
               </a:rPr>
-              <a:t>edgeVMMachineName</a:t>
+              <a:t>networkName</a:t>
             </a:r>
             <a:r>
               <a:rPr lang="en-US" sz="900" dirty="0">
@@ -6959,7 +7179,35 @@
                 <a:latin typeface="Courier New" panose="02070309020205020404" pitchFamily="49" charset="0"/>
                 <a:cs typeface="Courier New" panose="02070309020205020404" pitchFamily="49" charset="0"/>
               </a:rPr>
-              <a:t>networkName</a:t>
+              <a:t>adminUserName</a:t>
+            </a:r>
+            <a:r>
+              <a:rPr lang="en-US" sz="900" dirty="0">
+                <a:latin typeface="Courier New" panose="02070309020205020404" pitchFamily="49" charset="0"/>
+                <a:cs typeface="Courier New" panose="02070309020205020404" pitchFamily="49" charset="0"/>
+              </a:rPr>
+              <a:t>="</a:t>
+            </a:r>
+            <a:r>
+              <a:rPr lang="en-US" sz="900" dirty="0" err="1">
+                <a:latin typeface="Courier New" panose="02070309020205020404" pitchFamily="49" charset="0"/>
+                <a:cs typeface="Courier New" panose="02070309020205020404" pitchFamily="49" charset="0"/>
+              </a:rPr>
+              <a:t>azureuser</a:t>
+            </a:r>
+            <a:r>
+              <a:rPr lang="en-US" sz="900" dirty="0">
+                <a:latin typeface="Courier New" panose="02070309020205020404" pitchFamily="49" charset="0"/>
+                <a:cs typeface="Courier New" panose="02070309020205020404" pitchFamily="49" charset="0"/>
+              </a:rPr>
+              <a:t>" </a:t>
+            </a:r>
+            <a:r>
+              <a:rPr lang="en-US" sz="900" dirty="0" err="1">
+                <a:latin typeface="Courier New" panose="02070309020205020404" pitchFamily="49" charset="0"/>
+                <a:cs typeface="Courier New" panose="02070309020205020404" pitchFamily="49" charset="0"/>
+              </a:rPr>
+              <a:t>adminUserSshPublicKey</a:t>
             </a:r>
             <a:r>
               <a:rPr lang="en-US" sz="900" dirty="0">
@@ -6973,7 +7221,7 @@
                 <a:latin typeface="Courier New" panose="02070309020205020404" pitchFamily="49" charset="0"/>
                 <a:cs typeface="Courier New" panose="02070309020205020404" pitchFamily="49" charset="0"/>
               </a:rPr>
-              <a:t>networkName</a:t>
+              <a:t>adminUserSshPublicKey</a:t>
             </a:r>
             <a:r>
               <a:rPr lang="en-US" sz="900" dirty="0">
@@ -6987,21 +7235,35 @@
                 <a:latin typeface="Courier New" panose="02070309020205020404" pitchFamily="49" charset="0"/>
                 <a:cs typeface="Courier New" panose="02070309020205020404" pitchFamily="49" charset="0"/>
               </a:rPr>
-              <a:t>adminUserName</a:t>
-            </a:r>
-            <a:r>
-              <a:rPr lang="en-US" sz="900" dirty="0">
-                <a:latin typeface="Courier New" panose="02070309020205020404" pitchFamily="49" charset="0"/>
-                <a:cs typeface="Courier New" panose="02070309020205020404" pitchFamily="49" charset="0"/>
-              </a:rPr>
-              <a:t>="</a:t>
-            </a:r>
-            <a:r>
-              <a:rPr lang="en-US" sz="900" dirty="0" err="1">
-                <a:latin typeface="Courier New" panose="02070309020205020404" pitchFamily="49" charset="0"/>
-                <a:cs typeface="Courier New" panose="02070309020205020404" pitchFamily="49" charset="0"/>
-              </a:rPr>
-              <a:t>azureuser</a:t>
+              <a:t>vmSize</a:t>
+            </a:r>
+            <a:r>
+              <a:rPr lang="en-US" sz="900" dirty="0">
+                <a:latin typeface="Courier New" panose="02070309020205020404" pitchFamily="49" charset="0"/>
+                <a:cs typeface="Courier New" panose="02070309020205020404" pitchFamily="49" charset="0"/>
+              </a:rPr>
+              <a:t>="Standard_B1ms" </a:t>
+            </a:r>
+            <a:r>
+              <a:rPr lang="en-US" sz="900" dirty="0" err="1">
+                <a:latin typeface="Courier New" panose="02070309020205020404" pitchFamily="49" charset="0"/>
+                <a:cs typeface="Courier New" panose="02070309020205020404" pitchFamily="49" charset="0"/>
+              </a:rPr>
+              <a:t>scopeId</a:t>
+            </a:r>
+            <a:r>
+              <a:rPr lang="en-US" sz="900" dirty="0">
+                <a:latin typeface="Courier New" panose="02070309020205020404" pitchFamily="49" charset="0"/>
+                <a:cs typeface="Courier New" panose="02070309020205020404" pitchFamily="49" charset="0"/>
+              </a:rPr>
+              <a:t>="$</a:t>
+            </a:r>
+            <a:r>
+              <a:rPr lang="en-US" sz="900" dirty="0" err="1">
+                <a:latin typeface="Courier New" panose="02070309020205020404" pitchFamily="49" charset="0"/>
+                <a:cs typeface="Courier New" panose="02070309020205020404" pitchFamily="49" charset="0"/>
+              </a:rPr>
+              <a:t>scopeid</a:t>
             </a:r>
             <a:r>
               <a:rPr lang="en-US" sz="900" dirty="0">
@@ -7015,7 +7277,7 @@
                 <a:latin typeface="Courier New" panose="02070309020205020404" pitchFamily="49" charset="0"/>
                 <a:cs typeface="Courier New" panose="02070309020205020404" pitchFamily="49" charset="0"/>
               </a:rPr>
-              <a:t>adminUserSshPublicKey</a:t>
+              <a:t>deviceId</a:t>
             </a:r>
             <a:r>
               <a:rPr lang="en-US" sz="900" dirty="0">
@@ -7029,7 +7291,7 @@
                 <a:latin typeface="Courier New" panose="02070309020205020404" pitchFamily="49" charset="0"/>
                 <a:cs typeface="Courier New" panose="02070309020205020404" pitchFamily="49" charset="0"/>
               </a:rPr>
-              <a:t>adminUserSshPublicKey</a:t>
+              <a:t>deviceid</a:t>
             </a:r>
             <a:r>
               <a:rPr lang="en-US" sz="900" dirty="0">
@@ -7037,76 +7299,6 @@
                 <a:cs typeface="Courier New" panose="02070309020205020404" pitchFamily="49" charset="0"/>
               </a:rPr>
               <a:t>" </a:t>
-            </a:r>
-            <a:r>
-              <a:rPr lang="en-US" sz="900" dirty="0" err="1">
-                <a:latin typeface="Courier New" panose="02070309020205020404" pitchFamily="49" charset="0"/>
-                <a:cs typeface="Courier New" panose="02070309020205020404" pitchFamily="49" charset="0"/>
-              </a:rPr>
-              <a:t>vmSize</a:t>
-            </a:r>
-            <a:r>
-              <a:rPr lang="en-US" sz="900" dirty="0">
-                <a:latin typeface="Courier New" panose="02070309020205020404" pitchFamily="49" charset="0"/>
-                <a:cs typeface="Courier New" panose="02070309020205020404" pitchFamily="49" charset="0"/>
-              </a:rPr>
-              <a:t>="Standard_B1ms“--parameters </a:t>
-            </a:r>
-            <a:r>
-              <a:rPr lang="en-US" sz="900" dirty="0" err="1">
-                <a:latin typeface="Courier New" panose="02070309020205020404" pitchFamily="49" charset="0"/>
-                <a:cs typeface="Courier New" panose="02070309020205020404" pitchFamily="49" charset="0"/>
-              </a:rPr>
-              <a:t>scopeId</a:t>
-            </a:r>
-            <a:r>
-              <a:rPr lang="en-US" sz="900" dirty="0">
-                <a:latin typeface="Courier New" panose="02070309020205020404" pitchFamily="49" charset="0"/>
-                <a:cs typeface="Courier New" panose="02070309020205020404" pitchFamily="49" charset="0"/>
-              </a:rPr>
-              <a:t>="$</a:t>
-            </a:r>
-            <a:r>
-              <a:rPr lang="en-US" sz="900" dirty="0" err="1">
-                <a:latin typeface="Courier New" panose="02070309020205020404" pitchFamily="49" charset="0"/>
-                <a:cs typeface="Courier New" panose="02070309020205020404" pitchFamily="49" charset="0"/>
-              </a:rPr>
-              <a:t>scopeid</a:t>
-            </a:r>
-            <a:r>
-              <a:rPr lang="en-US" sz="900" dirty="0">
-                <a:latin typeface="Courier New" panose="02070309020205020404" pitchFamily="49" charset="0"/>
-                <a:cs typeface="Courier New" panose="02070309020205020404" pitchFamily="49" charset="0"/>
-              </a:rPr>
-              <a:t>" --parameters </a:t>
-            </a:r>
-            <a:r>
-              <a:rPr lang="en-US" sz="900" dirty="0" err="1">
-                <a:latin typeface="Courier New" panose="02070309020205020404" pitchFamily="49" charset="0"/>
-                <a:cs typeface="Courier New" panose="02070309020205020404" pitchFamily="49" charset="0"/>
-              </a:rPr>
-              <a:t>deviceId</a:t>
-            </a:r>
-            <a:r>
-              <a:rPr lang="en-US" sz="900" dirty="0">
-                <a:latin typeface="Courier New" panose="02070309020205020404" pitchFamily="49" charset="0"/>
-                <a:cs typeface="Courier New" panose="02070309020205020404" pitchFamily="49" charset="0"/>
-              </a:rPr>
-              <a:t>="$</a:t>
-            </a:r>
-            <a:r>
-              <a:rPr lang="en-US" sz="900" dirty="0" err="1">
-                <a:latin typeface="Courier New" panose="02070309020205020404" pitchFamily="49" charset="0"/>
-                <a:cs typeface="Courier New" panose="02070309020205020404" pitchFamily="49" charset="0"/>
-              </a:rPr>
-              <a:t>deviceid</a:t>
-            </a:r>
-            <a:r>
-              <a:rPr lang="en-US" sz="900" dirty="0">
-                <a:latin typeface="Courier New" panose="02070309020205020404" pitchFamily="49" charset="0"/>
-                <a:cs typeface="Courier New" panose="02070309020205020404" pitchFamily="49" charset="0"/>
-              </a:rPr>
-              <a:t>" --parameters </a:t>
             </a:r>
             <a:r>
               <a:rPr lang="en-US" sz="900" dirty="0" err="1">

--- a/iotcentral-iiot-hol.pptx
+++ b/iotcentral-iiot-hol.pptx
@@ -15,6 +15,7 @@
     <p:sldId id="265" r:id="rId9"/>
     <p:sldId id="261" r:id="rId10"/>
     <p:sldId id="262" r:id="rId11"/>
+    <p:sldId id="266" r:id="rId12"/>
   </p:sldIdLst>
   <p:sldSz cx="12192000" cy="6858000"/>
   <p:notesSz cx="6858000" cy="9144000"/>
@@ -268,7 +269,7 @@
           <a:p>
             <a:fld id="{C4D5657C-1F5A-4382-9D2F-DB501CEBDF66}" type="datetimeFigureOut">
               <a:rPr lang="en-US" smtClean="0"/>
-              <a:t>5/11/2022</a:t>
+              <a:t>5/16/2022</a:t>
             </a:fld>
             <a:endParaRPr lang="en-US"/>
           </a:p>
@@ -466,7 +467,7 @@
           <a:p>
             <a:fld id="{C4D5657C-1F5A-4382-9D2F-DB501CEBDF66}" type="datetimeFigureOut">
               <a:rPr lang="en-US" smtClean="0"/>
-              <a:t>5/11/2022</a:t>
+              <a:t>5/16/2022</a:t>
             </a:fld>
             <a:endParaRPr lang="en-US"/>
           </a:p>
@@ -674,7 +675,7 @@
           <a:p>
             <a:fld id="{C4D5657C-1F5A-4382-9D2F-DB501CEBDF66}" type="datetimeFigureOut">
               <a:rPr lang="en-US" smtClean="0"/>
-              <a:t>5/11/2022</a:t>
+              <a:t>5/16/2022</a:t>
             </a:fld>
             <a:endParaRPr lang="en-US"/>
           </a:p>
@@ -872,7 +873,7 @@
           <a:p>
             <a:fld id="{C4D5657C-1F5A-4382-9D2F-DB501CEBDF66}" type="datetimeFigureOut">
               <a:rPr lang="en-US" smtClean="0"/>
-              <a:t>5/11/2022</a:t>
+              <a:t>5/16/2022</a:t>
             </a:fld>
             <a:endParaRPr lang="en-US"/>
           </a:p>
@@ -1147,7 +1148,7 @@
           <a:p>
             <a:fld id="{C4D5657C-1F5A-4382-9D2F-DB501CEBDF66}" type="datetimeFigureOut">
               <a:rPr lang="en-US" smtClean="0"/>
-              <a:t>5/11/2022</a:t>
+              <a:t>5/16/2022</a:t>
             </a:fld>
             <a:endParaRPr lang="en-US"/>
           </a:p>
@@ -1412,7 +1413,7 @@
           <a:p>
             <a:fld id="{C4D5657C-1F5A-4382-9D2F-DB501CEBDF66}" type="datetimeFigureOut">
               <a:rPr lang="en-US" smtClean="0"/>
-              <a:t>5/11/2022</a:t>
+              <a:t>5/16/2022</a:t>
             </a:fld>
             <a:endParaRPr lang="en-US"/>
           </a:p>
@@ -1824,7 +1825,7 @@
           <a:p>
             <a:fld id="{C4D5657C-1F5A-4382-9D2F-DB501CEBDF66}" type="datetimeFigureOut">
               <a:rPr lang="en-US" smtClean="0"/>
-              <a:t>5/11/2022</a:t>
+              <a:t>5/16/2022</a:t>
             </a:fld>
             <a:endParaRPr lang="en-US"/>
           </a:p>
@@ -1965,7 +1966,7 @@
           <a:p>
             <a:fld id="{C4D5657C-1F5A-4382-9D2F-DB501CEBDF66}" type="datetimeFigureOut">
               <a:rPr lang="en-US" smtClean="0"/>
-              <a:t>5/11/2022</a:t>
+              <a:t>5/16/2022</a:t>
             </a:fld>
             <a:endParaRPr lang="en-US"/>
           </a:p>
@@ -2078,7 +2079,7 @@
           <a:p>
             <a:fld id="{C4D5657C-1F5A-4382-9D2F-DB501CEBDF66}" type="datetimeFigureOut">
               <a:rPr lang="en-US" smtClean="0"/>
-              <a:t>5/11/2022</a:t>
+              <a:t>5/16/2022</a:t>
             </a:fld>
             <a:endParaRPr lang="en-US"/>
           </a:p>
@@ -2389,7 +2390,7 @@
           <a:p>
             <a:fld id="{C4D5657C-1F5A-4382-9D2F-DB501CEBDF66}" type="datetimeFigureOut">
               <a:rPr lang="en-US" smtClean="0"/>
-              <a:t>5/11/2022</a:t>
+              <a:t>5/16/2022</a:t>
             </a:fld>
             <a:endParaRPr lang="en-US"/>
           </a:p>
@@ -2677,7 +2678,7 @@
           <a:p>
             <a:fld id="{C4D5657C-1F5A-4382-9D2F-DB501CEBDF66}" type="datetimeFigureOut">
               <a:rPr lang="en-US" smtClean="0"/>
-              <a:t>5/11/2022</a:t>
+              <a:t>5/16/2022</a:t>
             </a:fld>
             <a:endParaRPr lang="en-US"/>
           </a:p>
@@ -2918,7 +2919,7 @@
           <a:p>
             <a:fld id="{C4D5657C-1F5A-4382-9D2F-DB501CEBDF66}" type="datetimeFigureOut">
               <a:rPr lang="en-US" smtClean="0"/>
-              <a:t>5/11/2022</a:t>
+              <a:t>5/16/2022</a:t>
             </a:fld>
             <a:endParaRPr lang="en-US"/>
           </a:p>
@@ -3528,6 +3529,683 @@
 </p:sld>
 </file>
 
+<file path=ppt/slides/slide11.xml><?xml version="1.0" encoding="utf-8"?>
+<p:sld xmlns:a="http://schemas.openxmlformats.org/drawingml/2006/main" xmlns:r="http://schemas.openxmlformats.org/officeDocument/2006/relationships" xmlns:p="http://schemas.openxmlformats.org/presentationml/2006/main">
+  <p:cSld>
+    <p:spTree>
+      <p:nvGrpSpPr>
+        <p:cNvPr id="1" name=""/>
+        <p:cNvGrpSpPr/>
+        <p:nvPr/>
+      </p:nvGrpSpPr>
+      <p:grpSpPr>
+        <a:xfrm>
+          <a:off x="0" y="0"/>
+          <a:ext cx="0" cy="0"/>
+          <a:chOff x="0" y="0"/>
+          <a:chExt cx="0" cy="0"/>
+        </a:xfrm>
+      </p:grpSpPr>
+      <p:sp>
+        <p:nvSpPr>
+          <p:cNvPr id="2" name="Title 1">
+            <a:extLst>
+              <a:ext uri="{FF2B5EF4-FFF2-40B4-BE49-F238E27FC236}">
+                <a16:creationId xmlns:a16="http://schemas.microsoft.com/office/drawing/2014/main" id="{342F26CA-914E-C7D2-93FA-772665CD8D6B}"/>
+              </a:ext>
+            </a:extLst>
+          </p:cNvPr>
+          <p:cNvSpPr>
+            <a:spLocks noGrp="1"/>
+          </p:cNvSpPr>
+          <p:nvPr>
+            <p:ph type="title"/>
+          </p:nvPr>
+        </p:nvSpPr>
+        <p:spPr>
+          <a:xfrm>
+            <a:off x="838200" y="0"/>
+            <a:ext cx="10515600" cy="1325563"/>
+          </a:xfrm>
+        </p:spPr>
+        <p:txBody>
+          <a:bodyPr/>
+          <a:lstStyle/>
+          <a:p>
+            <a:r>
+              <a:rPr lang="en-US" dirty="0"/>
+              <a:t>Step 7</a:t>
+            </a:r>
+          </a:p>
+        </p:txBody>
+      </p:sp>
+      <p:sp>
+        <p:nvSpPr>
+          <p:cNvPr id="3" name="Content Placeholder 2">
+            <a:extLst>
+              <a:ext uri="{FF2B5EF4-FFF2-40B4-BE49-F238E27FC236}">
+                <a16:creationId xmlns:a16="http://schemas.microsoft.com/office/drawing/2014/main" id="{8AD159F6-7184-5FB4-D282-7BCC6DAA0DE2}"/>
+              </a:ext>
+            </a:extLst>
+          </p:cNvPr>
+          <p:cNvSpPr>
+            <a:spLocks noGrp="1"/>
+          </p:cNvSpPr>
+          <p:nvPr>
+            <p:ph idx="1"/>
+          </p:nvPr>
+        </p:nvSpPr>
+        <p:spPr>
+          <a:xfrm>
+            <a:off x="838199" y="1430767"/>
+            <a:ext cx="10844605" cy="5249732"/>
+          </a:xfrm>
+        </p:spPr>
+        <p:txBody>
+          <a:bodyPr>
+            <a:normAutofit fontScale="92500" lnSpcReduction="10000"/>
+          </a:bodyPr>
+          <a:lstStyle/>
+          <a:p>
+            <a:pPr marL="0" indent="0">
+              <a:buNone/>
+            </a:pPr>
+            <a:r>
+              <a:rPr lang="en-US" sz="900" dirty="0">
+                <a:latin typeface="Courier New" panose="02070309020205020404" pitchFamily="49" charset="0"/>
+                <a:cs typeface="Courier New" panose="02070309020205020404" pitchFamily="49" charset="0"/>
+              </a:rPr>
+              <a:t>Create/start an ADX cluster</a:t>
+            </a:r>
+          </a:p>
+          <a:p>
+            <a:pPr marL="0" indent="0">
+              <a:buNone/>
+            </a:pPr>
+            <a:r>
+              <a:rPr lang="en-US" sz="900" dirty="0">
+                <a:latin typeface="Courier New" panose="02070309020205020404" pitchFamily="49" charset="0"/>
+                <a:cs typeface="Courier New" panose="02070309020205020404" pitchFamily="49" charset="0"/>
+              </a:rPr>
+              <a:t>Enable streaming ingestion</a:t>
+            </a:r>
+          </a:p>
+          <a:p>
+            <a:pPr marL="0" indent="0">
+              <a:buNone/>
+            </a:pPr>
+            <a:r>
+              <a:rPr lang="en-US" sz="900" dirty="0">
+                <a:latin typeface="Courier New" panose="02070309020205020404" pitchFamily="49" charset="0"/>
+                <a:cs typeface="Courier New" panose="02070309020205020404" pitchFamily="49" charset="0"/>
+              </a:rPr>
+              <a:t>Create a database</a:t>
+            </a:r>
+          </a:p>
+          <a:p>
+            <a:pPr marL="0" indent="0">
+              <a:buNone/>
+            </a:pPr>
+            <a:r>
+              <a:rPr lang="en-US" sz="900" dirty="0">
+                <a:latin typeface="Courier New" panose="02070309020205020404" pitchFamily="49" charset="0"/>
+                <a:cs typeface="Courier New" panose="02070309020205020404" pitchFamily="49" charset="0"/>
+              </a:rPr>
+              <a:t>Grant IOT Central App ADX access</a:t>
+            </a:r>
+          </a:p>
+          <a:p>
+            <a:pPr marL="0" indent="0">
+              <a:buNone/>
+            </a:pPr>
+            <a:r>
+              <a:rPr lang="en-US" sz="900" dirty="0" err="1">
+                <a:latin typeface="Courier New" panose="02070309020205020404" pitchFamily="49" charset="0"/>
+                <a:cs typeface="Courier New" panose="02070309020205020404" pitchFamily="49" charset="0"/>
+              </a:rPr>
+              <a:t>az</a:t>
+            </a:r>
+            <a:r>
+              <a:rPr lang="en-US" sz="900" dirty="0">
+                <a:latin typeface="Courier New" panose="02070309020205020404" pitchFamily="49" charset="0"/>
+                <a:cs typeface="Courier New" panose="02070309020205020404" pitchFamily="49" charset="0"/>
+              </a:rPr>
+              <a:t> ad </a:t>
+            </a:r>
+            <a:r>
+              <a:rPr lang="en-US" sz="900" dirty="0" err="1">
+                <a:latin typeface="Courier New" panose="02070309020205020404" pitchFamily="49" charset="0"/>
+                <a:cs typeface="Courier New" panose="02070309020205020404" pitchFamily="49" charset="0"/>
+              </a:rPr>
+              <a:t>sp</a:t>
+            </a:r>
+            <a:r>
+              <a:rPr lang="en-US" sz="900" dirty="0">
+                <a:latin typeface="Courier New" panose="02070309020205020404" pitchFamily="49" charset="0"/>
+                <a:cs typeface="Courier New" panose="02070309020205020404" pitchFamily="49" charset="0"/>
+              </a:rPr>
+              <a:t> create-for-</a:t>
+            </a:r>
+            <a:r>
+              <a:rPr lang="en-US" sz="900" dirty="0" err="1">
+                <a:latin typeface="Courier New" panose="02070309020205020404" pitchFamily="49" charset="0"/>
+                <a:cs typeface="Courier New" panose="02070309020205020404" pitchFamily="49" charset="0"/>
+              </a:rPr>
+              <a:t>rbac</a:t>
+            </a:r>
+            <a:r>
+              <a:rPr lang="en-US" sz="900" dirty="0">
+                <a:latin typeface="Courier New" panose="02070309020205020404" pitchFamily="49" charset="0"/>
+                <a:cs typeface="Courier New" panose="02070309020205020404" pitchFamily="49" charset="0"/>
+              </a:rPr>
+              <a:t> --skip-assignment --name "My SP for IoT Central" --scopes /subscriptions/&lt;</a:t>
+            </a:r>
+            <a:r>
+              <a:rPr lang="en-US" sz="900" dirty="0" err="1">
+                <a:latin typeface="Courier New" panose="02070309020205020404" pitchFamily="49" charset="0"/>
+                <a:cs typeface="Courier New" panose="02070309020205020404" pitchFamily="49" charset="0"/>
+              </a:rPr>
+              <a:t>SubscriptionId</a:t>
+            </a:r>
+            <a:r>
+              <a:rPr lang="en-US" sz="900" dirty="0">
+                <a:latin typeface="Courier New" panose="02070309020205020404" pitchFamily="49" charset="0"/>
+                <a:cs typeface="Courier New" panose="02070309020205020404" pitchFamily="49" charset="0"/>
+              </a:rPr>
+              <a:t>&gt;</a:t>
+            </a:r>
+          </a:p>
+          <a:p>
+            <a:pPr marL="0" indent="0">
+              <a:buNone/>
+            </a:pPr>
+            <a:r>
+              <a:rPr lang="en-US" sz="900" dirty="0">
+                <a:latin typeface="Courier New" panose="02070309020205020404" pitchFamily="49" charset="0"/>
+                <a:cs typeface="Courier New" panose="02070309020205020404" pitchFamily="49" charset="0"/>
+              </a:rPr>
+              <a:t>.add database ['&lt;</a:t>
+            </a:r>
+            <a:r>
+              <a:rPr lang="en-US" sz="900" dirty="0" err="1">
+                <a:latin typeface="Courier New" panose="02070309020205020404" pitchFamily="49" charset="0"/>
+                <a:cs typeface="Courier New" panose="02070309020205020404" pitchFamily="49" charset="0"/>
+              </a:rPr>
+              <a:t>YourDatabaseName</a:t>
+            </a:r>
+            <a:r>
+              <a:rPr lang="en-US" sz="900" dirty="0">
+                <a:latin typeface="Courier New" panose="02070309020205020404" pitchFamily="49" charset="0"/>
+                <a:cs typeface="Courier New" panose="02070309020205020404" pitchFamily="49" charset="0"/>
+              </a:rPr>
+              <a:t>&gt;'] admins ('</a:t>
+            </a:r>
+            <a:r>
+              <a:rPr lang="en-US" sz="900" dirty="0" err="1">
+                <a:latin typeface="Courier New" panose="02070309020205020404" pitchFamily="49" charset="0"/>
+                <a:cs typeface="Courier New" panose="02070309020205020404" pitchFamily="49" charset="0"/>
+              </a:rPr>
+              <a:t>aadapp</a:t>
+            </a:r>
+            <a:r>
+              <a:rPr lang="en-US" sz="900" dirty="0">
+                <a:latin typeface="Courier New" panose="02070309020205020404" pitchFamily="49" charset="0"/>
+                <a:cs typeface="Courier New" panose="02070309020205020404" pitchFamily="49" charset="0"/>
+              </a:rPr>
+              <a:t>=&lt;</a:t>
+            </a:r>
+            <a:r>
+              <a:rPr lang="en-US" sz="900" dirty="0" err="1">
+                <a:latin typeface="Courier New" panose="02070309020205020404" pitchFamily="49" charset="0"/>
+                <a:cs typeface="Courier New" panose="02070309020205020404" pitchFamily="49" charset="0"/>
+              </a:rPr>
+              <a:t>YourAppId</a:t>
+            </a:r>
+            <a:r>
+              <a:rPr lang="en-US" sz="900" dirty="0">
+                <a:latin typeface="Courier New" panose="02070309020205020404" pitchFamily="49" charset="0"/>
+                <a:cs typeface="Courier New" panose="02070309020205020404" pitchFamily="49" charset="0"/>
+              </a:rPr>
+              <a:t>&gt;;&lt;</a:t>
+            </a:r>
+            <a:r>
+              <a:rPr lang="en-US" sz="900" dirty="0" err="1">
+                <a:latin typeface="Courier New" panose="02070309020205020404" pitchFamily="49" charset="0"/>
+                <a:cs typeface="Courier New" panose="02070309020205020404" pitchFamily="49" charset="0"/>
+              </a:rPr>
+              <a:t>YourTenant</a:t>
+            </a:r>
+            <a:r>
+              <a:rPr lang="en-US" sz="900" dirty="0">
+                <a:latin typeface="Courier New" panose="02070309020205020404" pitchFamily="49" charset="0"/>
+                <a:cs typeface="Courier New" panose="02070309020205020404" pitchFamily="49" charset="0"/>
+              </a:rPr>
+              <a:t>&gt;');</a:t>
+            </a:r>
+          </a:p>
+          <a:p>
+            <a:pPr marL="0" indent="0">
+              <a:buNone/>
+            </a:pPr>
+            <a:r>
+              <a:rPr lang="en-US" sz="900" dirty="0">
+                <a:latin typeface="Courier New" panose="02070309020205020404" pitchFamily="49" charset="0"/>
+                <a:cs typeface="Courier New" panose="02070309020205020404" pitchFamily="49" charset="0"/>
+              </a:rPr>
+              <a:t>	https://docs.microsoft.com/en-us/azure/iot-central/core/howto-export-to-azure-data-explorer?tabs=service-principal%2Cjavascript</a:t>
+            </a:r>
+          </a:p>
+          <a:p>
+            <a:pPr marL="0" indent="0">
+              <a:buNone/>
+            </a:pPr>
+            <a:r>
+              <a:rPr lang="en-US" sz="900" dirty="0">
+                <a:latin typeface="Courier New" panose="02070309020205020404" pitchFamily="49" charset="0"/>
+                <a:cs typeface="Courier New" panose="02070309020205020404" pitchFamily="49" charset="0"/>
+              </a:rPr>
+              <a:t>Create table in your DB</a:t>
+            </a:r>
+          </a:p>
+          <a:p>
+            <a:pPr marL="0" indent="0">
+              <a:buNone/>
+            </a:pPr>
+            <a:r>
+              <a:rPr lang="en-US" sz="900" dirty="0">
+                <a:latin typeface="Courier New" panose="02070309020205020404" pitchFamily="49" charset="0"/>
+                <a:cs typeface="Courier New" panose="02070309020205020404" pitchFamily="49" charset="0"/>
+              </a:rPr>
+              <a:t>.create table </a:t>
+            </a:r>
+            <a:r>
+              <a:rPr lang="en-US" sz="900" dirty="0" err="1">
+                <a:latin typeface="Courier New" panose="02070309020205020404" pitchFamily="49" charset="0"/>
+                <a:cs typeface="Courier New" panose="02070309020205020404" pitchFamily="49" charset="0"/>
+              </a:rPr>
+              <a:t>iotcexport</a:t>
+            </a:r>
+            <a:r>
+              <a:rPr lang="en-US" sz="900" dirty="0">
+                <a:latin typeface="Courier New" panose="02070309020205020404" pitchFamily="49" charset="0"/>
+                <a:cs typeface="Courier New" panose="02070309020205020404" pitchFamily="49" charset="0"/>
+              </a:rPr>
+              <a:t> (</a:t>
+            </a:r>
+          </a:p>
+          <a:p>
+            <a:pPr marL="0" indent="0">
+              <a:buNone/>
+            </a:pPr>
+            <a:r>
+              <a:rPr lang="en-US" sz="900" dirty="0">
+                <a:latin typeface="Courier New" panose="02070309020205020404" pitchFamily="49" charset="0"/>
+                <a:cs typeface="Courier New" panose="02070309020205020404" pitchFamily="49" charset="0"/>
+              </a:rPr>
+              <a:t>  </a:t>
+            </a:r>
+            <a:r>
+              <a:rPr lang="en-US" sz="900" dirty="0" err="1">
+                <a:latin typeface="Courier New" panose="02070309020205020404" pitchFamily="49" charset="0"/>
+                <a:cs typeface="Courier New" panose="02070309020205020404" pitchFamily="49" charset="0"/>
+              </a:rPr>
+              <a:t>EnqueuedTime:datetime</a:t>
+            </a:r>
+            <a:r>
+              <a:rPr lang="en-US" sz="900" dirty="0">
+                <a:latin typeface="Courier New" panose="02070309020205020404" pitchFamily="49" charset="0"/>
+                <a:cs typeface="Courier New" panose="02070309020205020404" pitchFamily="49" charset="0"/>
+              </a:rPr>
+              <a:t>,</a:t>
+            </a:r>
+          </a:p>
+          <a:p>
+            <a:pPr marL="0" indent="0">
+              <a:buNone/>
+            </a:pPr>
+            <a:r>
+              <a:rPr lang="en-US" sz="900" dirty="0">
+                <a:latin typeface="Courier New" panose="02070309020205020404" pitchFamily="49" charset="0"/>
+                <a:cs typeface="Courier New" panose="02070309020205020404" pitchFamily="49" charset="0"/>
+              </a:rPr>
+              <a:t>  </a:t>
+            </a:r>
+            <a:r>
+              <a:rPr lang="en-US" sz="900" dirty="0" err="1">
+                <a:latin typeface="Courier New" panose="02070309020205020404" pitchFamily="49" charset="0"/>
+                <a:cs typeface="Courier New" panose="02070309020205020404" pitchFamily="49" charset="0"/>
+              </a:rPr>
+              <a:t>Message:string</a:t>
+            </a:r>
+            <a:r>
+              <a:rPr lang="en-US" sz="900" dirty="0">
+                <a:latin typeface="Courier New" panose="02070309020205020404" pitchFamily="49" charset="0"/>
+                <a:cs typeface="Courier New" panose="02070309020205020404" pitchFamily="49" charset="0"/>
+              </a:rPr>
+              <a:t>,</a:t>
+            </a:r>
+          </a:p>
+          <a:p>
+            <a:pPr marL="0" indent="0">
+              <a:buNone/>
+            </a:pPr>
+            <a:r>
+              <a:rPr lang="en-US" sz="900" dirty="0">
+                <a:latin typeface="Courier New" panose="02070309020205020404" pitchFamily="49" charset="0"/>
+                <a:cs typeface="Courier New" panose="02070309020205020404" pitchFamily="49" charset="0"/>
+              </a:rPr>
+              <a:t>  </a:t>
+            </a:r>
+            <a:r>
+              <a:rPr lang="en-US" sz="900" dirty="0" err="1">
+                <a:latin typeface="Courier New" panose="02070309020205020404" pitchFamily="49" charset="0"/>
+                <a:cs typeface="Courier New" panose="02070309020205020404" pitchFamily="49" charset="0"/>
+              </a:rPr>
+              <a:t>Application:string</a:t>
+            </a:r>
+            <a:r>
+              <a:rPr lang="en-US" sz="900" dirty="0">
+                <a:latin typeface="Courier New" panose="02070309020205020404" pitchFamily="49" charset="0"/>
+                <a:cs typeface="Courier New" panose="02070309020205020404" pitchFamily="49" charset="0"/>
+              </a:rPr>
+              <a:t>,</a:t>
+            </a:r>
+          </a:p>
+          <a:p>
+            <a:pPr marL="0" indent="0">
+              <a:buNone/>
+            </a:pPr>
+            <a:r>
+              <a:rPr lang="en-US" sz="900" dirty="0">
+                <a:latin typeface="Courier New" panose="02070309020205020404" pitchFamily="49" charset="0"/>
+                <a:cs typeface="Courier New" panose="02070309020205020404" pitchFamily="49" charset="0"/>
+              </a:rPr>
+              <a:t>  </a:t>
+            </a:r>
+            <a:r>
+              <a:rPr lang="en-US" sz="900" dirty="0" err="1">
+                <a:latin typeface="Courier New" panose="02070309020205020404" pitchFamily="49" charset="0"/>
+                <a:cs typeface="Courier New" panose="02070309020205020404" pitchFamily="49" charset="0"/>
+              </a:rPr>
+              <a:t>Device:string</a:t>
+            </a:r>
+            <a:r>
+              <a:rPr lang="en-US" sz="900" dirty="0">
+                <a:latin typeface="Courier New" panose="02070309020205020404" pitchFamily="49" charset="0"/>
+                <a:cs typeface="Courier New" panose="02070309020205020404" pitchFamily="49" charset="0"/>
+              </a:rPr>
+              <a:t>,</a:t>
+            </a:r>
+          </a:p>
+          <a:p>
+            <a:pPr marL="0" indent="0">
+              <a:buNone/>
+            </a:pPr>
+            <a:r>
+              <a:rPr lang="en-US" sz="900" dirty="0">
+                <a:latin typeface="Courier New" panose="02070309020205020404" pitchFamily="49" charset="0"/>
+                <a:cs typeface="Courier New" panose="02070309020205020404" pitchFamily="49" charset="0"/>
+              </a:rPr>
+              <a:t>  </a:t>
+            </a:r>
+            <a:r>
+              <a:rPr lang="en-US" sz="900" dirty="0" err="1">
+                <a:latin typeface="Courier New" panose="02070309020205020404" pitchFamily="49" charset="0"/>
+                <a:cs typeface="Courier New" panose="02070309020205020404" pitchFamily="49" charset="0"/>
+              </a:rPr>
+              <a:t>Simulated:boolean</a:t>
+            </a:r>
+            <a:r>
+              <a:rPr lang="en-US" sz="900" dirty="0">
+                <a:latin typeface="Courier New" panose="02070309020205020404" pitchFamily="49" charset="0"/>
+                <a:cs typeface="Courier New" panose="02070309020205020404" pitchFamily="49" charset="0"/>
+              </a:rPr>
+              <a:t>,</a:t>
+            </a:r>
+          </a:p>
+          <a:p>
+            <a:pPr marL="0" indent="0">
+              <a:buNone/>
+            </a:pPr>
+            <a:r>
+              <a:rPr lang="en-US" sz="900" dirty="0">
+                <a:latin typeface="Courier New" panose="02070309020205020404" pitchFamily="49" charset="0"/>
+                <a:cs typeface="Courier New" panose="02070309020205020404" pitchFamily="49" charset="0"/>
+              </a:rPr>
+              <a:t>  </a:t>
+            </a:r>
+            <a:r>
+              <a:rPr lang="en-US" sz="900" dirty="0" err="1">
+                <a:latin typeface="Courier New" panose="02070309020205020404" pitchFamily="49" charset="0"/>
+                <a:cs typeface="Courier New" panose="02070309020205020404" pitchFamily="49" charset="0"/>
+              </a:rPr>
+              <a:t>Template:string</a:t>
+            </a:r>
+            <a:r>
+              <a:rPr lang="en-US" sz="900" dirty="0">
+                <a:latin typeface="Courier New" panose="02070309020205020404" pitchFamily="49" charset="0"/>
+                <a:cs typeface="Courier New" panose="02070309020205020404" pitchFamily="49" charset="0"/>
+              </a:rPr>
+              <a:t>,</a:t>
+            </a:r>
+          </a:p>
+          <a:p>
+            <a:pPr marL="0" indent="0">
+              <a:buNone/>
+            </a:pPr>
+            <a:r>
+              <a:rPr lang="en-US" sz="900" dirty="0">
+                <a:latin typeface="Courier New" panose="02070309020205020404" pitchFamily="49" charset="0"/>
+                <a:cs typeface="Courier New" panose="02070309020205020404" pitchFamily="49" charset="0"/>
+              </a:rPr>
+              <a:t>  </a:t>
+            </a:r>
+            <a:r>
+              <a:rPr lang="en-US" sz="900" dirty="0" err="1">
+                <a:latin typeface="Courier New" panose="02070309020205020404" pitchFamily="49" charset="0"/>
+                <a:cs typeface="Courier New" panose="02070309020205020404" pitchFamily="49" charset="0"/>
+              </a:rPr>
+              <a:t>Module:string</a:t>
+            </a:r>
+            <a:r>
+              <a:rPr lang="en-US" sz="900" dirty="0">
+                <a:latin typeface="Courier New" panose="02070309020205020404" pitchFamily="49" charset="0"/>
+                <a:cs typeface="Courier New" panose="02070309020205020404" pitchFamily="49" charset="0"/>
+              </a:rPr>
+              <a:t>,</a:t>
+            </a:r>
+          </a:p>
+          <a:p>
+            <a:pPr marL="0" indent="0">
+              <a:buNone/>
+            </a:pPr>
+            <a:r>
+              <a:rPr lang="en-US" sz="900" dirty="0">
+                <a:latin typeface="Courier New" panose="02070309020205020404" pitchFamily="49" charset="0"/>
+                <a:cs typeface="Courier New" panose="02070309020205020404" pitchFamily="49" charset="0"/>
+              </a:rPr>
+              <a:t>  </a:t>
+            </a:r>
+            <a:r>
+              <a:rPr lang="en-US" sz="900" dirty="0" err="1">
+                <a:latin typeface="Courier New" panose="02070309020205020404" pitchFamily="49" charset="0"/>
+                <a:cs typeface="Courier New" panose="02070309020205020404" pitchFamily="49" charset="0"/>
+              </a:rPr>
+              <a:t>Component:string</a:t>
+            </a:r>
+            <a:r>
+              <a:rPr lang="en-US" sz="900" dirty="0">
+                <a:latin typeface="Courier New" panose="02070309020205020404" pitchFamily="49" charset="0"/>
+                <a:cs typeface="Courier New" panose="02070309020205020404" pitchFamily="49" charset="0"/>
+              </a:rPr>
+              <a:t>,</a:t>
+            </a:r>
+          </a:p>
+          <a:p>
+            <a:pPr marL="0" indent="0">
+              <a:buNone/>
+            </a:pPr>
+            <a:r>
+              <a:rPr lang="en-US" sz="900" dirty="0">
+                <a:latin typeface="Courier New" panose="02070309020205020404" pitchFamily="49" charset="0"/>
+                <a:cs typeface="Courier New" panose="02070309020205020404" pitchFamily="49" charset="0"/>
+              </a:rPr>
+              <a:t>  </a:t>
+            </a:r>
+            <a:r>
+              <a:rPr lang="en-US" sz="900" dirty="0" err="1">
+                <a:latin typeface="Courier New" panose="02070309020205020404" pitchFamily="49" charset="0"/>
+                <a:cs typeface="Courier New" panose="02070309020205020404" pitchFamily="49" charset="0"/>
+              </a:rPr>
+              <a:t>Capability:string</a:t>
+            </a:r>
+            <a:r>
+              <a:rPr lang="en-US" sz="900" dirty="0">
+                <a:latin typeface="Courier New" panose="02070309020205020404" pitchFamily="49" charset="0"/>
+                <a:cs typeface="Courier New" panose="02070309020205020404" pitchFamily="49" charset="0"/>
+              </a:rPr>
+              <a:t>,</a:t>
+            </a:r>
+          </a:p>
+          <a:p>
+            <a:pPr marL="0" indent="0">
+              <a:buNone/>
+            </a:pPr>
+            <a:r>
+              <a:rPr lang="en-US" sz="900" dirty="0">
+                <a:latin typeface="Courier New" panose="02070309020205020404" pitchFamily="49" charset="0"/>
+                <a:cs typeface="Courier New" panose="02070309020205020404" pitchFamily="49" charset="0"/>
+              </a:rPr>
+              <a:t>  </a:t>
+            </a:r>
+            <a:r>
+              <a:rPr lang="en-US" sz="900" dirty="0" err="1">
+                <a:latin typeface="Courier New" panose="02070309020205020404" pitchFamily="49" charset="0"/>
+                <a:cs typeface="Courier New" panose="02070309020205020404" pitchFamily="49" charset="0"/>
+              </a:rPr>
+              <a:t>Value:dynamic</a:t>
+            </a:r>
+            <a:endParaRPr lang="en-US" sz="900" dirty="0">
+              <a:latin typeface="Courier New" panose="02070309020205020404" pitchFamily="49" charset="0"/>
+              <a:cs typeface="Courier New" panose="02070309020205020404" pitchFamily="49" charset="0"/>
+            </a:endParaRPr>
+          </a:p>
+          <a:p>
+            <a:pPr marL="0" indent="0">
+              <a:buNone/>
+            </a:pPr>
+            <a:r>
+              <a:rPr lang="en-US" sz="900" dirty="0">
+                <a:latin typeface="Courier New" panose="02070309020205020404" pitchFamily="49" charset="0"/>
+                <a:cs typeface="Courier New" panose="02070309020205020404" pitchFamily="49" charset="0"/>
+              </a:rPr>
+              <a:t>)</a:t>
+            </a:r>
+          </a:p>
+          <a:p>
+            <a:pPr marL="0" indent="0">
+              <a:buNone/>
+            </a:pPr>
+            <a:r>
+              <a:rPr lang="en-US" sz="900" dirty="0">
+                <a:latin typeface="Courier New" panose="02070309020205020404" pitchFamily="49" charset="0"/>
+                <a:cs typeface="Courier New" panose="02070309020205020404" pitchFamily="49" charset="0"/>
+              </a:rPr>
+              <a:t>.alter database </a:t>
+            </a:r>
+            <a:r>
+              <a:rPr lang="en-US" sz="900" dirty="0" err="1">
+                <a:latin typeface="Courier New" panose="02070309020205020404" pitchFamily="49" charset="0"/>
+                <a:cs typeface="Courier New" panose="02070309020205020404" pitchFamily="49" charset="0"/>
+              </a:rPr>
+              <a:t>iotcholdb</a:t>
+            </a:r>
+            <a:r>
+              <a:rPr lang="en-US" sz="900" dirty="0">
+                <a:latin typeface="Courier New" panose="02070309020205020404" pitchFamily="49" charset="0"/>
+                <a:cs typeface="Courier New" panose="02070309020205020404" pitchFamily="49" charset="0"/>
+              </a:rPr>
+              <a:t> policy </a:t>
+            </a:r>
+            <a:r>
+              <a:rPr lang="en-US" sz="900" dirty="0" err="1">
+                <a:latin typeface="Courier New" panose="02070309020205020404" pitchFamily="49" charset="0"/>
+                <a:cs typeface="Courier New" panose="02070309020205020404" pitchFamily="49" charset="0"/>
+              </a:rPr>
+              <a:t>streamingingestion</a:t>
+            </a:r>
+            <a:r>
+              <a:rPr lang="en-US" sz="900" dirty="0">
+                <a:latin typeface="Courier New" panose="02070309020205020404" pitchFamily="49" charset="0"/>
+                <a:cs typeface="Courier New" panose="02070309020205020404" pitchFamily="49" charset="0"/>
+              </a:rPr>
+              <a:t> enable</a:t>
+            </a:r>
+          </a:p>
+          <a:p>
+            <a:pPr marL="0" indent="0">
+              <a:buNone/>
+            </a:pPr>
+            <a:endParaRPr lang="en-US" sz="900" dirty="0">
+              <a:latin typeface="Courier New" panose="02070309020205020404" pitchFamily="49" charset="0"/>
+              <a:cs typeface="Courier New" panose="02070309020205020404" pitchFamily="49" charset="0"/>
+            </a:endParaRPr>
+          </a:p>
+          <a:p>
+            <a:pPr marL="0" indent="0">
+              <a:buNone/>
+            </a:pPr>
+            <a:r>
+              <a:rPr lang="en-US" sz="900" dirty="0">
+                <a:latin typeface="Courier New" panose="02070309020205020404" pitchFamily="49" charset="0"/>
+                <a:cs typeface="Courier New" panose="02070309020205020404" pitchFamily="49" charset="0"/>
+              </a:rPr>
+              <a:t>.alter table </a:t>
+            </a:r>
+            <a:r>
+              <a:rPr lang="en-US" sz="900" dirty="0" err="1">
+                <a:latin typeface="Courier New" panose="02070309020205020404" pitchFamily="49" charset="0"/>
+                <a:cs typeface="Courier New" panose="02070309020205020404" pitchFamily="49" charset="0"/>
+              </a:rPr>
+              <a:t>iotcexport</a:t>
+            </a:r>
+            <a:r>
+              <a:rPr lang="en-US" sz="900" dirty="0">
+                <a:latin typeface="Courier New" panose="02070309020205020404" pitchFamily="49" charset="0"/>
+                <a:cs typeface="Courier New" panose="02070309020205020404" pitchFamily="49" charset="0"/>
+              </a:rPr>
+              <a:t> policy </a:t>
+            </a:r>
+            <a:r>
+              <a:rPr lang="en-US" sz="900" dirty="0" err="1">
+                <a:latin typeface="Courier New" panose="02070309020205020404" pitchFamily="49" charset="0"/>
+                <a:cs typeface="Courier New" panose="02070309020205020404" pitchFamily="49" charset="0"/>
+              </a:rPr>
+              <a:t>streamingingestion</a:t>
+            </a:r>
+            <a:r>
+              <a:rPr lang="en-US" sz="900" dirty="0">
+                <a:latin typeface="Courier New" panose="02070309020205020404" pitchFamily="49" charset="0"/>
+                <a:cs typeface="Courier New" panose="02070309020205020404" pitchFamily="49" charset="0"/>
+              </a:rPr>
+              <a:t> enable</a:t>
+            </a:r>
+          </a:p>
+        </p:txBody>
+      </p:sp>
+    </p:spTree>
+    <p:extLst>
+      <p:ext uri="{BB962C8B-B14F-4D97-AF65-F5344CB8AC3E}">
+        <p14:creationId xmlns:p14="http://schemas.microsoft.com/office/powerpoint/2010/main" val="942495272"/>
+      </p:ext>
+    </p:extLst>
+  </p:cSld>
+  <p:clrMapOvr>
+    <a:masterClrMapping/>
+  </p:clrMapOvr>
+</p:sld>
+</file>
+
 <file path=ppt/slides/slide2.xml><?xml version="1.0" encoding="utf-8"?>
 <p:sld xmlns:a="http://schemas.openxmlformats.org/drawingml/2006/main" xmlns:r="http://schemas.openxmlformats.org/officeDocument/2006/relationships" xmlns:p="http://schemas.openxmlformats.org/presentationml/2006/main">
   <p:cSld>
@@ -3592,7 +4270,7 @@
         <p:spPr/>
         <p:txBody>
           <a:bodyPr>
-            <a:normAutofit fontScale="55000" lnSpcReduction="20000"/>
+            <a:normAutofit fontScale="47500" lnSpcReduction="20000"/>
           </a:bodyPr>
           <a:lstStyle/>
           <a:p>
@@ -3941,6 +4619,76 @@
               <a:latin typeface="Courier New" panose="02070309020205020404" pitchFamily="49" charset="0"/>
               <a:cs typeface="Courier New" panose="02070309020205020404" pitchFamily="49" charset="0"/>
             </a:endParaRPr>
+          </a:p>
+          <a:p>
+            <a:pPr marL="0" indent="0">
+              <a:buNone/>
+            </a:pPr>
+            <a:endParaRPr lang="en-US" dirty="0">
+              <a:latin typeface="Courier New" panose="02070309020205020404" pitchFamily="49" charset="0"/>
+              <a:cs typeface="Courier New" panose="02070309020205020404" pitchFamily="49" charset="0"/>
+            </a:endParaRPr>
+          </a:p>
+          <a:p>
+            <a:pPr marL="0" indent="0">
+              <a:buNone/>
+            </a:pPr>
+            <a:r>
+              <a:rPr lang="en-US" dirty="0" err="1">
+                <a:latin typeface="Courier New" panose="02070309020205020404" pitchFamily="49" charset="0"/>
+                <a:cs typeface="Courier New" panose="02070309020205020404" pitchFamily="49" charset="0"/>
+              </a:rPr>
+              <a:t>az</a:t>
+            </a:r>
+            <a:r>
+              <a:rPr lang="en-US" dirty="0">
+                <a:latin typeface="Courier New" panose="02070309020205020404" pitchFamily="49" charset="0"/>
+                <a:cs typeface="Courier New" panose="02070309020205020404" pitchFamily="49" charset="0"/>
+              </a:rPr>
+              <a:t> </a:t>
+            </a:r>
+            <a:r>
+              <a:rPr lang="en-US" dirty="0" err="1">
+                <a:latin typeface="Courier New" panose="02070309020205020404" pitchFamily="49" charset="0"/>
+                <a:cs typeface="Courier New" panose="02070309020205020404" pitchFamily="49" charset="0"/>
+              </a:rPr>
+              <a:t>iot</a:t>
+            </a:r>
+            <a:r>
+              <a:rPr lang="en-US" dirty="0">
+                <a:latin typeface="Courier New" panose="02070309020205020404" pitchFamily="49" charset="0"/>
+                <a:cs typeface="Courier New" panose="02070309020205020404" pitchFamily="49" charset="0"/>
+              </a:rPr>
+              <a:t> central app identity assign --name $</a:t>
+            </a:r>
+            <a:r>
+              <a:rPr lang="en-US" dirty="0" err="1">
+                <a:latin typeface="Courier New" panose="02070309020205020404" pitchFamily="49" charset="0"/>
+                <a:cs typeface="Courier New" panose="02070309020205020404" pitchFamily="49" charset="0"/>
+              </a:rPr>
+              <a:t>appname</a:t>
+            </a:r>
+            <a:r>
+              <a:rPr lang="en-US" dirty="0">
+                <a:latin typeface="Courier New" panose="02070309020205020404" pitchFamily="49" charset="0"/>
+                <a:cs typeface="Courier New" panose="02070309020205020404" pitchFamily="49" charset="0"/>
+              </a:rPr>
+              <a:t> --resource-group $</a:t>
+            </a:r>
+            <a:r>
+              <a:rPr lang="en-US" dirty="0" err="1">
+                <a:latin typeface="Courier New" panose="02070309020205020404" pitchFamily="49" charset="0"/>
+                <a:cs typeface="Courier New" panose="02070309020205020404" pitchFamily="49" charset="0"/>
+              </a:rPr>
+              <a:t>rgname</a:t>
+            </a:r>
+            <a:r>
+              <a:rPr lang="en-US" dirty="0">
+                <a:latin typeface="Courier New" panose="02070309020205020404" pitchFamily="49" charset="0"/>
+                <a:cs typeface="Courier New" panose="02070309020205020404" pitchFamily="49" charset="0"/>
+              </a:rPr>
+              <a:t> --system-assigned</a:t>
+            </a:r>
           </a:p>
           <a:p>
             <a:pPr marL="0" indent="0">
@@ -4276,7 +5024,7 @@
                 <a:latin typeface="Courier New" panose="02070309020205020404" pitchFamily="49" charset="0"/>
                 <a:cs typeface="Courier New" panose="02070309020205020404" pitchFamily="49" charset="0"/>
               </a:rPr>
-              <a:t>="asset1"</a:t>
+              <a:t>="gateway1"</a:t>
             </a:r>
           </a:p>
           <a:p>
@@ -5716,7 +6464,7 @@
                 <a:latin typeface="Courier New" panose="02070309020205020404" pitchFamily="49" charset="0"/>
                 <a:cs typeface="Courier New" panose="02070309020205020404" pitchFamily="49" charset="0"/>
               </a:rPr>
-              <a:t>iotcoeehol</a:t>
+              <a:t>iotcoee</a:t>
             </a:r>
             <a:r>
               <a:rPr lang="en-US" sz="900" dirty="0">
@@ -6217,7 +6965,7 @@
               <a:t>tsv</a:t>
             </a:r>
             <a:r>
-              <a:rPr lang="en-US" sz="900">
+              <a:rPr lang="en-US" sz="900" dirty="0">
                 <a:latin typeface="Courier New" panose="02070309020205020404" pitchFamily="49" charset="0"/>
                 <a:cs typeface="Courier New" panose="02070309020205020404" pitchFamily="49" charset="0"/>
               </a:rPr>

--- a/iotcentral-iiot-hol.pptx
+++ b/iotcentral-iiot-hol.pptx
@@ -8,14 +8,15 @@
     <p:sldId id="256" r:id="rId2"/>
     <p:sldId id="258" r:id="rId3"/>
     <p:sldId id="257" r:id="rId4"/>
-    <p:sldId id="259" r:id="rId5"/>
-    <p:sldId id="260" r:id="rId6"/>
-    <p:sldId id="264" r:id="rId7"/>
-    <p:sldId id="263" r:id="rId8"/>
-    <p:sldId id="265" r:id="rId9"/>
-    <p:sldId id="261" r:id="rId10"/>
-    <p:sldId id="262" r:id="rId11"/>
-    <p:sldId id="266" r:id="rId12"/>
+    <p:sldId id="267" r:id="rId5"/>
+    <p:sldId id="259" r:id="rId6"/>
+    <p:sldId id="260" r:id="rId7"/>
+    <p:sldId id="264" r:id="rId8"/>
+    <p:sldId id="263" r:id="rId9"/>
+    <p:sldId id="265" r:id="rId10"/>
+    <p:sldId id="261" r:id="rId11"/>
+    <p:sldId id="262" r:id="rId12"/>
+    <p:sldId id="266" r:id="rId13"/>
   </p:sldIdLst>
   <p:sldSz cx="12192000" cy="6858000"/>
   <p:notesSz cx="6858000" cy="9144000"/>
@@ -269,7 +270,7 @@
           <a:p>
             <a:fld id="{C4D5657C-1F5A-4382-9D2F-DB501CEBDF66}" type="datetimeFigureOut">
               <a:rPr lang="en-US" smtClean="0"/>
-              <a:t>5/16/2022</a:t>
+              <a:t>5/27/2022</a:t>
             </a:fld>
             <a:endParaRPr lang="en-US"/>
           </a:p>
@@ -467,7 +468,7 @@
           <a:p>
             <a:fld id="{C4D5657C-1F5A-4382-9D2F-DB501CEBDF66}" type="datetimeFigureOut">
               <a:rPr lang="en-US" smtClean="0"/>
-              <a:t>5/16/2022</a:t>
+              <a:t>5/27/2022</a:t>
             </a:fld>
             <a:endParaRPr lang="en-US"/>
           </a:p>
@@ -675,7 +676,7 @@
           <a:p>
             <a:fld id="{C4D5657C-1F5A-4382-9D2F-DB501CEBDF66}" type="datetimeFigureOut">
               <a:rPr lang="en-US" smtClean="0"/>
-              <a:t>5/16/2022</a:t>
+              <a:t>5/27/2022</a:t>
             </a:fld>
             <a:endParaRPr lang="en-US"/>
           </a:p>
@@ -873,7 +874,7 @@
           <a:p>
             <a:fld id="{C4D5657C-1F5A-4382-9D2F-DB501CEBDF66}" type="datetimeFigureOut">
               <a:rPr lang="en-US" smtClean="0"/>
-              <a:t>5/16/2022</a:t>
+              <a:t>5/27/2022</a:t>
             </a:fld>
             <a:endParaRPr lang="en-US"/>
           </a:p>
@@ -1148,7 +1149,7 @@
           <a:p>
             <a:fld id="{C4D5657C-1F5A-4382-9D2F-DB501CEBDF66}" type="datetimeFigureOut">
               <a:rPr lang="en-US" smtClean="0"/>
-              <a:t>5/16/2022</a:t>
+              <a:t>5/27/2022</a:t>
             </a:fld>
             <a:endParaRPr lang="en-US"/>
           </a:p>
@@ -1413,7 +1414,7 @@
           <a:p>
             <a:fld id="{C4D5657C-1F5A-4382-9D2F-DB501CEBDF66}" type="datetimeFigureOut">
               <a:rPr lang="en-US" smtClean="0"/>
-              <a:t>5/16/2022</a:t>
+              <a:t>5/27/2022</a:t>
             </a:fld>
             <a:endParaRPr lang="en-US"/>
           </a:p>
@@ -1825,7 +1826,7 @@
           <a:p>
             <a:fld id="{C4D5657C-1F5A-4382-9D2F-DB501CEBDF66}" type="datetimeFigureOut">
               <a:rPr lang="en-US" smtClean="0"/>
-              <a:t>5/16/2022</a:t>
+              <a:t>5/27/2022</a:t>
             </a:fld>
             <a:endParaRPr lang="en-US"/>
           </a:p>
@@ -1966,7 +1967,7 @@
           <a:p>
             <a:fld id="{C4D5657C-1F5A-4382-9D2F-DB501CEBDF66}" type="datetimeFigureOut">
               <a:rPr lang="en-US" smtClean="0"/>
-              <a:t>5/16/2022</a:t>
+              <a:t>5/27/2022</a:t>
             </a:fld>
             <a:endParaRPr lang="en-US"/>
           </a:p>
@@ -2079,7 +2080,7 @@
           <a:p>
             <a:fld id="{C4D5657C-1F5A-4382-9D2F-DB501CEBDF66}" type="datetimeFigureOut">
               <a:rPr lang="en-US" smtClean="0"/>
-              <a:t>5/16/2022</a:t>
+              <a:t>5/27/2022</a:t>
             </a:fld>
             <a:endParaRPr lang="en-US"/>
           </a:p>
@@ -2390,7 +2391,7 @@
           <a:p>
             <a:fld id="{C4D5657C-1F5A-4382-9D2F-DB501CEBDF66}" type="datetimeFigureOut">
               <a:rPr lang="en-US" smtClean="0"/>
-              <a:t>5/16/2022</a:t>
+              <a:t>5/27/2022</a:t>
             </a:fld>
             <a:endParaRPr lang="en-US"/>
           </a:p>
@@ -2678,7 +2679,7 @@
           <a:p>
             <a:fld id="{C4D5657C-1F5A-4382-9D2F-DB501CEBDF66}" type="datetimeFigureOut">
               <a:rPr lang="en-US" smtClean="0"/>
-              <a:t>5/16/2022</a:t>
+              <a:t>5/27/2022</a:t>
             </a:fld>
             <a:endParaRPr lang="en-US"/>
           </a:p>
@@ -2919,7 +2920,7 @@
           <a:p>
             <a:fld id="{C4D5657C-1F5A-4382-9D2F-DB501CEBDF66}" type="datetimeFigureOut">
               <a:rPr lang="en-US" smtClean="0"/>
-              <a:t>5/16/2022</a:t>
+              <a:t>5/27/2022</a:t>
             </a:fld>
             <a:endParaRPr lang="en-US"/>
           </a:p>
@@ -3439,6 +3440,146 @@
           <a:p>
             <a:r>
               <a:rPr lang="en-US" dirty="0"/>
+              <a:t>Step 5</a:t>
+            </a:r>
+          </a:p>
+        </p:txBody>
+      </p:sp>
+      <p:sp>
+        <p:nvSpPr>
+          <p:cNvPr id="3" name="Content Placeholder 2">
+            <a:extLst>
+              <a:ext uri="{FF2B5EF4-FFF2-40B4-BE49-F238E27FC236}">
+                <a16:creationId xmlns:a16="http://schemas.microsoft.com/office/drawing/2014/main" id="{35C76F0A-2E4E-2D45-CDCD-FFBB1155F3DA}"/>
+              </a:ext>
+            </a:extLst>
+          </p:cNvPr>
+          <p:cNvSpPr>
+            <a:spLocks noGrp="1"/>
+          </p:cNvSpPr>
+          <p:nvPr>
+            <p:ph idx="1"/>
+          </p:nvPr>
+        </p:nvSpPr>
+        <p:spPr>
+          <a:xfrm>
+            <a:off x="838200" y="1470622"/>
+            <a:ext cx="10515600" cy="4351338"/>
+          </a:xfrm>
+        </p:spPr>
+        <p:txBody>
+          <a:bodyPr>
+            <a:normAutofit/>
+          </a:bodyPr>
+          <a:lstStyle/>
+          <a:p>
+            <a:r>
+              <a:rPr lang="en-US" sz="2000" dirty="0"/>
+              <a:t>The Device status changes from Registered to Provisioned when the IoT Edge device connects. May take several minutes.</a:t>
+            </a:r>
+          </a:p>
+        </p:txBody>
+      </p:sp>
+      <p:pic>
+        <p:nvPicPr>
+          <p:cNvPr id="2052" name="Picture 4">
+            <a:extLst>
+              <a:ext uri="{FF2B5EF4-FFF2-40B4-BE49-F238E27FC236}">
+                <a16:creationId xmlns:a16="http://schemas.microsoft.com/office/drawing/2014/main" id="{61C371C3-FF7A-F301-C212-F1298E115242}"/>
+              </a:ext>
+            </a:extLst>
+          </p:cNvPr>
+          <p:cNvPicPr>
+            <a:picLocks noChangeAspect="1" noChangeArrowheads="1"/>
+          </p:cNvPicPr>
+          <p:nvPr/>
+        </p:nvPicPr>
+        <p:blipFill>
+          <a:blip r:embed="rId2">
+            <a:extLst>
+              <a:ext uri="{28A0092B-C50C-407E-A947-70E740481C1C}">
+                <a14:useLocalDpi xmlns:a14="http://schemas.microsoft.com/office/drawing/2010/main" val="0"/>
+              </a:ext>
+            </a:extLst>
+          </a:blip>
+          <a:srcRect/>
+          <a:stretch>
+            <a:fillRect/>
+          </a:stretch>
+        </p:blipFill>
+        <p:spPr bwMode="auto">
+          <a:xfrm>
+            <a:off x="1037216" y="2282863"/>
+            <a:ext cx="10515600" cy="4381500"/>
+          </a:xfrm>
+          <a:prstGeom prst="rect">
+            <a:avLst/>
+          </a:prstGeom>
+          <a:noFill/>
+          <a:extLst>
+            <a:ext uri="{909E8E84-426E-40DD-AFC4-6F175D3DCCD1}">
+              <a14:hiddenFill xmlns:a14="http://schemas.microsoft.com/office/drawing/2010/main">
+                <a:solidFill>
+                  <a:srgbClr val="FFFFFF"/>
+                </a:solidFill>
+              </a14:hiddenFill>
+            </a:ext>
+          </a:extLst>
+        </p:spPr>
+      </p:pic>
+    </p:spTree>
+    <p:extLst>
+      <p:ext uri="{BB962C8B-B14F-4D97-AF65-F5344CB8AC3E}">
+        <p14:creationId xmlns:p14="http://schemas.microsoft.com/office/powerpoint/2010/main" val="1860876146"/>
+      </p:ext>
+    </p:extLst>
+  </p:cSld>
+  <p:clrMapOvr>
+    <a:masterClrMapping/>
+  </p:clrMapOvr>
+</p:sld>
+</file>
+
+<file path=ppt/slides/slide11.xml><?xml version="1.0" encoding="utf-8"?>
+<p:sld xmlns:a="http://schemas.openxmlformats.org/drawingml/2006/main" xmlns:r="http://schemas.openxmlformats.org/officeDocument/2006/relationships" xmlns:p="http://schemas.openxmlformats.org/presentationml/2006/main">
+  <p:cSld>
+    <p:spTree>
+      <p:nvGrpSpPr>
+        <p:cNvPr id="1" name=""/>
+        <p:cNvGrpSpPr/>
+        <p:nvPr/>
+      </p:nvGrpSpPr>
+      <p:grpSpPr>
+        <a:xfrm>
+          <a:off x="0" y="0"/>
+          <a:ext cx="0" cy="0"/>
+          <a:chOff x="0" y="0"/>
+          <a:chExt cx="0" cy="0"/>
+        </a:xfrm>
+      </p:grpSpPr>
+      <p:sp>
+        <p:nvSpPr>
+          <p:cNvPr id="2" name="Title 1">
+            <a:extLst>
+              <a:ext uri="{FF2B5EF4-FFF2-40B4-BE49-F238E27FC236}">
+                <a16:creationId xmlns:a16="http://schemas.microsoft.com/office/drawing/2014/main" id="{5692EEB3-954D-BD0E-038B-C32E58A4F446}"/>
+              </a:ext>
+            </a:extLst>
+          </p:cNvPr>
+          <p:cNvSpPr>
+            <a:spLocks noGrp="1"/>
+          </p:cNvSpPr>
+          <p:nvPr>
+            <p:ph type="title"/>
+          </p:nvPr>
+        </p:nvSpPr>
+        <p:spPr/>
+        <p:txBody>
+          <a:bodyPr/>
+          <a:lstStyle/>
+          <a:p>
+            <a:r>
+              <a:rPr lang="en-US" dirty="0"/>
               <a:t>Step 6</a:t>
             </a:r>
           </a:p>
@@ -3529,7 +3670,7 @@
 </p:sld>
 </file>
 
-<file path=ppt/slides/slide11.xml><?xml version="1.0" encoding="utf-8"?>
+<file path=ppt/slides/slide12.xml><?xml version="1.0" encoding="utf-8"?>
 <p:sld xmlns:a="http://schemas.openxmlformats.org/drawingml/2006/main" xmlns:r="http://schemas.openxmlformats.org/officeDocument/2006/relationships" xmlns:p="http://schemas.openxmlformats.org/presentationml/2006/main">
   <p:cSld>
     <p:spTree>
@@ -4270,13 +4411,38 @@
         <p:spPr/>
         <p:txBody>
           <a:bodyPr>
-            <a:normAutofit fontScale="47500" lnSpcReduction="20000"/>
+            <a:normAutofit fontScale="32500" lnSpcReduction="20000"/>
           </a:bodyPr>
           <a:lstStyle/>
           <a:p>
             <a:pPr marL="0" indent="0">
               <a:buNone/>
             </a:pPr>
+            <a:r>
+              <a:rPr lang="en-US" dirty="0">
+                <a:highlight>
+                  <a:srgbClr val="FFFF00"/>
+                </a:highlight>
+                <a:latin typeface="Courier New" panose="02070309020205020404" pitchFamily="49" charset="0"/>
+                <a:cs typeface="Courier New" panose="02070309020205020404" pitchFamily="49" charset="0"/>
+              </a:rPr>
+              <a:t>git clone https://github.com/onderyildirim/iotcentral-iiot-lab.git</a:t>
+            </a:r>
+          </a:p>
+          <a:p>
+            <a:pPr marL="0" indent="0">
+              <a:buNone/>
+            </a:pPr>
+            <a:r>
+              <a:rPr lang="en-US" dirty="0">
+                <a:highlight>
+                  <a:srgbClr val="FFFF00"/>
+                </a:highlight>
+                <a:latin typeface="Courier New" panose="02070309020205020404" pitchFamily="49" charset="0"/>
+                <a:cs typeface="Courier New" panose="02070309020205020404" pitchFamily="49" charset="0"/>
+              </a:rPr>
+              <a:t>cd </a:t>
+            </a:r>
             <a:r>
               <a:rPr lang="en-US" dirty="0" err="1">
                 <a:highlight>
@@ -4285,7 +4451,7 @@
                 <a:latin typeface="Courier New" panose="02070309020205020404" pitchFamily="49" charset="0"/>
                 <a:cs typeface="Courier New" panose="02070309020205020404" pitchFamily="49" charset="0"/>
               </a:rPr>
-              <a:t>rgname</a:t>
+              <a:t>iotcentral</a:t>
             </a:r>
             <a:r>
               <a:rPr lang="en-US" dirty="0">
@@ -4295,7 +4461,7 @@
                 <a:latin typeface="Courier New" panose="02070309020205020404" pitchFamily="49" charset="0"/>
                 <a:cs typeface="Courier New" panose="02070309020205020404" pitchFamily="49" charset="0"/>
               </a:rPr>
-              <a:t>="</a:t>
+              <a:t>-</a:t>
             </a:r>
             <a:r>
               <a:rPr lang="en-US" dirty="0" err="1">
@@ -4305,7 +4471,7 @@
                 <a:latin typeface="Courier New" panose="02070309020205020404" pitchFamily="49" charset="0"/>
                 <a:cs typeface="Courier New" panose="02070309020205020404" pitchFamily="49" charset="0"/>
               </a:rPr>
-              <a:t>iotcoeehol</a:t>
+              <a:t>iiot</a:t>
             </a:r>
             <a:r>
               <a:rPr lang="en-US" dirty="0">
@@ -4315,7 +4481,7 @@
                 <a:latin typeface="Courier New" panose="02070309020205020404" pitchFamily="49" charset="0"/>
                 <a:cs typeface="Courier New" panose="02070309020205020404" pitchFamily="49" charset="0"/>
               </a:rPr>
-              <a:t>"</a:t>
+              <a:t>-lab </a:t>
             </a:r>
           </a:p>
           <a:p>
@@ -4330,6 +4496,51 @@
                 <a:latin typeface="Courier New" panose="02070309020205020404" pitchFamily="49" charset="0"/>
                 <a:cs typeface="Courier New" panose="02070309020205020404" pitchFamily="49" charset="0"/>
               </a:rPr>
+              <a:t>rgname</a:t>
+            </a:r>
+            <a:r>
+              <a:rPr lang="en-US" dirty="0">
+                <a:highlight>
+                  <a:srgbClr val="FFFF00"/>
+                </a:highlight>
+                <a:latin typeface="Courier New" panose="02070309020205020404" pitchFamily="49" charset="0"/>
+                <a:cs typeface="Courier New" panose="02070309020205020404" pitchFamily="49" charset="0"/>
+              </a:rPr>
+              <a:t>="</a:t>
+            </a:r>
+            <a:r>
+              <a:rPr lang="en-US" dirty="0" err="1">
+                <a:highlight>
+                  <a:srgbClr val="FFFF00"/>
+                </a:highlight>
+                <a:latin typeface="Courier New" panose="02070309020205020404" pitchFamily="49" charset="0"/>
+                <a:cs typeface="Courier New" panose="02070309020205020404" pitchFamily="49" charset="0"/>
+              </a:rPr>
+              <a:t>iotcoeehol</a:t>
+            </a:r>
+            <a:r>
+              <a:rPr lang="en-US" dirty="0">
+                <a:highlight>
+                  <a:srgbClr val="FFFF00"/>
+                </a:highlight>
+                <a:latin typeface="Courier New" panose="02070309020205020404" pitchFamily="49" charset="0"/>
+                <a:cs typeface="Courier New" panose="02070309020205020404" pitchFamily="49" charset="0"/>
+              </a:rPr>
+              <a:t>"</a:t>
+            </a:r>
+          </a:p>
+          <a:p>
+            <a:pPr marL="0" indent="0">
+              <a:buNone/>
+            </a:pPr>
+            <a:r>
+              <a:rPr lang="en-US" dirty="0" err="1">
+                <a:highlight>
+                  <a:srgbClr val="FFFF00"/>
+                </a:highlight>
+                <a:latin typeface="Courier New" panose="02070309020205020404" pitchFamily="49" charset="0"/>
+                <a:cs typeface="Courier New" panose="02070309020205020404" pitchFamily="49" charset="0"/>
+              </a:rPr>
               <a:t>regionname</a:t>
             </a:r>
             <a:r>
@@ -4460,7 +4671,7 @@
                 <a:latin typeface="Courier New" panose="02070309020205020404" pitchFamily="49" charset="0"/>
                 <a:cs typeface="Courier New" panose="02070309020205020404" pitchFamily="49" charset="0"/>
               </a:rPr>
-              <a:t> = (</a:t>
+              <a:t>=$(</a:t>
             </a:r>
             <a:r>
               <a:rPr lang="en-US" dirty="0" err="1">
@@ -4606,7 +4817,7 @@
                 <a:latin typeface="Courier New" panose="02070309020205020404" pitchFamily="49" charset="0"/>
                 <a:cs typeface="Courier New" panose="02070309020205020404" pitchFamily="49" charset="0"/>
               </a:rPr>
-              <a:t>--display-name 'OEE HOL').</a:t>
+              <a:t>--display-name 'OEE HOL' --query </a:t>
             </a:r>
             <a:r>
               <a:rPr lang="en-US" dirty="0" err="1">
@@ -4615,10 +4826,27 @@
               </a:rPr>
               <a:t>applicationId</a:t>
             </a:r>
-            <a:endParaRPr lang="en-US" dirty="0">
-              <a:latin typeface="Courier New" panose="02070309020205020404" pitchFamily="49" charset="0"/>
-              <a:cs typeface="Courier New" panose="02070309020205020404" pitchFamily="49" charset="0"/>
-            </a:endParaRPr>
+            <a:r>
+              <a:rPr lang="en-US" dirty="0">
+                <a:latin typeface="Courier New" panose="02070309020205020404" pitchFamily="49" charset="0"/>
+                <a:cs typeface="Courier New" panose="02070309020205020404" pitchFamily="49" charset="0"/>
+              </a:rPr>
+              <a:t> --output </a:t>
+            </a:r>
+            <a:r>
+              <a:rPr lang="en-US" dirty="0" err="1">
+                <a:latin typeface="Courier New" panose="02070309020205020404" pitchFamily="49" charset="0"/>
+                <a:cs typeface="Courier New" panose="02070309020205020404" pitchFamily="49" charset="0"/>
+              </a:rPr>
+              <a:t>tsv</a:t>
+            </a:r>
+            <a:r>
+              <a:rPr lang="en-US" dirty="0">
+                <a:latin typeface="Courier New" panose="02070309020205020404" pitchFamily="49" charset="0"/>
+                <a:cs typeface="Courier New" panose="02070309020205020404" pitchFamily="49" charset="0"/>
+              </a:rPr>
+              <a:t>)</a:t>
+            </a:r>
           </a:p>
           <a:p>
             <a:pPr marL="0" indent="0">
@@ -4894,7 +5122,7 @@
             </a:r>
             <a:r>
               <a:rPr lang="en-US" dirty="0" err="1"/>
-              <a:t>BoltMaker</a:t>
+              <a:t>OPCDevice</a:t>
             </a:r>
             <a:r>
               <a:rPr lang="en-US" dirty="0"/>
@@ -4902,7 +5130,7 @@
             </a:r>
             <a:r>
               <a:rPr lang="en-US" dirty="0" err="1"/>
-              <a:t>edgeDeploymentManifest.json</a:t>
+              <a:t>opcua-edgeDeploymentManifest.json</a:t>
             </a:r>
             <a:r>
               <a:rPr lang="en-US" dirty="0"/>
@@ -4963,7 +5191,7 @@
           <p:cNvPr id="2" name="Title 1">
             <a:extLst>
               <a:ext uri="{FF2B5EF4-FFF2-40B4-BE49-F238E27FC236}">
-                <a16:creationId xmlns:a16="http://schemas.microsoft.com/office/drawing/2014/main" id="{342F26CA-914E-C7D2-93FA-772665CD8D6B}"/>
+                <a16:creationId xmlns:a16="http://schemas.microsoft.com/office/drawing/2014/main" id="{3DA2F0FF-7473-AE15-F95B-E671D2C16CE9}"/>
               </a:ext>
             </a:extLst>
           </p:cNvPr>
@@ -4981,508 +5209,163 @@
           <a:p>
             <a:r>
               <a:rPr lang="en-US" dirty="0"/>
-              <a:t>Step 3</a:t>
+              <a:t>Step 2</a:t>
             </a:r>
           </a:p>
         </p:txBody>
       </p:sp>
-      <p:sp>
-        <p:nvSpPr>
-          <p:cNvPr id="3" name="Content Placeholder 2">
+      <p:pic>
+        <p:nvPicPr>
+          <p:cNvPr id="1026" name="Picture 2" descr="The device templates page where you manage the templates in your IoT Central application.">
             <a:extLst>
               <a:ext uri="{FF2B5EF4-FFF2-40B4-BE49-F238E27FC236}">
-                <a16:creationId xmlns:a16="http://schemas.microsoft.com/office/drawing/2014/main" id="{8AD159F6-7184-5FB4-D282-7BCC6DAA0DE2}"/>
+                <a16:creationId xmlns:a16="http://schemas.microsoft.com/office/drawing/2014/main" id="{BAF69ED4-CDA7-F913-F88B-37175DEF1B3E}"/>
               </a:ext>
             </a:extLst>
           </p:cNvPr>
-          <p:cNvSpPr>
-            <a:spLocks noGrp="1"/>
-          </p:cNvSpPr>
+          <p:cNvPicPr>
+            <a:picLocks noGrp="1" noChangeAspect="1" noChangeArrowheads="1"/>
+          </p:cNvPicPr>
           <p:nvPr>
             <p:ph idx="1"/>
           </p:nvPr>
+        </p:nvPicPr>
+        <p:blipFill>
+          <a:blip r:embed="rId2">
+            <a:extLst>
+              <a:ext uri="{28A0092B-C50C-407E-A947-70E740481C1C}">
+                <a14:useLocalDpi xmlns:a14="http://schemas.microsoft.com/office/drawing/2010/main" val="0"/>
+              </a:ext>
+            </a:extLst>
+          </a:blip>
+          <a:srcRect/>
+          <a:stretch>
+            <a:fillRect/>
+          </a:stretch>
+        </p:blipFill>
+        <p:spPr bwMode="auto">
+          <a:xfrm>
+            <a:off x="4264948" y="1857898"/>
+            <a:ext cx="7448795" cy="4351338"/>
+          </a:xfrm>
+          <a:prstGeom prst="rect">
+            <a:avLst/>
+          </a:prstGeom>
+          <a:noFill/>
+          <a:extLst>
+            <a:ext uri="{909E8E84-426E-40DD-AFC4-6F175D3DCCD1}">
+              <a14:hiddenFill xmlns:a14="http://schemas.microsoft.com/office/drawing/2010/main">
+                <a:solidFill>
+                  <a:srgbClr val="FFFFFF"/>
+                </a:solidFill>
+              </a14:hiddenFill>
+            </a:ext>
+          </a:extLst>
+        </p:spPr>
+      </p:pic>
+      <p:sp>
+        <p:nvSpPr>
+          <p:cNvPr id="6" name="TextBox 5">
+            <a:extLst>
+              <a:ext uri="{FF2B5EF4-FFF2-40B4-BE49-F238E27FC236}">
+                <a16:creationId xmlns:a16="http://schemas.microsoft.com/office/drawing/2014/main" id="{AD3C0A22-3E98-A804-A47D-9C44CDA0DBD4}"/>
+              </a:ext>
+            </a:extLst>
+          </p:cNvPr>
+          <p:cNvSpPr txBox="1"/>
+          <p:nvPr/>
         </p:nvSpPr>
-        <p:spPr/>
+        <p:spPr>
+          <a:xfrm>
+            <a:off x="293146" y="2086548"/>
+            <a:ext cx="3816275" cy="2585323"/>
+          </a:xfrm>
+          <a:prstGeom prst="rect">
+            <a:avLst/>
+          </a:prstGeom>
+          <a:noFill/>
+        </p:spPr>
         <p:txBody>
-          <a:bodyPr>
-            <a:normAutofit fontScale="70000" lnSpcReduction="20000"/>
+          <a:bodyPr wrap="square">
+            <a:spAutoFit/>
           </a:bodyPr>
           <a:lstStyle/>
           <a:p>
-            <a:pPr marL="0" indent="0">
-              <a:buNone/>
-            </a:pPr>
-            <a:r>
-              <a:rPr lang="en-US" dirty="0" err="1">
-                <a:latin typeface="Courier New" panose="02070309020205020404" pitchFamily="49" charset="0"/>
-                <a:cs typeface="Courier New" panose="02070309020205020404" pitchFamily="49" charset="0"/>
-              </a:rPr>
-              <a:t>deviceid</a:t>
-            </a:r>
-            <a:r>
-              <a:rPr lang="en-US" dirty="0">
-                <a:latin typeface="Courier New" panose="02070309020205020404" pitchFamily="49" charset="0"/>
-                <a:cs typeface="Courier New" panose="02070309020205020404" pitchFamily="49" charset="0"/>
-              </a:rPr>
-              <a:t>="gateway1"</a:t>
-            </a:r>
-          </a:p>
-          <a:p>
-            <a:pPr marL="0" indent="0">
-              <a:buNone/>
-            </a:pPr>
-            <a:r>
-              <a:rPr lang="en-US" dirty="0" err="1">
-                <a:latin typeface="Courier New" panose="02070309020205020404" pitchFamily="49" charset="0"/>
-                <a:cs typeface="Courier New" panose="02070309020205020404" pitchFamily="49" charset="0"/>
-              </a:rPr>
-              <a:t>devicetemplate</a:t>
-            </a:r>
-            <a:r>
-              <a:rPr lang="en-US" dirty="0">
-                <a:latin typeface="Courier New" panose="02070309020205020404" pitchFamily="49" charset="0"/>
-                <a:cs typeface="Courier New" panose="02070309020205020404" pitchFamily="49" charset="0"/>
-              </a:rPr>
-              <a:t>="</a:t>
-            </a:r>
-            <a:r>
-              <a:rPr lang="en-US" dirty="0" err="1">
-                <a:latin typeface="Courier New" panose="02070309020205020404" pitchFamily="49" charset="0"/>
-                <a:cs typeface="Courier New" panose="02070309020205020404" pitchFamily="49" charset="0"/>
-              </a:rPr>
-              <a:t>BoltMaker</a:t>
-            </a:r>
-            <a:r>
-              <a:rPr lang="en-US" dirty="0">
-                <a:latin typeface="Courier New" panose="02070309020205020404" pitchFamily="49" charset="0"/>
-                <a:cs typeface="Courier New" panose="02070309020205020404" pitchFamily="49" charset="0"/>
-              </a:rPr>
-              <a:t>"</a:t>
-            </a:r>
-          </a:p>
-          <a:p>
-            <a:pPr marL="0" indent="0">
-              <a:buNone/>
-            </a:pPr>
-            <a:endParaRPr lang="en-US" dirty="0">
-              <a:latin typeface="Courier New" panose="02070309020205020404" pitchFamily="49" charset="0"/>
-              <a:cs typeface="Courier New" panose="02070309020205020404" pitchFamily="49" charset="0"/>
-            </a:endParaRPr>
-          </a:p>
-          <a:p>
-            <a:pPr marL="0" indent="0">
-              <a:buNone/>
-            </a:pPr>
-            <a:r>
-              <a:rPr lang="en-US" dirty="0" err="1">
-                <a:latin typeface="Courier New" panose="02070309020205020404" pitchFamily="49" charset="0"/>
-                <a:cs typeface="Courier New" panose="02070309020205020404" pitchFamily="49" charset="0"/>
-              </a:rPr>
-              <a:t>devicetemplateid</a:t>
-            </a:r>
-            <a:r>
-              <a:rPr lang="en-US" dirty="0">
-                <a:latin typeface="Courier New" panose="02070309020205020404" pitchFamily="49" charset="0"/>
-                <a:cs typeface="Courier New" panose="02070309020205020404" pitchFamily="49" charset="0"/>
-              </a:rPr>
-              <a:t>=($(</a:t>
-            </a:r>
-            <a:r>
-              <a:rPr lang="en-US" dirty="0" err="1">
-                <a:latin typeface="Courier New" panose="02070309020205020404" pitchFamily="49" charset="0"/>
-                <a:cs typeface="Courier New" panose="02070309020205020404" pitchFamily="49" charset="0"/>
-              </a:rPr>
-              <a:t>az</a:t>
-            </a:r>
-            <a:r>
-              <a:rPr lang="en-US" dirty="0">
-                <a:latin typeface="Courier New" panose="02070309020205020404" pitchFamily="49" charset="0"/>
-                <a:cs typeface="Courier New" panose="02070309020205020404" pitchFamily="49" charset="0"/>
-              </a:rPr>
-              <a:t> </a:t>
-            </a:r>
-            <a:r>
-              <a:rPr lang="en-US" dirty="0" err="1">
-                <a:latin typeface="Courier New" panose="02070309020205020404" pitchFamily="49" charset="0"/>
-                <a:cs typeface="Courier New" panose="02070309020205020404" pitchFamily="49" charset="0"/>
-              </a:rPr>
-              <a:t>iot</a:t>
-            </a:r>
-            <a:r>
-              <a:rPr lang="en-US" dirty="0">
-                <a:latin typeface="Courier New" panose="02070309020205020404" pitchFamily="49" charset="0"/>
-                <a:cs typeface="Courier New" panose="02070309020205020404" pitchFamily="49" charset="0"/>
-              </a:rPr>
-              <a:t> central device-template list --app-id $</a:t>
-            </a:r>
-            <a:r>
-              <a:rPr lang="en-US" dirty="0" err="1">
-                <a:latin typeface="Courier New" panose="02070309020205020404" pitchFamily="49" charset="0"/>
-                <a:cs typeface="Courier New" panose="02070309020205020404" pitchFamily="49" charset="0"/>
-              </a:rPr>
-              <a:t>appid</a:t>
-            </a:r>
-            <a:r>
-              <a:rPr lang="en-US" dirty="0">
-                <a:latin typeface="Courier New" panose="02070309020205020404" pitchFamily="49" charset="0"/>
-                <a:cs typeface="Courier New" panose="02070309020205020404" pitchFamily="49" charset="0"/>
-              </a:rPr>
-              <a:t> --compact --query "[?</a:t>
-            </a:r>
-            <a:r>
-              <a:rPr lang="en-US" dirty="0" err="1">
-                <a:latin typeface="Courier New" panose="02070309020205020404" pitchFamily="49" charset="0"/>
-                <a:cs typeface="Courier New" panose="02070309020205020404" pitchFamily="49" charset="0"/>
-              </a:rPr>
-              <a:t>displayName.contains</a:t>
-            </a:r>
-            <a:r>
-              <a:rPr lang="en-US" dirty="0">
-                <a:latin typeface="Courier New" panose="02070309020205020404" pitchFamily="49" charset="0"/>
-                <a:cs typeface="Courier New" panose="02070309020205020404" pitchFamily="49" charset="0"/>
-              </a:rPr>
-              <a:t>(@, '$</a:t>
-            </a:r>
-            <a:r>
-              <a:rPr lang="en-US" dirty="0" err="1">
-                <a:latin typeface="Courier New" panose="02070309020205020404" pitchFamily="49" charset="0"/>
-                <a:cs typeface="Courier New" panose="02070309020205020404" pitchFamily="49" charset="0"/>
-              </a:rPr>
-              <a:t>devicetemplate</a:t>
-            </a:r>
-            <a:r>
-              <a:rPr lang="en-US" dirty="0">
-                <a:latin typeface="Courier New" panose="02070309020205020404" pitchFamily="49" charset="0"/>
-                <a:cs typeface="Courier New" panose="02070309020205020404" pitchFamily="49" charset="0"/>
-              </a:rPr>
-              <a:t>')].\"@id\"" -o </a:t>
-            </a:r>
-            <a:r>
-              <a:rPr lang="en-US" dirty="0" err="1">
-                <a:latin typeface="Courier New" panose="02070309020205020404" pitchFamily="49" charset="0"/>
-                <a:cs typeface="Courier New" panose="02070309020205020404" pitchFamily="49" charset="0"/>
-              </a:rPr>
-              <a:t>tsv</a:t>
-            </a:r>
-            <a:r>
-              <a:rPr lang="en-US" dirty="0">
-                <a:latin typeface="Courier New" panose="02070309020205020404" pitchFamily="49" charset="0"/>
-                <a:cs typeface="Courier New" panose="02070309020205020404" pitchFamily="49" charset="0"/>
-              </a:rPr>
-              <a:t>))</a:t>
-            </a:r>
-          </a:p>
-          <a:p>
-            <a:pPr marL="0" indent="0">
-              <a:buNone/>
-            </a:pPr>
-            <a:endParaRPr lang="en-US" dirty="0">
-              <a:latin typeface="Courier New" panose="02070309020205020404" pitchFamily="49" charset="0"/>
-              <a:cs typeface="Courier New" panose="02070309020205020404" pitchFamily="49" charset="0"/>
-            </a:endParaRPr>
-          </a:p>
-          <a:p>
-            <a:pPr marL="0" indent="0">
-              <a:buNone/>
-            </a:pPr>
-            <a:r>
-              <a:rPr lang="en-US" dirty="0" err="1">
-                <a:latin typeface="Courier New" panose="02070309020205020404" pitchFamily="49" charset="0"/>
-                <a:cs typeface="Courier New" panose="02070309020205020404" pitchFamily="49" charset="0"/>
-              </a:rPr>
-              <a:t>az</a:t>
-            </a:r>
-            <a:r>
-              <a:rPr lang="en-US" dirty="0">
-                <a:latin typeface="Courier New" panose="02070309020205020404" pitchFamily="49" charset="0"/>
-                <a:cs typeface="Courier New" panose="02070309020205020404" pitchFamily="49" charset="0"/>
-              </a:rPr>
-              <a:t> </a:t>
-            </a:r>
-            <a:r>
-              <a:rPr lang="en-US" dirty="0" err="1">
-                <a:latin typeface="Courier New" panose="02070309020205020404" pitchFamily="49" charset="0"/>
-                <a:cs typeface="Courier New" panose="02070309020205020404" pitchFamily="49" charset="0"/>
-              </a:rPr>
-              <a:t>iot</a:t>
-            </a:r>
-            <a:r>
-              <a:rPr lang="en-US" dirty="0">
-                <a:latin typeface="Courier New" panose="02070309020205020404" pitchFamily="49" charset="0"/>
-                <a:cs typeface="Courier New" panose="02070309020205020404" pitchFamily="49" charset="0"/>
-              </a:rPr>
-              <a:t> central device create --app-id $</a:t>
-            </a:r>
-            <a:r>
-              <a:rPr lang="en-US" dirty="0" err="1">
-                <a:latin typeface="Courier New" panose="02070309020205020404" pitchFamily="49" charset="0"/>
-                <a:cs typeface="Courier New" panose="02070309020205020404" pitchFamily="49" charset="0"/>
-              </a:rPr>
-              <a:t>appid</a:t>
-            </a:r>
-            <a:r>
-              <a:rPr lang="en-US" dirty="0">
-                <a:latin typeface="Courier New" panose="02070309020205020404" pitchFamily="49" charset="0"/>
-                <a:cs typeface="Courier New" panose="02070309020205020404" pitchFamily="49" charset="0"/>
-              </a:rPr>
-              <a:t> --device-id $</a:t>
-            </a:r>
-            <a:r>
-              <a:rPr lang="en-US" dirty="0" err="1">
-                <a:latin typeface="Courier New" panose="02070309020205020404" pitchFamily="49" charset="0"/>
-                <a:cs typeface="Courier New" panose="02070309020205020404" pitchFamily="49" charset="0"/>
-              </a:rPr>
-              <a:t>deviceid</a:t>
-            </a:r>
-            <a:r>
-              <a:rPr lang="en-US" dirty="0">
-                <a:latin typeface="Courier New" panose="02070309020205020404" pitchFamily="49" charset="0"/>
-                <a:cs typeface="Courier New" panose="02070309020205020404" pitchFamily="49" charset="0"/>
-              </a:rPr>
-              <a:t> --template $</a:t>
-            </a:r>
-            <a:r>
-              <a:rPr lang="en-US" dirty="0" err="1">
-                <a:latin typeface="Courier New" panose="02070309020205020404" pitchFamily="49" charset="0"/>
-                <a:cs typeface="Courier New" panose="02070309020205020404" pitchFamily="49" charset="0"/>
-              </a:rPr>
-              <a:t>devicetemplateid</a:t>
-            </a:r>
-            <a:endParaRPr lang="en-US" dirty="0">
-              <a:latin typeface="Courier New" panose="02070309020205020404" pitchFamily="49" charset="0"/>
-              <a:cs typeface="Courier New" panose="02070309020205020404" pitchFamily="49" charset="0"/>
-            </a:endParaRPr>
-          </a:p>
-          <a:p>
-            <a:pPr marL="0" indent="0">
-              <a:buNone/>
-            </a:pPr>
-            <a:endParaRPr lang="en-US" dirty="0">
-              <a:latin typeface="Courier New" panose="02070309020205020404" pitchFamily="49" charset="0"/>
-              <a:cs typeface="Courier New" panose="02070309020205020404" pitchFamily="49" charset="0"/>
-            </a:endParaRPr>
-          </a:p>
-          <a:p>
-            <a:pPr marL="0" indent="0">
-              <a:buNone/>
-            </a:pPr>
-            <a:r>
-              <a:rPr lang="en-US" dirty="0" err="1">
-                <a:latin typeface="Courier New" panose="02070309020205020404" pitchFamily="49" charset="0"/>
-                <a:cs typeface="Courier New" panose="02070309020205020404" pitchFamily="49" charset="0"/>
-              </a:rPr>
-              <a:t>idscope</a:t>
-            </a:r>
-            <a:r>
-              <a:rPr lang="en-US" dirty="0">
-                <a:latin typeface="Courier New" panose="02070309020205020404" pitchFamily="49" charset="0"/>
-                <a:cs typeface="Courier New" panose="02070309020205020404" pitchFamily="49" charset="0"/>
-              </a:rPr>
-              <a:t>=($(</a:t>
-            </a:r>
-            <a:r>
-              <a:rPr lang="en-US" dirty="0" err="1">
-                <a:latin typeface="Courier New" panose="02070309020205020404" pitchFamily="49" charset="0"/>
-                <a:cs typeface="Courier New" panose="02070309020205020404" pitchFamily="49" charset="0"/>
-              </a:rPr>
-              <a:t>az</a:t>
-            </a:r>
-            <a:r>
-              <a:rPr lang="en-US" dirty="0">
-                <a:latin typeface="Courier New" panose="02070309020205020404" pitchFamily="49" charset="0"/>
-                <a:cs typeface="Courier New" panose="02070309020205020404" pitchFamily="49" charset="0"/>
-              </a:rPr>
-              <a:t> </a:t>
-            </a:r>
-            <a:r>
-              <a:rPr lang="en-US" dirty="0" err="1">
-                <a:latin typeface="Courier New" panose="02070309020205020404" pitchFamily="49" charset="0"/>
-                <a:cs typeface="Courier New" panose="02070309020205020404" pitchFamily="49" charset="0"/>
-              </a:rPr>
-              <a:t>iot</a:t>
-            </a:r>
-            <a:r>
-              <a:rPr lang="en-US" dirty="0">
-                <a:latin typeface="Courier New" panose="02070309020205020404" pitchFamily="49" charset="0"/>
-                <a:cs typeface="Courier New" panose="02070309020205020404" pitchFamily="49" charset="0"/>
-              </a:rPr>
-              <a:t> central device show-credentials --app-id $</a:t>
-            </a:r>
-            <a:r>
-              <a:rPr lang="en-US" dirty="0" err="1">
-                <a:latin typeface="Courier New" panose="02070309020205020404" pitchFamily="49" charset="0"/>
-                <a:cs typeface="Courier New" panose="02070309020205020404" pitchFamily="49" charset="0"/>
-              </a:rPr>
-              <a:t>appid</a:t>
-            </a:r>
-            <a:r>
-              <a:rPr lang="en-US" dirty="0">
-                <a:latin typeface="Courier New" panose="02070309020205020404" pitchFamily="49" charset="0"/>
-                <a:cs typeface="Courier New" panose="02070309020205020404" pitchFamily="49" charset="0"/>
-              </a:rPr>
-              <a:t> --device-id $</a:t>
-            </a:r>
-            <a:r>
-              <a:rPr lang="en-US" dirty="0" err="1">
-                <a:latin typeface="Courier New" panose="02070309020205020404" pitchFamily="49" charset="0"/>
-                <a:cs typeface="Courier New" panose="02070309020205020404" pitchFamily="49" charset="0"/>
-              </a:rPr>
-              <a:t>deviceid</a:t>
-            </a:r>
-            <a:r>
-              <a:rPr lang="en-US" dirty="0">
-                <a:latin typeface="Courier New" panose="02070309020205020404" pitchFamily="49" charset="0"/>
-                <a:cs typeface="Courier New" panose="02070309020205020404" pitchFamily="49" charset="0"/>
-              </a:rPr>
-              <a:t> --query "</a:t>
-            </a:r>
-            <a:r>
-              <a:rPr lang="en-US" dirty="0" err="1">
-                <a:latin typeface="Courier New" panose="02070309020205020404" pitchFamily="49" charset="0"/>
-                <a:cs typeface="Courier New" panose="02070309020205020404" pitchFamily="49" charset="0"/>
-              </a:rPr>
-              <a:t>idScope</a:t>
-            </a:r>
-            <a:r>
-              <a:rPr lang="en-US" dirty="0">
-                <a:latin typeface="Courier New" panose="02070309020205020404" pitchFamily="49" charset="0"/>
-                <a:cs typeface="Courier New" panose="02070309020205020404" pitchFamily="49" charset="0"/>
-              </a:rPr>
-              <a:t>" -o </a:t>
-            </a:r>
-            <a:r>
-              <a:rPr lang="en-US" dirty="0" err="1">
-                <a:latin typeface="Courier New" panose="02070309020205020404" pitchFamily="49" charset="0"/>
-                <a:cs typeface="Courier New" panose="02070309020205020404" pitchFamily="49" charset="0"/>
-              </a:rPr>
-              <a:t>tsv</a:t>
-            </a:r>
-            <a:r>
-              <a:rPr lang="en-US" dirty="0">
-                <a:latin typeface="Courier New" panose="02070309020205020404" pitchFamily="49" charset="0"/>
-                <a:cs typeface="Courier New" panose="02070309020205020404" pitchFamily="49" charset="0"/>
-              </a:rPr>
-              <a:t>))</a:t>
-            </a:r>
-          </a:p>
-          <a:p>
-            <a:pPr marL="0" indent="0">
-              <a:buNone/>
-            </a:pPr>
-            <a:r>
-              <a:rPr lang="en-US" dirty="0" err="1">
-                <a:latin typeface="Courier New" panose="02070309020205020404" pitchFamily="49" charset="0"/>
-                <a:cs typeface="Courier New" panose="02070309020205020404" pitchFamily="49" charset="0"/>
-              </a:rPr>
-              <a:t>devicekey</a:t>
-            </a:r>
-            <a:r>
-              <a:rPr lang="en-US" dirty="0">
-                <a:latin typeface="Courier New" panose="02070309020205020404" pitchFamily="49" charset="0"/>
-                <a:cs typeface="Courier New" panose="02070309020205020404" pitchFamily="49" charset="0"/>
-              </a:rPr>
-              <a:t>=($(</a:t>
-            </a:r>
-            <a:r>
-              <a:rPr lang="en-US" dirty="0" err="1">
-                <a:latin typeface="Courier New" panose="02070309020205020404" pitchFamily="49" charset="0"/>
-                <a:cs typeface="Courier New" panose="02070309020205020404" pitchFamily="49" charset="0"/>
-              </a:rPr>
-              <a:t>az</a:t>
-            </a:r>
-            <a:r>
-              <a:rPr lang="en-US" dirty="0">
-                <a:latin typeface="Courier New" panose="02070309020205020404" pitchFamily="49" charset="0"/>
-                <a:cs typeface="Courier New" panose="02070309020205020404" pitchFamily="49" charset="0"/>
-              </a:rPr>
-              <a:t> </a:t>
-            </a:r>
-            <a:r>
-              <a:rPr lang="en-US" dirty="0" err="1">
-                <a:latin typeface="Courier New" panose="02070309020205020404" pitchFamily="49" charset="0"/>
-                <a:cs typeface="Courier New" panose="02070309020205020404" pitchFamily="49" charset="0"/>
-              </a:rPr>
-              <a:t>iot</a:t>
-            </a:r>
-            <a:r>
-              <a:rPr lang="en-US" dirty="0">
-                <a:latin typeface="Courier New" panose="02070309020205020404" pitchFamily="49" charset="0"/>
-                <a:cs typeface="Courier New" panose="02070309020205020404" pitchFamily="49" charset="0"/>
-              </a:rPr>
-              <a:t> central device show-credentials --app-id $</a:t>
-            </a:r>
-            <a:r>
-              <a:rPr lang="en-US" dirty="0" err="1">
-                <a:latin typeface="Courier New" panose="02070309020205020404" pitchFamily="49" charset="0"/>
-                <a:cs typeface="Courier New" panose="02070309020205020404" pitchFamily="49" charset="0"/>
-              </a:rPr>
-              <a:t>appid</a:t>
-            </a:r>
-            <a:r>
-              <a:rPr lang="en-US" dirty="0">
-                <a:latin typeface="Courier New" panose="02070309020205020404" pitchFamily="49" charset="0"/>
-                <a:cs typeface="Courier New" panose="02070309020205020404" pitchFamily="49" charset="0"/>
-              </a:rPr>
-              <a:t> --device-id $</a:t>
-            </a:r>
-            <a:r>
-              <a:rPr lang="en-US" dirty="0" err="1">
-                <a:latin typeface="Courier New" panose="02070309020205020404" pitchFamily="49" charset="0"/>
-                <a:cs typeface="Courier New" panose="02070309020205020404" pitchFamily="49" charset="0"/>
-              </a:rPr>
-              <a:t>deviceid</a:t>
-            </a:r>
-            <a:r>
-              <a:rPr lang="en-US" dirty="0">
-                <a:latin typeface="Courier New" panose="02070309020205020404" pitchFamily="49" charset="0"/>
-                <a:cs typeface="Courier New" panose="02070309020205020404" pitchFamily="49" charset="0"/>
-              </a:rPr>
-              <a:t> --query "</a:t>
-            </a:r>
-            <a:r>
-              <a:rPr lang="en-US" dirty="0" err="1">
-                <a:latin typeface="Courier New" panose="02070309020205020404" pitchFamily="49" charset="0"/>
-                <a:cs typeface="Courier New" panose="02070309020205020404" pitchFamily="49" charset="0"/>
-              </a:rPr>
-              <a:t>symmetricKey.primaryKey</a:t>
-            </a:r>
-            <a:r>
-              <a:rPr lang="en-US" dirty="0">
-                <a:latin typeface="Courier New" panose="02070309020205020404" pitchFamily="49" charset="0"/>
-                <a:cs typeface="Courier New" panose="02070309020205020404" pitchFamily="49" charset="0"/>
-              </a:rPr>
-              <a:t>" -o </a:t>
-            </a:r>
-            <a:r>
-              <a:rPr lang="en-US" dirty="0" err="1">
-                <a:latin typeface="Courier New" panose="02070309020205020404" pitchFamily="49" charset="0"/>
-                <a:cs typeface="Courier New" panose="02070309020205020404" pitchFamily="49" charset="0"/>
-              </a:rPr>
-              <a:t>tsv</a:t>
-            </a:r>
-            <a:r>
-              <a:rPr lang="en-US" dirty="0">
-                <a:latin typeface="Courier New" panose="02070309020205020404" pitchFamily="49" charset="0"/>
-                <a:cs typeface="Courier New" panose="02070309020205020404" pitchFamily="49" charset="0"/>
-              </a:rPr>
-              <a:t>))</a:t>
-            </a:r>
-          </a:p>
-          <a:p>
-            <a:pPr marL="0" indent="0">
-              <a:buNone/>
-            </a:pPr>
-            <a:endParaRPr lang="en-US" dirty="0">
-              <a:latin typeface="Courier New" panose="02070309020205020404" pitchFamily="49" charset="0"/>
-              <a:cs typeface="Courier New" panose="02070309020205020404" pitchFamily="49" charset="0"/>
-            </a:endParaRPr>
+            <a:pPr marL="342900" indent="-342900">
+              <a:buFont typeface="+mj-lt"/>
+              <a:buAutoNum type="arabicPeriod"/>
+            </a:pPr>
+            <a:r>
+              <a:rPr lang="en-US" dirty="0"/>
+              <a:t>Click “Module asset1”</a:t>
+            </a:r>
+          </a:p>
+          <a:p>
+            <a:pPr marL="342900" indent="-342900">
+              <a:buFont typeface="+mj-lt"/>
+              <a:buAutoNum type="arabicPeriod"/>
+            </a:pPr>
+            <a:r>
+              <a:rPr lang="en-US" dirty="0"/>
+              <a:t>Select “Edit DTDL”</a:t>
+            </a:r>
+          </a:p>
+          <a:p>
+            <a:pPr marL="342900" indent="-342900">
+              <a:buFont typeface="+mj-lt"/>
+              <a:buAutoNum type="arabicPeriod"/>
+            </a:pPr>
+            <a:r>
+              <a:rPr lang="en-US" dirty="0"/>
+              <a:t>Copy and paste contents from “opcua1.template.dtdl.json”</a:t>
+            </a:r>
+          </a:p>
+          <a:p>
+            <a:pPr marL="342900" indent="-342900">
+              <a:buFont typeface="+mj-lt"/>
+              <a:buAutoNum type="arabicPeriod"/>
+            </a:pPr>
+            <a:r>
+              <a:rPr lang="en-US" dirty="0"/>
+              <a:t>Click “Module asset2”</a:t>
+            </a:r>
+          </a:p>
+          <a:p>
+            <a:pPr marL="342900" indent="-342900">
+              <a:buFont typeface="+mj-lt"/>
+              <a:buAutoNum type="arabicPeriod"/>
+            </a:pPr>
+            <a:r>
+              <a:rPr lang="en-US" dirty="0"/>
+              <a:t>Select “Edit DTDL”</a:t>
+            </a:r>
+          </a:p>
+          <a:p>
+            <a:pPr marL="342900" indent="-342900">
+              <a:buFont typeface="+mj-lt"/>
+              <a:buAutoNum type="arabicPeriod"/>
+            </a:pPr>
+            <a:r>
+              <a:rPr lang="en-US" dirty="0"/>
+              <a:t>Copy and paste contents from “opcua2.template.dtdl.json”</a:t>
+            </a:r>
+          </a:p>
+          <a:p>
+            <a:pPr marL="342900" indent="-342900">
+              <a:buFont typeface="+mj-lt"/>
+              <a:buAutoNum type="arabicPeriod"/>
+            </a:pPr>
+            <a:r>
+              <a:rPr lang="en-US" dirty="0"/>
+              <a:t>Click Publish</a:t>
+            </a:r>
           </a:p>
         </p:txBody>
       </p:sp>
     </p:spTree>
     <p:extLst>
       <p:ext uri="{BB962C8B-B14F-4D97-AF65-F5344CB8AC3E}">
-        <p14:creationId xmlns:p14="http://schemas.microsoft.com/office/powerpoint/2010/main" val="493136162"/>
+        <p14:creationId xmlns:p14="http://schemas.microsoft.com/office/powerpoint/2010/main" val="3673036785"/>
       </p:ext>
     </p:extLst>
   </p:cSld>
@@ -5532,7 +5415,7 @@
           <a:p>
             <a:r>
               <a:rPr lang="en-US" dirty="0"/>
-              <a:t>Step 4</a:t>
+              <a:t>Step 3</a:t>
             </a:r>
           </a:p>
         </p:txBody>
@@ -5556,7 +5439,7 @@
         <p:spPr/>
         <p:txBody>
           <a:bodyPr>
-            <a:normAutofit fontScale="55000" lnSpcReduction="20000"/>
+            <a:normAutofit fontScale="62500" lnSpcReduction="20000"/>
           </a:bodyPr>
           <a:lstStyle/>
           <a:p>
@@ -5565,19 +5448,32 @@
             </a:pPr>
             <a:r>
               <a:rPr lang="en-US" dirty="0" err="1">
-                <a:highlight>
-                  <a:srgbClr val="FFFF00"/>
-                </a:highlight>
-                <a:latin typeface="Courier New" panose="02070309020205020404" pitchFamily="49" charset="0"/>
-                <a:cs typeface="Courier New" panose="02070309020205020404" pitchFamily="49" charset="0"/>
-              </a:rPr>
-              <a:t>vmname</a:t>
-            </a:r>
-            <a:r>
-              <a:rPr lang="en-US" dirty="0">
-                <a:highlight>
-                  <a:srgbClr val="FFFF00"/>
-                </a:highlight>
+                <a:latin typeface="Courier New" panose="02070309020205020404" pitchFamily="49" charset="0"/>
+                <a:cs typeface="Courier New" panose="02070309020205020404" pitchFamily="49" charset="0"/>
+              </a:rPr>
+              <a:t>deviceid</a:t>
+            </a:r>
+            <a:r>
+              <a:rPr lang="en-US" dirty="0">
+                <a:latin typeface="Courier New" panose="02070309020205020404" pitchFamily="49" charset="0"/>
+                <a:cs typeface="Courier New" panose="02070309020205020404" pitchFamily="49" charset="0"/>
+              </a:rPr>
+              <a:t>="opc1"</a:t>
+            </a:r>
+          </a:p>
+          <a:p>
+            <a:pPr marL="0" indent="0">
+              <a:buNone/>
+            </a:pPr>
+            <a:r>
+              <a:rPr lang="en-US" dirty="0" err="1">
+                <a:latin typeface="Courier New" panose="02070309020205020404" pitchFamily="49" charset="0"/>
+                <a:cs typeface="Courier New" panose="02070309020205020404" pitchFamily="49" charset="0"/>
+              </a:rPr>
+              <a:t>devicetemplate</a:t>
+            </a:r>
+            <a:r>
+              <a:rPr lang="en-US" dirty="0">
                 <a:latin typeface="Courier New" panose="02070309020205020404" pitchFamily="49" charset="0"/>
                 <a:cs typeface="Courier New" panose="02070309020205020404" pitchFamily="49" charset="0"/>
               </a:rPr>
@@ -5585,48 +5481,17 @@
             </a:r>
             <a:r>
               <a:rPr lang="en-US" dirty="0" err="1">
-                <a:highlight>
-                  <a:srgbClr val="FFFF00"/>
-                </a:highlight>
-                <a:latin typeface="Courier New" panose="02070309020205020404" pitchFamily="49" charset="0"/>
-                <a:cs typeface="Courier New" panose="02070309020205020404" pitchFamily="49" charset="0"/>
-              </a:rPr>
-              <a:t>iotcholedge</a:t>
-            </a:r>
-            <a:r>
-              <a:rPr lang="en-US" dirty="0">
-                <a:highlight>
-                  <a:srgbClr val="FFFF00"/>
-                </a:highlight>
-                <a:latin typeface="Courier New" panose="02070309020205020404" pitchFamily="49" charset="0"/>
-                <a:cs typeface="Courier New" panose="02070309020205020404" pitchFamily="49" charset="0"/>
-              </a:rPr>
-              <a:t>-$RANDOM"</a:t>
-            </a:r>
-          </a:p>
-          <a:p>
-            <a:pPr marL="0" indent="0">
-              <a:buNone/>
-            </a:pPr>
-            <a:r>
-              <a:rPr lang="en-US" dirty="0" err="1">
-                <a:highlight>
-                  <a:srgbClr val="FFFF00"/>
-                </a:highlight>
-                <a:latin typeface="Courier New" panose="02070309020205020404" pitchFamily="49" charset="0"/>
-                <a:cs typeface="Courier New" panose="02070309020205020404" pitchFamily="49" charset="0"/>
-              </a:rPr>
-              <a:t>vmpassword</a:t>
-            </a:r>
-            <a:r>
-              <a:rPr lang="en-US" dirty="0">
-                <a:highlight>
-                  <a:srgbClr val="FFFF00"/>
-                </a:highlight>
-                <a:latin typeface="Courier New" panose="02070309020205020404" pitchFamily="49" charset="0"/>
-                <a:cs typeface="Courier New" panose="02070309020205020404" pitchFamily="49" charset="0"/>
-              </a:rPr>
-              <a:t>="Password@12345"</a:t>
+                <a:latin typeface="Courier New" panose="02070309020205020404" pitchFamily="49" charset="0"/>
+                <a:cs typeface="Courier New" panose="02070309020205020404" pitchFamily="49" charset="0"/>
+              </a:rPr>
+              <a:t>OPCDevice</a:t>
+            </a:r>
+            <a:r>
+              <a:rPr lang="en-US" dirty="0">
+                <a:latin typeface="Courier New" panose="02070309020205020404" pitchFamily="49" charset="0"/>
+                <a:cs typeface="Courier New" panose="02070309020205020404" pitchFamily="49" charset="0"/>
+              </a:rPr>
+              <a:t>"</a:t>
             </a:r>
           </a:p>
           <a:p>
@@ -5647,6 +5512,20 @@
                 <a:latin typeface="Courier New" panose="02070309020205020404" pitchFamily="49" charset="0"/>
                 <a:cs typeface="Courier New" panose="02070309020205020404" pitchFamily="49" charset="0"/>
               </a:rPr>
+              <a:t>devicetemplateid</a:t>
+            </a:r>
+            <a:r>
+              <a:rPr lang="en-US" dirty="0">
+                <a:latin typeface="Courier New" panose="02070309020205020404" pitchFamily="49" charset="0"/>
+                <a:cs typeface="Courier New" panose="02070309020205020404" pitchFamily="49" charset="0"/>
+              </a:rPr>
+              <a:t>=($(</a:t>
+            </a:r>
+            <a:r>
+              <a:rPr lang="en-US" dirty="0" err="1">
+                <a:latin typeface="Courier New" panose="02070309020205020404" pitchFamily="49" charset="0"/>
+                <a:cs typeface="Courier New" panose="02070309020205020404" pitchFamily="49" charset="0"/>
+              </a:rPr>
               <a:t>az</a:t>
             </a:r>
             <a:r>
@@ -5654,331 +5533,186 @@
                 <a:latin typeface="Courier New" panose="02070309020205020404" pitchFamily="49" charset="0"/>
                 <a:cs typeface="Courier New" panose="02070309020205020404" pitchFamily="49" charset="0"/>
               </a:rPr>
-              <a:t> deployment group create \</a:t>
-            </a:r>
-          </a:p>
-          <a:p>
-            <a:pPr marL="0" indent="0">
-              <a:buNone/>
-            </a:pPr>
-            <a:r>
-              <a:rPr lang="en-US" dirty="0">
-                <a:latin typeface="Courier New" panose="02070309020205020404" pitchFamily="49" charset="0"/>
-                <a:cs typeface="Courier New" panose="02070309020205020404" pitchFamily="49" charset="0"/>
-              </a:rPr>
-              <a:t>  --name $</a:t>
+              <a:t> </a:t>
             </a:r>
             <a:r>
               <a:rPr lang="en-US" dirty="0" err="1">
                 <a:latin typeface="Courier New" panose="02070309020205020404" pitchFamily="49" charset="0"/>
                 <a:cs typeface="Courier New" panose="02070309020205020404" pitchFamily="49" charset="0"/>
               </a:rPr>
-              <a:t>vmname</a:t>
-            </a:r>
-            <a:r>
-              <a:rPr lang="en-US" dirty="0">
-                <a:latin typeface="Courier New" panose="02070309020205020404" pitchFamily="49" charset="0"/>
-                <a:cs typeface="Courier New" panose="02070309020205020404" pitchFamily="49" charset="0"/>
-              </a:rPr>
-              <a:t> \</a:t>
-            </a:r>
-          </a:p>
-          <a:p>
-            <a:pPr marL="0" indent="0">
-              <a:buNone/>
-            </a:pPr>
-            <a:r>
-              <a:rPr lang="en-US" dirty="0">
-                <a:latin typeface="Courier New" panose="02070309020205020404" pitchFamily="49" charset="0"/>
-                <a:cs typeface="Courier New" panose="02070309020205020404" pitchFamily="49" charset="0"/>
-              </a:rPr>
-              <a:t>  --resource-group $</a:t>
+              <a:t>iot</a:t>
+            </a:r>
+            <a:r>
+              <a:rPr lang="en-US" dirty="0">
+                <a:latin typeface="Courier New" panose="02070309020205020404" pitchFamily="49" charset="0"/>
+                <a:cs typeface="Courier New" panose="02070309020205020404" pitchFamily="49" charset="0"/>
+              </a:rPr>
+              <a:t> central device-template list --app-id $</a:t>
             </a:r>
             <a:r>
               <a:rPr lang="en-US" dirty="0" err="1">
                 <a:latin typeface="Courier New" panose="02070309020205020404" pitchFamily="49" charset="0"/>
                 <a:cs typeface="Courier New" panose="02070309020205020404" pitchFamily="49" charset="0"/>
               </a:rPr>
-              <a:t>rgname</a:t>
-            </a:r>
-            <a:r>
-              <a:rPr lang="en-US" dirty="0">
-                <a:latin typeface="Courier New" panose="02070309020205020404" pitchFamily="49" charset="0"/>
-                <a:cs typeface="Courier New" panose="02070309020205020404" pitchFamily="49" charset="0"/>
-              </a:rPr>
-              <a:t> \</a:t>
-            </a:r>
-          </a:p>
-          <a:p>
-            <a:pPr marL="0" indent="0">
-              <a:buNone/>
-            </a:pPr>
-            <a:r>
-              <a:rPr lang="en-US" dirty="0">
-                <a:latin typeface="Courier New" panose="02070309020205020404" pitchFamily="49" charset="0"/>
-                <a:cs typeface="Courier New" panose="02070309020205020404" pitchFamily="49" charset="0"/>
-              </a:rPr>
-              <a:t>  --template-file </a:t>
+              <a:t>appid</a:t>
+            </a:r>
+            <a:r>
+              <a:rPr lang="en-US" dirty="0">
+                <a:latin typeface="Courier New" panose="02070309020205020404" pitchFamily="49" charset="0"/>
+                <a:cs typeface="Courier New" panose="02070309020205020404" pitchFamily="49" charset="0"/>
+              </a:rPr>
+              <a:t> --compact --query "[?</a:t>
             </a:r>
             <a:r>
               <a:rPr lang="en-US" dirty="0" err="1">
                 <a:latin typeface="Courier New" panose="02070309020205020404" pitchFamily="49" charset="0"/>
                 <a:cs typeface="Courier New" panose="02070309020205020404" pitchFamily="49" charset="0"/>
               </a:rPr>
-              <a:t>edgeModuleVMDeploy.json</a:t>
-            </a:r>
-            <a:r>
-              <a:rPr lang="en-US" dirty="0">
-                <a:latin typeface="Courier New" panose="02070309020205020404" pitchFamily="49" charset="0"/>
-                <a:cs typeface="Courier New" panose="02070309020205020404" pitchFamily="49" charset="0"/>
-              </a:rPr>
-              <a:t> \</a:t>
-            </a:r>
-          </a:p>
-          <a:p>
-            <a:pPr marL="0" indent="0">
-              <a:buNone/>
-            </a:pPr>
-            <a:r>
-              <a:rPr lang="en-US" dirty="0">
-                <a:latin typeface="Courier New" panose="02070309020205020404" pitchFamily="49" charset="0"/>
-                <a:cs typeface="Courier New" panose="02070309020205020404" pitchFamily="49" charset="0"/>
-              </a:rPr>
-              <a:t>  --parameters </a:t>
+              <a:t>displayName.contains</a:t>
+            </a:r>
+            <a:r>
+              <a:rPr lang="en-US" dirty="0">
+                <a:latin typeface="Courier New" panose="02070309020205020404" pitchFamily="49" charset="0"/>
+                <a:cs typeface="Courier New" panose="02070309020205020404" pitchFamily="49" charset="0"/>
+              </a:rPr>
+              <a:t>(@, '$</a:t>
             </a:r>
             <a:r>
               <a:rPr lang="en-US" dirty="0" err="1">
                 <a:latin typeface="Courier New" panose="02070309020205020404" pitchFamily="49" charset="0"/>
                 <a:cs typeface="Courier New" panose="02070309020205020404" pitchFamily="49" charset="0"/>
               </a:rPr>
-              <a:t>dnsLabelPrefix</a:t>
-            </a:r>
-            <a:r>
-              <a:rPr lang="en-US" dirty="0">
-                <a:latin typeface="Courier New" panose="02070309020205020404" pitchFamily="49" charset="0"/>
-                <a:cs typeface="Courier New" panose="02070309020205020404" pitchFamily="49" charset="0"/>
-              </a:rPr>
-              <a:t>="$</a:t>
+              <a:t>devicetemplate</a:t>
+            </a:r>
+            <a:r>
+              <a:rPr lang="en-US" dirty="0">
+                <a:latin typeface="Courier New" panose="02070309020205020404" pitchFamily="49" charset="0"/>
+                <a:cs typeface="Courier New" panose="02070309020205020404" pitchFamily="49" charset="0"/>
+              </a:rPr>
+              <a:t>')].\"@id\"" -o </a:t>
             </a:r>
             <a:r>
               <a:rPr lang="en-US" dirty="0" err="1">
                 <a:latin typeface="Courier New" panose="02070309020205020404" pitchFamily="49" charset="0"/>
                 <a:cs typeface="Courier New" panose="02070309020205020404" pitchFamily="49" charset="0"/>
               </a:rPr>
-              <a:t>appname</a:t>
-            </a:r>
-            <a:r>
-              <a:rPr lang="en-US" dirty="0">
-                <a:latin typeface="Courier New" panose="02070309020205020404" pitchFamily="49" charset="0"/>
-                <a:cs typeface="Courier New" panose="02070309020205020404" pitchFamily="49" charset="0"/>
-              </a:rPr>
-              <a:t>" \</a:t>
-            </a:r>
-          </a:p>
-          <a:p>
-            <a:pPr marL="0" indent="0">
-              <a:buNone/>
-            </a:pPr>
-            <a:r>
-              <a:rPr lang="en-US" dirty="0">
-                <a:latin typeface="Courier New" panose="02070309020205020404" pitchFamily="49" charset="0"/>
-                <a:cs typeface="Courier New" panose="02070309020205020404" pitchFamily="49" charset="0"/>
-              </a:rPr>
-              <a:t>  --parameters </a:t>
+              <a:t>tsv</a:t>
+            </a:r>
+            <a:r>
+              <a:rPr lang="en-US" dirty="0">
+                <a:latin typeface="Courier New" panose="02070309020205020404" pitchFamily="49" charset="0"/>
+                <a:cs typeface="Courier New" panose="02070309020205020404" pitchFamily="49" charset="0"/>
+              </a:rPr>
+              <a:t>))</a:t>
+            </a:r>
+          </a:p>
+          <a:p>
+            <a:pPr marL="0" indent="0">
+              <a:buNone/>
+            </a:pPr>
+            <a:r>
+              <a:rPr lang="en-US" dirty="0">
+                <a:latin typeface="Courier New" panose="02070309020205020404" pitchFamily="49" charset="0"/>
+                <a:cs typeface="Courier New" panose="02070309020205020404" pitchFamily="49" charset="0"/>
+              </a:rPr>
+              <a:t>echo "</a:t>
             </a:r>
             <a:r>
               <a:rPr lang="en-US" dirty="0" err="1">
                 <a:latin typeface="Courier New" panose="02070309020205020404" pitchFamily="49" charset="0"/>
                 <a:cs typeface="Courier New" panose="02070309020205020404" pitchFamily="49" charset="0"/>
               </a:rPr>
-              <a:t>adminUsername</a:t>
-            </a:r>
-            <a:r>
-              <a:rPr lang="en-US" dirty="0">
-                <a:latin typeface="Courier New" panose="02070309020205020404" pitchFamily="49" charset="0"/>
-                <a:cs typeface="Courier New" panose="02070309020205020404" pitchFamily="49" charset="0"/>
-              </a:rPr>
-              <a:t>="</a:t>
+              <a:t>DeviceTemplateID</a:t>
+            </a:r>
+            <a:r>
+              <a:rPr lang="en-US" dirty="0">
+                <a:latin typeface="Courier New" panose="02070309020205020404" pitchFamily="49" charset="0"/>
+                <a:cs typeface="Courier New" panose="02070309020205020404" pitchFamily="49" charset="0"/>
+              </a:rPr>
+              <a:t>=$</a:t>
             </a:r>
             <a:r>
               <a:rPr lang="en-US" dirty="0" err="1">
                 <a:latin typeface="Courier New" panose="02070309020205020404" pitchFamily="49" charset="0"/>
                 <a:cs typeface="Courier New" panose="02070309020205020404" pitchFamily="49" charset="0"/>
               </a:rPr>
-              <a:t>azureuser</a:t>
-            </a:r>
-            <a:r>
-              <a:rPr lang="en-US" dirty="0">
-                <a:latin typeface="Courier New" panose="02070309020205020404" pitchFamily="49" charset="0"/>
-                <a:cs typeface="Courier New" panose="02070309020205020404" pitchFamily="49" charset="0"/>
-              </a:rPr>
-              <a:t>" \</a:t>
-            </a:r>
-          </a:p>
-          <a:p>
-            <a:pPr marL="0" indent="0">
-              <a:buNone/>
-            </a:pPr>
-            <a:r>
-              <a:rPr lang="en-US" dirty="0">
-                <a:latin typeface="Courier New" panose="02070309020205020404" pitchFamily="49" charset="0"/>
-                <a:cs typeface="Courier New" panose="02070309020205020404" pitchFamily="49" charset="0"/>
-              </a:rPr>
-              <a:t>  --parameters </a:t>
-            </a:r>
+              <a:t>devicetemplateid</a:t>
+            </a:r>
+            <a:r>
+              <a:rPr lang="en-US" dirty="0">
+                <a:latin typeface="Courier New" panose="02070309020205020404" pitchFamily="49" charset="0"/>
+                <a:cs typeface="Courier New" panose="02070309020205020404" pitchFamily="49" charset="0"/>
+              </a:rPr>
+              <a:t>"</a:t>
+            </a:r>
+          </a:p>
+          <a:p>
+            <a:pPr marL="0" indent="0">
+              <a:buNone/>
+            </a:pPr>
             <a:r>
               <a:rPr lang="en-US" dirty="0" err="1">
                 <a:latin typeface="Courier New" panose="02070309020205020404" pitchFamily="49" charset="0"/>
                 <a:cs typeface="Courier New" panose="02070309020205020404" pitchFamily="49" charset="0"/>
               </a:rPr>
-              <a:t>adminPassword</a:t>
-            </a:r>
-            <a:r>
-              <a:rPr lang="en-US" dirty="0">
-                <a:latin typeface="Courier New" panose="02070309020205020404" pitchFamily="49" charset="0"/>
-                <a:cs typeface="Courier New" panose="02070309020205020404" pitchFamily="49" charset="0"/>
-              </a:rPr>
-              <a:t>="$</a:t>
+              <a:t>az</a:t>
+            </a:r>
+            <a:r>
+              <a:rPr lang="en-US" dirty="0">
+                <a:latin typeface="Courier New" panose="02070309020205020404" pitchFamily="49" charset="0"/>
+                <a:cs typeface="Courier New" panose="02070309020205020404" pitchFamily="49" charset="0"/>
+              </a:rPr>
+              <a:t> </a:t>
             </a:r>
             <a:r>
               <a:rPr lang="en-US" dirty="0" err="1">
                 <a:latin typeface="Courier New" panose="02070309020205020404" pitchFamily="49" charset="0"/>
                 <a:cs typeface="Courier New" panose="02070309020205020404" pitchFamily="49" charset="0"/>
               </a:rPr>
-              <a:t>vmpassword</a:t>
-            </a:r>
-            <a:r>
-              <a:rPr lang="en-US" dirty="0">
-                <a:latin typeface="Courier New" panose="02070309020205020404" pitchFamily="49" charset="0"/>
-                <a:cs typeface="Courier New" panose="02070309020205020404" pitchFamily="49" charset="0"/>
-              </a:rPr>
-              <a:t>" \</a:t>
-            </a:r>
-          </a:p>
-          <a:p>
-            <a:pPr marL="0" indent="0">
-              <a:buNone/>
-            </a:pPr>
-            <a:r>
-              <a:rPr lang="en-US" dirty="0">
-                <a:latin typeface="Courier New" panose="02070309020205020404" pitchFamily="49" charset="0"/>
-                <a:cs typeface="Courier New" panose="02070309020205020404" pitchFamily="49" charset="0"/>
-              </a:rPr>
-              <a:t>  --parameters </a:t>
+              <a:t>iot</a:t>
+            </a:r>
+            <a:r>
+              <a:rPr lang="en-US" dirty="0">
+                <a:latin typeface="Courier New" panose="02070309020205020404" pitchFamily="49" charset="0"/>
+                <a:cs typeface="Courier New" panose="02070309020205020404" pitchFamily="49" charset="0"/>
+              </a:rPr>
+              <a:t> central device create --app-id $</a:t>
             </a:r>
             <a:r>
               <a:rPr lang="en-US" dirty="0" err="1">
                 <a:latin typeface="Courier New" panose="02070309020205020404" pitchFamily="49" charset="0"/>
                 <a:cs typeface="Courier New" panose="02070309020205020404" pitchFamily="49" charset="0"/>
               </a:rPr>
-              <a:t>scopeId</a:t>
-            </a:r>
-            <a:r>
-              <a:rPr lang="en-US" dirty="0">
-                <a:latin typeface="Courier New" panose="02070309020205020404" pitchFamily="49" charset="0"/>
-                <a:cs typeface="Courier New" panose="02070309020205020404" pitchFamily="49" charset="0"/>
-              </a:rPr>
-              <a:t>="$</a:t>
+              <a:t>appid</a:t>
+            </a:r>
+            <a:r>
+              <a:rPr lang="en-US" dirty="0">
+                <a:latin typeface="Courier New" panose="02070309020205020404" pitchFamily="49" charset="0"/>
+                <a:cs typeface="Courier New" panose="02070309020205020404" pitchFamily="49" charset="0"/>
+              </a:rPr>
+              <a:t> --device-id $</a:t>
             </a:r>
             <a:r>
               <a:rPr lang="en-US" dirty="0" err="1">
                 <a:latin typeface="Courier New" panose="02070309020205020404" pitchFamily="49" charset="0"/>
                 <a:cs typeface="Courier New" panose="02070309020205020404" pitchFamily="49" charset="0"/>
               </a:rPr>
-              <a:t>scopeid</a:t>
-            </a:r>
-            <a:r>
-              <a:rPr lang="en-US" dirty="0">
-                <a:latin typeface="Courier New" panose="02070309020205020404" pitchFamily="49" charset="0"/>
-                <a:cs typeface="Courier New" panose="02070309020205020404" pitchFamily="49" charset="0"/>
-              </a:rPr>
-              <a:t>" \</a:t>
-            </a:r>
-          </a:p>
-          <a:p>
-            <a:pPr marL="0" indent="0">
-              <a:buNone/>
-            </a:pPr>
-            <a:r>
-              <a:rPr lang="en-US" dirty="0">
-                <a:latin typeface="Courier New" panose="02070309020205020404" pitchFamily="49" charset="0"/>
-                <a:cs typeface="Courier New" panose="02070309020205020404" pitchFamily="49" charset="0"/>
-              </a:rPr>
-              <a:t>  --parameters </a:t>
+              <a:t>deviceid</a:t>
+            </a:r>
+            <a:r>
+              <a:rPr lang="en-US" dirty="0">
+                <a:latin typeface="Courier New" panose="02070309020205020404" pitchFamily="49" charset="0"/>
+                <a:cs typeface="Courier New" panose="02070309020205020404" pitchFamily="49" charset="0"/>
+              </a:rPr>
+              <a:t> --template $</a:t>
             </a:r>
             <a:r>
               <a:rPr lang="en-US" dirty="0" err="1">
                 <a:latin typeface="Courier New" panose="02070309020205020404" pitchFamily="49" charset="0"/>
                 <a:cs typeface="Courier New" panose="02070309020205020404" pitchFamily="49" charset="0"/>
               </a:rPr>
-              <a:t>deviceId</a:t>
-            </a:r>
-            <a:r>
-              <a:rPr lang="en-US" dirty="0">
-                <a:latin typeface="Courier New" panose="02070309020205020404" pitchFamily="49" charset="0"/>
-                <a:cs typeface="Courier New" panose="02070309020205020404" pitchFamily="49" charset="0"/>
-              </a:rPr>
-              <a:t>="$</a:t>
-            </a:r>
-            <a:r>
-              <a:rPr lang="en-US" dirty="0" err="1">
-                <a:latin typeface="Courier New" panose="02070309020205020404" pitchFamily="49" charset="0"/>
-                <a:cs typeface="Courier New" panose="02070309020205020404" pitchFamily="49" charset="0"/>
-              </a:rPr>
-              <a:t>deviceid</a:t>
-            </a:r>
-            <a:r>
-              <a:rPr lang="en-US" dirty="0">
-                <a:latin typeface="Courier New" panose="02070309020205020404" pitchFamily="49" charset="0"/>
-                <a:cs typeface="Courier New" panose="02070309020205020404" pitchFamily="49" charset="0"/>
-              </a:rPr>
-              <a:t>" \</a:t>
-            </a:r>
-          </a:p>
-          <a:p>
-            <a:pPr marL="0" indent="0">
-              <a:buNone/>
-            </a:pPr>
-            <a:r>
-              <a:rPr lang="en-US" dirty="0">
-                <a:latin typeface="Courier New" panose="02070309020205020404" pitchFamily="49" charset="0"/>
-                <a:cs typeface="Courier New" panose="02070309020205020404" pitchFamily="49" charset="0"/>
-              </a:rPr>
-              <a:t>  --parameters </a:t>
-            </a:r>
-            <a:r>
-              <a:rPr lang="en-US" dirty="0" err="1">
-                <a:latin typeface="Courier New" panose="02070309020205020404" pitchFamily="49" charset="0"/>
-                <a:cs typeface="Courier New" panose="02070309020205020404" pitchFamily="49" charset="0"/>
-              </a:rPr>
-              <a:t>deviceKey</a:t>
-            </a:r>
-            <a:r>
-              <a:rPr lang="en-US" dirty="0">
-                <a:latin typeface="Courier New" panose="02070309020205020404" pitchFamily="49" charset="0"/>
-                <a:cs typeface="Courier New" panose="02070309020205020404" pitchFamily="49" charset="0"/>
-              </a:rPr>
-              <a:t>="$</a:t>
-            </a:r>
-            <a:r>
-              <a:rPr lang="en-US" dirty="0" err="1">
-                <a:latin typeface="Courier New" panose="02070309020205020404" pitchFamily="49" charset="0"/>
-                <a:cs typeface="Courier New" panose="02070309020205020404" pitchFamily="49" charset="0"/>
-              </a:rPr>
-              <a:t>devicekey</a:t>
-            </a:r>
-            <a:r>
-              <a:rPr lang="en-US" dirty="0">
-                <a:latin typeface="Courier New" panose="02070309020205020404" pitchFamily="49" charset="0"/>
-                <a:cs typeface="Courier New" panose="02070309020205020404" pitchFamily="49" charset="0"/>
-              </a:rPr>
-              <a:t>"</a:t>
-            </a:r>
-          </a:p>
-          <a:p>
-            <a:pPr marL="0" indent="0">
-              <a:buNone/>
-            </a:pPr>
+              <a:t>devicetemplateid</a:t>
+            </a:r>
             <a:endParaRPr lang="en-US" dirty="0">
               <a:latin typeface="Courier New" panose="02070309020205020404" pitchFamily="49" charset="0"/>
               <a:cs typeface="Courier New" panose="02070309020205020404" pitchFamily="49" charset="0"/>
@@ -5988,12 +5722,269 @@
             <a:pPr marL="0" indent="0">
               <a:buNone/>
             </a:pPr>
-            <a:r>
-              <a:rPr lang="en-US" dirty="0">
-                <a:latin typeface="Courier New" panose="02070309020205020404" pitchFamily="49" charset="0"/>
-                <a:cs typeface="Courier New" panose="02070309020205020404" pitchFamily="49" charset="0"/>
-              </a:rPr>
-              <a:t>echo "You can now navigate to: https://$appname.azureiotcentral.com/devices"</a:t>
+            <a:endParaRPr lang="en-US" dirty="0">
+              <a:latin typeface="Courier New" panose="02070309020205020404" pitchFamily="49" charset="0"/>
+              <a:cs typeface="Courier New" panose="02070309020205020404" pitchFamily="49" charset="0"/>
+            </a:endParaRPr>
+          </a:p>
+          <a:p>
+            <a:pPr marL="0" indent="0">
+              <a:buNone/>
+            </a:pPr>
+            <a:r>
+              <a:rPr lang="en-US" dirty="0" err="1">
+                <a:latin typeface="Courier New" panose="02070309020205020404" pitchFamily="49" charset="0"/>
+                <a:cs typeface="Courier New" panose="02070309020205020404" pitchFamily="49" charset="0"/>
+              </a:rPr>
+              <a:t>idscope</a:t>
+            </a:r>
+            <a:r>
+              <a:rPr lang="en-US" dirty="0">
+                <a:latin typeface="Courier New" panose="02070309020205020404" pitchFamily="49" charset="0"/>
+                <a:cs typeface="Courier New" panose="02070309020205020404" pitchFamily="49" charset="0"/>
+              </a:rPr>
+              <a:t>=($(</a:t>
+            </a:r>
+            <a:r>
+              <a:rPr lang="en-US" dirty="0" err="1">
+                <a:latin typeface="Courier New" panose="02070309020205020404" pitchFamily="49" charset="0"/>
+                <a:cs typeface="Courier New" panose="02070309020205020404" pitchFamily="49" charset="0"/>
+              </a:rPr>
+              <a:t>az</a:t>
+            </a:r>
+            <a:r>
+              <a:rPr lang="en-US" dirty="0">
+                <a:latin typeface="Courier New" panose="02070309020205020404" pitchFamily="49" charset="0"/>
+                <a:cs typeface="Courier New" panose="02070309020205020404" pitchFamily="49" charset="0"/>
+              </a:rPr>
+              <a:t> </a:t>
+            </a:r>
+            <a:r>
+              <a:rPr lang="en-US" dirty="0" err="1">
+                <a:latin typeface="Courier New" panose="02070309020205020404" pitchFamily="49" charset="0"/>
+                <a:cs typeface="Courier New" panose="02070309020205020404" pitchFamily="49" charset="0"/>
+              </a:rPr>
+              <a:t>iot</a:t>
+            </a:r>
+            <a:r>
+              <a:rPr lang="en-US" dirty="0">
+                <a:latin typeface="Courier New" panose="02070309020205020404" pitchFamily="49" charset="0"/>
+                <a:cs typeface="Courier New" panose="02070309020205020404" pitchFamily="49" charset="0"/>
+              </a:rPr>
+              <a:t> central device show-credentials --app-id $</a:t>
+            </a:r>
+            <a:r>
+              <a:rPr lang="en-US" dirty="0" err="1">
+                <a:latin typeface="Courier New" panose="02070309020205020404" pitchFamily="49" charset="0"/>
+                <a:cs typeface="Courier New" panose="02070309020205020404" pitchFamily="49" charset="0"/>
+              </a:rPr>
+              <a:t>appid</a:t>
+            </a:r>
+            <a:r>
+              <a:rPr lang="en-US" dirty="0">
+                <a:latin typeface="Courier New" panose="02070309020205020404" pitchFamily="49" charset="0"/>
+                <a:cs typeface="Courier New" panose="02070309020205020404" pitchFamily="49" charset="0"/>
+              </a:rPr>
+              <a:t> --device-id $</a:t>
+            </a:r>
+            <a:r>
+              <a:rPr lang="en-US" dirty="0" err="1">
+                <a:latin typeface="Courier New" panose="02070309020205020404" pitchFamily="49" charset="0"/>
+                <a:cs typeface="Courier New" panose="02070309020205020404" pitchFamily="49" charset="0"/>
+              </a:rPr>
+              <a:t>deviceid</a:t>
+            </a:r>
+            <a:r>
+              <a:rPr lang="en-US" dirty="0">
+                <a:latin typeface="Courier New" panose="02070309020205020404" pitchFamily="49" charset="0"/>
+                <a:cs typeface="Courier New" panose="02070309020205020404" pitchFamily="49" charset="0"/>
+              </a:rPr>
+              <a:t> --query "</a:t>
+            </a:r>
+            <a:r>
+              <a:rPr lang="en-US" dirty="0" err="1">
+                <a:latin typeface="Courier New" panose="02070309020205020404" pitchFamily="49" charset="0"/>
+                <a:cs typeface="Courier New" panose="02070309020205020404" pitchFamily="49" charset="0"/>
+              </a:rPr>
+              <a:t>idScope</a:t>
+            </a:r>
+            <a:r>
+              <a:rPr lang="en-US" dirty="0">
+                <a:latin typeface="Courier New" panose="02070309020205020404" pitchFamily="49" charset="0"/>
+                <a:cs typeface="Courier New" panose="02070309020205020404" pitchFamily="49" charset="0"/>
+              </a:rPr>
+              <a:t>" -o </a:t>
+            </a:r>
+            <a:r>
+              <a:rPr lang="en-US" dirty="0" err="1">
+                <a:latin typeface="Courier New" panose="02070309020205020404" pitchFamily="49" charset="0"/>
+                <a:cs typeface="Courier New" panose="02070309020205020404" pitchFamily="49" charset="0"/>
+              </a:rPr>
+              <a:t>tsv</a:t>
+            </a:r>
+            <a:r>
+              <a:rPr lang="en-US" dirty="0">
+                <a:latin typeface="Courier New" panose="02070309020205020404" pitchFamily="49" charset="0"/>
+                <a:cs typeface="Courier New" panose="02070309020205020404" pitchFamily="49" charset="0"/>
+              </a:rPr>
+              <a:t>))</a:t>
+            </a:r>
+          </a:p>
+          <a:p>
+            <a:pPr marL="0" indent="0">
+              <a:buNone/>
+            </a:pPr>
+            <a:r>
+              <a:rPr lang="en-US" dirty="0" err="1">
+                <a:latin typeface="Courier New" panose="02070309020205020404" pitchFamily="49" charset="0"/>
+                <a:cs typeface="Courier New" panose="02070309020205020404" pitchFamily="49" charset="0"/>
+              </a:rPr>
+              <a:t>devicekey</a:t>
+            </a:r>
+            <a:r>
+              <a:rPr lang="en-US" dirty="0">
+                <a:latin typeface="Courier New" panose="02070309020205020404" pitchFamily="49" charset="0"/>
+                <a:cs typeface="Courier New" panose="02070309020205020404" pitchFamily="49" charset="0"/>
+              </a:rPr>
+              <a:t>=($(</a:t>
+            </a:r>
+            <a:r>
+              <a:rPr lang="en-US" dirty="0" err="1">
+                <a:latin typeface="Courier New" panose="02070309020205020404" pitchFamily="49" charset="0"/>
+                <a:cs typeface="Courier New" panose="02070309020205020404" pitchFamily="49" charset="0"/>
+              </a:rPr>
+              <a:t>az</a:t>
+            </a:r>
+            <a:r>
+              <a:rPr lang="en-US" dirty="0">
+                <a:latin typeface="Courier New" panose="02070309020205020404" pitchFamily="49" charset="0"/>
+                <a:cs typeface="Courier New" panose="02070309020205020404" pitchFamily="49" charset="0"/>
+              </a:rPr>
+              <a:t> </a:t>
+            </a:r>
+            <a:r>
+              <a:rPr lang="en-US" dirty="0" err="1">
+                <a:latin typeface="Courier New" panose="02070309020205020404" pitchFamily="49" charset="0"/>
+                <a:cs typeface="Courier New" panose="02070309020205020404" pitchFamily="49" charset="0"/>
+              </a:rPr>
+              <a:t>iot</a:t>
+            </a:r>
+            <a:r>
+              <a:rPr lang="en-US" dirty="0">
+                <a:latin typeface="Courier New" panose="02070309020205020404" pitchFamily="49" charset="0"/>
+                <a:cs typeface="Courier New" panose="02070309020205020404" pitchFamily="49" charset="0"/>
+              </a:rPr>
+              <a:t> central device show-credentials --app-id $</a:t>
+            </a:r>
+            <a:r>
+              <a:rPr lang="en-US" dirty="0" err="1">
+                <a:latin typeface="Courier New" panose="02070309020205020404" pitchFamily="49" charset="0"/>
+                <a:cs typeface="Courier New" panose="02070309020205020404" pitchFamily="49" charset="0"/>
+              </a:rPr>
+              <a:t>appid</a:t>
+            </a:r>
+            <a:r>
+              <a:rPr lang="en-US" dirty="0">
+                <a:latin typeface="Courier New" panose="02070309020205020404" pitchFamily="49" charset="0"/>
+                <a:cs typeface="Courier New" panose="02070309020205020404" pitchFamily="49" charset="0"/>
+              </a:rPr>
+              <a:t> --device-id $</a:t>
+            </a:r>
+            <a:r>
+              <a:rPr lang="en-US" dirty="0" err="1">
+                <a:latin typeface="Courier New" panose="02070309020205020404" pitchFamily="49" charset="0"/>
+                <a:cs typeface="Courier New" panose="02070309020205020404" pitchFamily="49" charset="0"/>
+              </a:rPr>
+              <a:t>deviceid</a:t>
+            </a:r>
+            <a:r>
+              <a:rPr lang="en-US" dirty="0">
+                <a:latin typeface="Courier New" panose="02070309020205020404" pitchFamily="49" charset="0"/>
+                <a:cs typeface="Courier New" panose="02070309020205020404" pitchFamily="49" charset="0"/>
+              </a:rPr>
+              <a:t> --query "</a:t>
+            </a:r>
+            <a:r>
+              <a:rPr lang="en-US" dirty="0" err="1">
+                <a:latin typeface="Courier New" panose="02070309020205020404" pitchFamily="49" charset="0"/>
+                <a:cs typeface="Courier New" panose="02070309020205020404" pitchFamily="49" charset="0"/>
+              </a:rPr>
+              <a:t>symmetricKey.primaryKey</a:t>
+            </a:r>
+            <a:r>
+              <a:rPr lang="en-US" dirty="0">
+                <a:latin typeface="Courier New" panose="02070309020205020404" pitchFamily="49" charset="0"/>
+                <a:cs typeface="Courier New" panose="02070309020205020404" pitchFamily="49" charset="0"/>
+              </a:rPr>
+              <a:t>" -o </a:t>
+            </a:r>
+            <a:r>
+              <a:rPr lang="en-US" dirty="0" err="1">
+                <a:latin typeface="Courier New" panose="02070309020205020404" pitchFamily="49" charset="0"/>
+                <a:cs typeface="Courier New" panose="02070309020205020404" pitchFamily="49" charset="0"/>
+              </a:rPr>
+              <a:t>tsv</a:t>
+            </a:r>
+            <a:r>
+              <a:rPr lang="en-US" dirty="0">
+                <a:latin typeface="Courier New" panose="02070309020205020404" pitchFamily="49" charset="0"/>
+                <a:cs typeface="Courier New" panose="02070309020205020404" pitchFamily="49" charset="0"/>
+              </a:rPr>
+              <a:t>))</a:t>
+            </a:r>
+          </a:p>
+          <a:p>
+            <a:pPr marL="0" indent="0">
+              <a:buNone/>
+            </a:pPr>
+            <a:r>
+              <a:rPr lang="en-US" dirty="0">
+                <a:latin typeface="Courier New" panose="02070309020205020404" pitchFamily="49" charset="0"/>
+                <a:cs typeface="Courier New" panose="02070309020205020404" pitchFamily="49" charset="0"/>
+              </a:rPr>
+              <a:t>echo "ID Scope=$</a:t>
+            </a:r>
+            <a:r>
+              <a:rPr lang="en-US" dirty="0" err="1">
+                <a:latin typeface="Courier New" panose="02070309020205020404" pitchFamily="49" charset="0"/>
+                <a:cs typeface="Courier New" panose="02070309020205020404" pitchFamily="49" charset="0"/>
+              </a:rPr>
+              <a:t>idscope</a:t>
+            </a:r>
+            <a:r>
+              <a:rPr lang="en-US" dirty="0">
+                <a:latin typeface="Courier New" panose="02070309020205020404" pitchFamily="49" charset="0"/>
+                <a:cs typeface="Courier New" panose="02070309020205020404" pitchFamily="49" charset="0"/>
+              </a:rPr>
+              <a:t> </a:t>
+            </a:r>
+            <a:r>
+              <a:rPr lang="en-US" dirty="0" err="1">
+                <a:latin typeface="Courier New" panose="02070309020205020404" pitchFamily="49" charset="0"/>
+                <a:cs typeface="Courier New" panose="02070309020205020404" pitchFamily="49" charset="0"/>
+              </a:rPr>
+              <a:t>DeviceKey</a:t>
+            </a:r>
+            <a:r>
+              <a:rPr lang="en-US" dirty="0">
+                <a:latin typeface="Courier New" panose="02070309020205020404" pitchFamily="49" charset="0"/>
+                <a:cs typeface="Courier New" panose="02070309020205020404" pitchFamily="49" charset="0"/>
+              </a:rPr>
+              <a:t>=$</a:t>
+            </a:r>
+            <a:r>
+              <a:rPr lang="en-US" dirty="0" err="1">
+                <a:latin typeface="Courier New" panose="02070309020205020404" pitchFamily="49" charset="0"/>
+                <a:cs typeface="Courier New" panose="02070309020205020404" pitchFamily="49" charset="0"/>
+              </a:rPr>
+              <a:t>devicekey</a:t>
+            </a:r>
+            <a:r>
+              <a:rPr lang="en-US" dirty="0">
+                <a:latin typeface="Courier New" panose="02070309020205020404" pitchFamily="49" charset="0"/>
+                <a:cs typeface="Courier New" panose="02070309020205020404" pitchFamily="49" charset="0"/>
+              </a:rPr>
+              <a:t>"</a:t>
             </a:r>
           </a:p>
         </p:txBody>
@@ -6001,7 +5992,7 @@
     </p:spTree>
     <p:extLst>
       <p:ext uri="{BB962C8B-B14F-4D97-AF65-F5344CB8AC3E}">
-        <p14:creationId xmlns:p14="http://schemas.microsoft.com/office/powerpoint/2010/main" val="1461925346"/>
+        <p14:creationId xmlns:p14="http://schemas.microsoft.com/office/powerpoint/2010/main" val="493136162"/>
       </p:ext>
     </p:extLst>
   </p:cSld>
@@ -6012,7 +6003,7 @@
 </file>
 
 <file path=ppt/slides/slide6.xml><?xml version="1.0" encoding="utf-8"?>
-<p:sld xmlns:a="http://schemas.openxmlformats.org/drawingml/2006/main" xmlns:r="http://schemas.openxmlformats.org/officeDocument/2006/relationships" xmlns:p="http://schemas.openxmlformats.org/presentationml/2006/main">
+<p:sld xmlns:a="http://schemas.openxmlformats.org/drawingml/2006/main" xmlns:r="http://schemas.openxmlformats.org/officeDocument/2006/relationships" xmlns:p="http://schemas.openxmlformats.org/presentationml/2006/main" show="0">
   <p:cSld>
     <p:spTree>
       <p:nvGrpSpPr>
@@ -6044,12 +6035,7 @@
             <p:ph type="title"/>
           </p:nvPr>
         </p:nvSpPr>
-        <p:spPr>
-          <a:xfrm>
-            <a:off x="838200" y="0"/>
-            <a:ext cx="10515600" cy="1325563"/>
-          </a:xfrm>
-        </p:spPr>
+        <p:spPr/>
         <p:txBody>
           <a:bodyPr/>
           <a:lstStyle/>
@@ -6077,15 +6063,10 @@
             <p:ph idx="1"/>
           </p:nvPr>
         </p:nvSpPr>
-        <p:spPr>
-          <a:xfrm>
-            <a:off x="838199" y="1430767"/>
-            <a:ext cx="10844605" cy="5249732"/>
-          </a:xfrm>
-        </p:spPr>
+        <p:spPr/>
         <p:txBody>
           <a:bodyPr>
-            <a:normAutofit/>
+            <a:normAutofit fontScale="55000" lnSpcReduction="20000"/>
           </a:bodyPr>
           <a:lstStyle/>
           <a:p>
@@ -6093,72 +6074,76 @@
               <a:buNone/>
             </a:pPr>
             <a:r>
-              <a:rPr lang="en-US" sz="900" dirty="0" err="1">
-                <a:latin typeface="Courier New" panose="02070309020205020404" pitchFamily="49" charset="0"/>
-                <a:cs typeface="Courier New" panose="02070309020205020404" pitchFamily="49" charset="0"/>
-              </a:rPr>
-              <a:t>instanceid</a:t>
-            </a:r>
-            <a:r>
-              <a:rPr lang="en-US" sz="900" dirty="0">
-                <a:latin typeface="Courier New" panose="02070309020205020404" pitchFamily="49" charset="0"/>
-                <a:cs typeface="Courier New" panose="02070309020205020404" pitchFamily="49" charset="0"/>
-              </a:rPr>
-              <a:t>="$RANDOM"</a:t>
-            </a:r>
-          </a:p>
-          <a:p>
-            <a:pPr marL="0" indent="0">
-              <a:buNone/>
-            </a:pPr>
-            <a:r>
-              <a:rPr lang="en-US" sz="900" dirty="0" err="1">
-                <a:latin typeface="Courier New" panose="02070309020205020404" pitchFamily="49" charset="0"/>
-                <a:cs typeface="Courier New" panose="02070309020205020404" pitchFamily="49" charset="0"/>
-              </a:rPr>
-              <a:t>networkName</a:t>
-            </a:r>
-            <a:r>
-              <a:rPr lang="en-US" sz="900" dirty="0">
+              <a:rPr lang="en-US" dirty="0" err="1">
+                <a:highlight>
+                  <a:srgbClr val="FFFF00"/>
+                </a:highlight>
+                <a:latin typeface="Courier New" panose="02070309020205020404" pitchFamily="49" charset="0"/>
+                <a:cs typeface="Courier New" panose="02070309020205020404" pitchFamily="49" charset="0"/>
+              </a:rPr>
+              <a:t>vmname</a:t>
+            </a:r>
+            <a:r>
+              <a:rPr lang="en-US" dirty="0">
+                <a:highlight>
+                  <a:srgbClr val="FFFF00"/>
+                </a:highlight>
                 <a:latin typeface="Courier New" panose="02070309020205020404" pitchFamily="49" charset="0"/>
                 <a:cs typeface="Courier New" panose="02070309020205020404" pitchFamily="49" charset="0"/>
               </a:rPr>
               <a:t>="</a:t>
             </a:r>
             <a:r>
-              <a:rPr lang="en-US" sz="900" dirty="0" err="1">
-                <a:latin typeface="Courier New" panose="02070309020205020404" pitchFamily="49" charset="0"/>
-                <a:cs typeface="Courier New" panose="02070309020205020404" pitchFamily="49" charset="0"/>
-              </a:rPr>
-              <a:t>iiothol</a:t>
-            </a:r>
-            <a:r>
-              <a:rPr lang="en-US" sz="900" dirty="0">
-                <a:latin typeface="Courier New" panose="02070309020205020404" pitchFamily="49" charset="0"/>
-                <a:cs typeface="Courier New" panose="02070309020205020404" pitchFamily="49" charset="0"/>
-              </a:rPr>
-              <a:t>-network-$</a:t>
-            </a:r>
-            <a:r>
-              <a:rPr lang="en-US" sz="900" dirty="0" err="1">
-                <a:latin typeface="Courier New" panose="02070309020205020404" pitchFamily="49" charset="0"/>
-                <a:cs typeface="Courier New" panose="02070309020205020404" pitchFamily="49" charset="0"/>
-              </a:rPr>
-              <a:t>instanceid</a:t>
-            </a:r>
-            <a:r>
-              <a:rPr lang="en-US" sz="900" dirty="0">
-                <a:latin typeface="Courier New" panose="02070309020205020404" pitchFamily="49" charset="0"/>
-                <a:cs typeface="Courier New" panose="02070309020205020404" pitchFamily="49" charset="0"/>
-              </a:rPr>
-              <a:t>"</a:t>
-            </a:r>
-          </a:p>
-          <a:p>
-            <a:pPr marL="0" indent="0">
-              <a:buNone/>
-            </a:pPr>
-            <a:endParaRPr lang="en-US" sz="900" dirty="0">
+              <a:rPr lang="en-US" dirty="0" err="1">
+                <a:highlight>
+                  <a:srgbClr val="FFFF00"/>
+                </a:highlight>
+                <a:latin typeface="Courier New" panose="02070309020205020404" pitchFamily="49" charset="0"/>
+                <a:cs typeface="Courier New" panose="02070309020205020404" pitchFamily="49" charset="0"/>
+              </a:rPr>
+              <a:t>iotcholedge</a:t>
+            </a:r>
+            <a:r>
+              <a:rPr lang="en-US" dirty="0">
+                <a:highlight>
+                  <a:srgbClr val="FFFF00"/>
+                </a:highlight>
+                <a:latin typeface="Courier New" panose="02070309020205020404" pitchFamily="49" charset="0"/>
+                <a:cs typeface="Courier New" panose="02070309020205020404" pitchFamily="49" charset="0"/>
+              </a:rPr>
+              <a:t>-$RANDOM"</a:t>
+            </a:r>
+          </a:p>
+          <a:p>
+            <a:pPr marL="0" indent="0">
+              <a:buNone/>
+            </a:pPr>
+            <a:r>
+              <a:rPr lang="en-US" dirty="0" err="1">
+                <a:highlight>
+                  <a:srgbClr val="FFFF00"/>
+                </a:highlight>
+                <a:latin typeface="Courier New" panose="02070309020205020404" pitchFamily="49" charset="0"/>
+                <a:cs typeface="Courier New" panose="02070309020205020404" pitchFamily="49" charset="0"/>
+              </a:rPr>
+              <a:t>vmpassword</a:t>
+            </a:r>
+            <a:r>
+              <a:rPr lang="en-US" dirty="0">
+                <a:highlight>
+                  <a:srgbClr val="FFFF00"/>
+                </a:highlight>
+                <a:latin typeface="Courier New" panose="02070309020205020404" pitchFamily="49" charset="0"/>
+                <a:cs typeface="Courier New" panose="02070309020205020404" pitchFamily="49" charset="0"/>
+              </a:rPr>
+              <a:t>="Password@12345"</a:t>
+            </a:r>
+          </a:p>
+          <a:p>
+            <a:pPr marL="0" indent="0">
+              <a:buNone/>
+            </a:pPr>
+            <a:endParaRPr lang="en-US" dirty="0">
               <a:latin typeface="Courier New" panose="02070309020205020404" pitchFamily="49" charset="0"/>
               <a:cs typeface="Courier New" panose="02070309020205020404" pitchFamily="49" charset="0"/>
             </a:endParaRPr>
@@ -6168,21 +6153,332 @@
               <a:buNone/>
             </a:pPr>
             <a:r>
-              <a:rPr lang="en-US" sz="900" dirty="0">
-                <a:latin typeface="Courier New" panose="02070309020205020404" pitchFamily="49" charset="0"/>
-                <a:cs typeface="Courier New" panose="02070309020205020404" pitchFamily="49" charset="0"/>
-              </a:rPr>
-              <a:t>echo "Creating network $</a:t>
-            </a:r>
-            <a:r>
-              <a:rPr lang="en-US" sz="900" dirty="0" err="1">
-                <a:latin typeface="Courier New" panose="02070309020205020404" pitchFamily="49" charset="0"/>
-                <a:cs typeface="Courier New" panose="02070309020205020404" pitchFamily="49" charset="0"/>
-              </a:rPr>
-              <a:t>networkName</a:t>
-            </a:r>
-            <a:r>
-              <a:rPr lang="en-US" sz="900" dirty="0">
+              <a:rPr lang="en-US" dirty="0" err="1">
+                <a:latin typeface="Courier New" panose="02070309020205020404" pitchFamily="49" charset="0"/>
+                <a:cs typeface="Courier New" panose="02070309020205020404" pitchFamily="49" charset="0"/>
+              </a:rPr>
+              <a:t>az</a:t>
+            </a:r>
+            <a:r>
+              <a:rPr lang="en-US" dirty="0">
+                <a:latin typeface="Courier New" panose="02070309020205020404" pitchFamily="49" charset="0"/>
+                <a:cs typeface="Courier New" panose="02070309020205020404" pitchFamily="49" charset="0"/>
+              </a:rPr>
+              <a:t> deployment group create \</a:t>
+            </a:r>
+          </a:p>
+          <a:p>
+            <a:pPr marL="0" indent="0">
+              <a:buNone/>
+            </a:pPr>
+            <a:r>
+              <a:rPr lang="en-US" dirty="0">
+                <a:latin typeface="Courier New" panose="02070309020205020404" pitchFamily="49" charset="0"/>
+                <a:cs typeface="Courier New" panose="02070309020205020404" pitchFamily="49" charset="0"/>
+              </a:rPr>
+              <a:t>  --name $</a:t>
+            </a:r>
+            <a:r>
+              <a:rPr lang="en-US" dirty="0" err="1">
+                <a:latin typeface="Courier New" panose="02070309020205020404" pitchFamily="49" charset="0"/>
+                <a:cs typeface="Courier New" panose="02070309020205020404" pitchFamily="49" charset="0"/>
+              </a:rPr>
+              <a:t>vmname</a:t>
+            </a:r>
+            <a:r>
+              <a:rPr lang="en-US" dirty="0">
+                <a:latin typeface="Courier New" panose="02070309020205020404" pitchFamily="49" charset="0"/>
+                <a:cs typeface="Courier New" panose="02070309020205020404" pitchFamily="49" charset="0"/>
+              </a:rPr>
+              <a:t> \</a:t>
+            </a:r>
+          </a:p>
+          <a:p>
+            <a:pPr marL="0" indent="0">
+              <a:buNone/>
+            </a:pPr>
+            <a:r>
+              <a:rPr lang="en-US" dirty="0">
+                <a:latin typeface="Courier New" panose="02070309020205020404" pitchFamily="49" charset="0"/>
+                <a:cs typeface="Courier New" panose="02070309020205020404" pitchFamily="49" charset="0"/>
+              </a:rPr>
+              <a:t>  --resource-group $</a:t>
+            </a:r>
+            <a:r>
+              <a:rPr lang="en-US" dirty="0" err="1">
+                <a:latin typeface="Courier New" panose="02070309020205020404" pitchFamily="49" charset="0"/>
+                <a:cs typeface="Courier New" panose="02070309020205020404" pitchFamily="49" charset="0"/>
+              </a:rPr>
+              <a:t>rgname</a:t>
+            </a:r>
+            <a:r>
+              <a:rPr lang="en-US" dirty="0">
+                <a:latin typeface="Courier New" panose="02070309020205020404" pitchFamily="49" charset="0"/>
+                <a:cs typeface="Courier New" panose="02070309020205020404" pitchFamily="49" charset="0"/>
+              </a:rPr>
+              <a:t> \</a:t>
+            </a:r>
+          </a:p>
+          <a:p>
+            <a:pPr marL="0" indent="0">
+              <a:buNone/>
+            </a:pPr>
+            <a:r>
+              <a:rPr lang="en-US" dirty="0">
+                <a:latin typeface="Courier New" panose="02070309020205020404" pitchFamily="49" charset="0"/>
+                <a:cs typeface="Courier New" panose="02070309020205020404" pitchFamily="49" charset="0"/>
+              </a:rPr>
+              <a:t>  --template-file </a:t>
+            </a:r>
+            <a:r>
+              <a:rPr lang="en-US" dirty="0" err="1">
+                <a:latin typeface="Courier New" panose="02070309020205020404" pitchFamily="49" charset="0"/>
+                <a:cs typeface="Courier New" panose="02070309020205020404" pitchFamily="49" charset="0"/>
+              </a:rPr>
+              <a:t>edgeModuleVMDeploy.json</a:t>
+            </a:r>
+            <a:r>
+              <a:rPr lang="en-US" dirty="0">
+                <a:latin typeface="Courier New" panose="02070309020205020404" pitchFamily="49" charset="0"/>
+                <a:cs typeface="Courier New" panose="02070309020205020404" pitchFamily="49" charset="0"/>
+              </a:rPr>
+              <a:t> \</a:t>
+            </a:r>
+          </a:p>
+          <a:p>
+            <a:pPr marL="0" indent="0">
+              <a:buNone/>
+            </a:pPr>
+            <a:r>
+              <a:rPr lang="en-US" dirty="0">
+                <a:latin typeface="Courier New" panose="02070309020205020404" pitchFamily="49" charset="0"/>
+                <a:cs typeface="Courier New" panose="02070309020205020404" pitchFamily="49" charset="0"/>
+              </a:rPr>
+              <a:t>  --parameters </a:t>
+            </a:r>
+            <a:r>
+              <a:rPr lang="en-US" dirty="0" err="1">
+                <a:latin typeface="Courier New" panose="02070309020205020404" pitchFamily="49" charset="0"/>
+                <a:cs typeface="Courier New" panose="02070309020205020404" pitchFamily="49" charset="0"/>
+              </a:rPr>
+              <a:t>dnsLabelPrefix</a:t>
+            </a:r>
+            <a:r>
+              <a:rPr lang="en-US" dirty="0">
+                <a:latin typeface="Courier New" panose="02070309020205020404" pitchFamily="49" charset="0"/>
+                <a:cs typeface="Courier New" panose="02070309020205020404" pitchFamily="49" charset="0"/>
+              </a:rPr>
+              <a:t>="$</a:t>
+            </a:r>
+            <a:r>
+              <a:rPr lang="en-US" dirty="0" err="1">
+                <a:latin typeface="Courier New" panose="02070309020205020404" pitchFamily="49" charset="0"/>
+                <a:cs typeface="Courier New" panose="02070309020205020404" pitchFamily="49" charset="0"/>
+              </a:rPr>
+              <a:t>appname</a:t>
+            </a:r>
+            <a:r>
+              <a:rPr lang="en-US" dirty="0">
+                <a:latin typeface="Courier New" panose="02070309020205020404" pitchFamily="49" charset="0"/>
+                <a:cs typeface="Courier New" panose="02070309020205020404" pitchFamily="49" charset="0"/>
+              </a:rPr>
+              <a:t>" \</a:t>
+            </a:r>
+          </a:p>
+          <a:p>
+            <a:pPr marL="0" indent="0">
+              <a:buNone/>
+            </a:pPr>
+            <a:r>
+              <a:rPr lang="en-US" dirty="0">
+                <a:latin typeface="Courier New" panose="02070309020205020404" pitchFamily="49" charset="0"/>
+                <a:cs typeface="Courier New" panose="02070309020205020404" pitchFamily="49" charset="0"/>
+              </a:rPr>
+              <a:t>  --parameters </a:t>
+            </a:r>
+            <a:r>
+              <a:rPr lang="en-US" dirty="0" err="1">
+                <a:latin typeface="Courier New" panose="02070309020205020404" pitchFamily="49" charset="0"/>
+                <a:cs typeface="Courier New" panose="02070309020205020404" pitchFamily="49" charset="0"/>
+              </a:rPr>
+              <a:t>adminUsername</a:t>
+            </a:r>
+            <a:r>
+              <a:rPr lang="en-US" dirty="0">
+                <a:latin typeface="Courier New" panose="02070309020205020404" pitchFamily="49" charset="0"/>
+                <a:cs typeface="Courier New" panose="02070309020205020404" pitchFamily="49" charset="0"/>
+              </a:rPr>
+              <a:t>="</a:t>
+            </a:r>
+            <a:r>
+              <a:rPr lang="en-US" dirty="0" err="1">
+                <a:latin typeface="Courier New" panose="02070309020205020404" pitchFamily="49" charset="0"/>
+                <a:cs typeface="Courier New" panose="02070309020205020404" pitchFamily="49" charset="0"/>
+              </a:rPr>
+              <a:t>azureuser</a:t>
+            </a:r>
+            <a:r>
+              <a:rPr lang="en-US" dirty="0">
+                <a:latin typeface="Courier New" panose="02070309020205020404" pitchFamily="49" charset="0"/>
+                <a:cs typeface="Courier New" panose="02070309020205020404" pitchFamily="49" charset="0"/>
+              </a:rPr>
+              <a:t>" \</a:t>
+            </a:r>
+          </a:p>
+          <a:p>
+            <a:pPr marL="0" indent="0">
+              <a:buNone/>
+            </a:pPr>
+            <a:r>
+              <a:rPr lang="en-US" dirty="0">
+                <a:latin typeface="Courier New" panose="02070309020205020404" pitchFamily="49" charset="0"/>
+                <a:cs typeface="Courier New" panose="02070309020205020404" pitchFamily="49" charset="0"/>
+              </a:rPr>
+              <a:t>  --parameters </a:t>
+            </a:r>
+            <a:r>
+              <a:rPr lang="en-US" dirty="0" err="1">
+                <a:latin typeface="Courier New" panose="02070309020205020404" pitchFamily="49" charset="0"/>
+                <a:cs typeface="Courier New" panose="02070309020205020404" pitchFamily="49" charset="0"/>
+              </a:rPr>
+              <a:t>adminPassword</a:t>
+            </a:r>
+            <a:r>
+              <a:rPr lang="en-US" dirty="0">
+                <a:latin typeface="Courier New" panose="02070309020205020404" pitchFamily="49" charset="0"/>
+                <a:cs typeface="Courier New" panose="02070309020205020404" pitchFamily="49" charset="0"/>
+              </a:rPr>
+              <a:t>="$</a:t>
+            </a:r>
+            <a:r>
+              <a:rPr lang="en-US" dirty="0" err="1">
+                <a:latin typeface="Courier New" panose="02070309020205020404" pitchFamily="49" charset="0"/>
+                <a:cs typeface="Courier New" panose="02070309020205020404" pitchFamily="49" charset="0"/>
+              </a:rPr>
+              <a:t>vmpassword</a:t>
+            </a:r>
+            <a:r>
+              <a:rPr lang="en-US" dirty="0">
+                <a:latin typeface="Courier New" panose="02070309020205020404" pitchFamily="49" charset="0"/>
+                <a:cs typeface="Courier New" panose="02070309020205020404" pitchFamily="49" charset="0"/>
+              </a:rPr>
+              <a:t>" \</a:t>
+            </a:r>
+          </a:p>
+          <a:p>
+            <a:pPr marL="0" indent="0">
+              <a:buNone/>
+            </a:pPr>
+            <a:r>
+              <a:rPr lang="en-US" dirty="0">
+                <a:latin typeface="Courier New" panose="02070309020205020404" pitchFamily="49" charset="0"/>
+                <a:cs typeface="Courier New" panose="02070309020205020404" pitchFamily="49" charset="0"/>
+              </a:rPr>
+              <a:t>  --parameters </a:t>
+            </a:r>
+            <a:r>
+              <a:rPr lang="en-US" dirty="0" err="1">
+                <a:latin typeface="Courier New" panose="02070309020205020404" pitchFamily="49" charset="0"/>
+                <a:cs typeface="Courier New" panose="02070309020205020404" pitchFamily="49" charset="0"/>
+              </a:rPr>
+              <a:t>scopeId</a:t>
+            </a:r>
+            <a:r>
+              <a:rPr lang="en-US" dirty="0">
+                <a:latin typeface="Courier New" panose="02070309020205020404" pitchFamily="49" charset="0"/>
+                <a:cs typeface="Courier New" panose="02070309020205020404" pitchFamily="49" charset="0"/>
+              </a:rPr>
+              <a:t>="$</a:t>
+            </a:r>
+            <a:r>
+              <a:rPr lang="en-US" dirty="0" err="1">
+                <a:latin typeface="Courier New" panose="02070309020205020404" pitchFamily="49" charset="0"/>
+                <a:cs typeface="Courier New" panose="02070309020205020404" pitchFamily="49" charset="0"/>
+              </a:rPr>
+              <a:t>scopeid</a:t>
+            </a:r>
+            <a:r>
+              <a:rPr lang="en-US" dirty="0">
+                <a:latin typeface="Courier New" panose="02070309020205020404" pitchFamily="49" charset="0"/>
+                <a:cs typeface="Courier New" panose="02070309020205020404" pitchFamily="49" charset="0"/>
+              </a:rPr>
+              <a:t>" \</a:t>
+            </a:r>
+          </a:p>
+          <a:p>
+            <a:pPr marL="0" indent="0">
+              <a:buNone/>
+            </a:pPr>
+            <a:r>
+              <a:rPr lang="en-US" dirty="0">
+                <a:latin typeface="Courier New" panose="02070309020205020404" pitchFamily="49" charset="0"/>
+                <a:cs typeface="Courier New" panose="02070309020205020404" pitchFamily="49" charset="0"/>
+              </a:rPr>
+              <a:t>  --parameters </a:t>
+            </a:r>
+            <a:r>
+              <a:rPr lang="en-US" dirty="0" err="1">
+                <a:latin typeface="Courier New" panose="02070309020205020404" pitchFamily="49" charset="0"/>
+                <a:cs typeface="Courier New" panose="02070309020205020404" pitchFamily="49" charset="0"/>
+              </a:rPr>
+              <a:t>deviceId</a:t>
+            </a:r>
+            <a:r>
+              <a:rPr lang="en-US" dirty="0">
+                <a:latin typeface="Courier New" panose="02070309020205020404" pitchFamily="49" charset="0"/>
+                <a:cs typeface="Courier New" panose="02070309020205020404" pitchFamily="49" charset="0"/>
+              </a:rPr>
+              <a:t>="$</a:t>
+            </a:r>
+            <a:r>
+              <a:rPr lang="en-US" dirty="0" err="1">
+                <a:latin typeface="Courier New" panose="02070309020205020404" pitchFamily="49" charset="0"/>
+                <a:cs typeface="Courier New" panose="02070309020205020404" pitchFamily="49" charset="0"/>
+              </a:rPr>
+              <a:t>deviceid</a:t>
+            </a:r>
+            <a:r>
+              <a:rPr lang="en-US" dirty="0">
+                <a:latin typeface="Courier New" panose="02070309020205020404" pitchFamily="49" charset="0"/>
+                <a:cs typeface="Courier New" panose="02070309020205020404" pitchFamily="49" charset="0"/>
+              </a:rPr>
+              <a:t>" \</a:t>
+            </a:r>
+          </a:p>
+          <a:p>
+            <a:pPr marL="0" indent="0">
+              <a:buNone/>
+            </a:pPr>
+            <a:r>
+              <a:rPr lang="en-US" dirty="0">
+                <a:latin typeface="Courier New" panose="02070309020205020404" pitchFamily="49" charset="0"/>
+                <a:cs typeface="Courier New" panose="02070309020205020404" pitchFamily="49" charset="0"/>
+              </a:rPr>
+              <a:t>  --parameters </a:t>
+            </a:r>
+            <a:r>
+              <a:rPr lang="en-US" dirty="0" err="1">
+                <a:latin typeface="Courier New" panose="02070309020205020404" pitchFamily="49" charset="0"/>
+                <a:cs typeface="Courier New" panose="02070309020205020404" pitchFamily="49" charset="0"/>
+              </a:rPr>
+              <a:t>deviceKey</a:t>
+            </a:r>
+            <a:r>
+              <a:rPr lang="en-US" dirty="0">
+                <a:latin typeface="Courier New" panose="02070309020205020404" pitchFamily="49" charset="0"/>
+                <a:cs typeface="Courier New" panose="02070309020205020404" pitchFamily="49" charset="0"/>
+              </a:rPr>
+              <a:t>="$</a:t>
+            </a:r>
+            <a:r>
+              <a:rPr lang="en-US" dirty="0" err="1">
+                <a:latin typeface="Courier New" panose="02070309020205020404" pitchFamily="49" charset="0"/>
+                <a:cs typeface="Courier New" panose="02070309020205020404" pitchFamily="49" charset="0"/>
+              </a:rPr>
+              <a:t>devicekey</a:t>
+            </a:r>
+            <a:r>
+              <a:rPr lang="en-US" dirty="0">
                 <a:latin typeface="Courier New" panose="02070309020205020404" pitchFamily="49" charset="0"/>
                 <a:cs typeface="Courier New" panose="02070309020205020404" pitchFamily="49" charset="0"/>
               </a:rPr>
@@ -6193,89 +6489,21 @@
             <a:pPr marL="0" indent="0">
               <a:buNone/>
             </a:pPr>
-            <a:r>
-              <a:rPr lang="en-US" sz="900" dirty="0" err="1">
-                <a:latin typeface="Courier New" panose="02070309020205020404" pitchFamily="49" charset="0"/>
-                <a:cs typeface="Courier New" panose="02070309020205020404" pitchFamily="49" charset="0"/>
-              </a:rPr>
-              <a:t>az</a:t>
-            </a:r>
-            <a:r>
-              <a:rPr lang="en-US" sz="900" dirty="0">
-                <a:latin typeface="Courier New" panose="02070309020205020404" pitchFamily="49" charset="0"/>
-                <a:cs typeface="Courier New" panose="02070309020205020404" pitchFamily="49" charset="0"/>
-              </a:rPr>
-              <a:t> deployment group create --name </a:t>
-            </a:r>
-            <a:r>
-              <a:rPr lang="en-US" sz="900" dirty="0" err="1">
-                <a:latin typeface="Courier New" panose="02070309020205020404" pitchFamily="49" charset="0"/>
-                <a:cs typeface="Courier New" panose="02070309020205020404" pitchFamily="49" charset="0"/>
-              </a:rPr>
-              <a:t>NetworkDeployment</a:t>
-            </a:r>
-            <a:r>
-              <a:rPr lang="en-US" sz="900" dirty="0">
-                <a:latin typeface="Courier New" panose="02070309020205020404" pitchFamily="49" charset="0"/>
-                <a:cs typeface="Courier New" panose="02070309020205020404" pitchFamily="49" charset="0"/>
-              </a:rPr>
-              <a:t> --resource-group "$</a:t>
-            </a:r>
-            <a:r>
-              <a:rPr lang="en-US" sz="900" dirty="0" err="1">
-                <a:latin typeface="Courier New" panose="02070309020205020404" pitchFamily="49" charset="0"/>
-                <a:cs typeface="Courier New" panose="02070309020205020404" pitchFamily="49" charset="0"/>
-              </a:rPr>
-              <a:t>rgname</a:t>
-            </a:r>
-            <a:r>
-              <a:rPr lang="en-US" sz="900" dirty="0">
-                <a:latin typeface="Courier New" panose="02070309020205020404" pitchFamily="49" charset="0"/>
-                <a:cs typeface="Courier New" panose="02070309020205020404" pitchFamily="49" charset="0"/>
-              </a:rPr>
-              <a:t>" --template-file "./</a:t>
-            </a:r>
-            <a:r>
-              <a:rPr lang="en-US" sz="900" dirty="0" err="1">
-                <a:latin typeface="Courier New" panose="02070309020205020404" pitchFamily="49" charset="0"/>
-                <a:cs typeface="Courier New" panose="02070309020205020404" pitchFamily="49" charset="0"/>
-              </a:rPr>
-              <a:t>networkdeploy.json</a:t>
-            </a:r>
-            <a:r>
-              <a:rPr lang="en-US" sz="900" dirty="0">
-                <a:latin typeface="Courier New" panose="02070309020205020404" pitchFamily="49" charset="0"/>
-                <a:cs typeface="Courier New" panose="02070309020205020404" pitchFamily="49" charset="0"/>
-              </a:rPr>
-              <a:t>" --parameters </a:t>
-            </a:r>
-            <a:r>
-              <a:rPr lang="en-US" sz="900" dirty="0" err="1">
-                <a:latin typeface="Courier New" panose="02070309020205020404" pitchFamily="49" charset="0"/>
-                <a:cs typeface="Courier New" panose="02070309020205020404" pitchFamily="49" charset="0"/>
-              </a:rPr>
-              <a:t>networkName</a:t>
-            </a:r>
-            <a:r>
-              <a:rPr lang="en-US" sz="900" dirty="0">
-                <a:latin typeface="Courier New" panose="02070309020205020404" pitchFamily="49" charset="0"/>
-                <a:cs typeface="Courier New" panose="02070309020205020404" pitchFamily="49" charset="0"/>
-              </a:rPr>
-              <a:t>="$</a:t>
-            </a:r>
-            <a:r>
-              <a:rPr lang="en-US" sz="900" dirty="0" err="1">
-                <a:latin typeface="Courier New" panose="02070309020205020404" pitchFamily="49" charset="0"/>
-                <a:cs typeface="Courier New" panose="02070309020205020404" pitchFamily="49" charset="0"/>
-              </a:rPr>
-              <a:t>networkName</a:t>
-            </a:r>
-            <a:r>
-              <a:rPr lang="en-US" sz="900" dirty="0">
-                <a:latin typeface="Courier New" panose="02070309020205020404" pitchFamily="49" charset="0"/>
-                <a:cs typeface="Courier New" panose="02070309020205020404" pitchFamily="49" charset="0"/>
-              </a:rPr>
-              <a:t>"</a:t>
+            <a:endParaRPr lang="en-US" dirty="0">
+              <a:latin typeface="Courier New" panose="02070309020205020404" pitchFamily="49" charset="0"/>
+              <a:cs typeface="Courier New" panose="02070309020205020404" pitchFamily="49" charset="0"/>
+            </a:endParaRPr>
+          </a:p>
+          <a:p>
+            <a:pPr marL="0" indent="0">
+              <a:buNone/>
+            </a:pPr>
+            <a:r>
+              <a:rPr lang="en-US" dirty="0">
+                <a:latin typeface="Courier New" panose="02070309020205020404" pitchFamily="49" charset="0"/>
+                <a:cs typeface="Courier New" panose="02070309020205020404" pitchFamily="49" charset="0"/>
+              </a:rPr>
+              <a:t>echo "You can now navigate to: https://$appname.azureiotcentral.com/devices"</a:t>
             </a:r>
           </a:p>
         </p:txBody>
@@ -6283,7 +6511,7 @@
     </p:spTree>
     <p:extLst>
       <p:ext uri="{BB962C8B-B14F-4D97-AF65-F5344CB8AC3E}">
-        <p14:creationId xmlns:p14="http://schemas.microsoft.com/office/powerpoint/2010/main" val="1857349798"/>
+        <p14:creationId xmlns:p14="http://schemas.microsoft.com/office/powerpoint/2010/main" val="1461925346"/>
       </p:ext>
     </p:extLst>
   </p:cSld>
@@ -6361,7 +6589,7 @@
         </p:nvSpPr>
         <p:spPr>
           <a:xfrm>
-            <a:off x="838200" y="1252632"/>
+            <a:off x="838199" y="1430767"/>
             <a:ext cx="10844605" cy="5249732"/>
           </a:xfrm>
         </p:spPr>
@@ -6379,143 +6607,6 @@
                 <a:latin typeface="Courier New" panose="02070309020205020404" pitchFamily="49" charset="0"/>
                 <a:cs typeface="Courier New" panose="02070309020205020404" pitchFamily="49" charset="0"/>
               </a:rPr>
-              <a:t>instanceid</a:t>
-            </a:r>
-            <a:r>
-              <a:rPr lang="en-US" sz="900" dirty="0">
-                <a:latin typeface="Courier New" panose="02070309020205020404" pitchFamily="49" charset="0"/>
-                <a:cs typeface="Courier New" panose="02070309020205020404" pitchFamily="49" charset="0"/>
-              </a:rPr>
-              <a:t>="111111"</a:t>
-            </a:r>
-          </a:p>
-          <a:p>
-            <a:pPr marL="0" indent="0">
-              <a:buNone/>
-            </a:pPr>
-            <a:r>
-              <a:rPr lang="en-US" sz="900" dirty="0" err="1">
-                <a:latin typeface="Courier New" panose="02070309020205020404" pitchFamily="49" charset="0"/>
-                <a:cs typeface="Courier New" panose="02070309020205020404" pitchFamily="49" charset="0"/>
-              </a:rPr>
-              <a:t>rgname</a:t>
-            </a:r>
-            <a:r>
-              <a:rPr lang="en-US" sz="900" dirty="0">
-                <a:latin typeface="Courier New" panose="02070309020205020404" pitchFamily="49" charset="0"/>
-                <a:cs typeface="Courier New" panose="02070309020205020404" pitchFamily="49" charset="0"/>
-              </a:rPr>
-              <a:t>="</a:t>
-            </a:r>
-            <a:r>
-              <a:rPr lang="en-US" sz="900" dirty="0" err="1">
-                <a:latin typeface="Courier New" panose="02070309020205020404" pitchFamily="49" charset="0"/>
-                <a:cs typeface="Courier New" panose="02070309020205020404" pitchFamily="49" charset="0"/>
-              </a:rPr>
-              <a:t>iotcoeehol</a:t>
-            </a:r>
-            <a:r>
-              <a:rPr lang="en-US" sz="900" dirty="0">
-                <a:latin typeface="Courier New" panose="02070309020205020404" pitchFamily="49" charset="0"/>
-                <a:cs typeface="Courier New" panose="02070309020205020404" pitchFamily="49" charset="0"/>
-              </a:rPr>
-              <a:t>"</a:t>
-            </a:r>
-          </a:p>
-          <a:p>
-            <a:pPr marL="0" indent="0">
-              <a:buNone/>
-            </a:pPr>
-            <a:r>
-              <a:rPr lang="en-US" sz="900" dirty="0" err="1">
-                <a:latin typeface="Courier New" panose="02070309020205020404" pitchFamily="49" charset="0"/>
-                <a:cs typeface="Courier New" panose="02070309020205020404" pitchFamily="49" charset="0"/>
-              </a:rPr>
-              <a:t>regionname</a:t>
-            </a:r>
-            <a:r>
-              <a:rPr lang="en-US" sz="900" dirty="0">
-                <a:latin typeface="Courier New" panose="02070309020205020404" pitchFamily="49" charset="0"/>
-                <a:cs typeface="Courier New" panose="02070309020205020404" pitchFamily="49" charset="0"/>
-              </a:rPr>
-              <a:t>="eastus2"</a:t>
-            </a:r>
-          </a:p>
-          <a:p>
-            <a:pPr marL="0" indent="0">
-              <a:buNone/>
-            </a:pPr>
-            <a:r>
-              <a:rPr lang="en-US" sz="900" dirty="0" err="1">
-                <a:latin typeface="Courier New" panose="02070309020205020404" pitchFamily="49" charset="0"/>
-                <a:cs typeface="Courier New" panose="02070309020205020404" pitchFamily="49" charset="0"/>
-              </a:rPr>
-              <a:t>appname</a:t>
-            </a:r>
-            <a:r>
-              <a:rPr lang="en-US" sz="900" dirty="0">
-                <a:latin typeface="Courier New" panose="02070309020205020404" pitchFamily="49" charset="0"/>
-                <a:cs typeface="Courier New" panose="02070309020205020404" pitchFamily="49" charset="0"/>
-              </a:rPr>
-              <a:t>="</a:t>
-            </a:r>
-            <a:r>
-              <a:rPr lang="en-US" sz="900" dirty="0" err="1">
-                <a:latin typeface="Courier New" panose="02070309020205020404" pitchFamily="49" charset="0"/>
-                <a:cs typeface="Courier New" panose="02070309020205020404" pitchFamily="49" charset="0"/>
-              </a:rPr>
-              <a:t>iotcoee</a:t>
-            </a:r>
-            <a:r>
-              <a:rPr lang="en-US" sz="900" dirty="0">
-                <a:latin typeface="Courier New" panose="02070309020205020404" pitchFamily="49" charset="0"/>
-                <a:cs typeface="Courier New" panose="02070309020205020404" pitchFamily="49" charset="0"/>
-              </a:rPr>
-              <a:t>-$</a:t>
-            </a:r>
-            <a:r>
-              <a:rPr lang="en-US" sz="900" dirty="0" err="1">
-                <a:latin typeface="Courier New" panose="02070309020205020404" pitchFamily="49" charset="0"/>
-                <a:cs typeface="Courier New" panose="02070309020205020404" pitchFamily="49" charset="0"/>
-              </a:rPr>
-              <a:t>instanceid</a:t>
-            </a:r>
-            <a:r>
-              <a:rPr lang="en-US" sz="900" dirty="0">
-                <a:latin typeface="Courier New" panose="02070309020205020404" pitchFamily="49" charset="0"/>
-                <a:cs typeface="Courier New" panose="02070309020205020404" pitchFamily="49" charset="0"/>
-              </a:rPr>
-              <a:t>"</a:t>
-            </a:r>
-          </a:p>
-          <a:p>
-            <a:pPr marL="0" indent="0">
-              <a:buNone/>
-            </a:pPr>
-            <a:r>
-              <a:rPr lang="en-US" sz="900" dirty="0" err="1">
-                <a:latin typeface="Courier New" panose="02070309020205020404" pitchFamily="49" charset="0"/>
-                <a:cs typeface="Courier New" panose="02070309020205020404" pitchFamily="49" charset="0"/>
-              </a:rPr>
-              <a:t>appid</a:t>
-            </a:r>
-            <a:r>
-              <a:rPr lang="en-US" sz="900" dirty="0">
-                <a:latin typeface="Courier New" panose="02070309020205020404" pitchFamily="49" charset="0"/>
-                <a:cs typeface="Courier New" panose="02070309020205020404" pitchFamily="49" charset="0"/>
-              </a:rPr>
-              <a:t>="4d4e578b-d125-4f14-a7f9-55a276ac0851"</a:t>
-            </a:r>
-          </a:p>
-          <a:p>
-            <a:pPr marL="0" indent="0">
-              <a:buNone/>
-            </a:pPr>
-            <a:r>
-              <a:rPr lang="en-US" sz="900" dirty="0" err="1">
-                <a:latin typeface="Courier New" panose="02070309020205020404" pitchFamily="49" charset="0"/>
-                <a:cs typeface="Courier New" panose="02070309020205020404" pitchFamily="49" charset="0"/>
-              </a:rPr>
               <a:t>networkName</a:t>
             </a:r>
             <a:r>
@@ -6567,49 +6658,19 @@
             <a:pPr marL="0" indent="0">
               <a:buNone/>
             </a:pPr>
-            <a:endParaRPr lang="en-US" sz="900" dirty="0">
-              <a:latin typeface="Courier New" panose="02070309020205020404" pitchFamily="49" charset="0"/>
-              <a:cs typeface="Courier New" panose="02070309020205020404" pitchFamily="49" charset="0"/>
-            </a:endParaRPr>
-          </a:p>
-          <a:p>
-            <a:pPr marL="0" indent="0">
-              <a:buNone/>
-            </a:pPr>
-            <a:r>
-              <a:rPr lang="en-US" sz="900" dirty="0" err="1">
-                <a:latin typeface="Courier New" panose="02070309020205020404" pitchFamily="49" charset="0"/>
-                <a:cs typeface="Courier New" panose="02070309020205020404" pitchFamily="49" charset="0"/>
-              </a:rPr>
-              <a:t>simVMMachineName</a:t>
-            </a:r>
-            <a:r>
-              <a:rPr lang="en-US" sz="900" dirty="0">
-                <a:latin typeface="Courier New" panose="02070309020205020404" pitchFamily="49" charset="0"/>
-                <a:cs typeface="Courier New" panose="02070309020205020404" pitchFamily="49" charset="0"/>
-              </a:rPr>
-              <a:t>="</a:t>
-            </a:r>
-            <a:r>
-              <a:rPr lang="en-US" sz="900" dirty="0" err="1">
-                <a:latin typeface="Courier New" panose="02070309020205020404" pitchFamily="49" charset="0"/>
-                <a:cs typeface="Courier New" panose="02070309020205020404" pitchFamily="49" charset="0"/>
-              </a:rPr>
-              <a:t>iiotholsimvm</a:t>
-            </a:r>
-            <a:r>
-              <a:rPr lang="en-US" sz="900" dirty="0">
-                <a:latin typeface="Courier New" panose="02070309020205020404" pitchFamily="49" charset="0"/>
-                <a:cs typeface="Courier New" panose="02070309020205020404" pitchFamily="49" charset="0"/>
-              </a:rPr>
-              <a:t>-$</a:t>
-            </a:r>
-            <a:r>
-              <a:rPr lang="en-US" sz="900" dirty="0" err="1">
-                <a:latin typeface="Courier New" panose="02070309020205020404" pitchFamily="49" charset="0"/>
-                <a:cs typeface="Courier New" panose="02070309020205020404" pitchFamily="49" charset="0"/>
-              </a:rPr>
-              <a:t>instanceid</a:t>
+            <a:r>
+              <a:rPr lang="en-US" sz="900" dirty="0">
+                <a:latin typeface="Courier New" panose="02070309020205020404" pitchFamily="49" charset="0"/>
+                <a:cs typeface="Courier New" panose="02070309020205020404" pitchFamily="49" charset="0"/>
+              </a:rPr>
+              <a:t>echo "Creating network $</a:t>
+            </a:r>
+            <a:r>
+              <a:rPr lang="en-US" sz="900" dirty="0" err="1">
+                <a:latin typeface="Courier New" panose="02070309020205020404" pitchFamily="49" charset="0"/>
+                <a:cs typeface="Courier New" panose="02070309020205020404" pitchFamily="49" charset="0"/>
+              </a:rPr>
+              <a:t>networkName</a:t>
             </a:r>
             <a:r>
               <a:rPr lang="en-US" sz="900" dirty="0">
@@ -6628,61 +6689,77 @@
                 <a:latin typeface="Courier New" panose="02070309020205020404" pitchFamily="49" charset="0"/>
                 <a:cs typeface="Courier New" panose="02070309020205020404" pitchFamily="49" charset="0"/>
               </a:rPr>
-              <a:t>adminUserSshPublicKey</a:t>
-            </a:r>
-            <a:r>
-              <a:rPr lang="en-US" sz="900" dirty="0">
-                <a:latin typeface="Courier New" panose="02070309020205020404" pitchFamily="49" charset="0"/>
-                <a:cs typeface="Courier New" panose="02070309020205020404" pitchFamily="49" charset="0"/>
-              </a:rPr>
-              <a:t>=$(cat $(</a:t>
-            </a:r>
-            <a:r>
-              <a:rPr lang="en-US" sz="900" dirty="0" err="1">
-                <a:latin typeface="Courier New" panose="02070309020205020404" pitchFamily="49" charset="0"/>
-                <a:cs typeface="Courier New" panose="02070309020205020404" pitchFamily="49" charset="0"/>
-              </a:rPr>
-              <a:t>readlink</a:t>
-            </a:r>
-            <a:r>
-              <a:rPr lang="en-US" sz="900" dirty="0">
-                <a:latin typeface="Courier New" panose="02070309020205020404" pitchFamily="49" charset="0"/>
-                <a:cs typeface="Courier New" panose="02070309020205020404" pitchFamily="49" charset="0"/>
-              </a:rPr>
-              <a:t> -f ~/.</a:t>
-            </a:r>
-            <a:r>
-              <a:rPr lang="en-US" sz="900" dirty="0" err="1">
-                <a:latin typeface="Courier New" panose="02070309020205020404" pitchFamily="49" charset="0"/>
-                <a:cs typeface="Courier New" panose="02070309020205020404" pitchFamily="49" charset="0"/>
-              </a:rPr>
-              <a:t>ssh</a:t>
-            </a:r>
-            <a:r>
-              <a:rPr lang="en-US" sz="900" dirty="0">
-                <a:latin typeface="Courier New" panose="02070309020205020404" pitchFamily="49" charset="0"/>
-                <a:cs typeface="Courier New" panose="02070309020205020404" pitchFamily="49" charset="0"/>
-              </a:rPr>
-              <a:t>/id_rsa.pub))</a:t>
-            </a:r>
-          </a:p>
-          <a:p>
-            <a:pPr marL="0" indent="0">
-              <a:buNone/>
-            </a:pPr>
-            <a:r>
-              <a:rPr lang="en-US" sz="900" dirty="0">
-                <a:latin typeface="Courier New" panose="02070309020205020404" pitchFamily="49" charset="0"/>
-                <a:cs typeface="Courier New" panose="02070309020205020404" pitchFamily="49" charset="0"/>
-              </a:rPr>
-              <a:t>echo "Creating virtual machine $</a:t>
-            </a:r>
-            <a:r>
-              <a:rPr lang="en-US" sz="900" dirty="0" err="1">
-                <a:latin typeface="Courier New" panose="02070309020205020404" pitchFamily="49" charset="0"/>
-                <a:cs typeface="Courier New" panose="02070309020205020404" pitchFamily="49" charset="0"/>
-              </a:rPr>
-              <a:t>simVMMachineName</a:t>
+              <a:t>az</a:t>
+            </a:r>
+            <a:r>
+              <a:rPr lang="en-US" sz="900" dirty="0">
+                <a:latin typeface="Courier New" panose="02070309020205020404" pitchFamily="49" charset="0"/>
+                <a:cs typeface="Courier New" panose="02070309020205020404" pitchFamily="49" charset="0"/>
+              </a:rPr>
+              <a:t> deployment group create --name </a:t>
+            </a:r>
+            <a:r>
+              <a:rPr lang="en-US" sz="900" dirty="0" err="1">
+                <a:latin typeface="Courier New" panose="02070309020205020404" pitchFamily="49" charset="0"/>
+                <a:cs typeface="Courier New" panose="02070309020205020404" pitchFamily="49" charset="0"/>
+              </a:rPr>
+              <a:t>NetworkDeployment</a:t>
+            </a:r>
+            <a:r>
+              <a:rPr lang="en-US" sz="900" dirty="0">
+                <a:latin typeface="Courier New" panose="02070309020205020404" pitchFamily="49" charset="0"/>
+                <a:cs typeface="Courier New" panose="02070309020205020404" pitchFamily="49" charset="0"/>
+              </a:rPr>
+              <a:t> --resource-group "$</a:t>
+            </a:r>
+            <a:r>
+              <a:rPr lang="en-US" sz="900" dirty="0" err="1">
+                <a:latin typeface="Courier New" panose="02070309020205020404" pitchFamily="49" charset="0"/>
+                <a:cs typeface="Courier New" panose="02070309020205020404" pitchFamily="49" charset="0"/>
+              </a:rPr>
+              <a:t>rgname</a:t>
+            </a:r>
+            <a:r>
+              <a:rPr lang="en-US" sz="900" dirty="0">
+                <a:latin typeface="Courier New" panose="02070309020205020404" pitchFamily="49" charset="0"/>
+                <a:cs typeface="Courier New" panose="02070309020205020404" pitchFamily="49" charset="0"/>
+              </a:rPr>
+              <a:t>" --template-file "./</a:t>
+            </a:r>
+            <a:r>
+              <a:rPr lang="en-US" sz="900" dirty="0" err="1">
+                <a:latin typeface="Courier New" panose="02070309020205020404" pitchFamily="49" charset="0"/>
+                <a:cs typeface="Courier New" panose="02070309020205020404" pitchFamily="49" charset="0"/>
+              </a:rPr>
+              <a:t>networkdeploy.json</a:t>
+            </a:r>
+            <a:r>
+              <a:rPr lang="en-US" sz="900" dirty="0">
+                <a:latin typeface="Courier New" panose="02070309020205020404" pitchFamily="49" charset="0"/>
+                <a:cs typeface="Courier New" panose="02070309020205020404" pitchFamily="49" charset="0"/>
+              </a:rPr>
+              <a:t>" --parameters </a:t>
+            </a:r>
+            <a:r>
+              <a:rPr lang="en-US" sz="900" dirty="0" err="1">
+                <a:latin typeface="Courier New" panose="02070309020205020404" pitchFamily="49" charset="0"/>
+                <a:cs typeface="Courier New" panose="02070309020205020404" pitchFamily="49" charset="0"/>
+              </a:rPr>
+              <a:t>networkName</a:t>
+            </a:r>
+            <a:r>
+              <a:rPr lang="en-US" sz="900" dirty="0">
+                <a:latin typeface="Courier New" panose="02070309020205020404" pitchFamily="49" charset="0"/>
+                <a:cs typeface="Courier New" panose="02070309020205020404" pitchFamily="49" charset="0"/>
+              </a:rPr>
+              <a:t>="$</a:t>
+            </a:r>
+            <a:r>
+              <a:rPr lang="en-US" sz="900" dirty="0" err="1">
+                <a:latin typeface="Courier New" panose="02070309020205020404" pitchFamily="49" charset="0"/>
+                <a:cs typeface="Courier New" panose="02070309020205020404" pitchFamily="49" charset="0"/>
+              </a:rPr>
+              <a:t>networkName</a:t>
             </a:r>
             <a:r>
               <a:rPr lang="en-US" sz="900" dirty="0">
@@ -6691,450 +6768,13 @@
               </a:rPr>
               <a:t>"</a:t>
             </a:r>
-          </a:p>
-          <a:p>
-            <a:pPr marL="0" indent="0">
-              <a:buNone/>
-            </a:pPr>
-            <a:endParaRPr lang="en-US" sz="900" dirty="0">
-              <a:latin typeface="Courier New" panose="02070309020205020404" pitchFamily="49" charset="0"/>
-              <a:cs typeface="Courier New" panose="02070309020205020404" pitchFamily="49" charset="0"/>
-            </a:endParaRPr>
-          </a:p>
-          <a:p>
-            <a:pPr marL="0" indent="0">
-              <a:buNone/>
-            </a:pPr>
-            <a:r>
-              <a:rPr lang="en-US" sz="900" dirty="0" err="1">
-                <a:latin typeface="Courier New" panose="02070309020205020404" pitchFamily="49" charset="0"/>
-                <a:cs typeface="Courier New" panose="02070309020205020404" pitchFamily="49" charset="0"/>
-              </a:rPr>
-              <a:t>simVMDeploymentOutput</a:t>
-            </a:r>
-            <a:r>
-              <a:rPr lang="en-US" sz="900" dirty="0">
-                <a:latin typeface="Courier New" panose="02070309020205020404" pitchFamily="49" charset="0"/>
-                <a:cs typeface="Courier New" panose="02070309020205020404" pitchFamily="49" charset="0"/>
-              </a:rPr>
-              <a:t>=($(</a:t>
-            </a:r>
-            <a:r>
-              <a:rPr lang="en-US" sz="900" dirty="0" err="1">
-                <a:latin typeface="Courier New" panose="02070309020205020404" pitchFamily="49" charset="0"/>
-                <a:cs typeface="Courier New" panose="02070309020205020404" pitchFamily="49" charset="0"/>
-              </a:rPr>
-              <a:t>az</a:t>
-            </a:r>
-            <a:r>
-              <a:rPr lang="en-US" sz="900" dirty="0">
-                <a:latin typeface="Courier New" panose="02070309020205020404" pitchFamily="49" charset="0"/>
-                <a:cs typeface="Courier New" panose="02070309020205020404" pitchFamily="49" charset="0"/>
-              </a:rPr>
-              <a:t> deployment group create --name </a:t>
-            </a:r>
-            <a:r>
-              <a:rPr lang="en-US" sz="900" dirty="0" err="1">
-                <a:latin typeface="Courier New" panose="02070309020205020404" pitchFamily="49" charset="0"/>
-                <a:cs typeface="Courier New" panose="02070309020205020404" pitchFamily="49" charset="0"/>
-              </a:rPr>
-              <a:t>SimulatorVMDeployment</a:t>
-            </a:r>
-            <a:r>
-              <a:rPr lang="en-US" sz="900" dirty="0">
-                <a:latin typeface="Courier New" panose="02070309020205020404" pitchFamily="49" charset="0"/>
-                <a:cs typeface="Courier New" panose="02070309020205020404" pitchFamily="49" charset="0"/>
-              </a:rPr>
-              <a:t> --resource-group "$</a:t>
-            </a:r>
-            <a:r>
-              <a:rPr lang="en-US" sz="900" dirty="0" err="1">
-                <a:latin typeface="Courier New" panose="02070309020205020404" pitchFamily="49" charset="0"/>
-                <a:cs typeface="Courier New" panose="02070309020205020404" pitchFamily="49" charset="0"/>
-              </a:rPr>
-              <a:t>rgname</a:t>
-            </a:r>
-            <a:r>
-              <a:rPr lang="en-US" sz="900" dirty="0">
-                <a:latin typeface="Courier New" panose="02070309020205020404" pitchFamily="49" charset="0"/>
-                <a:cs typeface="Courier New" panose="02070309020205020404" pitchFamily="49" charset="0"/>
-              </a:rPr>
-              <a:t>" --template-file "</a:t>
-            </a:r>
-            <a:r>
-              <a:rPr lang="en-US" sz="900" dirty="0" err="1">
-                <a:latin typeface="Courier New" panose="02070309020205020404" pitchFamily="49" charset="0"/>
-                <a:cs typeface="Courier New" panose="02070309020205020404" pitchFamily="49" charset="0"/>
-              </a:rPr>
-              <a:t>simVMTemplate.json</a:t>
-            </a:r>
-            <a:r>
-              <a:rPr lang="en-US" sz="900" dirty="0">
-                <a:latin typeface="Courier New" panose="02070309020205020404" pitchFamily="49" charset="0"/>
-                <a:cs typeface="Courier New" panose="02070309020205020404" pitchFamily="49" charset="0"/>
-              </a:rPr>
-              <a:t>" --parameters </a:t>
-            </a:r>
-            <a:r>
-              <a:rPr lang="en-US" sz="900" dirty="0" err="1">
-                <a:latin typeface="Courier New" panose="02070309020205020404" pitchFamily="49" charset="0"/>
-                <a:cs typeface="Courier New" panose="02070309020205020404" pitchFamily="49" charset="0"/>
-              </a:rPr>
-              <a:t>vmMachineName</a:t>
-            </a:r>
-            <a:r>
-              <a:rPr lang="en-US" sz="900" dirty="0">
-                <a:latin typeface="Courier New" panose="02070309020205020404" pitchFamily="49" charset="0"/>
-                <a:cs typeface="Courier New" panose="02070309020205020404" pitchFamily="49" charset="0"/>
-              </a:rPr>
-              <a:t>="$</a:t>
-            </a:r>
-            <a:r>
-              <a:rPr lang="en-US" sz="900" dirty="0" err="1">
-                <a:latin typeface="Courier New" panose="02070309020205020404" pitchFamily="49" charset="0"/>
-                <a:cs typeface="Courier New" panose="02070309020205020404" pitchFamily="49" charset="0"/>
-              </a:rPr>
-              <a:t>simVMMachineName</a:t>
-            </a:r>
-            <a:r>
-              <a:rPr lang="en-US" sz="900" dirty="0">
-                <a:latin typeface="Courier New" panose="02070309020205020404" pitchFamily="49" charset="0"/>
-                <a:cs typeface="Courier New" panose="02070309020205020404" pitchFamily="49" charset="0"/>
-              </a:rPr>
-              <a:t>" </a:t>
-            </a:r>
-            <a:r>
-              <a:rPr lang="en-US" sz="900" dirty="0" err="1">
-                <a:latin typeface="Courier New" panose="02070309020205020404" pitchFamily="49" charset="0"/>
-                <a:cs typeface="Courier New" panose="02070309020205020404" pitchFamily="49" charset="0"/>
-              </a:rPr>
-              <a:t>networkName</a:t>
-            </a:r>
-            <a:r>
-              <a:rPr lang="en-US" sz="900" dirty="0">
-                <a:latin typeface="Courier New" panose="02070309020205020404" pitchFamily="49" charset="0"/>
-                <a:cs typeface="Courier New" panose="02070309020205020404" pitchFamily="49" charset="0"/>
-              </a:rPr>
-              <a:t>="$</a:t>
-            </a:r>
-            <a:r>
-              <a:rPr lang="en-US" sz="900" dirty="0" err="1">
-                <a:latin typeface="Courier New" panose="02070309020205020404" pitchFamily="49" charset="0"/>
-                <a:cs typeface="Courier New" panose="02070309020205020404" pitchFamily="49" charset="0"/>
-              </a:rPr>
-              <a:t>networkName</a:t>
-            </a:r>
-            <a:r>
-              <a:rPr lang="en-US" sz="900" dirty="0">
-                <a:latin typeface="Courier New" panose="02070309020205020404" pitchFamily="49" charset="0"/>
-                <a:cs typeface="Courier New" panose="02070309020205020404" pitchFamily="49" charset="0"/>
-              </a:rPr>
-              <a:t>" </a:t>
-            </a:r>
-            <a:r>
-              <a:rPr lang="en-US" sz="900" dirty="0" err="1">
-                <a:latin typeface="Courier New" panose="02070309020205020404" pitchFamily="49" charset="0"/>
-                <a:cs typeface="Courier New" panose="02070309020205020404" pitchFamily="49" charset="0"/>
-              </a:rPr>
-              <a:t>adminUserName</a:t>
-            </a:r>
-            <a:r>
-              <a:rPr lang="en-US" sz="900" dirty="0">
-                <a:latin typeface="Courier New" panose="02070309020205020404" pitchFamily="49" charset="0"/>
-                <a:cs typeface="Courier New" panose="02070309020205020404" pitchFamily="49" charset="0"/>
-              </a:rPr>
-              <a:t>="</a:t>
-            </a:r>
-            <a:r>
-              <a:rPr lang="en-US" sz="900" dirty="0" err="1">
-                <a:latin typeface="Courier New" panose="02070309020205020404" pitchFamily="49" charset="0"/>
-                <a:cs typeface="Courier New" panose="02070309020205020404" pitchFamily="49" charset="0"/>
-              </a:rPr>
-              <a:t>azureuser</a:t>
-            </a:r>
-            <a:r>
-              <a:rPr lang="en-US" sz="900" dirty="0">
-                <a:latin typeface="Courier New" panose="02070309020205020404" pitchFamily="49" charset="0"/>
-                <a:cs typeface="Courier New" panose="02070309020205020404" pitchFamily="49" charset="0"/>
-              </a:rPr>
-              <a:t>" </a:t>
-            </a:r>
-            <a:r>
-              <a:rPr lang="en-US" sz="900" dirty="0" err="1">
-                <a:latin typeface="Courier New" panose="02070309020205020404" pitchFamily="49" charset="0"/>
-                <a:cs typeface="Courier New" panose="02070309020205020404" pitchFamily="49" charset="0"/>
-              </a:rPr>
-              <a:t>adminUserSshPublicKey</a:t>
-            </a:r>
-            <a:r>
-              <a:rPr lang="en-US" sz="900" dirty="0">
-                <a:latin typeface="Courier New" panose="02070309020205020404" pitchFamily="49" charset="0"/>
-                <a:cs typeface="Courier New" panose="02070309020205020404" pitchFamily="49" charset="0"/>
-              </a:rPr>
-              <a:t>="$</a:t>
-            </a:r>
-            <a:r>
-              <a:rPr lang="en-US" sz="900" dirty="0" err="1">
-                <a:latin typeface="Courier New" panose="02070309020205020404" pitchFamily="49" charset="0"/>
-                <a:cs typeface="Courier New" panose="02070309020205020404" pitchFamily="49" charset="0"/>
-              </a:rPr>
-              <a:t>adminUserSshPublicKey</a:t>
-            </a:r>
-            <a:r>
-              <a:rPr lang="en-US" sz="900" dirty="0">
-                <a:latin typeface="Courier New" panose="02070309020205020404" pitchFamily="49" charset="0"/>
-                <a:cs typeface="Courier New" panose="02070309020205020404" pitchFamily="49" charset="0"/>
-              </a:rPr>
-              <a:t>" </a:t>
-            </a:r>
-            <a:r>
-              <a:rPr lang="en-US" sz="900" dirty="0" err="1">
-                <a:latin typeface="Courier New" panose="02070309020205020404" pitchFamily="49" charset="0"/>
-                <a:cs typeface="Courier New" panose="02070309020205020404" pitchFamily="49" charset="0"/>
-              </a:rPr>
-              <a:t>vmSize</a:t>
-            </a:r>
-            <a:r>
-              <a:rPr lang="en-US" sz="900" dirty="0">
-                <a:latin typeface="Courier New" panose="02070309020205020404" pitchFamily="49" charset="0"/>
-                <a:cs typeface="Courier New" panose="02070309020205020404" pitchFamily="49" charset="0"/>
-              </a:rPr>
-              <a:t>="Standard_B1ms" --query "</a:t>
-            </a:r>
-            <a:r>
-              <a:rPr lang="en-US" sz="900" dirty="0" err="1">
-                <a:latin typeface="Courier New" panose="02070309020205020404" pitchFamily="49" charset="0"/>
-                <a:cs typeface="Courier New" panose="02070309020205020404" pitchFamily="49" charset="0"/>
-              </a:rPr>
-              <a:t>properties.outputs</a:t>
-            </a:r>
-            <a:r>
-              <a:rPr lang="en-US" sz="900" dirty="0">
-                <a:latin typeface="Courier New" panose="02070309020205020404" pitchFamily="49" charset="0"/>
-                <a:cs typeface="Courier New" panose="02070309020205020404" pitchFamily="49" charset="0"/>
-              </a:rPr>
-              <a:t>.[</a:t>
-            </a:r>
-            <a:r>
-              <a:rPr lang="en-US" sz="900" dirty="0" err="1">
-                <a:latin typeface="Courier New" panose="02070309020205020404" pitchFamily="49" charset="0"/>
-                <a:cs typeface="Courier New" panose="02070309020205020404" pitchFamily="49" charset="0"/>
-              </a:rPr>
-              <a:t>vmMachineName.value</a:t>
-            </a:r>
-            <a:r>
-              <a:rPr lang="en-US" sz="900" dirty="0">
-                <a:latin typeface="Courier New" panose="02070309020205020404" pitchFamily="49" charset="0"/>
-                <a:cs typeface="Courier New" panose="02070309020205020404" pitchFamily="49" charset="0"/>
-              </a:rPr>
-              <a:t>, </a:t>
-            </a:r>
-            <a:r>
-              <a:rPr lang="en-US" sz="900" dirty="0" err="1">
-                <a:latin typeface="Courier New" panose="02070309020205020404" pitchFamily="49" charset="0"/>
-                <a:cs typeface="Courier New" panose="02070309020205020404" pitchFamily="49" charset="0"/>
-              </a:rPr>
-              <a:t>vmMachineFqdn.value</a:t>
-            </a:r>
-            <a:r>
-              <a:rPr lang="en-US" sz="900" dirty="0">
-                <a:latin typeface="Courier New" panose="02070309020205020404" pitchFamily="49" charset="0"/>
-                <a:cs typeface="Courier New" panose="02070309020205020404" pitchFamily="49" charset="0"/>
-              </a:rPr>
-              <a:t>, </a:t>
-            </a:r>
-            <a:r>
-              <a:rPr lang="en-US" sz="900" dirty="0" err="1">
-                <a:latin typeface="Courier New" panose="02070309020205020404" pitchFamily="49" charset="0"/>
-                <a:cs typeface="Courier New" panose="02070309020205020404" pitchFamily="49" charset="0"/>
-              </a:rPr>
-              <a:t>vmAdminUserName.value</a:t>
-            </a:r>
-            <a:r>
-              <a:rPr lang="en-US" sz="900" dirty="0">
-                <a:latin typeface="Courier New" panose="02070309020205020404" pitchFamily="49" charset="0"/>
-                <a:cs typeface="Courier New" panose="02070309020205020404" pitchFamily="49" charset="0"/>
-              </a:rPr>
-              <a:t>]" -o </a:t>
-            </a:r>
-            <a:r>
-              <a:rPr lang="en-US" sz="900" dirty="0" err="1">
-                <a:latin typeface="Courier New" panose="02070309020205020404" pitchFamily="49" charset="0"/>
-                <a:cs typeface="Courier New" panose="02070309020205020404" pitchFamily="49" charset="0"/>
-              </a:rPr>
-              <a:t>tsv</a:t>
-            </a:r>
-            <a:r>
-              <a:rPr lang="en-US" sz="900" dirty="0">
-                <a:latin typeface="Courier New" panose="02070309020205020404" pitchFamily="49" charset="0"/>
-                <a:cs typeface="Courier New" panose="02070309020205020404" pitchFamily="49" charset="0"/>
-              </a:rPr>
-              <a:t>)) </a:t>
-            </a:r>
-          </a:p>
-          <a:p>
-            <a:pPr marL="0" indent="0">
-              <a:buNone/>
-            </a:pPr>
-            <a:endParaRPr lang="en-US" sz="900" dirty="0">
-              <a:latin typeface="Courier New" panose="02070309020205020404" pitchFamily="49" charset="0"/>
-              <a:cs typeface="Courier New" panose="02070309020205020404" pitchFamily="49" charset="0"/>
-            </a:endParaRPr>
-          </a:p>
-          <a:p>
-            <a:pPr marL="0" indent="0">
-              <a:buNone/>
-            </a:pPr>
-            <a:r>
-              <a:rPr lang="en-US" sz="900" dirty="0" err="1">
-                <a:latin typeface="Courier New" panose="02070309020205020404" pitchFamily="49" charset="0"/>
-                <a:cs typeface="Courier New" panose="02070309020205020404" pitchFamily="49" charset="0"/>
-              </a:rPr>
-              <a:t>vmMachineName</a:t>
-            </a:r>
-            <a:r>
-              <a:rPr lang="en-US" sz="900" dirty="0">
-                <a:latin typeface="Courier New" panose="02070309020205020404" pitchFamily="49" charset="0"/>
-                <a:cs typeface="Courier New" panose="02070309020205020404" pitchFamily="49" charset="0"/>
-              </a:rPr>
-              <a:t>=${</a:t>
-            </a:r>
-            <a:r>
-              <a:rPr lang="en-US" sz="900" dirty="0" err="1">
-                <a:latin typeface="Courier New" panose="02070309020205020404" pitchFamily="49" charset="0"/>
-                <a:cs typeface="Courier New" panose="02070309020205020404" pitchFamily="49" charset="0"/>
-              </a:rPr>
-              <a:t>simVMDeploymentOutput</a:t>
-            </a:r>
-            <a:r>
-              <a:rPr lang="en-US" sz="900" dirty="0">
-                <a:latin typeface="Courier New" panose="02070309020205020404" pitchFamily="49" charset="0"/>
-                <a:cs typeface="Courier New" panose="02070309020205020404" pitchFamily="49" charset="0"/>
-              </a:rPr>
-              <a:t>[0]}</a:t>
-            </a:r>
-          </a:p>
-          <a:p>
-            <a:pPr marL="0" indent="0">
-              <a:buNone/>
-            </a:pPr>
-            <a:r>
-              <a:rPr lang="en-US" sz="900" dirty="0" err="1">
-                <a:latin typeface="Courier New" panose="02070309020205020404" pitchFamily="49" charset="0"/>
-                <a:cs typeface="Courier New" panose="02070309020205020404" pitchFamily="49" charset="0"/>
-              </a:rPr>
-              <a:t>vmMachineFqdn</a:t>
-            </a:r>
-            <a:r>
-              <a:rPr lang="en-US" sz="900" dirty="0">
-                <a:latin typeface="Courier New" panose="02070309020205020404" pitchFamily="49" charset="0"/>
-                <a:cs typeface="Courier New" panose="02070309020205020404" pitchFamily="49" charset="0"/>
-              </a:rPr>
-              <a:t>=${</a:t>
-            </a:r>
-            <a:r>
-              <a:rPr lang="en-US" sz="900" dirty="0" err="1">
-                <a:latin typeface="Courier New" panose="02070309020205020404" pitchFamily="49" charset="0"/>
-                <a:cs typeface="Courier New" panose="02070309020205020404" pitchFamily="49" charset="0"/>
-              </a:rPr>
-              <a:t>simVMDeploymentOutput</a:t>
-            </a:r>
-            <a:r>
-              <a:rPr lang="en-US" sz="900" dirty="0">
-                <a:latin typeface="Courier New" panose="02070309020205020404" pitchFamily="49" charset="0"/>
-                <a:cs typeface="Courier New" panose="02070309020205020404" pitchFamily="49" charset="0"/>
-              </a:rPr>
-              <a:t>[1]}</a:t>
-            </a:r>
-          </a:p>
-          <a:p>
-            <a:pPr marL="0" indent="0">
-              <a:buNone/>
-            </a:pPr>
-            <a:r>
-              <a:rPr lang="en-US" sz="900" dirty="0" err="1">
-                <a:latin typeface="Courier New" panose="02070309020205020404" pitchFamily="49" charset="0"/>
-                <a:cs typeface="Courier New" panose="02070309020205020404" pitchFamily="49" charset="0"/>
-              </a:rPr>
-              <a:t>vmAdminUserName</a:t>
-            </a:r>
-            <a:r>
-              <a:rPr lang="en-US" sz="900" dirty="0">
-                <a:latin typeface="Courier New" panose="02070309020205020404" pitchFamily="49" charset="0"/>
-                <a:cs typeface="Courier New" panose="02070309020205020404" pitchFamily="49" charset="0"/>
-              </a:rPr>
-              <a:t>=${</a:t>
-            </a:r>
-            <a:r>
-              <a:rPr lang="en-US" sz="900" dirty="0" err="1">
-                <a:latin typeface="Courier New" panose="02070309020205020404" pitchFamily="49" charset="0"/>
-                <a:cs typeface="Courier New" panose="02070309020205020404" pitchFamily="49" charset="0"/>
-              </a:rPr>
-              <a:t>simVMDeploymentOutput</a:t>
-            </a:r>
-            <a:r>
-              <a:rPr lang="en-US" sz="900" dirty="0">
-                <a:latin typeface="Courier New" panose="02070309020205020404" pitchFamily="49" charset="0"/>
-                <a:cs typeface="Courier New" panose="02070309020205020404" pitchFamily="49" charset="0"/>
-              </a:rPr>
-              <a:t>[2]}</a:t>
-            </a:r>
-          </a:p>
-          <a:p>
-            <a:pPr marL="0" indent="0">
-              <a:buNone/>
-            </a:pPr>
-            <a:r>
-              <a:rPr lang="en-US" sz="900" dirty="0">
-                <a:latin typeface="Courier New" panose="02070309020205020404" pitchFamily="49" charset="0"/>
-                <a:cs typeface="Courier New" panose="02070309020205020404" pitchFamily="49" charset="0"/>
-              </a:rPr>
-              <a:t>echo "Simulator VM SSH  : </a:t>
-            </a:r>
-            <a:r>
-              <a:rPr lang="en-US" sz="900" dirty="0" err="1">
-                <a:latin typeface="Courier New" panose="02070309020205020404" pitchFamily="49" charset="0"/>
-                <a:cs typeface="Courier New" panose="02070309020205020404" pitchFamily="49" charset="0"/>
-              </a:rPr>
-              <a:t>ssh</a:t>
-            </a:r>
-            <a:r>
-              <a:rPr lang="en-US" sz="900" dirty="0">
-                <a:latin typeface="Courier New" panose="02070309020205020404" pitchFamily="49" charset="0"/>
-                <a:cs typeface="Courier New" panose="02070309020205020404" pitchFamily="49" charset="0"/>
-              </a:rPr>
-              <a:t> ${</a:t>
-            </a:r>
-            <a:r>
-              <a:rPr lang="en-US" sz="900" dirty="0" err="1">
-                <a:latin typeface="Courier New" panose="02070309020205020404" pitchFamily="49" charset="0"/>
-                <a:cs typeface="Courier New" panose="02070309020205020404" pitchFamily="49" charset="0"/>
-              </a:rPr>
-              <a:t>vmAdminUserName</a:t>
-            </a:r>
-            <a:r>
-              <a:rPr lang="en-US" sz="900" dirty="0">
-                <a:latin typeface="Courier New" panose="02070309020205020404" pitchFamily="49" charset="0"/>
-                <a:cs typeface="Courier New" panose="02070309020205020404" pitchFamily="49" charset="0"/>
-              </a:rPr>
-              <a:t>}@${vmMachineFqdn}"</a:t>
-            </a:r>
-          </a:p>
-          <a:p>
-            <a:pPr marL="0" indent="0">
-              <a:buNone/>
-            </a:pPr>
-            <a:endParaRPr lang="en-US" sz="900" dirty="0">
-              <a:latin typeface="Courier New" panose="02070309020205020404" pitchFamily="49" charset="0"/>
-              <a:cs typeface="Courier New" panose="02070309020205020404" pitchFamily="49" charset="0"/>
-            </a:endParaRPr>
           </a:p>
         </p:txBody>
       </p:sp>
     </p:spTree>
     <p:extLst>
       <p:ext uri="{BB962C8B-B14F-4D97-AF65-F5344CB8AC3E}">
-        <p14:creationId xmlns:p14="http://schemas.microsoft.com/office/powerpoint/2010/main" val="594562726"/>
+        <p14:creationId xmlns:p14="http://schemas.microsoft.com/office/powerpoint/2010/main" val="1857349798"/>
       </p:ext>
     </p:extLst>
   </p:cSld>
@@ -7212,7 +6852,7 @@
         </p:nvSpPr>
         <p:spPr>
           <a:xfrm>
-            <a:off x="838199" y="1430767"/>
+            <a:off x="838200" y="1252632"/>
             <a:ext cx="10844605" cy="5249732"/>
           </a:xfrm>
         </p:spPr>
@@ -7230,26 +6870,26 @@
                 <a:latin typeface="Courier New" panose="02070309020205020404" pitchFamily="49" charset="0"/>
                 <a:cs typeface="Courier New" panose="02070309020205020404" pitchFamily="49" charset="0"/>
               </a:rPr>
-              <a:t>deviceid</a:t>
-            </a:r>
-            <a:r>
-              <a:rPr lang="en-US" sz="900" dirty="0">
-                <a:latin typeface="Courier New" panose="02070309020205020404" pitchFamily="49" charset="0"/>
-                <a:cs typeface="Courier New" panose="02070309020205020404" pitchFamily="49" charset="0"/>
-              </a:rPr>
-              <a:t>="asset1"</a:t>
-            </a:r>
-          </a:p>
-          <a:p>
-            <a:pPr marL="0" indent="0">
-              <a:buNone/>
-            </a:pPr>
-            <a:r>
-              <a:rPr lang="en-US" sz="900" dirty="0" err="1">
-                <a:latin typeface="Courier New" panose="02070309020205020404" pitchFamily="49" charset="0"/>
-                <a:cs typeface="Courier New" panose="02070309020205020404" pitchFamily="49" charset="0"/>
-              </a:rPr>
-              <a:t>devicetemplate</a:t>
+              <a:t>instanceid</a:t>
+            </a:r>
+            <a:r>
+              <a:rPr lang="en-US" sz="900" dirty="0">
+                <a:latin typeface="Courier New" panose="02070309020205020404" pitchFamily="49" charset="0"/>
+                <a:cs typeface="Courier New" panose="02070309020205020404" pitchFamily="49" charset="0"/>
+              </a:rPr>
+              <a:t>="111111"</a:t>
+            </a:r>
+          </a:p>
+          <a:p>
+            <a:pPr marL="0" indent="0">
+              <a:buNone/>
+            </a:pPr>
+            <a:r>
+              <a:rPr lang="en-US" sz="900" dirty="0" err="1">
+                <a:latin typeface="Courier New" panose="02070309020205020404" pitchFamily="49" charset="0"/>
+                <a:cs typeface="Courier New" panose="02070309020205020404" pitchFamily="49" charset="0"/>
+              </a:rPr>
+              <a:t>rgname</a:t>
             </a:r>
             <a:r>
               <a:rPr lang="en-US" sz="900" dirty="0">
@@ -7263,7 +6903,7 @@
                 <a:latin typeface="Courier New" panose="02070309020205020404" pitchFamily="49" charset="0"/>
                 <a:cs typeface="Courier New" panose="02070309020205020404" pitchFamily="49" charset="0"/>
               </a:rPr>
-              <a:t>BoltMaker</a:t>
+              <a:t>iotcoeehol</a:t>
             </a:r>
             <a:r>
               <a:rPr lang="en-US" sz="900" dirty="0">
@@ -7282,43 +6922,67 @@
                 <a:latin typeface="Courier New" panose="02070309020205020404" pitchFamily="49" charset="0"/>
                 <a:cs typeface="Courier New" panose="02070309020205020404" pitchFamily="49" charset="0"/>
               </a:rPr>
-              <a:t>devicetemplateid</a:t>
-            </a:r>
-            <a:r>
-              <a:rPr lang="en-US" sz="900" dirty="0">
-                <a:latin typeface="Courier New" panose="02070309020205020404" pitchFamily="49" charset="0"/>
-                <a:cs typeface="Courier New" panose="02070309020205020404" pitchFamily="49" charset="0"/>
-              </a:rPr>
-              <a:t>=($(</a:t>
-            </a:r>
-            <a:r>
-              <a:rPr lang="en-US" sz="900" dirty="0" err="1">
-                <a:latin typeface="Courier New" panose="02070309020205020404" pitchFamily="49" charset="0"/>
-                <a:cs typeface="Courier New" panose="02070309020205020404" pitchFamily="49" charset="0"/>
-              </a:rPr>
-              <a:t>az</a:t>
-            </a:r>
-            <a:r>
-              <a:rPr lang="en-US" sz="900" dirty="0">
-                <a:latin typeface="Courier New" panose="02070309020205020404" pitchFamily="49" charset="0"/>
-                <a:cs typeface="Courier New" panose="02070309020205020404" pitchFamily="49" charset="0"/>
-              </a:rPr>
-              <a:t> </a:t>
-            </a:r>
-            <a:r>
-              <a:rPr lang="en-US" sz="900" dirty="0" err="1">
-                <a:latin typeface="Courier New" panose="02070309020205020404" pitchFamily="49" charset="0"/>
-                <a:cs typeface="Courier New" panose="02070309020205020404" pitchFamily="49" charset="0"/>
-              </a:rPr>
-              <a:t>iot</a:t>
-            </a:r>
-            <a:r>
-              <a:rPr lang="en-US" sz="900" dirty="0">
-                <a:latin typeface="Courier New" panose="02070309020205020404" pitchFamily="49" charset="0"/>
-                <a:cs typeface="Courier New" panose="02070309020205020404" pitchFamily="49" charset="0"/>
-              </a:rPr>
-              <a:t> central device-template list --app-id $</a:t>
-            </a:r>
+              <a:t>regionname</a:t>
+            </a:r>
+            <a:r>
+              <a:rPr lang="en-US" sz="900" dirty="0">
+                <a:latin typeface="Courier New" panose="02070309020205020404" pitchFamily="49" charset="0"/>
+                <a:cs typeface="Courier New" panose="02070309020205020404" pitchFamily="49" charset="0"/>
+              </a:rPr>
+              <a:t>="eastus2"</a:t>
+            </a:r>
+          </a:p>
+          <a:p>
+            <a:pPr marL="0" indent="0">
+              <a:buNone/>
+            </a:pPr>
+            <a:r>
+              <a:rPr lang="en-US" sz="900" dirty="0" err="1">
+                <a:latin typeface="Courier New" panose="02070309020205020404" pitchFamily="49" charset="0"/>
+                <a:cs typeface="Courier New" panose="02070309020205020404" pitchFamily="49" charset="0"/>
+              </a:rPr>
+              <a:t>appname</a:t>
+            </a:r>
+            <a:r>
+              <a:rPr lang="en-US" sz="900" dirty="0">
+                <a:latin typeface="Courier New" panose="02070309020205020404" pitchFamily="49" charset="0"/>
+                <a:cs typeface="Courier New" panose="02070309020205020404" pitchFamily="49" charset="0"/>
+              </a:rPr>
+              <a:t>="</a:t>
+            </a:r>
+            <a:r>
+              <a:rPr lang="en-US" sz="900" dirty="0" err="1">
+                <a:latin typeface="Courier New" panose="02070309020205020404" pitchFamily="49" charset="0"/>
+                <a:cs typeface="Courier New" panose="02070309020205020404" pitchFamily="49" charset="0"/>
+              </a:rPr>
+              <a:t>iotcoee</a:t>
+            </a:r>
+            <a:r>
+              <a:rPr lang="en-US" sz="900" dirty="0">
+                <a:latin typeface="Courier New" panose="02070309020205020404" pitchFamily="49" charset="0"/>
+                <a:cs typeface="Courier New" panose="02070309020205020404" pitchFamily="49" charset="0"/>
+              </a:rPr>
+              <a:t>-$</a:t>
+            </a:r>
+            <a:r>
+              <a:rPr lang="en-US" sz="900" dirty="0" err="1">
+                <a:latin typeface="Courier New" panose="02070309020205020404" pitchFamily="49" charset="0"/>
+                <a:cs typeface="Courier New" panose="02070309020205020404" pitchFamily="49" charset="0"/>
+              </a:rPr>
+              <a:t>instanceid</a:t>
+            </a:r>
+            <a:r>
+              <a:rPr lang="en-US" sz="900" dirty="0">
+                <a:latin typeface="Courier New" panose="02070309020205020404" pitchFamily="49" charset="0"/>
+                <a:cs typeface="Courier New" panose="02070309020205020404" pitchFamily="49" charset="0"/>
+              </a:rPr>
+              <a:t>"</a:t>
+            </a:r>
+          </a:p>
+          <a:p>
+            <a:pPr marL="0" indent="0">
+              <a:buNone/>
+            </a:pPr>
             <a:r>
               <a:rPr lang="en-US" sz="900" dirty="0" err="1">
                 <a:latin typeface="Courier New" panose="02070309020205020404" pitchFamily="49" charset="0"/>
@@ -7331,118 +6995,60 @@
                 <a:latin typeface="Courier New" panose="02070309020205020404" pitchFamily="49" charset="0"/>
                 <a:cs typeface="Courier New" panose="02070309020205020404" pitchFamily="49" charset="0"/>
               </a:rPr>
-              <a:t> --compact --query "[?</a:t>
-            </a:r>
-            <a:r>
-              <a:rPr lang="en-US" sz="900" dirty="0" err="1">
-                <a:latin typeface="Courier New" panose="02070309020205020404" pitchFamily="49" charset="0"/>
-                <a:cs typeface="Courier New" panose="02070309020205020404" pitchFamily="49" charset="0"/>
-              </a:rPr>
-              <a:t>displayName.contains</a:t>
-            </a:r>
-            <a:r>
-              <a:rPr lang="en-US" sz="900" dirty="0">
-                <a:latin typeface="Courier New" panose="02070309020205020404" pitchFamily="49" charset="0"/>
-                <a:cs typeface="Courier New" panose="02070309020205020404" pitchFamily="49" charset="0"/>
-              </a:rPr>
-              <a:t>(@, '$</a:t>
-            </a:r>
-            <a:r>
-              <a:rPr lang="en-US" sz="900" dirty="0" err="1">
-                <a:latin typeface="Courier New" panose="02070309020205020404" pitchFamily="49" charset="0"/>
-                <a:cs typeface="Courier New" panose="02070309020205020404" pitchFamily="49" charset="0"/>
-              </a:rPr>
-              <a:t>devicetemplate</a:t>
-            </a:r>
-            <a:r>
-              <a:rPr lang="en-US" sz="900" dirty="0">
-                <a:latin typeface="Courier New" panose="02070309020205020404" pitchFamily="49" charset="0"/>
-                <a:cs typeface="Courier New" panose="02070309020205020404" pitchFamily="49" charset="0"/>
-              </a:rPr>
-              <a:t>')].\"@id\"" -o </a:t>
-            </a:r>
-            <a:r>
-              <a:rPr lang="en-US" sz="900" dirty="0" err="1">
-                <a:latin typeface="Courier New" panose="02070309020205020404" pitchFamily="49" charset="0"/>
-                <a:cs typeface="Courier New" panose="02070309020205020404" pitchFamily="49" charset="0"/>
-              </a:rPr>
-              <a:t>tsv</a:t>
-            </a:r>
-            <a:r>
-              <a:rPr lang="en-US" sz="900" dirty="0">
-                <a:latin typeface="Courier New" panose="02070309020205020404" pitchFamily="49" charset="0"/>
-                <a:cs typeface="Courier New" panose="02070309020205020404" pitchFamily="49" charset="0"/>
-              </a:rPr>
-              <a:t>))</a:t>
-            </a:r>
-          </a:p>
-          <a:p>
-            <a:pPr marL="0" indent="0">
-              <a:buNone/>
-            </a:pPr>
-            <a:r>
-              <a:rPr lang="en-US" sz="900" dirty="0" err="1">
-                <a:latin typeface="Courier New" panose="02070309020205020404" pitchFamily="49" charset="0"/>
-                <a:cs typeface="Courier New" panose="02070309020205020404" pitchFamily="49" charset="0"/>
-              </a:rPr>
-              <a:t>az</a:t>
-            </a:r>
-            <a:r>
-              <a:rPr lang="en-US" sz="900" dirty="0">
-                <a:latin typeface="Courier New" panose="02070309020205020404" pitchFamily="49" charset="0"/>
-                <a:cs typeface="Courier New" panose="02070309020205020404" pitchFamily="49" charset="0"/>
-              </a:rPr>
-              <a:t> </a:t>
-            </a:r>
-            <a:r>
-              <a:rPr lang="en-US" sz="900" dirty="0" err="1">
-                <a:latin typeface="Courier New" panose="02070309020205020404" pitchFamily="49" charset="0"/>
-                <a:cs typeface="Courier New" panose="02070309020205020404" pitchFamily="49" charset="0"/>
-              </a:rPr>
-              <a:t>iot</a:t>
-            </a:r>
-            <a:r>
-              <a:rPr lang="en-US" sz="900" dirty="0">
-                <a:latin typeface="Courier New" panose="02070309020205020404" pitchFamily="49" charset="0"/>
-                <a:cs typeface="Courier New" panose="02070309020205020404" pitchFamily="49" charset="0"/>
-              </a:rPr>
-              <a:t> central device create --app-id $</a:t>
-            </a:r>
-            <a:r>
-              <a:rPr lang="en-US" sz="900" dirty="0" err="1">
-                <a:latin typeface="Courier New" panose="02070309020205020404" pitchFamily="49" charset="0"/>
-                <a:cs typeface="Courier New" panose="02070309020205020404" pitchFamily="49" charset="0"/>
-              </a:rPr>
-              <a:t>appid</a:t>
-            </a:r>
-            <a:r>
-              <a:rPr lang="en-US" sz="900" dirty="0">
-                <a:latin typeface="Courier New" panose="02070309020205020404" pitchFamily="49" charset="0"/>
-                <a:cs typeface="Courier New" panose="02070309020205020404" pitchFamily="49" charset="0"/>
-              </a:rPr>
-              <a:t> --device-id $</a:t>
-            </a:r>
-            <a:r>
-              <a:rPr lang="en-US" sz="900" dirty="0" err="1">
-                <a:latin typeface="Courier New" panose="02070309020205020404" pitchFamily="49" charset="0"/>
-                <a:cs typeface="Courier New" panose="02070309020205020404" pitchFamily="49" charset="0"/>
-              </a:rPr>
-              <a:t>deviceid</a:t>
-            </a:r>
-            <a:r>
-              <a:rPr lang="en-US" sz="900" dirty="0">
-                <a:latin typeface="Courier New" panose="02070309020205020404" pitchFamily="49" charset="0"/>
-                <a:cs typeface="Courier New" panose="02070309020205020404" pitchFamily="49" charset="0"/>
-              </a:rPr>
-              <a:t> --template $</a:t>
-            </a:r>
-            <a:r>
-              <a:rPr lang="en-US" sz="900" dirty="0" err="1">
-                <a:latin typeface="Courier New" panose="02070309020205020404" pitchFamily="49" charset="0"/>
-                <a:cs typeface="Courier New" panose="02070309020205020404" pitchFamily="49" charset="0"/>
-              </a:rPr>
-              <a:t>devicetemplateid</a:t>
-            </a:r>
+              <a:t>="4d4e578b-d125-4f14-a7f9-55a276ac0851"</a:t>
+            </a:r>
+          </a:p>
+          <a:p>
+            <a:pPr marL="0" indent="0">
+              <a:buNone/>
+            </a:pPr>
+            <a:r>
+              <a:rPr lang="en-US" sz="900" dirty="0" err="1">
+                <a:latin typeface="Courier New" panose="02070309020205020404" pitchFamily="49" charset="0"/>
+                <a:cs typeface="Courier New" panose="02070309020205020404" pitchFamily="49" charset="0"/>
+              </a:rPr>
+              <a:t>networkName</a:t>
+            </a:r>
+            <a:r>
+              <a:rPr lang="en-US" sz="900" dirty="0">
+                <a:latin typeface="Courier New" panose="02070309020205020404" pitchFamily="49" charset="0"/>
+                <a:cs typeface="Courier New" panose="02070309020205020404" pitchFamily="49" charset="0"/>
+              </a:rPr>
+              <a:t>="</a:t>
+            </a:r>
+            <a:r>
+              <a:rPr lang="en-US" sz="900" dirty="0" err="1">
+                <a:latin typeface="Courier New" panose="02070309020205020404" pitchFamily="49" charset="0"/>
+                <a:cs typeface="Courier New" panose="02070309020205020404" pitchFamily="49" charset="0"/>
+              </a:rPr>
+              <a:t>iiothol</a:t>
+            </a:r>
+            <a:r>
+              <a:rPr lang="en-US" sz="900" dirty="0">
+                <a:latin typeface="Courier New" panose="02070309020205020404" pitchFamily="49" charset="0"/>
+                <a:cs typeface="Courier New" panose="02070309020205020404" pitchFamily="49" charset="0"/>
+              </a:rPr>
+              <a:t>-network-$</a:t>
+            </a:r>
+            <a:r>
+              <a:rPr lang="en-US" sz="900" dirty="0" err="1">
+                <a:latin typeface="Courier New" panose="02070309020205020404" pitchFamily="49" charset="0"/>
+                <a:cs typeface="Courier New" panose="02070309020205020404" pitchFamily="49" charset="0"/>
+              </a:rPr>
+              <a:t>instanceid</a:t>
+            </a:r>
+            <a:r>
+              <a:rPr lang="en-US" sz="900" dirty="0">
+                <a:latin typeface="Courier New" panose="02070309020205020404" pitchFamily="49" charset="0"/>
+                <a:cs typeface="Courier New" panose="02070309020205020404" pitchFamily="49" charset="0"/>
+              </a:rPr>
+              <a:t>"</a:t>
+            </a:r>
+          </a:p>
+          <a:p>
+            <a:pPr marL="0" indent="0">
+              <a:buNone/>
+            </a:pPr>
             <a:endParaRPr lang="en-US" sz="900" dirty="0">
               <a:latin typeface="Courier New" panose="02070309020205020404" pitchFamily="49" charset="0"/>
               <a:cs typeface="Courier New" panose="02070309020205020404" pitchFamily="49" charset="0"/>
@@ -7466,201 +7072,115 @@
                 <a:latin typeface="Courier New" panose="02070309020205020404" pitchFamily="49" charset="0"/>
                 <a:cs typeface="Courier New" panose="02070309020205020404" pitchFamily="49" charset="0"/>
               </a:rPr>
-              <a:t>scopeid</a:t>
-            </a:r>
-            <a:r>
-              <a:rPr lang="en-US" sz="900" dirty="0">
-                <a:latin typeface="Courier New" panose="02070309020205020404" pitchFamily="49" charset="0"/>
-                <a:cs typeface="Courier New" panose="02070309020205020404" pitchFamily="49" charset="0"/>
-              </a:rPr>
-              <a:t>=($(</a:t>
-            </a:r>
-            <a:r>
-              <a:rPr lang="en-US" sz="900" dirty="0" err="1">
-                <a:latin typeface="Courier New" panose="02070309020205020404" pitchFamily="49" charset="0"/>
-                <a:cs typeface="Courier New" panose="02070309020205020404" pitchFamily="49" charset="0"/>
-              </a:rPr>
-              <a:t>az</a:t>
-            </a:r>
-            <a:r>
-              <a:rPr lang="en-US" sz="900" dirty="0">
-                <a:latin typeface="Courier New" panose="02070309020205020404" pitchFamily="49" charset="0"/>
-                <a:cs typeface="Courier New" panose="02070309020205020404" pitchFamily="49" charset="0"/>
-              </a:rPr>
-              <a:t> </a:t>
-            </a:r>
-            <a:r>
-              <a:rPr lang="en-US" sz="900" dirty="0" err="1">
-                <a:latin typeface="Courier New" panose="02070309020205020404" pitchFamily="49" charset="0"/>
-                <a:cs typeface="Courier New" panose="02070309020205020404" pitchFamily="49" charset="0"/>
-              </a:rPr>
-              <a:t>iot</a:t>
-            </a:r>
-            <a:r>
-              <a:rPr lang="en-US" sz="900" dirty="0">
-                <a:latin typeface="Courier New" panose="02070309020205020404" pitchFamily="49" charset="0"/>
-                <a:cs typeface="Courier New" panose="02070309020205020404" pitchFamily="49" charset="0"/>
-              </a:rPr>
-              <a:t> central device show-credentials --app-id $</a:t>
-            </a:r>
-            <a:r>
-              <a:rPr lang="en-US" sz="900" dirty="0" err="1">
-                <a:latin typeface="Courier New" panose="02070309020205020404" pitchFamily="49" charset="0"/>
-                <a:cs typeface="Courier New" panose="02070309020205020404" pitchFamily="49" charset="0"/>
-              </a:rPr>
-              <a:t>appid</a:t>
-            </a:r>
-            <a:r>
-              <a:rPr lang="en-US" sz="900" dirty="0">
-                <a:latin typeface="Courier New" panose="02070309020205020404" pitchFamily="49" charset="0"/>
-                <a:cs typeface="Courier New" panose="02070309020205020404" pitchFamily="49" charset="0"/>
-              </a:rPr>
-              <a:t> --device-id $</a:t>
-            </a:r>
-            <a:r>
-              <a:rPr lang="en-US" sz="900" dirty="0" err="1">
-                <a:latin typeface="Courier New" panose="02070309020205020404" pitchFamily="49" charset="0"/>
-                <a:cs typeface="Courier New" panose="02070309020205020404" pitchFamily="49" charset="0"/>
-              </a:rPr>
-              <a:t>deviceid</a:t>
-            </a:r>
-            <a:r>
-              <a:rPr lang="en-US" sz="900" dirty="0">
-                <a:latin typeface="Courier New" panose="02070309020205020404" pitchFamily="49" charset="0"/>
-                <a:cs typeface="Courier New" panose="02070309020205020404" pitchFamily="49" charset="0"/>
-              </a:rPr>
-              <a:t> --query "</a:t>
-            </a:r>
-            <a:r>
-              <a:rPr lang="en-US" sz="900" dirty="0" err="1">
-                <a:latin typeface="Courier New" panose="02070309020205020404" pitchFamily="49" charset="0"/>
-                <a:cs typeface="Courier New" panose="02070309020205020404" pitchFamily="49" charset="0"/>
-              </a:rPr>
-              <a:t>idScope</a:t>
-            </a:r>
-            <a:r>
-              <a:rPr lang="en-US" sz="900" dirty="0">
-                <a:latin typeface="Courier New" panose="02070309020205020404" pitchFamily="49" charset="0"/>
-                <a:cs typeface="Courier New" panose="02070309020205020404" pitchFamily="49" charset="0"/>
-              </a:rPr>
-              <a:t>" -o </a:t>
-            </a:r>
-            <a:r>
-              <a:rPr lang="en-US" sz="900" dirty="0" err="1">
-                <a:latin typeface="Courier New" panose="02070309020205020404" pitchFamily="49" charset="0"/>
-                <a:cs typeface="Courier New" panose="02070309020205020404" pitchFamily="49" charset="0"/>
-              </a:rPr>
-              <a:t>tsv</a:t>
-            </a:r>
-            <a:r>
-              <a:rPr lang="en-US" sz="900" dirty="0">
-                <a:latin typeface="Courier New" panose="02070309020205020404" pitchFamily="49" charset="0"/>
-                <a:cs typeface="Courier New" panose="02070309020205020404" pitchFamily="49" charset="0"/>
-              </a:rPr>
-              <a:t>))</a:t>
-            </a:r>
-          </a:p>
-          <a:p>
-            <a:pPr marL="0" indent="0">
-              <a:buNone/>
-            </a:pPr>
-            <a:r>
-              <a:rPr lang="en-US" sz="900" dirty="0" err="1">
-                <a:latin typeface="Courier New" panose="02070309020205020404" pitchFamily="49" charset="0"/>
-                <a:cs typeface="Courier New" panose="02070309020205020404" pitchFamily="49" charset="0"/>
-              </a:rPr>
-              <a:t>devicekey</a:t>
-            </a:r>
-            <a:r>
-              <a:rPr lang="en-US" sz="900" dirty="0">
-                <a:latin typeface="Courier New" panose="02070309020205020404" pitchFamily="49" charset="0"/>
-                <a:cs typeface="Courier New" panose="02070309020205020404" pitchFamily="49" charset="0"/>
-              </a:rPr>
-              <a:t>=($(</a:t>
-            </a:r>
-            <a:r>
-              <a:rPr lang="en-US" sz="900" dirty="0" err="1">
-                <a:latin typeface="Courier New" panose="02070309020205020404" pitchFamily="49" charset="0"/>
-                <a:cs typeface="Courier New" panose="02070309020205020404" pitchFamily="49" charset="0"/>
-              </a:rPr>
-              <a:t>az</a:t>
-            </a:r>
-            <a:r>
-              <a:rPr lang="en-US" sz="900" dirty="0">
-                <a:latin typeface="Courier New" panose="02070309020205020404" pitchFamily="49" charset="0"/>
-                <a:cs typeface="Courier New" panose="02070309020205020404" pitchFamily="49" charset="0"/>
-              </a:rPr>
-              <a:t> </a:t>
-            </a:r>
-            <a:r>
-              <a:rPr lang="en-US" sz="900" dirty="0" err="1">
-                <a:latin typeface="Courier New" panose="02070309020205020404" pitchFamily="49" charset="0"/>
-                <a:cs typeface="Courier New" panose="02070309020205020404" pitchFamily="49" charset="0"/>
-              </a:rPr>
-              <a:t>iot</a:t>
-            </a:r>
-            <a:r>
-              <a:rPr lang="en-US" sz="900" dirty="0">
-                <a:latin typeface="Courier New" panose="02070309020205020404" pitchFamily="49" charset="0"/>
-                <a:cs typeface="Courier New" panose="02070309020205020404" pitchFamily="49" charset="0"/>
-              </a:rPr>
-              <a:t> central device show-credentials --app-id $</a:t>
-            </a:r>
-            <a:r>
-              <a:rPr lang="en-US" sz="900" dirty="0" err="1">
-                <a:latin typeface="Courier New" panose="02070309020205020404" pitchFamily="49" charset="0"/>
-                <a:cs typeface="Courier New" panose="02070309020205020404" pitchFamily="49" charset="0"/>
-              </a:rPr>
-              <a:t>appid</a:t>
-            </a:r>
-            <a:r>
-              <a:rPr lang="en-US" sz="900" dirty="0">
-                <a:latin typeface="Courier New" panose="02070309020205020404" pitchFamily="49" charset="0"/>
-                <a:cs typeface="Courier New" panose="02070309020205020404" pitchFamily="49" charset="0"/>
-              </a:rPr>
-              <a:t> --device-id $</a:t>
-            </a:r>
-            <a:r>
-              <a:rPr lang="en-US" sz="900" dirty="0" err="1">
-                <a:latin typeface="Courier New" panose="02070309020205020404" pitchFamily="49" charset="0"/>
-                <a:cs typeface="Courier New" panose="02070309020205020404" pitchFamily="49" charset="0"/>
-              </a:rPr>
-              <a:t>deviceid</a:t>
-            </a:r>
-            <a:r>
-              <a:rPr lang="en-US" sz="900" dirty="0">
-                <a:latin typeface="Courier New" panose="02070309020205020404" pitchFamily="49" charset="0"/>
-                <a:cs typeface="Courier New" panose="02070309020205020404" pitchFamily="49" charset="0"/>
-              </a:rPr>
-              <a:t> --query "</a:t>
-            </a:r>
-            <a:r>
-              <a:rPr lang="en-US" sz="900" dirty="0" err="1">
-                <a:latin typeface="Courier New" panose="02070309020205020404" pitchFamily="49" charset="0"/>
-                <a:cs typeface="Courier New" panose="02070309020205020404" pitchFamily="49" charset="0"/>
-              </a:rPr>
-              <a:t>symmetricKey.primaryKey</a:t>
-            </a:r>
-            <a:r>
-              <a:rPr lang="en-US" sz="900" dirty="0">
-                <a:latin typeface="Courier New" panose="02070309020205020404" pitchFamily="49" charset="0"/>
-                <a:cs typeface="Courier New" panose="02070309020205020404" pitchFamily="49" charset="0"/>
-              </a:rPr>
-              <a:t>" -o </a:t>
-            </a:r>
-            <a:r>
-              <a:rPr lang="en-US" sz="900" dirty="0" err="1">
-                <a:latin typeface="Courier New" panose="02070309020205020404" pitchFamily="49" charset="0"/>
-                <a:cs typeface="Courier New" panose="02070309020205020404" pitchFamily="49" charset="0"/>
-              </a:rPr>
-              <a:t>tsv</a:t>
-            </a:r>
-            <a:r>
-              <a:rPr lang="en-US" sz="900" dirty="0">
-                <a:latin typeface="Courier New" panose="02070309020205020404" pitchFamily="49" charset="0"/>
-                <a:cs typeface="Courier New" panose="02070309020205020404" pitchFamily="49" charset="0"/>
-              </a:rPr>
-              <a:t>))</a:t>
+              <a:t>simVMMachineName</a:t>
+            </a:r>
+            <a:r>
+              <a:rPr lang="en-US" sz="900" dirty="0">
+                <a:latin typeface="Courier New" panose="02070309020205020404" pitchFamily="49" charset="0"/>
+                <a:cs typeface="Courier New" panose="02070309020205020404" pitchFamily="49" charset="0"/>
+              </a:rPr>
+              <a:t>="</a:t>
+            </a:r>
+            <a:r>
+              <a:rPr lang="en-US" sz="900" dirty="0" err="1">
+                <a:latin typeface="Courier New" panose="02070309020205020404" pitchFamily="49" charset="0"/>
+                <a:cs typeface="Courier New" panose="02070309020205020404" pitchFamily="49" charset="0"/>
+              </a:rPr>
+              <a:t>iiotholsimvm</a:t>
+            </a:r>
+            <a:r>
+              <a:rPr lang="en-US" sz="900" dirty="0">
+                <a:latin typeface="Courier New" panose="02070309020205020404" pitchFamily="49" charset="0"/>
+                <a:cs typeface="Courier New" panose="02070309020205020404" pitchFamily="49" charset="0"/>
+              </a:rPr>
+              <a:t>-$</a:t>
+            </a:r>
+            <a:r>
+              <a:rPr lang="en-US" sz="900" dirty="0" err="1">
+                <a:latin typeface="Courier New" panose="02070309020205020404" pitchFamily="49" charset="0"/>
+                <a:cs typeface="Courier New" panose="02070309020205020404" pitchFamily="49" charset="0"/>
+              </a:rPr>
+              <a:t>instanceid</a:t>
+            </a:r>
+            <a:r>
+              <a:rPr lang="en-US" sz="900" dirty="0">
+                <a:latin typeface="Courier New" panose="02070309020205020404" pitchFamily="49" charset="0"/>
+                <a:cs typeface="Courier New" panose="02070309020205020404" pitchFamily="49" charset="0"/>
+              </a:rPr>
+              <a:t>"</a:t>
+            </a:r>
+          </a:p>
+          <a:p>
+            <a:pPr marL="0" indent="0">
+              <a:buNone/>
+            </a:pPr>
+            <a:r>
+              <a:rPr lang="en-US" sz="900" dirty="0" err="1">
+                <a:latin typeface="Courier New" panose="02070309020205020404" pitchFamily="49" charset="0"/>
+                <a:cs typeface="Courier New" panose="02070309020205020404" pitchFamily="49" charset="0"/>
+              </a:rPr>
+              <a:t>adminUserSshPublicKey</a:t>
+            </a:r>
+            <a:r>
+              <a:rPr lang="en-US" sz="900" dirty="0">
+                <a:latin typeface="Courier New" panose="02070309020205020404" pitchFamily="49" charset="0"/>
+                <a:cs typeface="Courier New" panose="02070309020205020404" pitchFamily="49" charset="0"/>
+              </a:rPr>
+              <a:t>=$(cat $(</a:t>
+            </a:r>
+            <a:r>
+              <a:rPr lang="en-US" sz="900" dirty="0" err="1">
+                <a:latin typeface="Courier New" panose="02070309020205020404" pitchFamily="49" charset="0"/>
+                <a:cs typeface="Courier New" panose="02070309020205020404" pitchFamily="49" charset="0"/>
+              </a:rPr>
+              <a:t>readlink</a:t>
+            </a:r>
+            <a:r>
+              <a:rPr lang="en-US" sz="900" dirty="0">
+                <a:latin typeface="Courier New" panose="02070309020205020404" pitchFamily="49" charset="0"/>
+                <a:cs typeface="Courier New" panose="02070309020205020404" pitchFamily="49" charset="0"/>
+              </a:rPr>
+              <a:t> -f ~/.</a:t>
+            </a:r>
+            <a:r>
+              <a:rPr lang="en-US" sz="900" dirty="0" err="1">
+                <a:latin typeface="Courier New" panose="02070309020205020404" pitchFamily="49" charset="0"/>
+                <a:cs typeface="Courier New" panose="02070309020205020404" pitchFamily="49" charset="0"/>
+              </a:rPr>
+              <a:t>ssh</a:t>
+            </a:r>
+            <a:r>
+              <a:rPr lang="en-US" sz="900" dirty="0">
+                <a:latin typeface="Courier New" panose="02070309020205020404" pitchFamily="49" charset="0"/>
+                <a:cs typeface="Courier New" panose="02070309020205020404" pitchFamily="49" charset="0"/>
+              </a:rPr>
+              <a:t>/id_rsa.pub))</a:t>
+            </a:r>
+          </a:p>
+          <a:p>
+            <a:pPr marL="0" indent="0">
+              <a:buNone/>
+            </a:pPr>
+            <a:r>
+              <a:rPr lang="en-US" sz="900" dirty="0">
+                <a:latin typeface="Courier New" panose="02070309020205020404" pitchFamily="49" charset="0"/>
+                <a:cs typeface="Courier New" panose="02070309020205020404" pitchFamily="49" charset="0"/>
+              </a:rPr>
+              <a:t>echo "Creating virtual machine $</a:t>
+            </a:r>
+            <a:r>
+              <a:rPr lang="en-US" sz="900" dirty="0" err="1">
+                <a:latin typeface="Courier New" panose="02070309020205020404" pitchFamily="49" charset="0"/>
+                <a:cs typeface="Courier New" panose="02070309020205020404" pitchFamily="49" charset="0"/>
+              </a:rPr>
+              <a:t>simVMMachineName</a:t>
+            </a:r>
+            <a:r>
+              <a:rPr lang="en-US" sz="900" dirty="0">
+                <a:latin typeface="Courier New" panose="02070309020205020404" pitchFamily="49" charset="0"/>
+                <a:cs typeface="Courier New" panose="02070309020205020404" pitchFamily="49" charset="0"/>
+              </a:rPr>
+              <a:t>"</a:t>
             </a:r>
           </a:p>
           <a:p>
@@ -7681,7 +7201,133 @@
                 <a:latin typeface="Courier New" panose="02070309020205020404" pitchFamily="49" charset="0"/>
                 <a:cs typeface="Courier New" panose="02070309020205020404" pitchFamily="49" charset="0"/>
               </a:rPr>
-              <a:t>edgeVMMachineName</a:t>
+              <a:t>simVMDeploymentOutput</a:t>
+            </a:r>
+            <a:r>
+              <a:rPr lang="en-US" sz="900" dirty="0">
+                <a:latin typeface="Courier New" panose="02070309020205020404" pitchFamily="49" charset="0"/>
+                <a:cs typeface="Courier New" panose="02070309020205020404" pitchFamily="49" charset="0"/>
+              </a:rPr>
+              <a:t>=($(</a:t>
+            </a:r>
+            <a:r>
+              <a:rPr lang="en-US" sz="900" dirty="0" err="1">
+                <a:latin typeface="Courier New" panose="02070309020205020404" pitchFamily="49" charset="0"/>
+                <a:cs typeface="Courier New" panose="02070309020205020404" pitchFamily="49" charset="0"/>
+              </a:rPr>
+              <a:t>az</a:t>
+            </a:r>
+            <a:r>
+              <a:rPr lang="en-US" sz="900" dirty="0">
+                <a:latin typeface="Courier New" panose="02070309020205020404" pitchFamily="49" charset="0"/>
+                <a:cs typeface="Courier New" panose="02070309020205020404" pitchFamily="49" charset="0"/>
+              </a:rPr>
+              <a:t> deployment group create --name </a:t>
+            </a:r>
+            <a:r>
+              <a:rPr lang="en-US" sz="900" dirty="0" err="1">
+                <a:latin typeface="Courier New" panose="02070309020205020404" pitchFamily="49" charset="0"/>
+                <a:cs typeface="Courier New" panose="02070309020205020404" pitchFamily="49" charset="0"/>
+              </a:rPr>
+              <a:t>SimulatorVMDeployment</a:t>
+            </a:r>
+            <a:r>
+              <a:rPr lang="en-US" sz="900" dirty="0">
+                <a:latin typeface="Courier New" panose="02070309020205020404" pitchFamily="49" charset="0"/>
+                <a:cs typeface="Courier New" panose="02070309020205020404" pitchFamily="49" charset="0"/>
+              </a:rPr>
+              <a:t> --resource-group "$</a:t>
+            </a:r>
+            <a:r>
+              <a:rPr lang="en-US" sz="900" dirty="0" err="1">
+                <a:latin typeface="Courier New" panose="02070309020205020404" pitchFamily="49" charset="0"/>
+                <a:cs typeface="Courier New" panose="02070309020205020404" pitchFamily="49" charset="0"/>
+              </a:rPr>
+              <a:t>rgname</a:t>
+            </a:r>
+            <a:r>
+              <a:rPr lang="en-US" sz="900" dirty="0">
+                <a:latin typeface="Courier New" panose="02070309020205020404" pitchFamily="49" charset="0"/>
+                <a:cs typeface="Courier New" panose="02070309020205020404" pitchFamily="49" charset="0"/>
+              </a:rPr>
+              <a:t>" --template-file "</a:t>
+            </a:r>
+            <a:r>
+              <a:rPr lang="en-US" sz="900" dirty="0" err="1">
+                <a:latin typeface="Courier New" panose="02070309020205020404" pitchFamily="49" charset="0"/>
+                <a:cs typeface="Courier New" panose="02070309020205020404" pitchFamily="49" charset="0"/>
+              </a:rPr>
+              <a:t>simVMTemplate.json</a:t>
+            </a:r>
+            <a:r>
+              <a:rPr lang="en-US" sz="900" dirty="0">
+                <a:latin typeface="Courier New" panose="02070309020205020404" pitchFamily="49" charset="0"/>
+                <a:cs typeface="Courier New" panose="02070309020205020404" pitchFamily="49" charset="0"/>
+              </a:rPr>
+              <a:t>" --parameters </a:t>
+            </a:r>
+            <a:r>
+              <a:rPr lang="en-US" sz="900" dirty="0" err="1">
+                <a:latin typeface="Courier New" panose="02070309020205020404" pitchFamily="49" charset="0"/>
+                <a:cs typeface="Courier New" panose="02070309020205020404" pitchFamily="49" charset="0"/>
+              </a:rPr>
+              <a:t>vmMachineName</a:t>
+            </a:r>
+            <a:r>
+              <a:rPr lang="en-US" sz="900" dirty="0">
+                <a:latin typeface="Courier New" panose="02070309020205020404" pitchFamily="49" charset="0"/>
+                <a:cs typeface="Courier New" panose="02070309020205020404" pitchFamily="49" charset="0"/>
+              </a:rPr>
+              <a:t>="$</a:t>
+            </a:r>
+            <a:r>
+              <a:rPr lang="en-US" sz="900" dirty="0" err="1">
+                <a:latin typeface="Courier New" panose="02070309020205020404" pitchFamily="49" charset="0"/>
+                <a:cs typeface="Courier New" panose="02070309020205020404" pitchFamily="49" charset="0"/>
+              </a:rPr>
+              <a:t>simVMMachineName</a:t>
+            </a:r>
+            <a:r>
+              <a:rPr lang="en-US" sz="900" dirty="0">
+                <a:latin typeface="Courier New" panose="02070309020205020404" pitchFamily="49" charset="0"/>
+                <a:cs typeface="Courier New" panose="02070309020205020404" pitchFamily="49" charset="0"/>
+              </a:rPr>
+              <a:t>" </a:t>
+            </a:r>
+            <a:r>
+              <a:rPr lang="en-US" sz="900" dirty="0" err="1">
+                <a:latin typeface="Courier New" panose="02070309020205020404" pitchFamily="49" charset="0"/>
+                <a:cs typeface="Courier New" panose="02070309020205020404" pitchFamily="49" charset="0"/>
+              </a:rPr>
+              <a:t>networkName</a:t>
+            </a:r>
+            <a:r>
+              <a:rPr lang="en-US" sz="900" dirty="0">
+                <a:latin typeface="Courier New" panose="02070309020205020404" pitchFamily="49" charset="0"/>
+                <a:cs typeface="Courier New" panose="02070309020205020404" pitchFamily="49" charset="0"/>
+              </a:rPr>
+              <a:t>="$</a:t>
+            </a:r>
+            <a:r>
+              <a:rPr lang="en-US" sz="900" dirty="0" err="1">
+                <a:latin typeface="Courier New" panose="02070309020205020404" pitchFamily="49" charset="0"/>
+                <a:cs typeface="Courier New" panose="02070309020205020404" pitchFamily="49" charset="0"/>
+              </a:rPr>
+              <a:t>networkName</a:t>
+            </a:r>
+            <a:r>
+              <a:rPr lang="en-US" sz="900" dirty="0">
+                <a:latin typeface="Courier New" panose="02070309020205020404" pitchFamily="49" charset="0"/>
+                <a:cs typeface="Courier New" panose="02070309020205020404" pitchFamily="49" charset="0"/>
+              </a:rPr>
+              <a:t>" </a:t>
+            </a:r>
+            <a:r>
+              <a:rPr lang="en-US" sz="900" dirty="0" err="1">
+                <a:latin typeface="Courier New" panose="02070309020205020404" pitchFamily="49" charset="0"/>
+                <a:cs typeface="Courier New" panose="02070309020205020404" pitchFamily="49" charset="0"/>
+              </a:rPr>
+              <a:t>adminUserName</a:t>
             </a:r>
             <a:r>
               <a:rPr lang="en-US" sz="900" dirty="0">
@@ -7695,34 +7341,15 @@
                 <a:latin typeface="Courier New" panose="02070309020205020404" pitchFamily="49" charset="0"/>
                 <a:cs typeface="Courier New" panose="02070309020205020404" pitchFamily="49" charset="0"/>
               </a:rPr>
-              <a:t>iiotholedgevm</a:t>
-            </a:r>
-            <a:r>
-              <a:rPr lang="en-US" sz="900" dirty="0">
-                <a:latin typeface="Courier New" panose="02070309020205020404" pitchFamily="49" charset="0"/>
-                <a:cs typeface="Courier New" panose="02070309020205020404" pitchFamily="49" charset="0"/>
-              </a:rPr>
-              <a:t>-$</a:t>
-            </a:r>
-            <a:r>
-              <a:rPr lang="en-US" sz="900" dirty="0" err="1">
-                <a:latin typeface="Courier New" panose="02070309020205020404" pitchFamily="49" charset="0"/>
-                <a:cs typeface="Courier New" panose="02070309020205020404" pitchFamily="49" charset="0"/>
-              </a:rPr>
-              <a:t>instanceid</a:t>
-            </a:r>
-            <a:r>
-              <a:rPr lang="en-US" sz="900" dirty="0">
-                <a:latin typeface="Courier New" panose="02070309020205020404" pitchFamily="49" charset="0"/>
-                <a:cs typeface="Courier New" panose="02070309020205020404" pitchFamily="49" charset="0"/>
-              </a:rPr>
-              <a:t>“</a:t>
-            </a:r>
-          </a:p>
-          <a:p>
-            <a:pPr marL="0" indent="0">
-              <a:buNone/>
-            </a:pPr>
+              <a:t>azureuser</a:t>
+            </a:r>
+            <a:r>
+              <a:rPr lang="en-US" sz="900" dirty="0">
+                <a:latin typeface="Courier New" panose="02070309020205020404" pitchFamily="49" charset="0"/>
+                <a:cs typeface="Courier New" panose="02070309020205020404" pitchFamily="49" charset="0"/>
+              </a:rPr>
+              <a:t>" </a:t>
+            </a:r>
             <a:r>
               <a:rPr lang="en-US" sz="900" dirty="0" err="1">
                 <a:latin typeface="Courier New" panose="02070309020205020404" pitchFamily="49" charset="0"/>
@@ -7735,149 +7362,6 @@
                 <a:latin typeface="Courier New" panose="02070309020205020404" pitchFamily="49" charset="0"/>
                 <a:cs typeface="Courier New" panose="02070309020205020404" pitchFamily="49" charset="0"/>
               </a:rPr>
-              <a:t>=$(cat $(</a:t>
-            </a:r>
-            <a:r>
-              <a:rPr lang="en-US" sz="900" dirty="0" err="1">
-                <a:latin typeface="Courier New" panose="02070309020205020404" pitchFamily="49" charset="0"/>
-                <a:cs typeface="Courier New" panose="02070309020205020404" pitchFamily="49" charset="0"/>
-              </a:rPr>
-              <a:t>readlink</a:t>
-            </a:r>
-            <a:r>
-              <a:rPr lang="en-US" sz="900" dirty="0">
-                <a:latin typeface="Courier New" panose="02070309020205020404" pitchFamily="49" charset="0"/>
-                <a:cs typeface="Courier New" panose="02070309020205020404" pitchFamily="49" charset="0"/>
-              </a:rPr>
-              <a:t> -f ~/.</a:t>
-            </a:r>
-            <a:r>
-              <a:rPr lang="en-US" sz="900" dirty="0" err="1">
-                <a:latin typeface="Courier New" panose="02070309020205020404" pitchFamily="49" charset="0"/>
-                <a:cs typeface="Courier New" panose="02070309020205020404" pitchFamily="49" charset="0"/>
-              </a:rPr>
-              <a:t>ssh</a:t>
-            </a:r>
-            <a:r>
-              <a:rPr lang="en-US" sz="900" dirty="0">
-                <a:latin typeface="Courier New" panose="02070309020205020404" pitchFamily="49" charset="0"/>
-                <a:cs typeface="Courier New" panose="02070309020205020404" pitchFamily="49" charset="0"/>
-              </a:rPr>
-              <a:t>/id_rsa.pub))</a:t>
-            </a:r>
-          </a:p>
-          <a:p>
-            <a:pPr marL="0" indent="0">
-              <a:buNone/>
-            </a:pPr>
-            <a:r>
-              <a:rPr lang="en-US" sz="900" dirty="0">
-                <a:latin typeface="Courier New" panose="02070309020205020404" pitchFamily="49" charset="0"/>
-                <a:cs typeface="Courier New" panose="02070309020205020404" pitchFamily="49" charset="0"/>
-              </a:rPr>
-              <a:t>echo "Creating virtual machine $</a:t>
-            </a:r>
-            <a:r>
-              <a:rPr lang="en-US" sz="900" dirty="0" err="1">
-                <a:latin typeface="Courier New" panose="02070309020205020404" pitchFamily="49" charset="0"/>
-                <a:cs typeface="Courier New" panose="02070309020205020404" pitchFamily="49" charset="0"/>
-              </a:rPr>
-              <a:t>edgeVMMachineName</a:t>
-            </a:r>
-            <a:r>
-              <a:rPr lang="en-US" sz="900" dirty="0">
-                <a:latin typeface="Courier New" panose="02070309020205020404" pitchFamily="49" charset="0"/>
-                <a:cs typeface="Courier New" panose="02070309020205020404" pitchFamily="49" charset="0"/>
-              </a:rPr>
-              <a:t>"</a:t>
-            </a:r>
-          </a:p>
-          <a:p>
-            <a:pPr marL="0" indent="0">
-              <a:buNone/>
-            </a:pPr>
-            <a:r>
-              <a:rPr lang="en-US" sz="900" dirty="0" err="1">
-                <a:latin typeface="Courier New" panose="02070309020205020404" pitchFamily="49" charset="0"/>
-                <a:cs typeface="Courier New" panose="02070309020205020404" pitchFamily="49" charset="0"/>
-              </a:rPr>
-              <a:t>edgeVMDeploymentOutput</a:t>
-            </a:r>
-            <a:r>
-              <a:rPr lang="en-US" sz="900" dirty="0">
-                <a:latin typeface="Courier New" panose="02070309020205020404" pitchFamily="49" charset="0"/>
-                <a:cs typeface="Courier New" panose="02070309020205020404" pitchFamily="49" charset="0"/>
-              </a:rPr>
-              <a:t>=($(</a:t>
-            </a:r>
-            <a:r>
-              <a:rPr lang="en-US" sz="900" dirty="0" err="1">
-                <a:latin typeface="Courier New" panose="02070309020205020404" pitchFamily="49" charset="0"/>
-                <a:cs typeface="Courier New" panose="02070309020205020404" pitchFamily="49" charset="0"/>
-              </a:rPr>
-              <a:t>az</a:t>
-            </a:r>
-            <a:r>
-              <a:rPr lang="en-US" sz="900" dirty="0">
-                <a:latin typeface="Courier New" panose="02070309020205020404" pitchFamily="49" charset="0"/>
-                <a:cs typeface="Courier New" panose="02070309020205020404" pitchFamily="49" charset="0"/>
-              </a:rPr>
-              <a:t> deployment group create --name </a:t>
-            </a:r>
-            <a:r>
-              <a:rPr lang="en-US" sz="900" dirty="0" err="1">
-                <a:latin typeface="Courier New" panose="02070309020205020404" pitchFamily="49" charset="0"/>
-                <a:cs typeface="Courier New" panose="02070309020205020404" pitchFamily="49" charset="0"/>
-              </a:rPr>
-              <a:t>EdgeVMDeployment</a:t>
-            </a:r>
-            <a:r>
-              <a:rPr lang="en-US" sz="900" dirty="0">
-                <a:latin typeface="Courier New" panose="02070309020205020404" pitchFamily="49" charset="0"/>
-                <a:cs typeface="Courier New" panose="02070309020205020404" pitchFamily="49" charset="0"/>
-              </a:rPr>
-              <a:t> --resource-group "$</a:t>
-            </a:r>
-            <a:r>
-              <a:rPr lang="en-US" sz="900" dirty="0" err="1">
-                <a:latin typeface="Courier New" panose="02070309020205020404" pitchFamily="49" charset="0"/>
-                <a:cs typeface="Courier New" panose="02070309020205020404" pitchFamily="49" charset="0"/>
-              </a:rPr>
-              <a:t>rgname</a:t>
-            </a:r>
-            <a:r>
-              <a:rPr lang="en-US" sz="900" dirty="0">
-                <a:latin typeface="Courier New" panose="02070309020205020404" pitchFamily="49" charset="0"/>
-                <a:cs typeface="Courier New" panose="02070309020205020404" pitchFamily="49" charset="0"/>
-              </a:rPr>
-              <a:t>" --template-file "</a:t>
-            </a:r>
-            <a:r>
-              <a:rPr lang="en-US" sz="900" dirty="0" err="1">
-                <a:latin typeface="Courier New" panose="02070309020205020404" pitchFamily="49" charset="0"/>
-                <a:cs typeface="Courier New" panose="02070309020205020404" pitchFamily="49" charset="0"/>
-              </a:rPr>
-              <a:t>edgeVMTemplate.json</a:t>
-            </a:r>
-            <a:r>
-              <a:rPr lang="en-US" sz="900" dirty="0">
-                <a:latin typeface="Courier New" panose="02070309020205020404" pitchFamily="49" charset="0"/>
-                <a:cs typeface="Courier New" panose="02070309020205020404" pitchFamily="49" charset="0"/>
-              </a:rPr>
-              <a:t>" --parameters </a:t>
-            </a:r>
-            <a:r>
-              <a:rPr lang="en-US" sz="900" dirty="0" err="1">
-                <a:latin typeface="Courier New" panose="02070309020205020404" pitchFamily="49" charset="0"/>
-                <a:cs typeface="Courier New" panose="02070309020205020404" pitchFamily="49" charset="0"/>
-              </a:rPr>
-              <a:t>vmMachineName</a:t>
-            </a:r>
-            <a:r>
-              <a:rPr lang="en-US" sz="900" dirty="0">
-                <a:latin typeface="Courier New" panose="02070309020205020404" pitchFamily="49" charset="0"/>
-                <a:cs typeface="Courier New" panose="02070309020205020404" pitchFamily="49" charset="0"/>
-              </a:rPr>
               <a:t>="$</a:t>
             </a:r>
             <a:r>
@@ -7885,7 +7369,7 @@
                 <a:latin typeface="Courier New" panose="02070309020205020404" pitchFamily="49" charset="0"/>
                 <a:cs typeface="Courier New" panose="02070309020205020404" pitchFamily="49" charset="0"/>
               </a:rPr>
-              <a:t>edgeVMMachineName</a:t>
+              <a:t>adminUserSshPublicKey</a:t>
             </a:r>
             <a:r>
               <a:rPr lang="en-US" sz="900" dirty="0">
@@ -7899,90 +7383,6 @@
                 <a:latin typeface="Courier New" panose="02070309020205020404" pitchFamily="49" charset="0"/>
                 <a:cs typeface="Courier New" panose="02070309020205020404" pitchFamily="49" charset="0"/>
               </a:rPr>
-              <a:t>networkName</a:t>
-            </a:r>
-            <a:r>
-              <a:rPr lang="en-US" sz="900" dirty="0">
-                <a:latin typeface="Courier New" panose="02070309020205020404" pitchFamily="49" charset="0"/>
-                <a:cs typeface="Courier New" panose="02070309020205020404" pitchFamily="49" charset="0"/>
-              </a:rPr>
-              <a:t>="$</a:t>
-            </a:r>
-            <a:r>
-              <a:rPr lang="en-US" sz="900" dirty="0" err="1">
-                <a:latin typeface="Courier New" panose="02070309020205020404" pitchFamily="49" charset="0"/>
-                <a:cs typeface="Courier New" panose="02070309020205020404" pitchFamily="49" charset="0"/>
-              </a:rPr>
-              <a:t>networkName</a:t>
-            </a:r>
-            <a:r>
-              <a:rPr lang="en-US" sz="900" dirty="0">
-                <a:latin typeface="Courier New" panose="02070309020205020404" pitchFamily="49" charset="0"/>
-                <a:cs typeface="Courier New" panose="02070309020205020404" pitchFamily="49" charset="0"/>
-              </a:rPr>
-              <a:t>" </a:t>
-            </a:r>
-            <a:r>
-              <a:rPr lang="en-US" sz="900" dirty="0" err="1">
-                <a:latin typeface="Courier New" panose="02070309020205020404" pitchFamily="49" charset="0"/>
-                <a:cs typeface="Courier New" panose="02070309020205020404" pitchFamily="49" charset="0"/>
-              </a:rPr>
-              <a:t>adminUserName</a:t>
-            </a:r>
-            <a:r>
-              <a:rPr lang="en-US" sz="900" dirty="0">
-                <a:latin typeface="Courier New" panose="02070309020205020404" pitchFamily="49" charset="0"/>
-                <a:cs typeface="Courier New" panose="02070309020205020404" pitchFamily="49" charset="0"/>
-              </a:rPr>
-              <a:t>="</a:t>
-            </a:r>
-            <a:r>
-              <a:rPr lang="en-US" sz="900" dirty="0" err="1">
-                <a:latin typeface="Courier New" panose="02070309020205020404" pitchFamily="49" charset="0"/>
-                <a:cs typeface="Courier New" panose="02070309020205020404" pitchFamily="49" charset="0"/>
-              </a:rPr>
-              <a:t>azureuser</a:t>
-            </a:r>
-            <a:r>
-              <a:rPr lang="en-US" sz="900" dirty="0">
-                <a:latin typeface="Courier New" panose="02070309020205020404" pitchFamily="49" charset="0"/>
-                <a:cs typeface="Courier New" panose="02070309020205020404" pitchFamily="49" charset="0"/>
-              </a:rPr>
-              <a:t>" </a:t>
-            </a:r>
-            <a:r>
-              <a:rPr lang="en-US" sz="900" dirty="0" err="1">
-                <a:latin typeface="Courier New" panose="02070309020205020404" pitchFamily="49" charset="0"/>
-                <a:cs typeface="Courier New" panose="02070309020205020404" pitchFamily="49" charset="0"/>
-              </a:rPr>
-              <a:t>adminUserSshPublicKey</a:t>
-            </a:r>
-            <a:r>
-              <a:rPr lang="en-US" sz="900" dirty="0">
-                <a:latin typeface="Courier New" panose="02070309020205020404" pitchFamily="49" charset="0"/>
-                <a:cs typeface="Courier New" panose="02070309020205020404" pitchFamily="49" charset="0"/>
-              </a:rPr>
-              <a:t>="$</a:t>
-            </a:r>
-            <a:r>
-              <a:rPr lang="en-US" sz="900" dirty="0" err="1">
-                <a:latin typeface="Courier New" panose="02070309020205020404" pitchFamily="49" charset="0"/>
-                <a:cs typeface="Courier New" panose="02070309020205020404" pitchFamily="49" charset="0"/>
-              </a:rPr>
-              <a:t>adminUserSshPublicKey</a:t>
-            </a:r>
-            <a:r>
-              <a:rPr lang="en-US" sz="900" dirty="0">
-                <a:latin typeface="Courier New" panose="02070309020205020404" pitchFamily="49" charset="0"/>
-                <a:cs typeface="Courier New" panose="02070309020205020404" pitchFamily="49" charset="0"/>
-              </a:rPr>
-              <a:t>" </a:t>
-            </a:r>
-            <a:r>
-              <a:rPr lang="en-US" sz="900" dirty="0" err="1">
-                <a:latin typeface="Courier New" panose="02070309020205020404" pitchFamily="49" charset="0"/>
-                <a:cs typeface="Courier New" panose="02070309020205020404" pitchFamily="49" charset="0"/>
-              </a:rPr>
               <a:t>vmSize</a:t>
             </a:r>
             <a:r>
@@ -7990,91 +7390,7 @@
                 <a:latin typeface="Courier New" panose="02070309020205020404" pitchFamily="49" charset="0"/>
                 <a:cs typeface="Courier New" panose="02070309020205020404" pitchFamily="49" charset="0"/>
               </a:rPr>
-              <a:t>="Standard_B1ms" </a:t>
-            </a:r>
-            <a:r>
-              <a:rPr lang="en-US" sz="900" dirty="0" err="1">
-                <a:latin typeface="Courier New" panose="02070309020205020404" pitchFamily="49" charset="0"/>
-                <a:cs typeface="Courier New" panose="02070309020205020404" pitchFamily="49" charset="0"/>
-              </a:rPr>
-              <a:t>scopeId</a:t>
-            </a:r>
-            <a:r>
-              <a:rPr lang="en-US" sz="900" dirty="0">
-                <a:latin typeface="Courier New" panose="02070309020205020404" pitchFamily="49" charset="0"/>
-                <a:cs typeface="Courier New" panose="02070309020205020404" pitchFamily="49" charset="0"/>
-              </a:rPr>
-              <a:t>="$</a:t>
-            </a:r>
-            <a:r>
-              <a:rPr lang="en-US" sz="900" dirty="0" err="1">
-                <a:latin typeface="Courier New" panose="02070309020205020404" pitchFamily="49" charset="0"/>
-                <a:cs typeface="Courier New" panose="02070309020205020404" pitchFamily="49" charset="0"/>
-              </a:rPr>
-              <a:t>scopeid</a:t>
-            </a:r>
-            <a:r>
-              <a:rPr lang="en-US" sz="900" dirty="0">
-                <a:latin typeface="Courier New" panose="02070309020205020404" pitchFamily="49" charset="0"/>
-                <a:cs typeface="Courier New" panose="02070309020205020404" pitchFamily="49" charset="0"/>
-              </a:rPr>
-              <a:t>" </a:t>
-            </a:r>
-            <a:r>
-              <a:rPr lang="en-US" sz="900" dirty="0" err="1">
-                <a:latin typeface="Courier New" panose="02070309020205020404" pitchFamily="49" charset="0"/>
-                <a:cs typeface="Courier New" panose="02070309020205020404" pitchFamily="49" charset="0"/>
-              </a:rPr>
-              <a:t>deviceId</a:t>
-            </a:r>
-            <a:r>
-              <a:rPr lang="en-US" sz="900" dirty="0">
-                <a:latin typeface="Courier New" panose="02070309020205020404" pitchFamily="49" charset="0"/>
-                <a:cs typeface="Courier New" panose="02070309020205020404" pitchFamily="49" charset="0"/>
-              </a:rPr>
-              <a:t>="$</a:t>
-            </a:r>
-            <a:r>
-              <a:rPr lang="en-US" sz="900" dirty="0" err="1">
-                <a:latin typeface="Courier New" panose="02070309020205020404" pitchFamily="49" charset="0"/>
-                <a:cs typeface="Courier New" panose="02070309020205020404" pitchFamily="49" charset="0"/>
-              </a:rPr>
-              <a:t>deviceid</a:t>
-            </a:r>
-            <a:r>
-              <a:rPr lang="en-US" sz="900" dirty="0">
-                <a:latin typeface="Courier New" panose="02070309020205020404" pitchFamily="49" charset="0"/>
-                <a:cs typeface="Courier New" panose="02070309020205020404" pitchFamily="49" charset="0"/>
-              </a:rPr>
-              <a:t>" </a:t>
-            </a:r>
-            <a:r>
-              <a:rPr lang="en-US" sz="900" dirty="0" err="1">
-                <a:latin typeface="Courier New" panose="02070309020205020404" pitchFamily="49" charset="0"/>
-                <a:cs typeface="Courier New" panose="02070309020205020404" pitchFamily="49" charset="0"/>
-              </a:rPr>
-              <a:t>deviceKey</a:t>
-            </a:r>
-            <a:r>
-              <a:rPr lang="en-US" sz="900" dirty="0">
-                <a:latin typeface="Courier New" panose="02070309020205020404" pitchFamily="49" charset="0"/>
-                <a:cs typeface="Courier New" panose="02070309020205020404" pitchFamily="49" charset="0"/>
-              </a:rPr>
-              <a:t>="$</a:t>
-            </a:r>
-            <a:r>
-              <a:rPr lang="en-US" sz="900" dirty="0" err="1">
-                <a:latin typeface="Courier New" panose="02070309020205020404" pitchFamily="49" charset="0"/>
-                <a:cs typeface="Courier New" panose="02070309020205020404" pitchFamily="49" charset="0"/>
-              </a:rPr>
-              <a:t>devicekey</a:t>
-            </a:r>
-            <a:r>
-              <a:rPr lang="en-US" sz="900" dirty="0">
-                <a:latin typeface="Courier New" panose="02070309020205020404" pitchFamily="49" charset="0"/>
-                <a:cs typeface="Courier New" panose="02070309020205020404" pitchFamily="49" charset="0"/>
-              </a:rPr>
-              <a:t>" --query "</a:t>
+              <a:t>="Standard_B1ms" --query "</a:t>
             </a:r>
             <a:r>
               <a:rPr lang="en-US" sz="900" dirty="0" err="1">
@@ -8179,7 +7495,7 @@
                 <a:latin typeface="Courier New" panose="02070309020205020404" pitchFamily="49" charset="0"/>
                 <a:cs typeface="Courier New" panose="02070309020205020404" pitchFamily="49" charset="0"/>
               </a:rPr>
-              <a:t>edgeVMDeploymentOutput</a:t>
+              <a:t>simVMDeploymentOutput</a:t>
             </a:r>
             <a:r>
               <a:rPr lang="en-US" sz="900" dirty="0">
@@ -8212,7 +7528,7 @@
                 <a:latin typeface="Courier New" panose="02070309020205020404" pitchFamily="49" charset="0"/>
                 <a:cs typeface="Courier New" panose="02070309020205020404" pitchFamily="49" charset="0"/>
               </a:rPr>
-              <a:t>edgeVMDeploymentOutput</a:t>
+              <a:t>simVMDeploymentOutput</a:t>
             </a:r>
             <a:r>
               <a:rPr lang="en-US" sz="900" dirty="0">
@@ -8245,7 +7561,7 @@
                 <a:latin typeface="Courier New" panose="02070309020205020404" pitchFamily="49" charset="0"/>
                 <a:cs typeface="Courier New" panose="02070309020205020404" pitchFamily="49" charset="0"/>
               </a:rPr>
-              <a:t>edgeVMDeploymentOutput</a:t>
+              <a:t>simVMDeploymentOutput</a:t>
             </a:r>
             <a:r>
               <a:rPr lang="en-US" sz="900" dirty="0">
@@ -8264,7 +7580,7 @@
                 <a:latin typeface="Courier New" panose="02070309020205020404" pitchFamily="49" charset="0"/>
                 <a:cs typeface="Courier New" panose="02070309020205020404" pitchFamily="49" charset="0"/>
               </a:rPr>
-              <a:t>echo "Edge VM SSH       : </a:t>
+              <a:t>echo "Simulator VM SSH  : </a:t>
             </a:r>
             <a:r>
               <a:rPr lang="en-US" sz="900" dirty="0" err="1">
@@ -8303,25 +7619,13 @@
               <a:latin typeface="Courier New" panose="02070309020205020404" pitchFamily="49" charset="0"/>
               <a:cs typeface="Courier New" panose="02070309020205020404" pitchFamily="49" charset="0"/>
             </a:endParaRPr>
-          </a:p>
-          <a:p>
-            <a:pPr marL="0" indent="0">
-              <a:buNone/>
-            </a:pPr>
-            <a:r>
-              <a:rPr lang="en-US" sz="900" dirty="0">
-                <a:latin typeface="Courier New" panose="02070309020205020404" pitchFamily="49" charset="0"/>
-                <a:cs typeface="Courier New" panose="02070309020205020404" pitchFamily="49" charset="0"/>
-              </a:rPr>
-              <a:t>echo "You can now navigate to: https://$appname.azureiotcentral.com/devices"</a:t>
-            </a:r>
           </a:p>
         </p:txBody>
       </p:sp>
     </p:spTree>
     <p:extLst>
       <p:ext uri="{BB962C8B-B14F-4D97-AF65-F5344CB8AC3E}">
-        <p14:creationId xmlns:p14="http://schemas.microsoft.com/office/powerpoint/2010/main" val="1888628639"/>
+        <p14:creationId xmlns:p14="http://schemas.microsoft.com/office/powerpoint/2010/main" val="594562726"/>
       </p:ext>
     </p:extLst>
   </p:cSld>
@@ -8353,7 +7657,7 @@
           <p:cNvPr id="2" name="Title 1">
             <a:extLst>
               <a:ext uri="{FF2B5EF4-FFF2-40B4-BE49-F238E27FC236}">
-                <a16:creationId xmlns:a16="http://schemas.microsoft.com/office/drawing/2014/main" id="{5692EEB3-954D-BD0E-038B-C32E58A4F446}"/>
+                <a16:creationId xmlns:a16="http://schemas.microsoft.com/office/drawing/2014/main" id="{342F26CA-914E-C7D2-93FA-772665CD8D6B}"/>
               </a:ext>
             </a:extLst>
           </p:cNvPr>
@@ -8364,14 +7668,19 @@
             <p:ph type="title"/>
           </p:nvPr>
         </p:nvSpPr>
-        <p:spPr/>
+        <p:spPr>
+          <a:xfrm>
+            <a:off x="838200" y="0"/>
+            <a:ext cx="10515600" cy="1325563"/>
+          </a:xfrm>
+        </p:spPr>
         <p:txBody>
           <a:bodyPr/>
           <a:lstStyle/>
           <a:p>
             <a:r>
               <a:rPr lang="en-US" dirty="0"/>
-              <a:t>Step 5</a:t>
+              <a:t>Step 4</a:t>
             </a:r>
           </a:p>
         </p:txBody>
@@ -8381,7 +7690,7 @@
           <p:cNvPr id="3" name="Content Placeholder 2">
             <a:extLst>
               <a:ext uri="{FF2B5EF4-FFF2-40B4-BE49-F238E27FC236}">
-                <a16:creationId xmlns:a16="http://schemas.microsoft.com/office/drawing/2014/main" id="{35C76F0A-2E4E-2D45-CDCD-FFBB1155F3DA}"/>
+                <a16:creationId xmlns:a16="http://schemas.microsoft.com/office/drawing/2014/main" id="{8AD159F6-7184-5FB4-D282-7BCC6DAA0DE2}"/>
               </a:ext>
             </a:extLst>
           </p:cNvPr>
@@ -8394,8 +7703,8 @@
         </p:nvSpPr>
         <p:spPr>
           <a:xfrm>
-            <a:off x="838200" y="1470622"/>
-            <a:ext cx="10515600" cy="4351338"/>
+            <a:off x="838199" y="1430767"/>
+            <a:ext cx="10844605" cy="5249732"/>
           </a:xfrm>
         </p:spPr>
         <p:txBody>
@@ -8404,64 +7713,1106 @@
           </a:bodyPr>
           <a:lstStyle/>
           <a:p>
-            <a:r>
-              <a:rPr lang="en-US" sz="2000" dirty="0"/>
-              <a:t>The Device status changes from Registered to Provisioned when the IoT Edge device connects. May take several minutes.</a:t>
+            <a:pPr marL="0" indent="0">
+              <a:buNone/>
+            </a:pPr>
+            <a:r>
+              <a:rPr lang="en-US" sz="900" dirty="0" err="1">
+                <a:latin typeface="Courier New" panose="02070309020205020404" pitchFamily="49" charset="0"/>
+                <a:cs typeface="Courier New" panose="02070309020205020404" pitchFamily="49" charset="0"/>
+              </a:rPr>
+              <a:t>deviceid</a:t>
+            </a:r>
+            <a:r>
+              <a:rPr lang="en-US" sz="900" dirty="0">
+                <a:latin typeface="Courier New" panose="02070309020205020404" pitchFamily="49" charset="0"/>
+                <a:cs typeface="Courier New" panose="02070309020205020404" pitchFamily="49" charset="0"/>
+              </a:rPr>
+              <a:t>="asset1"</a:t>
+            </a:r>
+          </a:p>
+          <a:p>
+            <a:pPr marL="0" indent="0">
+              <a:buNone/>
+            </a:pPr>
+            <a:r>
+              <a:rPr lang="en-US" sz="900" dirty="0" err="1">
+                <a:latin typeface="Courier New" panose="02070309020205020404" pitchFamily="49" charset="0"/>
+                <a:cs typeface="Courier New" panose="02070309020205020404" pitchFamily="49" charset="0"/>
+              </a:rPr>
+              <a:t>devicetemplate</a:t>
+            </a:r>
+            <a:r>
+              <a:rPr lang="en-US" sz="900" dirty="0">
+                <a:latin typeface="Courier New" panose="02070309020205020404" pitchFamily="49" charset="0"/>
+                <a:cs typeface="Courier New" panose="02070309020205020404" pitchFamily="49" charset="0"/>
+              </a:rPr>
+              <a:t>="</a:t>
+            </a:r>
+            <a:r>
+              <a:rPr lang="en-US" sz="900" dirty="0" err="1">
+                <a:latin typeface="Courier New" panose="02070309020205020404" pitchFamily="49" charset="0"/>
+                <a:cs typeface="Courier New" panose="02070309020205020404" pitchFamily="49" charset="0"/>
+              </a:rPr>
+              <a:t>BoltMaker</a:t>
+            </a:r>
+            <a:r>
+              <a:rPr lang="en-US" sz="900" dirty="0">
+                <a:latin typeface="Courier New" panose="02070309020205020404" pitchFamily="49" charset="0"/>
+                <a:cs typeface="Courier New" panose="02070309020205020404" pitchFamily="49" charset="0"/>
+              </a:rPr>
+              <a:t>"</a:t>
+            </a:r>
+          </a:p>
+          <a:p>
+            <a:pPr marL="0" indent="0">
+              <a:buNone/>
+            </a:pPr>
+            <a:r>
+              <a:rPr lang="en-US" sz="900" dirty="0" err="1">
+                <a:latin typeface="Courier New" panose="02070309020205020404" pitchFamily="49" charset="0"/>
+                <a:cs typeface="Courier New" panose="02070309020205020404" pitchFamily="49" charset="0"/>
+              </a:rPr>
+              <a:t>devicetemplateid</a:t>
+            </a:r>
+            <a:r>
+              <a:rPr lang="en-US" sz="900" dirty="0">
+                <a:latin typeface="Courier New" panose="02070309020205020404" pitchFamily="49" charset="0"/>
+                <a:cs typeface="Courier New" panose="02070309020205020404" pitchFamily="49" charset="0"/>
+              </a:rPr>
+              <a:t>=($(</a:t>
+            </a:r>
+            <a:r>
+              <a:rPr lang="en-US" sz="900" dirty="0" err="1">
+                <a:latin typeface="Courier New" panose="02070309020205020404" pitchFamily="49" charset="0"/>
+                <a:cs typeface="Courier New" panose="02070309020205020404" pitchFamily="49" charset="0"/>
+              </a:rPr>
+              <a:t>az</a:t>
+            </a:r>
+            <a:r>
+              <a:rPr lang="en-US" sz="900" dirty="0">
+                <a:latin typeface="Courier New" panose="02070309020205020404" pitchFamily="49" charset="0"/>
+                <a:cs typeface="Courier New" panose="02070309020205020404" pitchFamily="49" charset="0"/>
+              </a:rPr>
+              <a:t> </a:t>
+            </a:r>
+            <a:r>
+              <a:rPr lang="en-US" sz="900" dirty="0" err="1">
+                <a:latin typeface="Courier New" panose="02070309020205020404" pitchFamily="49" charset="0"/>
+                <a:cs typeface="Courier New" panose="02070309020205020404" pitchFamily="49" charset="0"/>
+              </a:rPr>
+              <a:t>iot</a:t>
+            </a:r>
+            <a:r>
+              <a:rPr lang="en-US" sz="900" dirty="0">
+                <a:latin typeface="Courier New" panose="02070309020205020404" pitchFamily="49" charset="0"/>
+                <a:cs typeface="Courier New" panose="02070309020205020404" pitchFamily="49" charset="0"/>
+              </a:rPr>
+              <a:t> central device-template list --app-id $</a:t>
+            </a:r>
+            <a:r>
+              <a:rPr lang="en-US" sz="900" dirty="0" err="1">
+                <a:latin typeface="Courier New" panose="02070309020205020404" pitchFamily="49" charset="0"/>
+                <a:cs typeface="Courier New" panose="02070309020205020404" pitchFamily="49" charset="0"/>
+              </a:rPr>
+              <a:t>appid</a:t>
+            </a:r>
+            <a:r>
+              <a:rPr lang="en-US" sz="900" dirty="0">
+                <a:latin typeface="Courier New" panose="02070309020205020404" pitchFamily="49" charset="0"/>
+                <a:cs typeface="Courier New" panose="02070309020205020404" pitchFamily="49" charset="0"/>
+              </a:rPr>
+              <a:t> --compact --query "[?</a:t>
+            </a:r>
+            <a:r>
+              <a:rPr lang="en-US" sz="900" dirty="0" err="1">
+                <a:latin typeface="Courier New" panose="02070309020205020404" pitchFamily="49" charset="0"/>
+                <a:cs typeface="Courier New" panose="02070309020205020404" pitchFamily="49" charset="0"/>
+              </a:rPr>
+              <a:t>displayName.contains</a:t>
+            </a:r>
+            <a:r>
+              <a:rPr lang="en-US" sz="900" dirty="0">
+                <a:latin typeface="Courier New" panose="02070309020205020404" pitchFamily="49" charset="0"/>
+                <a:cs typeface="Courier New" panose="02070309020205020404" pitchFamily="49" charset="0"/>
+              </a:rPr>
+              <a:t>(@, '$</a:t>
+            </a:r>
+            <a:r>
+              <a:rPr lang="en-US" sz="900" dirty="0" err="1">
+                <a:latin typeface="Courier New" panose="02070309020205020404" pitchFamily="49" charset="0"/>
+                <a:cs typeface="Courier New" panose="02070309020205020404" pitchFamily="49" charset="0"/>
+              </a:rPr>
+              <a:t>devicetemplate</a:t>
+            </a:r>
+            <a:r>
+              <a:rPr lang="en-US" sz="900" dirty="0">
+                <a:latin typeface="Courier New" panose="02070309020205020404" pitchFamily="49" charset="0"/>
+                <a:cs typeface="Courier New" panose="02070309020205020404" pitchFamily="49" charset="0"/>
+              </a:rPr>
+              <a:t>')].\"@id\"" -o </a:t>
+            </a:r>
+            <a:r>
+              <a:rPr lang="en-US" sz="900" dirty="0" err="1">
+                <a:latin typeface="Courier New" panose="02070309020205020404" pitchFamily="49" charset="0"/>
+                <a:cs typeface="Courier New" panose="02070309020205020404" pitchFamily="49" charset="0"/>
+              </a:rPr>
+              <a:t>tsv</a:t>
+            </a:r>
+            <a:r>
+              <a:rPr lang="en-US" sz="900" dirty="0">
+                <a:latin typeface="Courier New" panose="02070309020205020404" pitchFamily="49" charset="0"/>
+                <a:cs typeface="Courier New" panose="02070309020205020404" pitchFamily="49" charset="0"/>
+              </a:rPr>
+              <a:t>))</a:t>
+            </a:r>
+          </a:p>
+          <a:p>
+            <a:pPr marL="0" indent="0">
+              <a:buNone/>
+            </a:pPr>
+            <a:r>
+              <a:rPr lang="en-US" sz="900" dirty="0" err="1">
+                <a:latin typeface="Courier New" panose="02070309020205020404" pitchFamily="49" charset="0"/>
+                <a:cs typeface="Courier New" panose="02070309020205020404" pitchFamily="49" charset="0"/>
+              </a:rPr>
+              <a:t>az</a:t>
+            </a:r>
+            <a:r>
+              <a:rPr lang="en-US" sz="900" dirty="0">
+                <a:latin typeface="Courier New" panose="02070309020205020404" pitchFamily="49" charset="0"/>
+                <a:cs typeface="Courier New" panose="02070309020205020404" pitchFamily="49" charset="0"/>
+              </a:rPr>
+              <a:t> </a:t>
+            </a:r>
+            <a:r>
+              <a:rPr lang="en-US" sz="900" dirty="0" err="1">
+                <a:latin typeface="Courier New" panose="02070309020205020404" pitchFamily="49" charset="0"/>
+                <a:cs typeface="Courier New" panose="02070309020205020404" pitchFamily="49" charset="0"/>
+              </a:rPr>
+              <a:t>iot</a:t>
+            </a:r>
+            <a:r>
+              <a:rPr lang="en-US" sz="900" dirty="0">
+                <a:latin typeface="Courier New" panose="02070309020205020404" pitchFamily="49" charset="0"/>
+                <a:cs typeface="Courier New" panose="02070309020205020404" pitchFamily="49" charset="0"/>
+              </a:rPr>
+              <a:t> central device create --app-id $</a:t>
+            </a:r>
+            <a:r>
+              <a:rPr lang="en-US" sz="900" dirty="0" err="1">
+                <a:latin typeface="Courier New" panose="02070309020205020404" pitchFamily="49" charset="0"/>
+                <a:cs typeface="Courier New" panose="02070309020205020404" pitchFamily="49" charset="0"/>
+              </a:rPr>
+              <a:t>appid</a:t>
+            </a:r>
+            <a:r>
+              <a:rPr lang="en-US" sz="900" dirty="0">
+                <a:latin typeface="Courier New" panose="02070309020205020404" pitchFamily="49" charset="0"/>
+                <a:cs typeface="Courier New" panose="02070309020205020404" pitchFamily="49" charset="0"/>
+              </a:rPr>
+              <a:t> --device-id $</a:t>
+            </a:r>
+            <a:r>
+              <a:rPr lang="en-US" sz="900" dirty="0" err="1">
+                <a:latin typeface="Courier New" panose="02070309020205020404" pitchFamily="49" charset="0"/>
+                <a:cs typeface="Courier New" panose="02070309020205020404" pitchFamily="49" charset="0"/>
+              </a:rPr>
+              <a:t>deviceid</a:t>
+            </a:r>
+            <a:r>
+              <a:rPr lang="en-US" sz="900" dirty="0">
+                <a:latin typeface="Courier New" panose="02070309020205020404" pitchFamily="49" charset="0"/>
+                <a:cs typeface="Courier New" panose="02070309020205020404" pitchFamily="49" charset="0"/>
+              </a:rPr>
+              <a:t> --template $</a:t>
+            </a:r>
+            <a:r>
+              <a:rPr lang="en-US" sz="900" dirty="0" err="1">
+                <a:latin typeface="Courier New" panose="02070309020205020404" pitchFamily="49" charset="0"/>
+                <a:cs typeface="Courier New" panose="02070309020205020404" pitchFamily="49" charset="0"/>
+              </a:rPr>
+              <a:t>devicetemplateid</a:t>
+            </a:r>
+            <a:endParaRPr lang="en-US" sz="900" dirty="0">
+              <a:latin typeface="Courier New" panose="02070309020205020404" pitchFamily="49" charset="0"/>
+              <a:cs typeface="Courier New" panose="02070309020205020404" pitchFamily="49" charset="0"/>
+            </a:endParaRPr>
+          </a:p>
+          <a:p>
+            <a:pPr marL="0" indent="0">
+              <a:buNone/>
+            </a:pPr>
+            <a:endParaRPr lang="en-US" sz="900" dirty="0">
+              <a:latin typeface="Courier New" panose="02070309020205020404" pitchFamily="49" charset="0"/>
+              <a:cs typeface="Courier New" panose="02070309020205020404" pitchFamily="49" charset="0"/>
+            </a:endParaRPr>
+          </a:p>
+          <a:p>
+            <a:pPr marL="0" indent="0">
+              <a:buNone/>
+            </a:pPr>
+            <a:r>
+              <a:rPr lang="en-US" sz="900" dirty="0" err="1">
+                <a:latin typeface="Courier New" panose="02070309020205020404" pitchFamily="49" charset="0"/>
+                <a:cs typeface="Courier New" panose="02070309020205020404" pitchFamily="49" charset="0"/>
+              </a:rPr>
+              <a:t>scopeid</a:t>
+            </a:r>
+            <a:r>
+              <a:rPr lang="en-US" sz="900" dirty="0">
+                <a:latin typeface="Courier New" panose="02070309020205020404" pitchFamily="49" charset="0"/>
+                <a:cs typeface="Courier New" panose="02070309020205020404" pitchFamily="49" charset="0"/>
+              </a:rPr>
+              <a:t>=($(</a:t>
+            </a:r>
+            <a:r>
+              <a:rPr lang="en-US" sz="900" dirty="0" err="1">
+                <a:latin typeface="Courier New" panose="02070309020205020404" pitchFamily="49" charset="0"/>
+                <a:cs typeface="Courier New" panose="02070309020205020404" pitchFamily="49" charset="0"/>
+              </a:rPr>
+              <a:t>az</a:t>
+            </a:r>
+            <a:r>
+              <a:rPr lang="en-US" sz="900" dirty="0">
+                <a:latin typeface="Courier New" panose="02070309020205020404" pitchFamily="49" charset="0"/>
+                <a:cs typeface="Courier New" panose="02070309020205020404" pitchFamily="49" charset="0"/>
+              </a:rPr>
+              <a:t> </a:t>
+            </a:r>
+            <a:r>
+              <a:rPr lang="en-US" sz="900" dirty="0" err="1">
+                <a:latin typeface="Courier New" panose="02070309020205020404" pitchFamily="49" charset="0"/>
+                <a:cs typeface="Courier New" panose="02070309020205020404" pitchFamily="49" charset="0"/>
+              </a:rPr>
+              <a:t>iot</a:t>
+            </a:r>
+            <a:r>
+              <a:rPr lang="en-US" sz="900" dirty="0">
+                <a:latin typeface="Courier New" panose="02070309020205020404" pitchFamily="49" charset="0"/>
+                <a:cs typeface="Courier New" panose="02070309020205020404" pitchFamily="49" charset="0"/>
+              </a:rPr>
+              <a:t> central device show-credentials --app-id $</a:t>
+            </a:r>
+            <a:r>
+              <a:rPr lang="en-US" sz="900" dirty="0" err="1">
+                <a:latin typeface="Courier New" panose="02070309020205020404" pitchFamily="49" charset="0"/>
+                <a:cs typeface="Courier New" panose="02070309020205020404" pitchFamily="49" charset="0"/>
+              </a:rPr>
+              <a:t>appid</a:t>
+            </a:r>
+            <a:r>
+              <a:rPr lang="en-US" sz="900" dirty="0">
+                <a:latin typeface="Courier New" panose="02070309020205020404" pitchFamily="49" charset="0"/>
+                <a:cs typeface="Courier New" panose="02070309020205020404" pitchFamily="49" charset="0"/>
+              </a:rPr>
+              <a:t> --device-id $</a:t>
+            </a:r>
+            <a:r>
+              <a:rPr lang="en-US" sz="900" dirty="0" err="1">
+                <a:latin typeface="Courier New" panose="02070309020205020404" pitchFamily="49" charset="0"/>
+                <a:cs typeface="Courier New" panose="02070309020205020404" pitchFamily="49" charset="0"/>
+              </a:rPr>
+              <a:t>deviceid</a:t>
+            </a:r>
+            <a:r>
+              <a:rPr lang="en-US" sz="900" dirty="0">
+                <a:latin typeface="Courier New" panose="02070309020205020404" pitchFamily="49" charset="0"/>
+                <a:cs typeface="Courier New" panose="02070309020205020404" pitchFamily="49" charset="0"/>
+              </a:rPr>
+              <a:t> --query "</a:t>
+            </a:r>
+            <a:r>
+              <a:rPr lang="en-US" sz="900" dirty="0" err="1">
+                <a:latin typeface="Courier New" panose="02070309020205020404" pitchFamily="49" charset="0"/>
+                <a:cs typeface="Courier New" panose="02070309020205020404" pitchFamily="49" charset="0"/>
+              </a:rPr>
+              <a:t>idScope</a:t>
+            </a:r>
+            <a:r>
+              <a:rPr lang="en-US" sz="900" dirty="0">
+                <a:latin typeface="Courier New" panose="02070309020205020404" pitchFamily="49" charset="0"/>
+                <a:cs typeface="Courier New" panose="02070309020205020404" pitchFamily="49" charset="0"/>
+              </a:rPr>
+              <a:t>" -o </a:t>
+            </a:r>
+            <a:r>
+              <a:rPr lang="en-US" sz="900" dirty="0" err="1">
+                <a:latin typeface="Courier New" panose="02070309020205020404" pitchFamily="49" charset="0"/>
+                <a:cs typeface="Courier New" panose="02070309020205020404" pitchFamily="49" charset="0"/>
+              </a:rPr>
+              <a:t>tsv</a:t>
+            </a:r>
+            <a:r>
+              <a:rPr lang="en-US" sz="900" dirty="0">
+                <a:latin typeface="Courier New" panose="02070309020205020404" pitchFamily="49" charset="0"/>
+                <a:cs typeface="Courier New" panose="02070309020205020404" pitchFamily="49" charset="0"/>
+              </a:rPr>
+              <a:t>))</a:t>
+            </a:r>
+          </a:p>
+          <a:p>
+            <a:pPr marL="0" indent="0">
+              <a:buNone/>
+            </a:pPr>
+            <a:r>
+              <a:rPr lang="en-US" sz="900" dirty="0" err="1">
+                <a:latin typeface="Courier New" panose="02070309020205020404" pitchFamily="49" charset="0"/>
+                <a:cs typeface="Courier New" panose="02070309020205020404" pitchFamily="49" charset="0"/>
+              </a:rPr>
+              <a:t>devicekey</a:t>
+            </a:r>
+            <a:r>
+              <a:rPr lang="en-US" sz="900" dirty="0">
+                <a:latin typeface="Courier New" panose="02070309020205020404" pitchFamily="49" charset="0"/>
+                <a:cs typeface="Courier New" panose="02070309020205020404" pitchFamily="49" charset="0"/>
+              </a:rPr>
+              <a:t>=($(</a:t>
+            </a:r>
+            <a:r>
+              <a:rPr lang="en-US" sz="900" dirty="0" err="1">
+                <a:latin typeface="Courier New" panose="02070309020205020404" pitchFamily="49" charset="0"/>
+                <a:cs typeface="Courier New" panose="02070309020205020404" pitchFamily="49" charset="0"/>
+              </a:rPr>
+              <a:t>az</a:t>
+            </a:r>
+            <a:r>
+              <a:rPr lang="en-US" sz="900" dirty="0">
+                <a:latin typeface="Courier New" panose="02070309020205020404" pitchFamily="49" charset="0"/>
+                <a:cs typeface="Courier New" panose="02070309020205020404" pitchFamily="49" charset="0"/>
+              </a:rPr>
+              <a:t> </a:t>
+            </a:r>
+            <a:r>
+              <a:rPr lang="en-US" sz="900" dirty="0" err="1">
+                <a:latin typeface="Courier New" panose="02070309020205020404" pitchFamily="49" charset="0"/>
+                <a:cs typeface="Courier New" panose="02070309020205020404" pitchFamily="49" charset="0"/>
+              </a:rPr>
+              <a:t>iot</a:t>
+            </a:r>
+            <a:r>
+              <a:rPr lang="en-US" sz="900" dirty="0">
+                <a:latin typeface="Courier New" panose="02070309020205020404" pitchFamily="49" charset="0"/>
+                <a:cs typeface="Courier New" panose="02070309020205020404" pitchFamily="49" charset="0"/>
+              </a:rPr>
+              <a:t> central device show-credentials --app-id $</a:t>
+            </a:r>
+            <a:r>
+              <a:rPr lang="en-US" sz="900" dirty="0" err="1">
+                <a:latin typeface="Courier New" panose="02070309020205020404" pitchFamily="49" charset="0"/>
+                <a:cs typeface="Courier New" panose="02070309020205020404" pitchFamily="49" charset="0"/>
+              </a:rPr>
+              <a:t>appid</a:t>
+            </a:r>
+            <a:r>
+              <a:rPr lang="en-US" sz="900" dirty="0">
+                <a:latin typeface="Courier New" panose="02070309020205020404" pitchFamily="49" charset="0"/>
+                <a:cs typeface="Courier New" panose="02070309020205020404" pitchFamily="49" charset="0"/>
+              </a:rPr>
+              <a:t> --device-id $</a:t>
+            </a:r>
+            <a:r>
+              <a:rPr lang="en-US" sz="900" dirty="0" err="1">
+                <a:latin typeface="Courier New" panose="02070309020205020404" pitchFamily="49" charset="0"/>
+                <a:cs typeface="Courier New" panose="02070309020205020404" pitchFamily="49" charset="0"/>
+              </a:rPr>
+              <a:t>deviceid</a:t>
+            </a:r>
+            <a:r>
+              <a:rPr lang="en-US" sz="900" dirty="0">
+                <a:latin typeface="Courier New" panose="02070309020205020404" pitchFamily="49" charset="0"/>
+                <a:cs typeface="Courier New" panose="02070309020205020404" pitchFamily="49" charset="0"/>
+              </a:rPr>
+              <a:t> --query "</a:t>
+            </a:r>
+            <a:r>
+              <a:rPr lang="en-US" sz="900" dirty="0" err="1">
+                <a:latin typeface="Courier New" panose="02070309020205020404" pitchFamily="49" charset="0"/>
+                <a:cs typeface="Courier New" panose="02070309020205020404" pitchFamily="49" charset="0"/>
+              </a:rPr>
+              <a:t>symmetricKey.primaryKey</a:t>
+            </a:r>
+            <a:r>
+              <a:rPr lang="en-US" sz="900" dirty="0">
+                <a:latin typeface="Courier New" panose="02070309020205020404" pitchFamily="49" charset="0"/>
+                <a:cs typeface="Courier New" panose="02070309020205020404" pitchFamily="49" charset="0"/>
+              </a:rPr>
+              <a:t>" -o </a:t>
+            </a:r>
+            <a:r>
+              <a:rPr lang="en-US" sz="900" dirty="0" err="1">
+                <a:latin typeface="Courier New" panose="02070309020205020404" pitchFamily="49" charset="0"/>
+                <a:cs typeface="Courier New" panose="02070309020205020404" pitchFamily="49" charset="0"/>
+              </a:rPr>
+              <a:t>tsv</a:t>
+            </a:r>
+            <a:r>
+              <a:rPr lang="en-US" sz="900" dirty="0">
+                <a:latin typeface="Courier New" panose="02070309020205020404" pitchFamily="49" charset="0"/>
+                <a:cs typeface="Courier New" panose="02070309020205020404" pitchFamily="49" charset="0"/>
+              </a:rPr>
+              <a:t>))</a:t>
+            </a:r>
+          </a:p>
+          <a:p>
+            <a:pPr marL="0" indent="0">
+              <a:buNone/>
+            </a:pPr>
+            <a:endParaRPr lang="en-US" sz="900" dirty="0">
+              <a:latin typeface="Courier New" panose="02070309020205020404" pitchFamily="49" charset="0"/>
+              <a:cs typeface="Courier New" panose="02070309020205020404" pitchFamily="49" charset="0"/>
+            </a:endParaRPr>
+          </a:p>
+          <a:p>
+            <a:pPr marL="0" indent="0">
+              <a:buNone/>
+            </a:pPr>
+            <a:r>
+              <a:rPr lang="en-US" sz="900" dirty="0" err="1">
+                <a:latin typeface="Courier New" panose="02070309020205020404" pitchFamily="49" charset="0"/>
+                <a:cs typeface="Courier New" panose="02070309020205020404" pitchFamily="49" charset="0"/>
+              </a:rPr>
+              <a:t>edgeVMMachineName</a:t>
+            </a:r>
+            <a:r>
+              <a:rPr lang="en-US" sz="900" dirty="0">
+                <a:latin typeface="Courier New" panose="02070309020205020404" pitchFamily="49" charset="0"/>
+                <a:cs typeface="Courier New" panose="02070309020205020404" pitchFamily="49" charset="0"/>
+              </a:rPr>
+              <a:t>="</a:t>
+            </a:r>
+            <a:r>
+              <a:rPr lang="en-US" sz="900" dirty="0" err="1">
+                <a:latin typeface="Courier New" panose="02070309020205020404" pitchFamily="49" charset="0"/>
+                <a:cs typeface="Courier New" panose="02070309020205020404" pitchFamily="49" charset="0"/>
+              </a:rPr>
+              <a:t>iiotholedgevm</a:t>
+            </a:r>
+            <a:r>
+              <a:rPr lang="en-US" sz="900" dirty="0">
+                <a:latin typeface="Courier New" panose="02070309020205020404" pitchFamily="49" charset="0"/>
+                <a:cs typeface="Courier New" panose="02070309020205020404" pitchFamily="49" charset="0"/>
+              </a:rPr>
+              <a:t>-$</a:t>
+            </a:r>
+            <a:r>
+              <a:rPr lang="en-US" sz="900" dirty="0" err="1">
+                <a:latin typeface="Courier New" panose="02070309020205020404" pitchFamily="49" charset="0"/>
+                <a:cs typeface="Courier New" panose="02070309020205020404" pitchFamily="49" charset="0"/>
+              </a:rPr>
+              <a:t>instanceid</a:t>
+            </a:r>
+            <a:r>
+              <a:rPr lang="en-US" sz="900" dirty="0">
+                <a:latin typeface="Courier New" panose="02070309020205020404" pitchFamily="49" charset="0"/>
+                <a:cs typeface="Courier New" panose="02070309020205020404" pitchFamily="49" charset="0"/>
+              </a:rPr>
+              <a:t>“</a:t>
+            </a:r>
+          </a:p>
+          <a:p>
+            <a:pPr marL="0" indent="0">
+              <a:buNone/>
+            </a:pPr>
+            <a:r>
+              <a:rPr lang="en-US" sz="900" dirty="0" err="1">
+                <a:latin typeface="Courier New" panose="02070309020205020404" pitchFamily="49" charset="0"/>
+                <a:cs typeface="Courier New" panose="02070309020205020404" pitchFamily="49" charset="0"/>
+              </a:rPr>
+              <a:t>adminUserSshPublicKey</a:t>
+            </a:r>
+            <a:r>
+              <a:rPr lang="en-US" sz="900" dirty="0">
+                <a:latin typeface="Courier New" panose="02070309020205020404" pitchFamily="49" charset="0"/>
+                <a:cs typeface="Courier New" panose="02070309020205020404" pitchFamily="49" charset="0"/>
+              </a:rPr>
+              <a:t>=$(cat $(</a:t>
+            </a:r>
+            <a:r>
+              <a:rPr lang="en-US" sz="900" dirty="0" err="1">
+                <a:latin typeface="Courier New" panose="02070309020205020404" pitchFamily="49" charset="0"/>
+                <a:cs typeface="Courier New" panose="02070309020205020404" pitchFamily="49" charset="0"/>
+              </a:rPr>
+              <a:t>readlink</a:t>
+            </a:r>
+            <a:r>
+              <a:rPr lang="en-US" sz="900" dirty="0">
+                <a:latin typeface="Courier New" panose="02070309020205020404" pitchFamily="49" charset="0"/>
+                <a:cs typeface="Courier New" panose="02070309020205020404" pitchFamily="49" charset="0"/>
+              </a:rPr>
+              <a:t> -f ~/.</a:t>
+            </a:r>
+            <a:r>
+              <a:rPr lang="en-US" sz="900" dirty="0" err="1">
+                <a:latin typeface="Courier New" panose="02070309020205020404" pitchFamily="49" charset="0"/>
+                <a:cs typeface="Courier New" panose="02070309020205020404" pitchFamily="49" charset="0"/>
+              </a:rPr>
+              <a:t>ssh</a:t>
+            </a:r>
+            <a:r>
+              <a:rPr lang="en-US" sz="900" dirty="0">
+                <a:latin typeface="Courier New" panose="02070309020205020404" pitchFamily="49" charset="0"/>
+                <a:cs typeface="Courier New" panose="02070309020205020404" pitchFamily="49" charset="0"/>
+              </a:rPr>
+              <a:t>/id_rsa.pub))</a:t>
+            </a:r>
+          </a:p>
+          <a:p>
+            <a:pPr marL="0" indent="0">
+              <a:buNone/>
+            </a:pPr>
+            <a:r>
+              <a:rPr lang="en-US" sz="900" dirty="0">
+                <a:latin typeface="Courier New" panose="02070309020205020404" pitchFamily="49" charset="0"/>
+                <a:cs typeface="Courier New" panose="02070309020205020404" pitchFamily="49" charset="0"/>
+              </a:rPr>
+              <a:t>echo "Creating virtual machine $</a:t>
+            </a:r>
+            <a:r>
+              <a:rPr lang="en-US" sz="900" dirty="0" err="1">
+                <a:latin typeface="Courier New" panose="02070309020205020404" pitchFamily="49" charset="0"/>
+                <a:cs typeface="Courier New" panose="02070309020205020404" pitchFamily="49" charset="0"/>
+              </a:rPr>
+              <a:t>edgeVMMachineName</a:t>
+            </a:r>
+            <a:r>
+              <a:rPr lang="en-US" sz="900" dirty="0">
+                <a:latin typeface="Courier New" panose="02070309020205020404" pitchFamily="49" charset="0"/>
+                <a:cs typeface="Courier New" panose="02070309020205020404" pitchFamily="49" charset="0"/>
+              </a:rPr>
+              <a:t>"</a:t>
+            </a:r>
+          </a:p>
+          <a:p>
+            <a:pPr marL="0" indent="0">
+              <a:buNone/>
+            </a:pPr>
+            <a:r>
+              <a:rPr lang="en-US" sz="900" dirty="0" err="1">
+                <a:latin typeface="Courier New" panose="02070309020205020404" pitchFamily="49" charset="0"/>
+                <a:cs typeface="Courier New" panose="02070309020205020404" pitchFamily="49" charset="0"/>
+              </a:rPr>
+              <a:t>edgeVMDeploymentOutput</a:t>
+            </a:r>
+            <a:r>
+              <a:rPr lang="en-US" sz="900" dirty="0">
+                <a:latin typeface="Courier New" panose="02070309020205020404" pitchFamily="49" charset="0"/>
+                <a:cs typeface="Courier New" panose="02070309020205020404" pitchFamily="49" charset="0"/>
+              </a:rPr>
+              <a:t>=($(</a:t>
+            </a:r>
+            <a:r>
+              <a:rPr lang="en-US" sz="900" dirty="0" err="1">
+                <a:latin typeface="Courier New" panose="02070309020205020404" pitchFamily="49" charset="0"/>
+                <a:cs typeface="Courier New" panose="02070309020205020404" pitchFamily="49" charset="0"/>
+              </a:rPr>
+              <a:t>az</a:t>
+            </a:r>
+            <a:r>
+              <a:rPr lang="en-US" sz="900" dirty="0">
+                <a:latin typeface="Courier New" panose="02070309020205020404" pitchFamily="49" charset="0"/>
+                <a:cs typeface="Courier New" panose="02070309020205020404" pitchFamily="49" charset="0"/>
+              </a:rPr>
+              <a:t> deployment group create --name </a:t>
+            </a:r>
+            <a:r>
+              <a:rPr lang="en-US" sz="900" dirty="0" err="1">
+                <a:latin typeface="Courier New" panose="02070309020205020404" pitchFamily="49" charset="0"/>
+                <a:cs typeface="Courier New" panose="02070309020205020404" pitchFamily="49" charset="0"/>
+              </a:rPr>
+              <a:t>EdgeVMDeployment</a:t>
+            </a:r>
+            <a:r>
+              <a:rPr lang="en-US" sz="900" dirty="0">
+                <a:latin typeface="Courier New" panose="02070309020205020404" pitchFamily="49" charset="0"/>
+                <a:cs typeface="Courier New" panose="02070309020205020404" pitchFamily="49" charset="0"/>
+              </a:rPr>
+              <a:t> --resource-group "$</a:t>
+            </a:r>
+            <a:r>
+              <a:rPr lang="en-US" sz="900" dirty="0" err="1">
+                <a:latin typeface="Courier New" panose="02070309020205020404" pitchFamily="49" charset="0"/>
+                <a:cs typeface="Courier New" panose="02070309020205020404" pitchFamily="49" charset="0"/>
+              </a:rPr>
+              <a:t>rgname</a:t>
+            </a:r>
+            <a:r>
+              <a:rPr lang="en-US" sz="900" dirty="0">
+                <a:latin typeface="Courier New" panose="02070309020205020404" pitchFamily="49" charset="0"/>
+                <a:cs typeface="Courier New" panose="02070309020205020404" pitchFamily="49" charset="0"/>
+              </a:rPr>
+              <a:t>" --template-file "</a:t>
+            </a:r>
+            <a:r>
+              <a:rPr lang="en-US" sz="900" dirty="0" err="1">
+                <a:latin typeface="Courier New" panose="02070309020205020404" pitchFamily="49" charset="0"/>
+                <a:cs typeface="Courier New" panose="02070309020205020404" pitchFamily="49" charset="0"/>
+              </a:rPr>
+              <a:t>edgeVMTemplate.json</a:t>
+            </a:r>
+            <a:r>
+              <a:rPr lang="en-US" sz="900" dirty="0">
+                <a:latin typeface="Courier New" panose="02070309020205020404" pitchFamily="49" charset="0"/>
+                <a:cs typeface="Courier New" panose="02070309020205020404" pitchFamily="49" charset="0"/>
+              </a:rPr>
+              <a:t>" --parameters </a:t>
+            </a:r>
+            <a:r>
+              <a:rPr lang="en-US" sz="900" dirty="0" err="1">
+                <a:latin typeface="Courier New" panose="02070309020205020404" pitchFamily="49" charset="0"/>
+                <a:cs typeface="Courier New" panose="02070309020205020404" pitchFamily="49" charset="0"/>
+              </a:rPr>
+              <a:t>vmMachineName</a:t>
+            </a:r>
+            <a:r>
+              <a:rPr lang="en-US" sz="900" dirty="0">
+                <a:latin typeface="Courier New" panose="02070309020205020404" pitchFamily="49" charset="0"/>
+                <a:cs typeface="Courier New" panose="02070309020205020404" pitchFamily="49" charset="0"/>
+              </a:rPr>
+              <a:t>="$</a:t>
+            </a:r>
+            <a:r>
+              <a:rPr lang="en-US" sz="900" dirty="0" err="1">
+                <a:latin typeface="Courier New" panose="02070309020205020404" pitchFamily="49" charset="0"/>
+                <a:cs typeface="Courier New" panose="02070309020205020404" pitchFamily="49" charset="0"/>
+              </a:rPr>
+              <a:t>edgeVMMachineName</a:t>
+            </a:r>
+            <a:r>
+              <a:rPr lang="en-US" sz="900" dirty="0">
+                <a:latin typeface="Courier New" panose="02070309020205020404" pitchFamily="49" charset="0"/>
+                <a:cs typeface="Courier New" panose="02070309020205020404" pitchFamily="49" charset="0"/>
+              </a:rPr>
+              <a:t>" </a:t>
+            </a:r>
+            <a:r>
+              <a:rPr lang="en-US" sz="900" dirty="0" err="1">
+                <a:latin typeface="Courier New" panose="02070309020205020404" pitchFamily="49" charset="0"/>
+                <a:cs typeface="Courier New" panose="02070309020205020404" pitchFamily="49" charset="0"/>
+              </a:rPr>
+              <a:t>networkName</a:t>
+            </a:r>
+            <a:r>
+              <a:rPr lang="en-US" sz="900" dirty="0">
+                <a:latin typeface="Courier New" panose="02070309020205020404" pitchFamily="49" charset="0"/>
+                <a:cs typeface="Courier New" panose="02070309020205020404" pitchFamily="49" charset="0"/>
+              </a:rPr>
+              <a:t>="$</a:t>
+            </a:r>
+            <a:r>
+              <a:rPr lang="en-US" sz="900" dirty="0" err="1">
+                <a:latin typeface="Courier New" panose="02070309020205020404" pitchFamily="49" charset="0"/>
+                <a:cs typeface="Courier New" panose="02070309020205020404" pitchFamily="49" charset="0"/>
+              </a:rPr>
+              <a:t>networkName</a:t>
+            </a:r>
+            <a:r>
+              <a:rPr lang="en-US" sz="900" dirty="0">
+                <a:latin typeface="Courier New" panose="02070309020205020404" pitchFamily="49" charset="0"/>
+                <a:cs typeface="Courier New" panose="02070309020205020404" pitchFamily="49" charset="0"/>
+              </a:rPr>
+              <a:t>" </a:t>
+            </a:r>
+            <a:r>
+              <a:rPr lang="en-US" sz="900" dirty="0" err="1">
+                <a:latin typeface="Courier New" panose="02070309020205020404" pitchFamily="49" charset="0"/>
+                <a:cs typeface="Courier New" panose="02070309020205020404" pitchFamily="49" charset="0"/>
+              </a:rPr>
+              <a:t>adminUserName</a:t>
+            </a:r>
+            <a:r>
+              <a:rPr lang="en-US" sz="900" dirty="0">
+                <a:latin typeface="Courier New" panose="02070309020205020404" pitchFamily="49" charset="0"/>
+                <a:cs typeface="Courier New" panose="02070309020205020404" pitchFamily="49" charset="0"/>
+              </a:rPr>
+              <a:t>="</a:t>
+            </a:r>
+            <a:r>
+              <a:rPr lang="en-US" sz="900" dirty="0" err="1">
+                <a:latin typeface="Courier New" panose="02070309020205020404" pitchFamily="49" charset="0"/>
+                <a:cs typeface="Courier New" panose="02070309020205020404" pitchFamily="49" charset="0"/>
+              </a:rPr>
+              <a:t>azureuser</a:t>
+            </a:r>
+            <a:r>
+              <a:rPr lang="en-US" sz="900" dirty="0">
+                <a:latin typeface="Courier New" panose="02070309020205020404" pitchFamily="49" charset="0"/>
+                <a:cs typeface="Courier New" panose="02070309020205020404" pitchFamily="49" charset="0"/>
+              </a:rPr>
+              <a:t>" </a:t>
+            </a:r>
+            <a:r>
+              <a:rPr lang="en-US" sz="900" dirty="0" err="1">
+                <a:latin typeface="Courier New" panose="02070309020205020404" pitchFamily="49" charset="0"/>
+                <a:cs typeface="Courier New" panose="02070309020205020404" pitchFamily="49" charset="0"/>
+              </a:rPr>
+              <a:t>adminUserSshPublicKey</a:t>
+            </a:r>
+            <a:r>
+              <a:rPr lang="en-US" sz="900" dirty="0">
+                <a:latin typeface="Courier New" panose="02070309020205020404" pitchFamily="49" charset="0"/>
+                <a:cs typeface="Courier New" panose="02070309020205020404" pitchFamily="49" charset="0"/>
+              </a:rPr>
+              <a:t>="$</a:t>
+            </a:r>
+            <a:r>
+              <a:rPr lang="en-US" sz="900" dirty="0" err="1">
+                <a:latin typeface="Courier New" panose="02070309020205020404" pitchFamily="49" charset="0"/>
+                <a:cs typeface="Courier New" panose="02070309020205020404" pitchFamily="49" charset="0"/>
+              </a:rPr>
+              <a:t>adminUserSshPublicKey</a:t>
+            </a:r>
+            <a:r>
+              <a:rPr lang="en-US" sz="900" dirty="0">
+                <a:latin typeface="Courier New" panose="02070309020205020404" pitchFamily="49" charset="0"/>
+                <a:cs typeface="Courier New" panose="02070309020205020404" pitchFamily="49" charset="0"/>
+              </a:rPr>
+              <a:t>" </a:t>
+            </a:r>
+            <a:r>
+              <a:rPr lang="en-US" sz="900" dirty="0" err="1">
+                <a:latin typeface="Courier New" panose="02070309020205020404" pitchFamily="49" charset="0"/>
+                <a:cs typeface="Courier New" panose="02070309020205020404" pitchFamily="49" charset="0"/>
+              </a:rPr>
+              <a:t>vmSize</a:t>
+            </a:r>
+            <a:r>
+              <a:rPr lang="en-US" sz="900" dirty="0">
+                <a:latin typeface="Courier New" panose="02070309020205020404" pitchFamily="49" charset="0"/>
+                <a:cs typeface="Courier New" panose="02070309020205020404" pitchFamily="49" charset="0"/>
+              </a:rPr>
+              <a:t>="Standard_B1ms" </a:t>
+            </a:r>
+            <a:r>
+              <a:rPr lang="en-US" sz="900" dirty="0" err="1">
+                <a:latin typeface="Courier New" panose="02070309020205020404" pitchFamily="49" charset="0"/>
+                <a:cs typeface="Courier New" panose="02070309020205020404" pitchFamily="49" charset="0"/>
+              </a:rPr>
+              <a:t>scopeId</a:t>
+            </a:r>
+            <a:r>
+              <a:rPr lang="en-US" sz="900" dirty="0">
+                <a:latin typeface="Courier New" panose="02070309020205020404" pitchFamily="49" charset="0"/>
+                <a:cs typeface="Courier New" panose="02070309020205020404" pitchFamily="49" charset="0"/>
+              </a:rPr>
+              <a:t>="$</a:t>
+            </a:r>
+            <a:r>
+              <a:rPr lang="en-US" sz="900" dirty="0" err="1">
+                <a:latin typeface="Courier New" panose="02070309020205020404" pitchFamily="49" charset="0"/>
+                <a:cs typeface="Courier New" panose="02070309020205020404" pitchFamily="49" charset="0"/>
+              </a:rPr>
+              <a:t>scopeid</a:t>
+            </a:r>
+            <a:r>
+              <a:rPr lang="en-US" sz="900" dirty="0">
+                <a:latin typeface="Courier New" panose="02070309020205020404" pitchFamily="49" charset="0"/>
+                <a:cs typeface="Courier New" panose="02070309020205020404" pitchFamily="49" charset="0"/>
+              </a:rPr>
+              <a:t>" </a:t>
+            </a:r>
+            <a:r>
+              <a:rPr lang="en-US" sz="900" dirty="0" err="1">
+                <a:latin typeface="Courier New" panose="02070309020205020404" pitchFamily="49" charset="0"/>
+                <a:cs typeface="Courier New" panose="02070309020205020404" pitchFamily="49" charset="0"/>
+              </a:rPr>
+              <a:t>deviceId</a:t>
+            </a:r>
+            <a:r>
+              <a:rPr lang="en-US" sz="900" dirty="0">
+                <a:latin typeface="Courier New" panose="02070309020205020404" pitchFamily="49" charset="0"/>
+                <a:cs typeface="Courier New" panose="02070309020205020404" pitchFamily="49" charset="0"/>
+              </a:rPr>
+              <a:t>="$</a:t>
+            </a:r>
+            <a:r>
+              <a:rPr lang="en-US" sz="900" dirty="0" err="1">
+                <a:latin typeface="Courier New" panose="02070309020205020404" pitchFamily="49" charset="0"/>
+                <a:cs typeface="Courier New" panose="02070309020205020404" pitchFamily="49" charset="0"/>
+              </a:rPr>
+              <a:t>deviceid</a:t>
+            </a:r>
+            <a:r>
+              <a:rPr lang="en-US" sz="900" dirty="0">
+                <a:latin typeface="Courier New" panose="02070309020205020404" pitchFamily="49" charset="0"/>
+                <a:cs typeface="Courier New" panose="02070309020205020404" pitchFamily="49" charset="0"/>
+              </a:rPr>
+              <a:t>" </a:t>
+            </a:r>
+            <a:r>
+              <a:rPr lang="en-US" sz="900" dirty="0" err="1">
+                <a:latin typeface="Courier New" panose="02070309020205020404" pitchFamily="49" charset="0"/>
+                <a:cs typeface="Courier New" panose="02070309020205020404" pitchFamily="49" charset="0"/>
+              </a:rPr>
+              <a:t>deviceKey</a:t>
+            </a:r>
+            <a:r>
+              <a:rPr lang="en-US" sz="900" dirty="0">
+                <a:latin typeface="Courier New" panose="02070309020205020404" pitchFamily="49" charset="0"/>
+                <a:cs typeface="Courier New" panose="02070309020205020404" pitchFamily="49" charset="0"/>
+              </a:rPr>
+              <a:t>="$</a:t>
+            </a:r>
+            <a:r>
+              <a:rPr lang="en-US" sz="900" dirty="0" err="1">
+                <a:latin typeface="Courier New" panose="02070309020205020404" pitchFamily="49" charset="0"/>
+                <a:cs typeface="Courier New" panose="02070309020205020404" pitchFamily="49" charset="0"/>
+              </a:rPr>
+              <a:t>devicekey</a:t>
+            </a:r>
+            <a:r>
+              <a:rPr lang="en-US" sz="900" dirty="0">
+                <a:latin typeface="Courier New" panose="02070309020205020404" pitchFamily="49" charset="0"/>
+                <a:cs typeface="Courier New" panose="02070309020205020404" pitchFamily="49" charset="0"/>
+              </a:rPr>
+              <a:t>" --query "</a:t>
+            </a:r>
+            <a:r>
+              <a:rPr lang="en-US" sz="900" dirty="0" err="1">
+                <a:latin typeface="Courier New" panose="02070309020205020404" pitchFamily="49" charset="0"/>
+                <a:cs typeface="Courier New" panose="02070309020205020404" pitchFamily="49" charset="0"/>
+              </a:rPr>
+              <a:t>properties.outputs</a:t>
+            </a:r>
+            <a:r>
+              <a:rPr lang="en-US" sz="900" dirty="0">
+                <a:latin typeface="Courier New" panose="02070309020205020404" pitchFamily="49" charset="0"/>
+                <a:cs typeface="Courier New" panose="02070309020205020404" pitchFamily="49" charset="0"/>
+              </a:rPr>
+              <a:t>.[</a:t>
+            </a:r>
+            <a:r>
+              <a:rPr lang="en-US" sz="900" dirty="0" err="1">
+                <a:latin typeface="Courier New" panose="02070309020205020404" pitchFamily="49" charset="0"/>
+                <a:cs typeface="Courier New" panose="02070309020205020404" pitchFamily="49" charset="0"/>
+              </a:rPr>
+              <a:t>vmMachineName.value</a:t>
+            </a:r>
+            <a:r>
+              <a:rPr lang="en-US" sz="900" dirty="0">
+                <a:latin typeface="Courier New" panose="02070309020205020404" pitchFamily="49" charset="0"/>
+                <a:cs typeface="Courier New" panose="02070309020205020404" pitchFamily="49" charset="0"/>
+              </a:rPr>
+              <a:t>, </a:t>
+            </a:r>
+            <a:r>
+              <a:rPr lang="en-US" sz="900" dirty="0" err="1">
+                <a:latin typeface="Courier New" panose="02070309020205020404" pitchFamily="49" charset="0"/>
+                <a:cs typeface="Courier New" panose="02070309020205020404" pitchFamily="49" charset="0"/>
+              </a:rPr>
+              <a:t>vmMachineFqdn.value</a:t>
+            </a:r>
+            <a:r>
+              <a:rPr lang="en-US" sz="900" dirty="0">
+                <a:latin typeface="Courier New" panose="02070309020205020404" pitchFamily="49" charset="0"/>
+                <a:cs typeface="Courier New" panose="02070309020205020404" pitchFamily="49" charset="0"/>
+              </a:rPr>
+              <a:t>, </a:t>
+            </a:r>
+            <a:r>
+              <a:rPr lang="en-US" sz="900" dirty="0" err="1">
+                <a:latin typeface="Courier New" panose="02070309020205020404" pitchFamily="49" charset="0"/>
+                <a:cs typeface="Courier New" panose="02070309020205020404" pitchFamily="49" charset="0"/>
+              </a:rPr>
+              <a:t>vmAdminUserName.value</a:t>
+            </a:r>
+            <a:r>
+              <a:rPr lang="en-US" sz="900" dirty="0">
+                <a:latin typeface="Courier New" panose="02070309020205020404" pitchFamily="49" charset="0"/>
+                <a:cs typeface="Courier New" panose="02070309020205020404" pitchFamily="49" charset="0"/>
+              </a:rPr>
+              <a:t>]" -o </a:t>
+            </a:r>
+            <a:r>
+              <a:rPr lang="en-US" sz="900" dirty="0" err="1">
+                <a:latin typeface="Courier New" panose="02070309020205020404" pitchFamily="49" charset="0"/>
+                <a:cs typeface="Courier New" panose="02070309020205020404" pitchFamily="49" charset="0"/>
+              </a:rPr>
+              <a:t>tsv</a:t>
+            </a:r>
+            <a:r>
+              <a:rPr lang="en-US" sz="900" dirty="0">
+                <a:latin typeface="Courier New" panose="02070309020205020404" pitchFamily="49" charset="0"/>
+                <a:cs typeface="Courier New" panose="02070309020205020404" pitchFamily="49" charset="0"/>
+              </a:rPr>
+              <a:t>)) </a:t>
+            </a:r>
+          </a:p>
+          <a:p>
+            <a:pPr marL="0" indent="0">
+              <a:buNone/>
+            </a:pPr>
+            <a:endParaRPr lang="en-US" sz="900" dirty="0">
+              <a:latin typeface="Courier New" panose="02070309020205020404" pitchFamily="49" charset="0"/>
+              <a:cs typeface="Courier New" panose="02070309020205020404" pitchFamily="49" charset="0"/>
+            </a:endParaRPr>
+          </a:p>
+          <a:p>
+            <a:pPr marL="0" indent="0">
+              <a:buNone/>
+            </a:pPr>
+            <a:r>
+              <a:rPr lang="en-US" sz="900" dirty="0" err="1">
+                <a:latin typeface="Courier New" panose="02070309020205020404" pitchFamily="49" charset="0"/>
+                <a:cs typeface="Courier New" panose="02070309020205020404" pitchFamily="49" charset="0"/>
+              </a:rPr>
+              <a:t>vmMachineName</a:t>
+            </a:r>
+            <a:r>
+              <a:rPr lang="en-US" sz="900" dirty="0">
+                <a:latin typeface="Courier New" panose="02070309020205020404" pitchFamily="49" charset="0"/>
+                <a:cs typeface="Courier New" panose="02070309020205020404" pitchFamily="49" charset="0"/>
+              </a:rPr>
+              <a:t>=${</a:t>
+            </a:r>
+            <a:r>
+              <a:rPr lang="en-US" sz="900" dirty="0" err="1">
+                <a:latin typeface="Courier New" panose="02070309020205020404" pitchFamily="49" charset="0"/>
+                <a:cs typeface="Courier New" panose="02070309020205020404" pitchFamily="49" charset="0"/>
+              </a:rPr>
+              <a:t>edgeVMDeploymentOutput</a:t>
+            </a:r>
+            <a:r>
+              <a:rPr lang="en-US" sz="900" dirty="0">
+                <a:latin typeface="Courier New" panose="02070309020205020404" pitchFamily="49" charset="0"/>
+                <a:cs typeface="Courier New" panose="02070309020205020404" pitchFamily="49" charset="0"/>
+              </a:rPr>
+              <a:t>[0]}</a:t>
+            </a:r>
+          </a:p>
+          <a:p>
+            <a:pPr marL="0" indent="0">
+              <a:buNone/>
+            </a:pPr>
+            <a:r>
+              <a:rPr lang="en-US" sz="900" dirty="0" err="1">
+                <a:latin typeface="Courier New" panose="02070309020205020404" pitchFamily="49" charset="0"/>
+                <a:cs typeface="Courier New" panose="02070309020205020404" pitchFamily="49" charset="0"/>
+              </a:rPr>
+              <a:t>vmMachineFqdn</a:t>
+            </a:r>
+            <a:r>
+              <a:rPr lang="en-US" sz="900" dirty="0">
+                <a:latin typeface="Courier New" panose="02070309020205020404" pitchFamily="49" charset="0"/>
+                <a:cs typeface="Courier New" panose="02070309020205020404" pitchFamily="49" charset="0"/>
+              </a:rPr>
+              <a:t>=${</a:t>
+            </a:r>
+            <a:r>
+              <a:rPr lang="en-US" sz="900" dirty="0" err="1">
+                <a:latin typeface="Courier New" panose="02070309020205020404" pitchFamily="49" charset="0"/>
+                <a:cs typeface="Courier New" panose="02070309020205020404" pitchFamily="49" charset="0"/>
+              </a:rPr>
+              <a:t>edgeVMDeploymentOutput</a:t>
+            </a:r>
+            <a:r>
+              <a:rPr lang="en-US" sz="900" dirty="0">
+                <a:latin typeface="Courier New" panose="02070309020205020404" pitchFamily="49" charset="0"/>
+                <a:cs typeface="Courier New" panose="02070309020205020404" pitchFamily="49" charset="0"/>
+              </a:rPr>
+              <a:t>[1]}</a:t>
+            </a:r>
+          </a:p>
+          <a:p>
+            <a:pPr marL="0" indent="0">
+              <a:buNone/>
+            </a:pPr>
+            <a:r>
+              <a:rPr lang="en-US" sz="900" dirty="0" err="1">
+                <a:latin typeface="Courier New" panose="02070309020205020404" pitchFamily="49" charset="0"/>
+                <a:cs typeface="Courier New" panose="02070309020205020404" pitchFamily="49" charset="0"/>
+              </a:rPr>
+              <a:t>vmAdminUserName</a:t>
+            </a:r>
+            <a:r>
+              <a:rPr lang="en-US" sz="900" dirty="0">
+                <a:latin typeface="Courier New" panose="02070309020205020404" pitchFamily="49" charset="0"/>
+                <a:cs typeface="Courier New" panose="02070309020205020404" pitchFamily="49" charset="0"/>
+              </a:rPr>
+              <a:t>=${</a:t>
+            </a:r>
+            <a:r>
+              <a:rPr lang="en-US" sz="900" dirty="0" err="1">
+                <a:latin typeface="Courier New" panose="02070309020205020404" pitchFamily="49" charset="0"/>
+                <a:cs typeface="Courier New" panose="02070309020205020404" pitchFamily="49" charset="0"/>
+              </a:rPr>
+              <a:t>edgeVMDeploymentOutput</a:t>
+            </a:r>
+            <a:r>
+              <a:rPr lang="en-US" sz="900" dirty="0">
+                <a:latin typeface="Courier New" panose="02070309020205020404" pitchFamily="49" charset="0"/>
+                <a:cs typeface="Courier New" panose="02070309020205020404" pitchFamily="49" charset="0"/>
+              </a:rPr>
+              <a:t>[2]}</a:t>
+            </a:r>
+          </a:p>
+          <a:p>
+            <a:pPr marL="0" indent="0">
+              <a:buNone/>
+            </a:pPr>
+            <a:r>
+              <a:rPr lang="en-US" sz="900" dirty="0">
+                <a:latin typeface="Courier New" panose="02070309020205020404" pitchFamily="49" charset="0"/>
+                <a:cs typeface="Courier New" panose="02070309020205020404" pitchFamily="49" charset="0"/>
+              </a:rPr>
+              <a:t>echo "Edge VM SSH       : </a:t>
+            </a:r>
+            <a:r>
+              <a:rPr lang="en-US" sz="900" dirty="0" err="1">
+                <a:latin typeface="Courier New" panose="02070309020205020404" pitchFamily="49" charset="0"/>
+                <a:cs typeface="Courier New" panose="02070309020205020404" pitchFamily="49" charset="0"/>
+              </a:rPr>
+              <a:t>ssh</a:t>
+            </a:r>
+            <a:r>
+              <a:rPr lang="en-US" sz="900" dirty="0">
+                <a:latin typeface="Courier New" panose="02070309020205020404" pitchFamily="49" charset="0"/>
+                <a:cs typeface="Courier New" panose="02070309020205020404" pitchFamily="49" charset="0"/>
+              </a:rPr>
+              <a:t> ${</a:t>
+            </a:r>
+            <a:r>
+              <a:rPr lang="en-US" sz="900" dirty="0" err="1">
+                <a:latin typeface="Courier New" panose="02070309020205020404" pitchFamily="49" charset="0"/>
+                <a:cs typeface="Courier New" panose="02070309020205020404" pitchFamily="49" charset="0"/>
+              </a:rPr>
+              <a:t>vmAdminUserName</a:t>
+            </a:r>
+            <a:r>
+              <a:rPr lang="en-US" sz="900" dirty="0">
+                <a:latin typeface="Courier New" panose="02070309020205020404" pitchFamily="49" charset="0"/>
+                <a:cs typeface="Courier New" panose="02070309020205020404" pitchFamily="49" charset="0"/>
+              </a:rPr>
+              <a:t>}@${vmMachineFqdn}"</a:t>
+            </a:r>
+          </a:p>
+          <a:p>
+            <a:pPr marL="0" indent="0">
+              <a:buNone/>
+            </a:pPr>
+            <a:endParaRPr lang="en-US" sz="900" dirty="0">
+              <a:latin typeface="Courier New" panose="02070309020205020404" pitchFamily="49" charset="0"/>
+              <a:cs typeface="Courier New" panose="02070309020205020404" pitchFamily="49" charset="0"/>
+            </a:endParaRPr>
+          </a:p>
+          <a:p>
+            <a:pPr marL="0" indent="0">
+              <a:buNone/>
+            </a:pPr>
+            <a:r>
+              <a:rPr lang="en-US" sz="900" dirty="0">
+                <a:latin typeface="Courier New" panose="02070309020205020404" pitchFamily="49" charset="0"/>
+                <a:cs typeface="Courier New" panose="02070309020205020404" pitchFamily="49" charset="0"/>
+              </a:rPr>
+              <a:t>echo "You can now navigate to: https://$appname.azureiotcentral.com/devices"</a:t>
             </a:r>
           </a:p>
         </p:txBody>
       </p:sp>
-      <p:pic>
-        <p:nvPicPr>
-          <p:cNvPr id="2052" name="Picture 4">
-            <a:extLst>
-              <a:ext uri="{FF2B5EF4-FFF2-40B4-BE49-F238E27FC236}">
-                <a16:creationId xmlns:a16="http://schemas.microsoft.com/office/drawing/2014/main" id="{61C371C3-FF7A-F301-C212-F1298E115242}"/>
-              </a:ext>
-            </a:extLst>
-          </p:cNvPr>
-          <p:cNvPicPr>
-            <a:picLocks noChangeAspect="1" noChangeArrowheads="1"/>
-          </p:cNvPicPr>
-          <p:nvPr/>
-        </p:nvPicPr>
-        <p:blipFill>
-          <a:blip r:embed="rId2">
-            <a:extLst>
-              <a:ext uri="{28A0092B-C50C-407E-A947-70E740481C1C}">
-                <a14:useLocalDpi xmlns:a14="http://schemas.microsoft.com/office/drawing/2010/main" val="0"/>
-              </a:ext>
-            </a:extLst>
-          </a:blip>
-          <a:srcRect/>
-          <a:stretch>
-            <a:fillRect/>
-          </a:stretch>
-        </p:blipFill>
-        <p:spPr bwMode="auto">
-          <a:xfrm>
-            <a:off x="1037216" y="2282863"/>
-            <a:ext cx="10515600" cy="4381500"/>
-          </a:xfrm>
-          <a:prstGeom prst="rect">
-            <a:avLst/>
-          </a:prstGeom>
-          <a:noFill/>
-          <a:extLst>
-            <a:ext uri="{909E8E84-426E-40DD-AFC4-6F175D3DCCD1}">
-              <a14:hiddenFill xmlns:a14="http://schemas.microsoft.com/office/drawing/2010/main">
-                <a:solidFill>
-                  <a:srgbClr val="FFFFFF"/>
-                </a:solidFill>
-              </a14:hiddenFill>
-            </a:ext>
-          </a:extLst>
-        </p:spPr>
-      </p:pic>
     </p:spTree>
     <p:extLst>
       <p:ext uri="{BB962C8B-B14F-4D97-AF65-F5344CB8AC3E}">
-        <p14:creationId xmlns:p14="http://schemas.microsoft.com/office/powerpoint/2010/main" val="1860876146"/>
+        <p14:creationId xmlns:p14="http://schemas.microsoft.com/office/powerpoint/2010/main" val="1888628639"/>
       </p:ext>
     </p:extLst>
   </p:cSld>
